--- a/Documents/theme/diapo.pptx
+++ b/Documents/theme/diapo.pptx
@@ -14,29 +14,30 @@
     <p:sldId id="268" r:id="rId7"/>
     <p:sldId id="267" r:id="rId8"/>
     <p:sldId id="269" r:id="rId9"/>
-    <p:sldId id="270" r:id="rId10"/>
-    <p:sldId id="271" r:id="rId11"/>
-    <p:sldId id="293" r:id="rId12"/>
-    <p:sldId id="294" r:id="rId13"/>
-    <p:sldId id="272" r:id="rId14"/>
-    <p:sldId id="273" r:id="rId15"/>
-    <p:sldId id="275" r:id="rId16"/>
-    <p:sldId id="276" r:id="rId17"/>
-    <p:sldId id="277" r:id="rId18"/>
-    <p:sldId id="280" r:id="rId19"/>
-    <p:sldId id="278" r:id="rId20"/>
-    <p:sldId id="279" r:id="rId21"/>
-    <p:sldId id="281" r:id="rId22"/>
-    <p:sldId id="282" r:id="rId23"/>
-    <p:sldId id="283" r:id="rId24"/>
-    <p:sldId id="284" r:id="rId25"/>
-    <p:sldId id="286" r:id="rId26"/>
-    <p:sldId id="285" r:id="rId27"/>
-    <p:sldId id="287" r:id="rId28"/>
-    <p:sldId id="288" r:id="rId29"/>
-    <p:sldId id="289" r:id="rId30"/>
-    <p:sldId id="292" r:id="rId31"/>
-    <p:sldId id="291" r:id="rId32"/>
+    <p:sldId id="314" r:id="rId10"/>
+    <p:sldId id="270" r:id="rId11"/>
+    <p:sldId id="271" r:id="rId12"/>
+    <p:sldId id="293" r:id="rId13"/>
+    <p:sldId id="294" r:id="rId14"/>
+    <p:sldId id="272" r:id="rId15"/>
+    <p:sldId id="273" r:id="rId16"/>
+    <p:sldId id="275" r:id="rId17"/>
+    <p:sldId id="276" r:id="rId18"/>
+    <p:sldId id="277" r:id="rId19"/>
+    <p:sldId id="280" r:id="rId20"/>
+    <p:sldId id="278" r:id="rId21"/>
+    <p:sldId id="279" r:id="rId22"/>
+    <p:sldId id="281" r:id="rId23"/>
+    <p:sldId id="282" r:id="rId24"/>
+    <p:sldId id="283" r:id="rId25"/>
+    <p:sldId id="284" r:id="rId26"/>
+    <p:sldId id="286" r:id="rId27"/>
+    <p:sldId id="285" r:id="rId28"/>
+    <p:sldId id="287" r:id="rId29"/>
+    <p:sldId id="288" r:id="rId30"/>
+    <p:sldId id="289" r:id="rId31"/>
+    <p:sldId id="292" r:id="rId32"/>
+    <p:sldId id="291" r:id="rId33"/>
   </p:sldIdLst>
   <p:sldSz cx="12192000" cy="6858000"/>
   <p:notesSz cx="6858000" cy="9144000"/>
@@ -4320,14 +4321,14 @@
       </p:sp>
       <p:sp>
         <p:nvSpPr>
-          <p:cNvPr id="11" name="Oval 10"/>
+          <p:cNvPr id="10" name="Oval 9"/>
           <p:cNvSpPr/>
           <p:nvPr/>
         </p:nvSpPr>
         <p:spPr>
           <a:xfrm>
-            <a:off x="83185" y="5449570"/>
-            <a:ext cx="2315845" cy="1035685"/>
+            <a:off x="208915" y="2076450"/>
+            <a:ext cx="2122805" cy="904875"/>
           </a:xfrm>
           <a:prstGeom prst="ellipse">
             <a:avLst/>
@@ -4358,7 +4359,7 @@
                 <a:latin typeface="Times New Roman" panose="02020603050405020304" charset="0"/>
                 <a:cs typeface="Times New Roman" panose="02020603050405020304" charset="0"/>
               </a:rPr>
-              <a:t>Paiement mobile</a:t>
+              <a:t>Indexation</a:t>
             </a:r>
             <a:endParaRPr lang="en-US" altLang="en-US" sz="2200" b="1">
               <a:latin typeface="Times New Roman" panose="02020603050405020304" charset="0"/>
@@ -4369,14 +4370,14 @@
       </p:sp>
       <p:sp>
         <p:nvSpPr>
-          <p:cNvPr id="12" name="Oval 11"/>
+          <p:cNvPr id="13" name="Oval 12"/>
           <p:cNvSpPr/>
           <p:nvPr/>
         </p:nvSpPr>
         <p:spPr>
           <a:xfrm>
-            <a:off x="83185" y="2068830"/>
-            <a:ext cx="2688590" cy="1651000"/>
+            <a:off x="82550" y="4953635"/>
+            <a:ext cx="2396490" cy="1070610"/>
           </a:xfrm>
           <a:prstGeom prst="ellipse">
             <a:avLst/>
@@ -4407,7 +4408,7 @@
                 <a:latin typeface="Times New Roman" panose="02020603050405020304" charset="0"/>
                 <a:cs typeface="Times New Roman" panose="02020603050405020304" charset="0"/>
               </a:rPr>
-              <a:t>Gestion des droits numériques</a:t>
+              <a:t>Recherche</a:t>
             </a:r>
             <a:endParaRPr lang="en-US" altLang="en-US" sz="2200" b="1">
               <a:latin typeface="Times New Roman" panose="02020603050405020304" charset="0"/>
@@ -4418,19 +4419,19 @@
       </p:sp>
       <p:sp>
         <p:nvSpPr>
-          <p:cNvPr id="18" name="Rounded Rectangular Callout 17"/>
+          <p:cNvPr id="16" name="Rounded Rectangular Callout 15"/>
           <p:cNvSpPr/>
           <p:nvPr/>
         </p:nvSpPr>
         <p:spPr>
           <a:xfrm>
-            <a:off x="3274695" y="4132580"/>
-            <a:ext cx="6083300" cy="722630"/>
+            <a:off x="2967990" y="1542415"/>
+            <a:ext cx="9009380" cy="895350"/>
           </a:xfrm>
           <a:prstGeom prst="wedgeRoundRectCallout">
             <a:avLst>
-              <a:gd name="adj1" fmla="val -73413"/>
-              <a:gd name="adj2" fmla="val 138049"/>
+              <a:gd name="adj1" fmla="val -58495"/>
+              <a:gd name="adj2" fmla="val 36737"/>
               <a:gd name="adj3" fmla="val 16667"/>
             </a:avLst>
           </a:prstGeom>
@@ -4458,12 +4459,62 @@
             <a:r>
               <a:rPr lang="en-US" sz="2200" b="1">
                 <a:solidFill>
+                  <a:schemeClr val="bg1"/>
+                </a:solidFill>
+                <a:latin typeface="Times New Roman" panose="02020603050405020304" charset="0"/>
+                <a:cs typeface="Times New Roman" panose="02020603050405020304" charset="0"/>
+              </a:rPr>
+              <a:t>transformation </a:t>
+            </a:r>
+            <a:r>
+              <a:rPr lang="en-US" sz="2200" b="1">
+                <a:solidFill>
                   <a:schemeClr val="tx1"/>
                 </a:solidFill>
                 <a:latin typeface="Times New Roman" panose="02020603050405020304" charset="0"/>
                 <a:cs typeface="Times New Roman" panose="02020603050405020304" charset="0"/>
               </a:rPr>
-              <a:t>paiement effectué à l’aide d’un appareil mobile</a:t>
+              <a:t>des </a:t>
+            </a:r>
+            <a:r>
+              <a:rPr lang="en-US" sz="2200" b="1">
+                <a:solidFill>
+                  <a:schemeClr val="bg1"/>
+                </a:solidFill>
+                <a:latin typeface="Times New Roman" panose="02020603050405020304" charset="0"/>
+                <a:cs typeface="Times New Roman" panose="02020603050405020304" charset="0"/>
+              </a:rPr>
+              <a:t>données d'origine</a:t>
+            </a:r>
+            <a:r>
+              <a:rPr lang="en-US" sz="2200" b="1">
+                <a:solidFill>
+                  <a:schemeClr val="tx1"/>
+                </a:solidFill>
+                <a:latin typeface="Times New Roman" panose="02020603050405020304" charset="0"/>
+                <a:cs typeface="Times New Roman" panose="02020603050405020304" charset="0"/>
+              </a:rPr>
+              <a:t> en une  </a:t>
+            </a:r>
+            <a:r>
+              <a:rPr lang="en-US" sz="2200" b="1">
+                <a:solidFill>
+                  <a:schemeClr val="bg1"/>
+                </a:solidFill>
+                <a:latin typeface="Times New Roman" panose="02020603050405020304" charset="0"/>
+                <a:cs typeface="Times New Roman" panose="02020603050405020304" charset="0"/>
+              </a:rPr>
+              <a:t>référence croisée</a:t>
+            </a:r>
+            <a:r>
+              <a:rPr lang="en-US" sz="2200" b="1">
+                <a:solidFill>
+                  <a:schemeClr val="tx1"/>
+                </a:solidFill>
+                <a:latin typeface="Times New Roman" panose="02020603050405020304" charset="0"/>
+                <a:cs typeface="Times New Roman" panose="02020603050405020304" charset="0"/>
+              </a:rPr>
+              <a:t> très efficace afin de faciliter la recherche rapide</a:t>
             </a:r>
             <a:endParaRPr lang="en-US" sz="2200" b="1">
               <a:solidFill>
@@ -4477,19 +4528,19 @@
       </p:sp>
       <p:sp>
         <p:nvSpPr>
-          <p:cNvPr id="19" name="Rounded Rectangular Callout 18"/>
+          <p:cNvPr id="17" name="Rounded Rectangular Callout 16"/>
           <p:cNvSpPr/>
           <p:nvPr/>
         </p:nvSpPr>
         <p:spPr>
           <a:xfrm>
-            <a:off x="3457575" y="2406015"/>
-            <a:ext cx="8409940" cy="977265"/>
+            <a:off x="2903855" y="3828415"/>
+            <a:ext cx="9010015" cy="993775"/>
           </a:xfrm>
           <a:prstGeom prst="wedgeRoundRectCallout">
             <a:avLst>
-              <a:gd name="adj1" fmla="val -58119"/>
-              <a:gd name="adj2" fmla="val 1332"/>
+              <a:gd name="adj1" fmla="val -64405"/>
+              <a:gd name="adj2" fmla="val 60415"/>
               <a:gd name="adj3" fmla="val 16667"/>
             </a:avLst>
           </a:prstGeom>
@@ -4515,26 +4566,66 @@
           <a:p>
             <a:pPr algn="just"/>
             <a:r>
-              <a:rPr lang="en-US" altLang="en-US" sz="2200" b="1">
+              <a:rPr lang="en-US" sz="2200" b="1">
                 <a:solidFill>
                   <a:schemeClr val="bg1"/>
                 </a:solidFill>
                 <a:latin typeface="Times New Roman" panose="02020603050405020304" charset="0"/>
                 <a:cs typeface="Times New Roman" panose="02020603050405020304" charset="0"/>
               </a:rPr>
-              <a:t>Principe :</a:t>
-            </a:r>
-            <a:r>
-              <a:rPr lang="en-US" altLang="en-US" sz="2200" b="1">
+              <a:t>algorithme </a:t>
+            </a:r>
+            <a:r>
+              <a:rPr lang="en-US" sz="2200" b="1">
                 <a:solidFill>
                   <a:schemeClr val="tx1"/>
                 </a:solidFill>
                 <a:latin typeface="Times New Roman" panose="02020603050405020304" charset="0"/>
                 <a:cs typeface="Times New Roman" panose="02020603050405020304" charset="0"/>
               </a:rPr>
-              <a:t> éviter que la diffusion d'une œuvre numérique échappe au contrôle de son auteur ou de ses ayants droit</a:t>
-            </a:r>
-            <a:endParaRPr lang="en-US" altLang="en-US" sz="2200" b="1">
+              <a:t>prenant un </a:t>
+            </a:r>
+            <a:r>
+              <a:rPr lang="en-US" sz="2200" b="1">
+                <a:solidFill>
+                  <a:schemeClr val="bg1"/>
+                </a:solidFill>
+                <a:latin typeface="Times New Roman" panose="02020603050405020304" charset="0"/>
+                <a:cs typeface="Times New Roman" panose="02020603050405020304" charset="0"/>
+              </a:rPr>
+              <a:t>problème en entrée</a:t>
+            </a:r>
+            <a:r>
+              <a:rPr lang="en-US" sz="2200" b="1">
+                <a:solidFill>
+                  <a:schemeClr val="tx1"/>
+                </a:solidFill>
+                <a:latin typeface="Times New Roman" panose="02020603050405020304" charset="0"/>
+                <a:cs typeface="Times New Roman" panose="02020603050405020304" charset="0"/>
+              </a:rPr>
+              <a:t> et</a:t>
+            </a:r>
+            <a:r>
+              <a:rPr lang="en-US" sz="2200" b="1">
+                <a:solidFill>
+                  <a:schemeClr val="bg1"/>
+                </a:solidFill>
+                <a:latin typeface="Times New Roman" panose="02020603050405020304" charset="0"/>
+                <a:cs typeface="Times New Roman" panose="02020603050405020304" charset="0"/>
+              </a:rPr>
+              <a:t> renvoie une solution</a:t>
+            </a:r>
+            <a:r>
+              <a:rPr lang="en-US" sz="2200" b="1">
+                <a:solidFill>
+                  <a:schemeClr val="tx1"/>
+                </a:solidFill>
+                <a:latin typeface="Times New Roman" panose="02020603050405020304" charset="0"/>
+                <a:cs typeface="Times New Roman" panose="02020603050405020304" charset="0"/>
+              </a:rPr>
+              <a:t> au problème après avoir évalué un certain nombre de solutions possibles</a:t>
+            </a:r>
+            <a:endParaRPr lang="en-US" sz="2200" b="1">
               <a:solidFill>
                 <a:schemeClr val="tx1"/>
               </a:solidFill>
@@ -4552,13 +4643,13 @@
         </p:nvSpPr>
         <p:spPr>
           <a:xfrm>
-            <a:off x="5227320" y="5243830"/>
-            <a:ext cx="6640830" cy="1447165"/>
+            <a:off x="2903855" y="2559685"/>
+            <a:ext cx="8061325" cy="994410"/>
           </a:xfrm>
           <a:prstGeom prst="wedgeRoundRectCallout">
             <a:avLst>
-              <a:gd name="adj1" fmla="val -93306"/>
-              <a:gd name="adj2" fmla="val 15160"/>
+              <a:gd name="adj1" fmla="val -56925"/>
+              <a:gd name="adj2" fmla="val -43231"/>
               <a:gd name="adj3" fmla="val 16667"/>
             </a:avLst>
           </a:prstGeom>
@@ -4584,16 +4675,16 @@
           <a:p>
             <a:pPr algn="just"/>
             <a:r>
-              <a:rPr lang="" altLang="en-US" sz="2200" b="1">
+              <a:rPr lang="en-US" altLang="en-US" sz="2200" b="1">
                 <a:solidFill>
                   <a:schemeClr val="bg1"/>
                 </a:solidFill>
                 <a:latin typeface="Times New Roman" panose="02020603050405020304" charset="0"/>
                 <a:cs typeface="Times New Roman" panose="02020603050405020304" charset="0"/>
               </a:rPr>
-              <a:t>Mode de paiement</a:t>
-            </a:r>
-            <a:endParaRPr lang="" altLang="en-US" sz="2200" b="1">
+              <a:t>Types d'indexation</a:t>
+            </a:r>
+            <a:endParaRPr lang="en-US" altLang="en-US" sz="2200" b="1">
               <a:solidFill>
                 <a:schemeClr val="bg1"/>
               </a:solidFill>
@@ -4602,31 +4693,31 @@
             </a:endParaRPr>
           </a:p>
           <a:p>
-            <a:pPr marL="342900" indent="-342900" algn="just">
+            <a:pPr marL="800100" lvl="1" indent="-342900" algn="just">
               <a:buFont typeface="Arial" panose="020B0604020202020204" pitchFamily="34" charset="0"/>
               <a:buChar char="•"/>
             </a:pPr>
             <a:r>
-              <a:rPr lang="" altLang="en-US" sz="2200" b="1">
+              <a:rPr lang="en-US" altLang="en-US" sz="2200" b="1">
                 <a:solidFill>
                   <a:schemeClr val="bg1"/>
                 </a:solidFill>
                 <a:latin typeface="Times New Roman" panose="02020603050405020304" charset="0"/>
                 <a:cs typeface="Times New Roman" panose="02020603050405020304" charset="0"/>
               </a:rPr>
-              <a:t>paiement à distance</a:t>
-            </a:r>
-            <a:r>
-              <a:rPr lang="" altLang="en-US" sz="2200" b="1">
+              <a:t>indexation manuelle</a:t>
+            </a:r>
+            <a:r>
+              <a:rPr lang="en-US" altLang="en-US" sz="2200" b="1">
                 <a:solidFill>
                   <a:schemeClr val="tx1"/>
                 </a:solidFill>
                 <a:latin typeface="Times New Roman" panose="02020603050405020304" charset="0"/>
                 <a:cs typeface="Times New Roman" panose="02020603050405020304" charset="0"/>
               </a:rPr>
-              <a:t>(Intenet, SMS, QR code) </a:t>
-            </a:r>
-            <a:endParaRPr lang="" altLang="en-US" sz="2200" b="1">
+              <a:t>(alphabétique, systématique, matière)  </a:t>
+            </a:r>
+            <a:endParaRPr lang="en-US" altLang="en-US" sz="2200" b="1">
               <a:solidFill>
                 <a:schemeClr val="tx1"/>
               </a:solidFill>
@@ -4635,74 +4726,21 @@
             </a:endParaRPr>
           </a:p>
           <a:p>
-            <a:pPr marL="342900" indent="-342900" algn="just">
+            <a:pPr marL="800100" lvl="1" indent="-342900" algn="just">
               <a:buFont typeface="Arial" panose="020B0604020202020204" pitchFamily="34" charset="0"/>
               <a:buChar char="•"/>
             </a:pPr>
             <a:r>
-              <a:rPr lang="" altLang="en-US" sz="2200" b="1">
+              <a:rPr lang="en-US" altLang="en-US" sz="2200" b="1">
                 <a:solidFill>
                   <a:schemeClr val="bg1"/>
                 </a:solidFill>
                 <a:latin typeface="Times New Roman" panose="02020603050405020304" charset="0"/>
                 <a:cs typeface="Times New Roman" panose="02020603050405020304" charset="0"/>
               </a:rPr>
-              <a:t>paiement de contact</a:t>
-            </a:r>
-            <a:r>
-              <a:rPr lang="" altLang="en-US" sz="2200" b="1">
-                <a:solidFill>
-                  <a:schemeClr val="tx1"/>
-                </a:solidFill>
-                <a:latin typeface="Times New Roman" panose="02020603050405020304" charset="0"/>
-                <a:cs typeface="Times New Roman" panose="02020603050405020304" charset="0"/>
-              </a:rPr>
-              <a:t>(NFC, ondes sonores,</a:t>
-            </a:r>
-            <a:r>
-              <a:rPr lang="" altLang="en-US" sz="2200" b="1">
-                <a:solidFill>
-                  <a:schemeClr val="bg1"/>
-                </a:solidFill>
-                <a:latin typeface="Times New Roman" panose="02020603050405020304" charset="0"/>
-                <a:cs typeface="Times New Roman" panose="02020603050405020304" charset="0"/>
-              </a:rPr>
-              <a:t> </a:t>
-            </a:r>
-            <a:r>
-              <a:rPr lang="" altLang="en-US" sz="2200" b="1">
-                <a:solidFill>
-                  <a:schemeClr val="tx1"/>
-                </a:solidFill>
-                <a:latin typeface="Times New Roman" panose="02020603050405020304" charset="0"/>
-                <a:cs typeface="Times New Roman" panose="02020603050405020304" charset="0"/>
-              </a:rPr>
-              <a:t>MST) </a:t>
-            </a:r>
-            <a:endParaRPr lang="" altLang="en-US" sz="2200" b="1">
-              <a:solidFill>
-                <a:schemeClr val="tx1"/>
-              </a:solidFill>
-              <a:latin typeface="Times New Roman" panose="02020603050405020304" charset="0"/>
-              <a:cs typeface="Times New Roman" panose="02020603050405020304" charset="0"/>
-            </a:endParaRPr>
-          </a:p>
-          <a:p>
-            <a:pPr marL="342900" indent="-342900" algn="just">
-              <a:buFont typeface="Arial" panose="020B0604020202020204" pitchFamily="34" charset="0"/>
-              <a:buChar char="•"/>
-            </a:pPr>
-            <a:r>
-              <a:rPr lang="" altLang="en-US" sz="2200" b="1">
-                <a:solidFill>
-                  <a:schemeClr val="bg1"/>
-                </a:solidFill>
-                <a:latin typeface="Times New Roman" panose="02020603050405020304" charset="0"/>
-                <a:cs typeface="Times New Roman" panose="02020603050405020304" charset="0"/>
-              </a:rPr>
-              <a:t>paiement de mobile à mobile</a:t>
-            </a:r>
-            <a:endParaRPr lang="" altLang="en-US" sz="2200" b="1">
+              <a:t>indexation automatique </a:t>
+            </a:r>
+            <a:endParaRPr lang="en-US" altLang="en-US" sz="2200" b="1">
               <a:solidFill>
                 <a:schemeClr val="bg1"/>
               </a:solidFill>
@@ -4720,13 +4758,13 @@
         </p:nvSpPr>
         <p:spPr>
           <a:xfrm>
-            <a:off x="3699510" y="1386840"/>
-            <a:ext cx="8168640" cy="840105"/>
+            <a:off x="3220720" y="4954270"/>
+            <a:ext cx="4476115" cy="1776095"/>
           </a:xfrm>
           <a:prstGeom prst="wedgeRoundRectCallout">
             <a:avLst>
-              <a:gd name="adj1" fmla="val -64023"/>
-              <a:gd name="adj2" fmla="val 62917"/>
+              <a:gd name="adj1" fmla="val -69889"/>
+              <a:gd name="adj2" fmla="val 3056"/>
               <a:gd name="adj3" fmla="val 16667"/>
             </a:avLst>
           </a:prstGeom>
@@ -4754,25 +4792,26 @@
             <a:r>
               <a:rPr lang="en-US" altLang="en-US" sz="2200" b="1">
                 <a:solidFill>
-                  <a:schemeClr val="tx1"/>
-                </a:solidFill>
-                <a:latin typeface="Times New Roman" panose="02020603050405020304" charset="0"/>
-                <a:cs typeface="Times New Roman" panose="02020603050405020304" charset="0"/>
-                <a:sym typeface="+mn-ea"/>
-              </a:rPr>
-              <a:t> </a:t>
-            </a:r>
-            <a:r>
-              <a:rPr lang="" altLang="en-US" sz="2200" b="1">
-                <a:solidFill>
                   <a:schemeClr val="bg1"/>
                 </a:solidFill>
                 <a:latin typeface="Times New Roman" panose="02020603050405020304" charset="0"/>
                 <a:cs typeface="Times New Roman" panose="02020603050405020304" charset="0"/>
-                <a:sym typeface="+mn-ea"/>
-              </a:rPr>
-              <a:t>O</a:t>
-            </a:r>
+              </a:rPr>
+              <a:t>Type de recherche </a:t>
+            </a:r>
+            <a:endParaRPr lang="en-US" altLang="en-US" sz="2200" b="1">
+              <a:solidFill>
+                <a:schemeClr val="bg1"/>
+              </a:solidFill>
+              <a:latin typeface="Times New Roman" panose="02020603050405020304" charset="0"/>
+              <a:cs typeface="Times New Roman" panose="02020603050405020304" charset="0"/>
+            </a:endParaRPr>
+          </a:p>
+          <a:p>
+            <a:pPr marL="342900" indent="-342900" algn="just">
+              <a:buFont typeface="Arial" panose="020B0604020202020204" pitchFamily="34" charset="0"/>
+              <a:buChar char="•"/>
+            </a:pPr>
             <a:r>
               <a:rPr lang="en-US" altLang="en-US" sz="2200" b="1">
                 <a:solidFill>
@@ -4780,35 +4819,81 @@
                 </a:solidFill>
                 <a:latin typeface="Times New Roman" panose="02020603050405020304" charset="0"/>
                 <a:cs typeface="Times New Roman" panose="02020603050405020304" charset="0"/>
-                <a:sym typeface="+mn-ea"/>
-              </a:rPr>
-              <a:t>bjectif </a:t>
-            </a:r>
-            <a:r>
-              <a:rPr lang="" altLang="en-US" sz="2200" b="1">
+              </a:rPr>
+              <a:t>recherche non-informée</a:t>
+            </a:r>
+            <a:endParaRPr lang="en-US" altLang="en-US" sz="2200" b="1">
+              <a:solidFill>
+                <a:schemeClr val="bg1"/>
+              </a:solidFill>
+              <a:latin typeface="Times New Roman" panose="02020603050405020304" charset="0"/>
+              <a:cs typeface="Times New Roman" panose="02020603050405020304" charset="0"/>
+            </a:endParaRPr>
+          </a:p>
+          <a:p>
+            <a:pPr marL="342900" indent="-342900" algn="just">
+              <a:buFont typeface="Arial" panose="020B0604020202020204" pitchFamily="34" charset="0"/>
+              <a:buChar char="•"/>
+            </a:pPr>
+            <a:r>
+              <a:rPr lang="en-US" altLang="en-US" sz="2200" b="1">
                 <a:solidFill>
                   <a:schemeClr val="bg1"/>
                 </a:solidFill>
                 <a:latin typeface="Times New Roman" panose="02020603050405020304" charset="0"/>
                 <a:cs typeface="Times New Roman" panose="02020603050405020304" charset="0"/>
-                <a:sym typeface="+mn-ea"/>
-              </a:rPr>
-              <a:t>:</a:t>
-            </a:r>
+              </a:rPr>
+              <a:t>recherche informée</a:t>
+            </a:r>
+            <a:endParaRPr lang="en-US" altLang="en-US" sz="2200" b="1">
+              <a:solidFill>
+                <a:schemeClr val="bg1"/>
+              </a:solidFill>
+              <a:latin typeface="Times New Roman" panose="02020603050405020304" charset="0"/>
+              <a:cs typeface="Times New Roman" panose="02020603050405020304" charset="0"/>
+            </a:endParaRPr>
+          </a:p>
+          <a:p>
+            <a:pPr marL="342900" indent="-342900" algn="just">
+              <a:buFont typeface="Arial" panose="020B0604020202020204" pitchFamily="34" charset="0"/>
+              <a:buChar char="•"/>
+            </a:pPr>
             <a:r>
               <a:rPr lang="en-US" altLang="en-US" sz="2200" b="1">
                 <a:solidFill>
-                  <a:schemeClr val="tx1"/>
+                  <a:schemeClr val="bg1"/>
                 </a:solidFill>
                 <a:latin typeface="Times New Roman" panose="02020603050405020304" charset="0"/>
                 <a:cs typeface="Times New Roman" panose="02020603050405020304" charset="0"/>
-                <a:sym typeface="+mn-ea"/>
-              </a:rPr>
-              <a:t>  contrôler l'utilisation qui est faite des œuvres numériques</a:t>
-            </a:r>
-            <a:endParaRPr lang="en-US" sz="2200" b="1">
+              </a:rPr>
+              <a:t>recherche contradictoire</a:t>
+            </a:r>
+            <a:endParaRPr lang="en-US" altLang="en-US" sz="2200" b="1">
               <a:solidFill>
-                <a:schemeClr val="tx1"/>
+                <a:schemeClr val="bg1"/>
+              </a:solidFill>
+              <a:latin typeface="Times New Roman" panose="02020603050405020304" charset="0"/>
+              <a:cs typeface="Times New Roman" panose="02020603050405020304" charset="0"/>
+            </a:endParaRPr>
+          </a:p>
+          <a:p>
+            <a:pPr marL="342900" indent="-342900" algn="just">
+              <a:buFont typeface="Arial" panose="020B0604020202020204" pitchFamily="34" charset="0"/>
+              <a:buChar char="•"/>
+            </a:pPr>
+            <a:r>
+              <a:rPr lang="en-US" altLang="en-US" sz="2200" b="1">
+                <a:solidFill>
+                  <a:schemeClr val="bg1"/>
+                </a:solidFill>
+                <a:latin typeface="Times New Roman" panose="02020603050405020304" charset="0"/>
+                <a:cs typeface="Times New Roman" panose="02020603050405020304" charset="0"/>
+              </a:rPr>
+              <a:t>recherche par interpolation</a:t>
+            </a:r>
+            <a:endParaRPr lang="en-US" altLang="en-US" sz="2200" b="1">
+              <a:solidFill>
+                <a:schemeClr val="bg1"/>
               </a:solidFill>
               <a:latin typeface="Times New Roman" panose="02020603050405020304" charset="0"/>
               <a:cs typeface="Times New Roman" panose="02020603050405020304" charset="0"/>
@@ -4876,18 +4961,18 @@
         <p:txBody>
           <a:bodyPr/>
           <a:p>
-            <a:pPr marL="571500" indent="-571500" algn="ctr">
+            <a:pPr marL="571500" indent="-571500" algn="just">
               <a:buFont typeface="+mj-lt"/>
-              <a:buAutoNum type="romanUcPeriod" startAt="3"/>
+              <a:buAutoNum type="romanUcPeriod" startAt="2"/>
             </a:pPr>
             <a:r>
-              <a:rPr lang="" altLang="en-US" b="1">
-                <a:latin typeface="Times New Roman" panose="02020603050405020304" charset="0"/>
-                <a:cs typeface="Times New Roman" panose="02020603050405020304" charset="0"/>
-              </a:rPr>
-              <a:t>Solutions existantes et limites</a:t>
-            </a:r>
-            <a:endParaRPr lang="" altLang="en-US" b="1">
+              <a:rPr lang="en-US" altLang="en-US" b="1">
+                <a:latin typeface="Times New Roman" panose="02020603050405020304" charset="0"/>
+                <a:cs typeface="Times New Roman" panose="02020603050405020304" charset="0"/>
+              </a:rPr>
+              <a:t>Concepts</a:t>
+            </a:r>
+            <a:endParaRPr lang="en-US" altLang="en-US" b="1">
               <a:latin typeface="Times New Roman" panose="02020603050405020304" charset="0"/>
               <a:cs typeface="Times New Roman" panose="02020603050405020304" charset="0"/>
             </a:endParaRPr>
@@ -5090,16 +5175,16 @@
       </p:sp>
       <p:sp>
         <p:nvSpPr>
-          <p:cNvPr id="5" name="Rounded Rectangle 4"/>
+          <p:cNvPr id="11" name="Oval 10"/>
           <p:cNvSpPr/>
           <p:nvPr/>
         </p:nvSpPr>
         <p:spPr>
           <a:xfrm>
-            <a:off x="212725" y="2078990"/>
-            <a:ext cx="11779885" cy="4667250"/>
-          </a:xfrm>
-          <a:prstGeom prst="roundRect">
+            <a:off x="83185" y="5449570"/>
+            <a:ext cx="2315845" cy="1035685"/>
+          </a:xfrm>
+          <a:prstGeom prst="ellipse">
             <a:avLst/>
           </a:prstGeom>
         </p:spPr>
@@ -5122,28 +5207,281 @@
         <p:txBody>
           <a:bodyPr rtlCol="0" anchor="ctr"/>
           <a:p>
-            <a:pPr marL="285750" indent="-285750" algn="just">
+            <a:pPr algn="ctr"/>
+            <a:r>
+              <a:rPr lang="en-US" altLang="en-US" sz="2200" b="1">
+                <a:latin typeface="Times New Roman" panose="02020603050405020304" charset="0"/>
+                <a:cs typeface="Times New Roman" panose="02020603050405020304" charset="0"/>
+              </a:rPr>
+              <a:t>Paiement mobile</a:t>
+            </a:r>
+            <a:endParaRPr lang="en-US" altLang="en-US" sz="2200" b="1">
+              <a:latin typeface="Times New Roman" panose="02020603050405020304" charset="0"/>
+              <a:cs typeface="Times New Roman" panose="02020603050405020304" charset="0"/>
+            </a:endParaRPr>
+          </a:p>
+        </p:txBody>
+      </p:sp>
+      <p:sp>
+        <p:nvSpPr>
+          <p:cNvPr id="12" name="Oval 11"/>
+          <p:cNvSpPr/>
+          <p:nvPr/>
+        </p:nvSpPr>
+        <p:spPr>
+          <a:xfrm>
+            <a:off x="83185" y="2068830"/>
+            <a:ext cx="2688590" cy="1651000"/>
+          </a:xfrm>
+          <a:prstGeom prst="ellipse">
+            <a:avLst/>
+          </a:prstGeom>
+        </p:spPr>
+        <p:style>
+          <a:lnRef idx="2">
+            <a:schemeClr val="accent5">
+              <a:shade val="50000"/>
+            </a:schemeClr>
+          </a:lnRef>
+          <a:fillRef idx="1">
+            <a:schemeClr val="accent5"/>
+          </a:fillRef>
+          <a:effectRef idx="0">
+            <a:schemeClr val="accent5"/>
+          </a:effectRef>
+          <a:fontRef idx="minor">
+            <a:schemeClr val="lt1"/>
+          </a:fontRef>
+        </p:style>
+        <p:txBody>
+          <a:bodyPr rtlCol="0" anchor="ctr"/>
+          <a:p>
+            <a:pPr algn="ctr"/>
+            <a:r>
+              <a:rPr lang="en-US" altLang="en-US" sz="2200" b="1">
+                <a:latin typeface="Times New Roman" panose="02020603050405020304" charset="0"/>
+                <a:cs typeface="Times New Roman" panose="02020603050405020304" charset="0"/>
+              </a:rPr>
+              <a:t>Gestion des droits numériques</a:t>
+            </a:r>
+            <a:endParaRPr lang="en-US" altLang="en-US" sz="2200" b="1">
+              <a:latin typeface="Times New Roman" panose="02020603050405020304" charset="0"/>
+              <a:cs typeface="Times New Roman" panose="02020603050405020304" charset="0"/>
+            </a:endParaRPr>
+          </a:p>
+        </p:txBody>
+      </p:sp>
+      <p:sp>
+        <p:nvSpPr>
+          <p:cNvPr id="18" name="Rounded Rectangular Callout 17"/>
+          <p:cNvSpPr/>
+          <p:nvPr/>
+        </p:nvSpPr>
+        <p:spPr>
+          <a:xfrm>
+            <a:off x="3274695" y="4132580"/>
+            <a:ext cx="6083300" cy="722630"/>
+          </a:xfrm>
+          <a:prstGeom prst="wedgeRoundRectCallout">
+            <a:avLst>
+              <a:gd name="adj1" fmla="val -73413"/>
+              <a:gd name="adj2" fmla="val 138049"/>
+              <a:gd name="adj3" fmla="val 16667"/>
+            </a:avLst>
+          </a:prstGeom>
+        </p:spPr>
+        <p:style>
+          <a:lnRef idx="2">
+            <a:schemeClr val="accent6">
+              <a:shade val="50000"/>
+            </a:schemeClr>
+          </a:lnRef>
+          <a:fillRef idx="1">
+            <a:schemeClr val="accent6"/>
+          </a:fillRef>
+          <a:effectRef idx="0">
+            <a:schemeClr val="accent6"/>
+          </a:effectRef>
+          <a:fontRef idx="minor">
+            <a:schemeClr val="lt1"/>
+          </a:fontRef>
+        </p:style>
+        <p:txBody>
+          <a:bodyPr rtlCol="0" anchor="ctr"/>
+          <a:p>
+            <a:pPr algn="just"/>
+            <a:r>
+              <a:rPr lang="en-US" sz="2200" b="1">
+                <a:solidFill>
+                  <a:schemeClr val="tx1"/>
+                </a:solidFill>
+                <a:latin typeface="Times New Roman" panose="02020603050405020304" charset="0"/>
+                <a:cs typeface="Times New Roman" panose="02020603050405020304" charset="0"/>
+              </a:rPr>
+              <a:t>paiement effectué à l’aide d’un appareil mobile</a:t>
+            </a:r>
+            <a:endParaRPr lang="en-US" sz="2200" b="1">
+              <a:solidFill>
+                <a:schemeClr val="tx1"/>
+              </a:solidFill>
+              <a:latin typeface="Times New Roman" panose="02020603050405020304" charset="0"/>
+              <a:cs typeface="Times New Roman" panose="02020603050405020304" charset="0"/>
+            </a:endParaRPr>
+          </a:p>
+        </p:txBody>
+      </p:sp>
+      <p:sp>
+        <p:nvSpPr>
+          <p:cNvPr id="19" name="Rounded Rectangular Callout 18"/>
+          <p:cNvSpPr/>
+          <p:nvPr/>
+        </p:nvSpPr>
+        <p:spPr>
+          <a:xfrm>
+            <a:off x="3457575" y="2406015"/>
+            <a:ext cx="8409940" cy="977265"/>
+          </a:xfrm>
+          <a:prstGeom prst="wedgeRoundRectCallout">
+            <a:avLst>
+              <a:gd name="adj1" fmla="val -58119"/>
+              <a:gd name="adj2" fmla="val 1332"/>
+              <a:gd name="adj3" fmla="val 16667"/>
+            </a:avLst>
+          </a:prstGeom>
+        </p:spPr>
+        <p:style>
+          <a:lnRef idx="2">
+            <a:schemeClr val="accent6">
+              <a:shade val="50000"/>
+            </a:schemeClr>
+          </a:lnRef>
+          <a:fillRef idx="1">
+            <a:schemeClr val="accent6"/>
+          </a:fillRef>
+          <a:effectRef idx="0">
+            <a:schemeClr val="accent6"/>
+          </a:effectRef>
+          <a:fontRef idx="minor">
+            <a:schemeClr val="lt1"/>
+          </a:fontRef>
+        </p:style>
+        <p:txBody>
+          <a:bodyPr rtlCol="0" anchor="ctr"/>
+          <a:p>
+            <a:pPr algn="just"/>
+            <a:r>
+              <a:rPr lang="en-US" altLang="en-US" sz="2200" b="1">
+                <a:solidFill>
+                  <a:schemeClr val="bg1"/>
+                </a:solidFill>
+                <a:latin typeface="Times New Roman" panose="02020603050405020304" charset="0"/>
+                <a:cs typeface="Times New Roman" panose="02020603050405020304" charset="0"/>
+              </a:rPr>
+              <a:t>Principe :</a:t>
+            </a:r>
+            <a:r>
+              <a:rPr lang="en-US" altLang="en-US" sz="2200" b="1">
+                <a:solidFill>
+                  <a:schemeClr val="tx1"/>
+                </a:solidFill>
+                <a:latin typeface="Times New Roman" panose="02020603050405020304" charset="0"/>
+                <a:cs typeface="Times New Roman" panose="02020603050405020304" charset="0"/>
+              </a:rPr>
+              <a:t> éviter que la diffusion d'une œuvre numérique échappe au contrôle de son auteur ou de ses ayants droit</a:t>
+            </a:r>
+            <a:endParaRPr lang="en-US" altLang="en-US" sz="2200" b="1">
+              <a:solidFill>
+                <a:schemeClr val="tx1"/>
+              </a:solidFill>
+              <a:latin typeface="Times New Roman" panose="02020603050405020304" charset="0"/>
+              <a:cs typeface="Times New Roman" panose="02020603050405020304" charset="0"/>
+            </a:endParaRPr>
+          </a:p>
+        </p:txBody>
+      </p:sp>
+      <p:sp>
+        <p:nvSpPr>
+          <p:cNvPr id="20" name="Rounded Rectangular Callout 19"/>
+          <p:cNvSpPr/>
+          <p:nvPr/>
+        </p:nvSpPr>
+        <p:spPr>
+          <a:xfrm>
+            <a:off x="5227320" y="5243830"/>
+            <a:ext cx="6640830" cy="1447165"/>
+          </a:xfrm>
+          <a:prstGeom prst="wedgeRoundRectCallout">
+            <a:avLst>
+              <a:gd name="adj1" fmla="val -93306"/>
+              <a:gd name="adj2" fmla="val 15160"/>
+              <a:gd name="adj3" fmla="val 16667"/>
+            </a:avLst>
+          </a:prstGeom>
+        </p:spPr>
+        <p:style>
+          <a:lnRef idx="2">
+            <a:schemeClr val="accent6">
+              <a:shade val="50000"/>
+            </a:schemeClr>
+          </a:lnRef>
+          <a:fillRef idx="1">
+            <a:schemeClr val="accent6"/>
+          </a:fillRef>
+          <a:effectRef idx="0">
+            <a:schemeClr val="accent6"/>
+          </a:effectRef>
+          <a:fontRef idx="minor">
+            <a:schemeClr val="lt1"/>
+          </a:fontRef>
+        </p:style>
+        <p:txBody>
+          <a:bodyPr rtlCol="0" anchor="ctr"/>
+          <a:p>
+            <a:pPr algn="just"/>
+            <a:r>
+              <a:rPr lang="en-US" altLang="en-US" sz="2200" b="1">
+                <a:solidFill>
+                  <a:schemeClr val="bg1"/>
+                </a:solidFill>
+                <a:latin typeface="Times New Roman" panose="02020603050405020304" charset="0"/>
+                <a:cs typeface="Times New Roman" panose="02020603050405020304" charset="0"/>
+              </a:rPr>
+              <a:t>Mode de paiement</a:t>
+            </a:r>
+            <a:endParaRPr lang="en-US" altLang="en-US" sz="2200" b="1">
+              <a:solidFill>
+                <a:schemeClr val="bg1"/>
+              </a:solidFill>
+              <a:latin typeface="Times New Roman" panose="02020603050405020304" charset="0"/>
+              <a:cs typeface="Times New Roman" panose="02020603050405020304" charset="0"/>
+            </a:endParaRPr>
+          </a:p>
+          <a:p>
+            <a:pPr marL="342900" indent="-342900" algn="just">
               <a:buFont typeface="Arial" panose="020B0604020202020204" pitchFamily="34" charset="0"/>
               <a:buChar char="•"/>
             </a:pPr>
             <a:r>
-              <a:rPr lang="" altLang="en-US" sz="2800" b="1">
-                <a:latin typeface="Times New Roman" panose="02020603050405020304" charset="0"/>
-                <a:cs typeface="Times New Roman" panose="02020603050405020304" charset="0"/>
-              </a:rPr>
-              <a:t>Gabon : SOGAPRESSE</a:t>
-            </a:r>
-            <a:r>
-              <a:rPr lang="" altLang="en-US" sz="2800" b="1">
+              <a:rPr lang="en-US" altLang="en-US" sz="2200" b="1">
+                <a:solidFill>
+                  <a:schemeClr val="bg1"/>
+                </a:solidFill>
+                <a:latin typeface="Times New Roman" panose="02020603050405020304" charset="0"/>
+                <a:cs typeface="Times New Roman" panose="02020603050405020304" charset="0"/>
+              </a:rPr>
+              <a:t>paiement à distance</a:t>
+            </a:r>
+            <a:r>
+              <a:rPr lang="en-US" altLang="en-US" sz="2200" b="1">
                 <a:solidFill>
                   <a:schemeClr val="tx1"/>
                 </a:solidFill>
                 <a:latin typeface="Times New Roman" panose="02020603050405020304" charset="0"/>
                 <a:cs typeface="Times New Roman" panose="02020603050405020304" charset="0"/>
               </a:rPr>
-              <a:t>(www.e-kiosque-sogapresse.com)</a:t>
-            </a:r>
-            <a:endParaRPr lang="" altLang="en-US" sz="2800" b="1">
+              <a:t>(Intenet, SMS, QR code) </a:t>
+            </a:r>
+            <a:endParaRPr lang="en-US" altLang="en-US" sz="2200" b="1">
               <a:solidFill>
                 <a:schemeClr val="tx1"/>
               </a:solidFill>
@@ -5152,136 +5490,156 @@
             </a:endParaRPr>
           </a:p>
           <a:p>
-            <a:pPr marL="285750" indent="-285750" algn="just">
+            <a:pPr marL="342900" indent="-342900" algn="just">
               <a:buFont typeface="Arial" panose="020B0604020202020204" pitchFamily="34" charset="0"/>
               <a:buChar char="•"/>
             </a:pPr>
             <a:r>
-              <a:rPr lang="" altLang="en-US" sz="2800" b="1">
-                <a:latin typeface="Times New Roman" panose="02020603050405020304" charset="0"/>
-                <a:cs typeface="Times New Roman" panose="02020603050405020304" charset="0"/>
-              </a:rPr>
-              <a:t>Afrique Centrale : ekiosque</a:t>
-            </a:r>
-            <a:r>
-              <a:rPr lang="" altLang="en-US" sz="2800" b="1">
+              <a:rPr lang="en-US" altLang="en-US" sz="2200" b="1">
+                <a:solidFill>
+                  <a:schemeClr val="bg1"/>
+                </a:solidFill>
+                <a:latin typeface="Times New Roman" panose="02020603050405020304" charset="0"/>
+                <a:cs typeface="Times New Roman" panose="02020603050405020304" charset="0"/>
+              </a:rPr>
+              <a:t>paiement de contact</a:t>
+            </a:r>
+            <a:r>
+              <a:rPr lang="en-US" altLang="en-US" sz="2200" b="1">
                 <a:solidFill>
                   <a:schemeClr val="tx1"/>
                 </a:solidFill>
                 <a:latin typeface="Times New Roman" panose="02020603050405020304" charset="0"/>
                 <a:cs typeface="Times New Roman" panose="02020603050405020304" charset="0"/>
               </a:rPr>
-              <a:t>(www.ekiosque.cm),</a:t>
-            </a:r>
-            <a:r>
-              <a:rPr lang="" altLang="en-US" sz="2800" b="1">
-                <a:latin typeface="Times New Roman" panose="02020603050405020304" charset="0"/>
-                <a:cs typeface="Times New Roman" panose="02020603050405020304" charset="0"/>
-              </a:rPr>
-              <a:t> 237kiosk</a:t>
-            </a:r>
-            <a:r>
-              <a:rPr lang="" altLang="en-US" sz="2800" b="1">
+              <a:t>(NFC, ondes sonores,</a:t>
+            </a:r>
+            <a:r>
+              <a:rPr lang="en-US" altLang="en-US" sz="2200" b="1">
+                <a:solidFill>
+                  <a:schemeClr val="bg1"/>
+                </a:solidFill>
+                <a:latin typeface="Times New Roman" panose="02020603050405020304" charset="0"/>
+                <a:cs typeface="Times New Roman" panose="02020603050405020304" charset="0"/>
+              </a:rPr>
+              <a:t> </a:t>
+            </a:r>
+            <a:r>
+              <a:rPr lang="en-US" altLang="en-US" sz="2200" b="1">
                 <a:solidFill>
                   <a:schemeClr val="tx1"/>
                 </a:solidFill>
                 <a:latin typeface="Times New Roman" panose="02020603050405020304" charset="0"/>
                 <a:cs typeface="Times New Roman" panose="02020603050405020304" charset="0"/>
               </a:rPr>
-              <a:t>(www.237kiosk.com)</a:t>
-            </a:r>
-            <a:endParaRPr lang="" altLang="en-US" sz="2800" b="1">
-              <a:latin typeface="Times New Roman" panose="02020603050405020304" charset="0"/>
-              <a:cs typeface="Times New Roman" panose="02020603050405020304" charset="0"/>
-            </a:endParaRPr>
-          </a:p>
-          <a:p>
-            <a:pPr marL="285750" indent="-285750" algn="just">
+              <a:t>MST) </a:t>
+            </a:r>
+            <a:endParaRPr lang="en-US" altLang="en-US" sz="2200" b="1">
+              <a:solidFill>
+                <a:schemeClr val="tx1"/>
+              </a:solidFill>
+              <a:latin typeface="Times New Roman" panose="02020603050405020304" charset="0"/>
+              <a:cs typeface="Times New Roman" panose="02020603050405020304" charset="0"/>
+            </a:endParaRPr>
+          </a:p>
+          <a:p>
+            <a:pPr marL="342900" indent="-342900" algn="just">
               <a:buFont typeface="Arial" panose="020B0604020202020204" pitchFamily="34" charset="0"/>
               <a:buChar char="•"/>
             </a:pPr>
             <a:r>
-              <a:rPr lang="" altLang="en-US" sz="2800" b="1">
-                <a:latin typeface="Times New Roman" panose="02020603050405020304" charset="0"/>
-                <a:cs typeface="Times New Roman" panose="02020603050405020304" charset="0"/>
-              </a:rPr>
-              <a:t>Monde </a:t>
-            </a:r>
-            <a:endParaRPr lang="" altLang="en-US" sz="2800" b="1">
-              <a:latin typeface="Times New Roman" panose="02020603050405020304" charset="0"/>
-              <a:cs typeface="Times New Roman" panose="02020603050405020304" charset="0"/>
-            </a:endParaRPr>
-          </a:p>
-          <a:p>
-            <a:pPr marL="800100" lvl="1" indent="-342900" algn="just">
-              <a:buFont typeface="Wingdings" charset="0"/>
-              <a:buChar char=""/>
-            </a:pPr>
-            <a:r>
-              <a:rPr lang="" altLang="en-US" sz="2800" b="1">
-                <a:latin typeface="Times New Roman" panose="02020603050405020304" charset="0"/>
-                <a:cs typeface="Times New Roman" panose="02020603050405020304" charset="0"/>
-              </a:rPr>
-              <a:t>RebBox, Amazon, Spotify,  Netflix</a:t>
-            </a:r>
-            <a:endParaRPr lang="" altLang="en-US" sz="2800" b="1">
-              <a:latin typeface="Times New Roman" panose="02020603050405020304" charset="0"/>
-              <a:cs typeface="Times New Roman" panose="02020603050405020304" charset="0"/>
-            </a:endParaRPr>
-          </a:p>
-          <a:p>
-            <a:pPr marL="800100" lvl="1" indent="-342900" algn="just">
-              <a:buFont typeface="Wingdings" charset="0"/>
-              <a:buChar char=""/>
-            </a:pPr>
-            <a:r>
-              <a:rPr lang="" altLang="en-US" sz="2800" b="1">
-                <a:latin typeface="Times New Roman" panose="02020603050405020304" charset="0"/>
-                <a:cs typeface="Times New Roman" panose="02020603050405020304" charset="0"/>
-              </a:rPr>
-              <a:t>Sites web d’informations des grands médias traditionnels</a:t>
-            </a:r>
-            <a:r>
-              <a:rPr lang="" altLang="en-US" sz="2800" b="1">
+              <a:rPr lang="en-US" altLang="en-US" sz="2200" b="1">
+                <a:solidFill>
+                  <a:schemeClr val="bg1"/>
+                </a:solidFill>
+                <a:latin typeface="Times New Roman" panose="02020603050405020304" charset="0"/>
+                <a:cs typeface="Times New Roman" panose="02020603050405020304" charset="0"/>
+              </a:rPr>
+              <a:t>paiement de mobile à mobile</a:t>
+            </a:r>
+            <a:endParaRPr lang="en-US" altLang="en-US" sz="2200" b="1">
+              <a:solidFill>
+                <a:schemeClr val="bg1"/>
+              </a:solidFill>
+              <a:latin typeface="Times New Roman" panose="02020603050405020304" charset="0"/>
+              <a:cs typeface="Times New Roman" panose="02020603050405020304" charset="0"/>
+            </a:endParaRPr>
+          </a:p>
+        </p:txBody>
+      </p:sp>
+      <p:sp>
+        <p:nvSpPr>
+          <p:cNvPr id="21" name="Rounded Rectangular Callout 20"/>
+          <p:cNvSpPr/>
+          <p:nvPr/>
+        </p:nvSpPr>
+        <p:spPr>
+          <a:xfrm>
+            <a:off x="3699510" y="1386840"/>
+            <a:ext cx="8168640" cy="840105"/>
+          </a:xfrm>
+          <a:prstGeom prst="wedgeRoundRectCallout">
+            <a:avLst>
+              <a:gd name="adj1" fmla="val -64023"/>
+              <a:gd name="adj2" fmla="val 62917"/>
+              <a:gd name="adj3" fmla="val 16667"/>
+            </a:avLst>
+          </a:prstGeom>
+        </p:spPr>
+        <p:style>
+          <a:lnRef idx="2">
+            <a:schemeClr val="accent6">
+              <a:shade val="50000"/>
+            </a:schemeClr>
+          </a:lnRef>
+          <a:fillRef idx="1">
+            <a:schemeClr val="accent6"/>
+          </a:fillRef>
+          <a:effectRef idx="0">
+            <a:schemeClr val="accent6"/>
+          </a:effectRef>
+          <a:fontRef idx="minor">
+            <a:schemeClr val="lt1"/>
+          </a:fontRef>
+        </p:style>
+        <p:txBody>
+          <a:bodyPr rtlCol="0" anchor="ctr"/>
+          <a:p>
+            <a:pPr algn="just"/>
+            <a:r>
+              <a:rPr lang="en-US" altLang="en-US" sz="2200" b="1">
                 <a:solidFill>
                   <a:schemeClr val="tx1"/>
                 </a:solidFill>
                 <a:latin typeface="Times New Roman" panose="02020603050405020304" charset="0"/>
                 <a:cs typeface="Times New Roman" panose="02020603050405020304" charset="0"/>
-              </a:rPr>
-              <a:t>(Jeune Afrique, Le Monde)</a:t>
-            </a:r>
-            <a:endParaRPr lang="" altLang="en-US" sz="2800" b="1">
-              <a:solidFill>
-                <a:schemeClr val="tx1"/>
-              </a:solidFill>
-              <a:latin typeface="Times New Roman" panose="02020603050405020304" charset="0"/>
-              <a:cs typeface="Times New Roman" panose="02020603050405020304" charset="0"/>
-            </a:endParaRPr>
-          </a:p>
-          <a:p>
-            <a:pPr marL="800100" lvl="1" indent="-342900" algn="just">
-              <a:buFont typeface="Wingdings" charset="0"/>
-              <a:buChar char=""/>
-            </a:pPr>
-            <a:r>
-              <a:rPr lang="" altLang="en-US" sz="2800" b="1">
-                <a:latin typeface="Times New Roman" panose="02020603050405020304" charset="0"/>
-                <a:cs typeface="Times New Roman" panose="02020603050405020304" charset="0"/>
-              </a:rPr>
-              <a:t>Sites web de téléchargement</a:t>
-            </a:r>
-            <a:r>
-              <a:rPr lang="" altLang="en-US" sz="2800" b="1">
+                <a:sym typeface="+mn-ea"/>
+              </a:rPr>
+              <a:t> </a:t>
+            </a:r>
+            <a:r>
+              <a:rPr lang="en-US" altLang="en-US" sz="2200" b="1">
+                <a:solidFill>
+                  <a:schemeClr val="bg1"/>
+                </a:solidFill>
+                <a:latin typeface="Times New Roman" panose="02020603050405020304" charset="0"/>
+                <a:cs typeface="Times New Roman" panose="02020603050405020304" charset="0"/>
+                <a:sym typeface="+mn-ea"/>
+              </a:rPr>
+              <a:t>Objectif :</a:t>
+            </a:r>
+            <a:r>
+              <a:rPr lang="en-US" altLang="en-US" sz="2200" b="1">
                 <a:solidFill>
                   <a:schemeClr val="tx1"/>
                 </a:solidFill>
                 <a:latin typeface="Times New Roman" panose="02020603050405020304" charset="0"/>
                 <a:cs typeface="Times New Roman" panose="02020603050405020304" charset="0"/>
-              </a:rPr>
-              <a:t>(Windows Store, Apple Store, Goople Play, Softonic)</a:t>
-            </a:r>
-            <a:endParaRPr lang="" altLang="en-US" sz="2800" b="1">
+                <a:sym typeface="+mn-ea"/>
+              </a:rPr>
+              <a:t>  contrôler l'utilisation qui est faite des œuvres numériques</a:t>
+            </a:r>
+            <a:endParaRPr lang="en-US" sz="2200" b="1">
               <a:solidFill>
                 <a:schemeClr val="tx1"/>
               </a:solidFill>
@@ -5345,7 +5703,7 @@
         <p:spPr>
           <a:xfrm>
             <a:off x="81915" y="1386205"/>
-            <a:ext cx="12021820" cy="6101080"/>
+            <a:ext cx="12021820" cy="5344160"/>
           </a:xfrm>
         </p:spPr>
         <p:txBody>
@@ -5353,16 +5711,16 @@
           <a:p>
             <a:pPr marL="571500" indent="-571500" algn="ctr">
               <a:buFont typeface="+mj-lt"/>
-              <a:buAutoNum type="romanUcPeriod" startAt="4"/>
+              <a:buAutoNum type="romanUcPeriod" startAt="3"/>
             </a:pPr>
             <a:r>
-              <a:rPr lang="" altLang="en-US" b="1">
-                <a:latin typeface="Times New Roman" panose="02020603050405020304" charset="0"/>
-                <a:cs typeface="Times New Roman" panose="02020603050405020304" charset="0"/>
-              </a:rPr>
-              <a:t>Cahier de charges</a:t>
-            </a:r>
-            <a:endParaRPr lang="" altLang="en-US" b="1">
+              <a:rPr lang="en-US" altLang="en-US" b="1">
+                <a:latin typeface="Times New Roman" panose="02020603050405020304" charset="0"/>
+                <a:cs typeface="Times New Roman" panose="02020603050405020304" charset="0"/>
+              </a:rPr>
+              <a:t>Solutions existantes et limites</a:t>
+            </a:r>
+            <a:endParaRPr lang="en-US" altLang="en-US" b="1">
               <a:latin typeface="Times New Roman" panose="02020603050405020304" charset="0"/>
               <a:cs typeface="Times New Roman" panose="02020603050405020304" charset="0"/>
             </a:endParaRPr>
@@ -5565,16 +5923,16 @@
       </p:sp>
       <p:sp>
         <p:nvSpPr>
-          <p:cNvPr id="5" name="Flowchart: Alternate Process 4"/>
+          <p:cNvPr id="5" name="Rounded Rectangle 4"/>
           <p:cNvSpPr/>
           <p:nvPr/>
         </p:nvSpPr>
         <p:spPr>
           <a:xfrm>
-            <a:off x="328295" y="1920240"/>
-            <a:ext cx="11614785" cy="945515"/>
-          </a:xfrm>
-          <a:prstGeom prst="flowChartAlternateProcess">
+            <a:off x="212725" y="2078990"/>
+            <a:ext cx="11779885" cy="4667250"/>
+          </a:xfrm>
+          <a:prstGeom prst="roundRect">
             <a:avLst/>
           </a:prstGeom>
         </p:spPr>
@@ -5597,6 +5955,481 @@
         <p:txBody>
           <a:bodyPr rtlCol="0" anchor="ctr"/>
           <a:p>
+            <a:pPr marL="285750" indent="-285750" algn="just">
+              <a:buFont typeface="Arial" panose="020B0604020202020204" pitchFamily="34" charset="0"/>
+              <a:buChar char="•"/>
+            </a:pPr>
+            <a:r>
+              <a:rPr lang="en-US" altLang="en-US" sz="2800" b="1">
+                <a:latin typeface="Times New Roman" panose="02020603050405020304" charset="0"/>
+                <a:cs typeface="Times New Roman" panose="02020603050405020304" charset="0"/>
+              </a:rPr>
+              <a:t>Gabon : SOGAPRESSE</a:t>
+            </a:r>
+            <a:r>
+              <a:rPr lang="en-US" altLang="en-US" sz="2800" b="1">
+                <a:solidFill>
+                  <a:schemeClr val="tx1"/>
+                </a:solidFill>
+                <a:latin typeface="Times New Roman" panose="02020603050405020304" charset="0"/>
+                <a:cs typeface="Times New Roman" panose="02020603050405020304" charset="0"/>
+              </a:rPr>
+              <a:t>(www.e-kiosque-sogapresse.com)</a:t>
+            </a:r>
+            <a:endParaRPr lang="en-US" altLang="en-US" sz="2800" b="1">
+              <a:solidFill>
+                <a:schemeClr val="tx1"/>
+              </a:solidFill>
+              <a:latin typeface="Times New Roman" panose="02020603050405020304" charset="0"/>
+              <a:cs typeface="Times New Roman" panose="02020603050405020304" charset="0"/>
+            </a:endParaRPr>
+          </a:p>
+          <a:p>
+            <a:pPr marL="285750" indent="-285750" algn="just">
+              <a:buFont typeface="Arial" panose="020B0604020202020204" pitchFamily="34" charset="0"/>
+              <a:buChar char="•"/>
+            </a:pPr>
+            <a:r>
+              <a:rPr lang="en-US" altLang="en-US" sz="2800" b="1">
+                <a:latin typeface="Times New Roman" panose="02020603050405020304" charset="0"/>
+                <a:cs typeface="Times New Roman" panose="02020603050405020304" charset="0"/>
+              </a:rPr>
+              <a:t>Afrique Centrale : ekiosque</a:t>
+            </a:r>
+            <a:r>
+              <a:rPr lang="en-US" altLang="en-US" sz="2800" b="1">
+                <a:solidFill>
+                  <a:schemeClr val="tx1"/>
+                </a:solidFill>
+                <a:latin typeface="Times New Roman" panose="02020603050405020304" charset="0"/>
+                <a:cs typeface="Times New Roman" panose="02020603050405020304" charset="0"/>
+              </a:rPr>
+              <a:t>(www.ekiosque.cm),</a:t>
+            </a:r>
+            <a:r>
+              <a:rPr lang="en-US" altLang="en-US" sz="2800" b="1">
+                <a:latin typeface="Times New Roman" panose="02020603050405020304" charset="0"/>
+                <a:cs typeface="Times New Roman" panose="02020603050405020304" charset="0"/>
+              </a:rPr>
+              <a:t> 237kiosk</a:t>
+            </a:r>
+            <a:r>
+              <a:rPr lang="en-US" altLang="en-US" sz="2800" b="1">
+                <a:solidFill>
+                  <a:schemeClr val="tx1"/>
+                </a:solidFill>
+                <a:latin typeface="Times New Roman" panose="02020603050405020304" charset="0"/>
+                <a:cs typeface="Times New Roman" panose="02020603050405020304" charset="0"/>
+              </a:rPr>
+              <a:t>(www.237kiosk.com)</a:t>
+            </a:r>
+            <a:endParaRPr lang="en-US" altLang="en-US" sz="2800" b="1">
+              <a:latin typeface="Times New Roman" panose="02020603050405020304" charset="0"/>
+              <a:cs typeface="Times New Roman" panose="02020603050405020304" charset="0"/>
+            </a:endParaRPr>
+          </a:p>
+          <a:p>
+            <a:pPr marL="285750" indent="-285750" algn="just">
+              <a:buFont typeface="Arial" panose="020B0604020202020204" pitchFamily="34" charset="0"/>
+              <a:buChar char="•"/>
+            </a:pPr>
+            <a:r>
+              <a:rPr lang="en-US" altLang="en-US" sz="2800" b="1">
+                <a:latin typeface="Times New Roman" panose="02020603050405020304" charset="0"/>
+                <a:cs typeface="Times New Roman" panose="02020603050405020304" charset="0"/>
+              </a:rPr>
+              <a:t>Monde </a:t>
+            </a:r>
+            <a:endParaRPr lang="en-US" altLang="en-US" sz="2800" b="1">
+              <a:latin typeface="Times New Roman" panose="02020603050405020304" charset="0"/>
+              <a:cs typeface="Times New Roman" panose="02020603050405020304" charset="0"/>
+            </a:endParaRPr>
+          </a:p>
+          <a:p>
+            <a:pPr marL="800100" lvl="1" indent="-342900" algn="just">
+              <a:buFont typeface="Wingdings" charset="0"/>
+              <a:buChar char=""/>
+            </a:pPr>
+            <a:r>
+              <a:rPr lang="en-US" altLang="en-US" sz="2800" b="1">
+                <a:latin typeface="Times New Roman" panose="02020603050405020304" charset="0"/>
+                <a:cs typeface="Times New Roman" panose="02020603050405020304" charset="0"/>
+              </a:rPr>
+              <a:t>RebBox, Amazon, Spotify,  Netflix</a:t>
+            </a:r>
+            <a:endParaRPr lang="en-US" altLang="en-US" sz="2800" b="1">
+              <a:latin typeface="Times New Roman" panose="02020603050405020304" charset="0"/>
+              <a:cs typeface="Times New Roman" panose="02020603050405020304" charset="0"/>
+            </a:endParaRPr>
+          </a:p>
+          <a:p>
+            <a:pPr marL="800100" lvl="1" indent="-342900" algn="just">
+              <a:buFont typeface="Wingdings" charset="0"/>
+              <a:buChar char=""/>
+            </a:pPr>
+            <a:r>
+              <a:rPr lang="en-US" altLang="en-US" sz="2800" b="1">
+                <a:latin typeface="Times New Roman" panose="02020603050405020304" charset="0"/>
+                <a:cs typeface="Times New Roman" panose="02020603050405020304" charset="0"/>
+              </a:rPr>
+              <a:t>Sites web d’informations des grands médias traditionnels</a:t>
+            </a:r>
+            <a:r>
+              <a:rPr lang="en-US" altLang="en-US" sz="2800" b="1">
+                <a:solidFill>
+                  <a:schemeClr val="tx1"/>
+                </a:solidFill>
+                <a:latin typeface="Times New Roman" panose="02020603050405020304" charset="0"/>
+                <a:cs typeface="Times New Roman" panose="02020603050405020304" charset="0"/>
+              </a:rPr>
+              <a:t>(Jeune Afrique, Le Monde)</a:t>
+            </a:r>
+            <a:endParaRPr lang="en-US" altLang="en-US" sz="2800" b="1">
+              <a:solidFill>
+                <a:schemeClr val="tx1"/>
+              </a:solidFill>
+              <a:latin typeface="Times New Roman" panose="02020603050405020304" charset="0"/>
+              <a:cs typeface="Times New Roman" panose="02020603050405020304" charset="0"/>
+            </a:endParaRPr>
+          </a:p>
+          <a:p>
+            <a:pPr marL="800100" lvl="1" indent="-342900" algn="just">
+              <a:buFont typeface="Wingdings" charset="0"/>
+              <a:buChar char=""/>
+            </a:pPr>
+            <a:r>
+              <a:rPr lang="en-US" altLang="en-US" sz="2800" b="1">
+                <a:latin typeface="Times New Roman" panose="02020603050405020304" charset="0"/>
+                <a:cs typeface="Times New Roman" panose="02020603050405020304" charset="0"/>
+              </a:rPr>
+              <a:t>Sites web de téléchargement</a:t>
+            </a:r>
+            <a:r>
+              <a:rPr lang="en-US" altLang="en-US" sz="2800" b="1">
+                <a:solidFill>
+                  <a:schemeClr val="tx1"/>
+                </a:solidFill>
+                <a:latin typeface="Times New Roman" panose="02020603050405020304" charset="0"/>
+                <a:cs typeface="Times New Roman" panose="02020603050405020304" charset="0"/>
+              </a:rPr>
+              <a:t>(Windows Store, Apple Store, Goople Play, Softonic)</a:t>
+            </a:r>
+            <a:endParaRPr lang="en-US" altLang="en-US" sz="2800" b="1">
+              <a:solidFill>
+                <a:schemeClr val="tx1"/>
+              </a:solidFill>
+              <a:latin typeface="Times New Roman" panose="02020603050405020304" charset="0"/>
+              <a:cs typeface="Times New Roman" panose="02020603050405020304" charset="0"/>
+            </a:endParaRPr>
+          </a:p>
+        </p:txBody>
+      </p:sp>
+    </p:spTree>
+  </p:cSld>
+  <p:clrMapOvr>
+    <a:masterClrMapping/>
+  </p:clrMapOvr>
+</p:sld>
+</file>
+
+<file path=ppt/slides/slide13.xml><?xml version="1.0" encoding="utf-8"?>
+<p:sld xmlns:a="http://schemas.openxmlformats.org/drawingml/2006/main" xmlns:r="http://schemas.openxmlformats.org/officeDocument/2006/relationships" xmlns:p="http://schemas.openxmlformats.org/presentationml/2006/main">
+  <p:cSld>
+    <p:spTree>
+      <p:nvGrpSpPr>
+        <p:cNvPr id="1" name=""/>
+        <p:cNvGrpSpPr/>
+        <p:nvPr/>
+      </p:nvGrpSpPr>
+      <p:grpSpPr/>
+      <p:sp>
+        <p:nvSpPr>
+          <p:cNvPr id="2" name="Title 1"/>
+          <p:cNvSpPr>
+            <a:spLocks noGrp="1"/>
+          </p:cNvSpPr>
+          <p:nvPr>
+            <p:ph type="title"/>
+          </p:nvPr>
+        </p:nvSpPr>
+        <p:spPr>
+          <a:xfrm>
+            <a:off x="10160" y="56515"/>
+            <a:ext cx="12154535" cy="1212850"/>
+          </a:xfrm>
+        </p:spPr>
+        <p:txBody>
+          <a:bodyPr/>
+          <a:p>
+            <a:endParaRPr lang="en-US"/>
+          </a:p>
+        </p:txBody>
+      </p:sp>
+      <p:sp>
+        <p:nvSpPr>
+          <p:cNvPr id="3" name="Content Placeholder 2"/>
+          <p:cNvSpPr>
+            <a:spLocks noGrp="1"/>
+          </p:cNvSpPr>
+          <p:nvPr>
+            <p:ph idx="1"/>
+          </p:nvPr>
+        </p:nvSpPr>
+        <p:spPr>
+          <a:xfrm>
+            <a:off x="81915" y="1386205"/>
+            <a:ext cx="12021820" cy="6101080"/>
+          </a:xfrm>
+        </p:spPr>
+        <p:txBody>
+          <a:bodyPr/>
+          <a:p>
+            <a:pPr marL="571500" indent="-571500" algn="ctr">
+              <a:buFont typeface="+mj-lt"/>
+              <a:buAutoNum type="romanUcPeriod" startAt="4"/>
+            </a:pPr>
+            <a:r>
+              <a:rPr lang="en-US" altLang="en-US" b="1">
+                <a:latin typeface="Times New Roman" panose="02020603050405020304" charset="0"/>
+                <a:cs typeface="Times New Roman" panose="02020603050405020304" charset="0"/>
+              </a:rPr>
+              <a:t>Cahier de charges</a:t>
+            </a:r>
+            <a:endParaRPr lang="en-US" altLang="en-US" b="1">
+              <a:latin typeface="Times New Roman" panose="02020603050405020304" charset="0"/>
+              <a:cs typeface="Times New Roman" panose="02020603050405020304" charset="0"/>
+            </a:endParaRPr>
+          </a:p>
+        </p:txBody>
+      </p:sp>
+      <p:sp>
+        <p:nvSpPr>
+          <p:cNvPr id="4" name="Rounded Rectangle 3"/>
+          <p:cNvSpPr/>
+          <p:nvPr/>
+        </p:nvSpPr>
+        <p:spPr>
+          <a:xfrm>
+            <a:off x="82550" y="98425"/>
+            <a:ext cx="2926715" cy="1043940"/>
+          </a:xfrm>
+          <a:prstGeom prst="roundRect">
+            <a:avLst/>
+          </a:prstGeom>
+        </p:spPr>
+        <p:style>
+          <a:lnRef idx="1">
+            <a:schemeClr val="accent3"/>
+          </a:lnRef>
+          <a:fillRef idx="2">
+            <a:schemeClr val="accent3"/>
+          </a:fillRef>
+          <a:effectRef idx="1">
+            <a:schemeClr val="accent3"/>
+          </a:effectRef>
+          <a:fontRef idx="minor">
+            <a:schemeClr val="dk1"/>
+          </a:fontRef>
+        </p:style>
+        <p:txBody>
+          <a:bodyPr rtlCol="0" anchor="ctr"/>
+          <a:p>
+            <a:pPr algn="ctr"/>
+            <a:r>
+              <a:rPr lang="en-US" altLang="en-US" b="1">
+                <a:latin typeface="Times New Roman" panose="02020603050405020304" charset="0"/>
+                <a:cs typeface="Times New Roman" panose="02020603050405020304" charset="0"/>
+                <a:sym typeface="+mn-ea"/>
+              </a:rPr>
+              <a:t>ENVIRONNEMENT DE TRAVAIL</a:t>
+            </a:r>
+            <a:endParaRPr lang="en-US" altLang="en-US" b="1">
+              <a:latin typeface="Times New Roman" panose="02020603050405020304" charset="0"/>
+              <a:cs typeface="Times New Roman" panose="02020603050405020304" charset="0"/>
+            </a:endParaRPr>
+          </a:p>
+        </p:txBody>
+      </p:sp>
+      <p:sp>
+        <p:nvSpPr>
+          <p:cNvPr id="6" name="Rounded Rectangle 5"/>
+          <p:cNvSpPr/>
+          <p:nvPr/>
+        </p:nvSpPr>
+        <p:spPr>
+          <a:xfrm>
+            <a:off x="3093720" y="114300"/>
+            <a:ext cx="2926715" cy="1043940"/>
+          </a:xfrm>
+          <a:prstGeom prst="roundRect">
+            <a:avLst/>
+          </a:prstGeom>
+        </p:spPr>
+        <p:style>
+          <a:lnRef idx="2">
+            <a:schemeClr val="accent5">
+              <a:shade val="50000"/>
+            </a:schemeClr>
+          </a:lnRef>
+          <a:fillRef idx="1">
+            <a:schemeClr val="accent5"/>
+          </a:fillRef>
+          <a:effectRef idx="0">
+            <a:schemeClr val="accent5"/>
+          </a:effectRef>
+          <a:fontRef idx="minor">
+            <a:schemeClr val="lt1"/>
+          </a:fontRef>
+        </p:style>
+        <p:txBody>
+          <a:bodyPr rtlCol="0" anchor="ctr"/>
+          <a:p>
+            <a:pPr algn="ctr"/>
+            <a:r>
+              <a:rPr lang="en-US" altLang="en-US" b="1">
+                <a:latin typeface="Times New Roman" panose="02020603050405020304" charset="0"/>
+                <a:cs typeface="Times New Roman" panose="02020603050405020304" charset="0"/>
+                <a:sym typeface="+mn-ea"/>
+              </a:rPr>
+              <a:t>CONCEPTS GÉNÉRAUX DU DOMAINE</a:t>
+            </a:r>
+            <a:endParaRPr lang="en-US" altLang="en-US" b="1">
+              <a:latin typeface="Times New Roman" panose="02020603050405020304" charset="0"/>
+              <a:cs typeface="Times New Roman" panose="02020603050405020304" charset="0"/>
+            </a:endParaRPr>
+          </a:p>
+        </p:txBody>
+      </p:sp>
+      <p:sp>
+        <p:nvSpPr>
+          <p:cNvPr id="7" name="Rounded Rectangle 6"/>
+          <p:cNvSpPr/>
+          <p:nvPr/>
+        </p:nvSpPr>
+        <p:spPr>
+          <a:xfrm>
+            <a:off x="6135370" y="114300"/>
+            <a:ext cx="2926715" cy="1043940"/>
+          </a:xfrm>
+          <a:prstGeom prst="roundRect">
+            <a:avLst/>
+          </a:prstGeom>
+        </p:spPr>
+        <p:style>
+          <a:lnRef idx="1">
+            <a:schemeClr val="accent3"/>
+          </a:lnRef>
+          <a:fillRef idx="2">
+            <a:schemeClr val="accent3"/>
+          </a:fillRef>
+          <a:effectRef idx="1">
+            <a:schemeClr val="accent3"/>
+          </a:effectRef>
+          <a:fontRef idx="minor">
+            <a:schemeClr val="dk1"/>
+          </a:fontRef>
+        </p:style>
+        <p:txBody>
+          <a:bodyPr rtlCol="0" anchor="ctr"/>
+          <a:p>
+            <a:pPr algn="ctr"/>
+            <a:r>
+              <a:rPr lang="en-US" altLang="en-US" b="1">
+                <a:latin typeface="Times New Roman" panose="02020603050405020304" charset="0"/>
+                <a:cs typeface="Times New Roman" panose="02020603050405020304" charset="0"/>
+                <a:sym typeface="+mn-ea"/>
+              </a:rPr>
+              <a:t>CONCEPTION</a:t>
+            </a:r>
+            <a:endParaRPr lang="en-US" altLang="en-US" b="1">
+              <a:latin typeface="Times New Roman" panose="02020603050405020304" charset="0"/>
+              <a:cs typeface="Times New Roman" panose="02020603050405020304" charset="0"/>
+            </a:endParaRPr>
+          </a:p>
+        </p:txBody>
+      </p:sp>
+      <p:sp>
+        <p:nvSpPr>
+          <p:cNvPr id="8" name="Rounded Rectangle 7"/>
+          <p:cNvSpPr/>
+          <p:nvPr/>
+        </p:nvSpPr>
+        <p:spPr>
+          <a:xfrm>
+            <a:off x="9177020" y="114300"/>
+            <a:ext cx="2926715" cy="1043940"/>
+          </a:xfrm>
+          <a:prstGeom prst="roundRect">
+            <a:avLst/>
+          </a:prstGeom>
+        </p:spPr>
+        <p:style>
+          <a:lnRef idx="1">
+            <a:schemeClr val="accent3"/>
+          </a:lnRef>
+          <a:fillRef idx="2">
+            <a:schemeClr val="accent3"/>
+          </a:fillRef>
+          <a:effectRef idx="1">
+            <a:schemeClr val="accent3"/>
+          </a:effectRef>
+          <a:fontRef idx="minor">
+            <a:schemeClr val="dk1"/>
+          </a:fontRef>
+        </p:style>
+        <p:txBody>
+          <a:bodyPr rtlCol="0" anchor="ctr"/>
+          <a:p>
+            <a:pPr algn="ctr"/>
+            <a:r>
+              <a:rPr lang="en-US" altLang="en-US" b="1">
+                <a:latin typeface="Times New Roman" panose="02020603050405020304" charset="0"/>
+                <a:cs typeface="Times New Roman" panose="02020603050405020304" charset="0"/>
+                <a:sym typeface="+mn-ea"/>
+              </a:rPr>
+              <a:t>MISE EN OEUVRE DE LA SOLUTION</a:t>
+            </a:r>
+            <a:endParaRPr lang="en-US" altLang="en-US" b="1">
+              <a:latin typeface="Times New Roman" panose="02020603050405020304" charset="0"/>
+              <a:cs typeface="Times New Roman" panose="02020603050405020304" charset="0"/>
+            </a:endParaRPr>
+          </a:p>
+        </p:txBody>
+      </p:sp>
+      <p:sp>
+        <p:nvSpPr>
+          <p:cNvPr id="5" name="Flowchart: Alternate Process 4"/>
+          <p:cNvSpPr/>
+          <p:nvPr/>
+        </p:nvSpPr>
+        <p:spPr>
+          <a:xfrm>
+            <a:off x="328295" y="1920240"/>
+            <a:ext cx="11614785" cy="945515"/>
+          </a:xfrm>
+          <a:prstGeom prst="flowChartAlternateProcess">
+            <a:avLst/>
+          </a:prstGeom>
+        </p:spPr>
+        <p:style>
+          <a:lnRef idx="2">
+            <a:schemeClr val="accent5">
+              <a:shade val="50000"/>
+            </a:schemeClr>
+          </a:lnRef>
+          <a:fillRef idx="1">
+            <a:schemeClr val="accent5"/>
+          </a:fillRef>
+          <a:effectRef idx="0">
+            <a:schemeClr val="accent5"/>
+          </a:effectRef>
+          <a:fontRef idx="minor">
+            <a:schemeClr val="lt1"/>
+          </a:fontRef>
+        </p:style>
+        <p:txBody>
+          <a:bodyPr rtlCol="0" anchor="ctr"/>
+          <a:p>
             <a:pPr algn="just"/>
             <a:r>
               <a:rPr lang="en-US" sz="2200" b="1">
@@ -5609,7 +6442,7 @@
               <a:t>Le travail consistera à développer </a:t>
             </a:r>
             <a:r>
-              <a:rPr lang="" altLang="en-US" sz="2200" b="1">
+              <a:rPr lang="en-US" altLang="en-US" sz="2200" b="1">
                 <a:solidFill>
                   <a:schemeClr val="tx1"/>
                 </a:solidFill>
@@ -5619,7 +6452,7 @@
               <a:t>une</a:t>
             </a:r>
             <a:r>
-              <a:rPr lang="" altLang="en-US" sz="2200" b="1">
+              <a:rPr lang="en-US" altLang="en-US" sz="2200" b="1">
                 <a:solidFill>
                   <a:schemeClr val="bg1"/>
                 </a:solidFill>
@@ -5736,7 +6569,7 @@
                         <a:buNone/>
                       </a:pPr>
                       <a:r>
-                        <a:rPr lang="" altLang="en-US" sz="2200" b="1">
+                        <a:rPr lang="en-US" altLang="en-US" sz="2200" b="1">
                           <a:latin typeface="Times New Roman" panose="02020603050405020304" charset="0"/>
                           <a:cs typeface="Times New Roman" panose="02020603050405020304" charset="0"/>
                           <a:sym typeface="+mn-ea"/>
@@ -5802,7 +6635,7 @@
                         <a:t>Permettre aux utilisateurs </a:t>
                       </a:r>
                       <a:r>
-                        <a:rPr lang="" altLang="en-US" sz="2200" b="1">
+                        <a:rPr lang="en-US" altLang="en-US" sz="2200" b="1">
                           <a:latin typeface="Times New Roman" panose="02020603050405020304" charset="0"/>
                           <a:cs typeface="Times New Roman" panose="02020603050405020304" charset="0"/>
                           <a:sym typeface="+mn-ea"/>
@@ -5858,7 +6691,7 @@
                         <a:buNone/>
                       </a:pPr>
                       <a:r>
-                        <a:rPr lang="" altLang="en-US" sz="2200" b="1">
+                        <a:rPr lang="en-US" altLang="en-US" sz="2200" b="1">
                           <a:latin typeface="Times New Roman" panose="02020603050405020304" charset="0"/>
                           <a:cs typeface="Times New Roman" panose="02020603050405020304" charset="0"/>
                         </a:rPr>
@@ -5889,13 +6722,13 @@
                         <a:buNone/>
                       </a:pPr>
                       <a:r>
-                        <a:rPr lang="" altLang="en-US" sz="2200" b="1">
+                        <a:rPr lang="en-US" altLang="en-US" sz="2200" b="1">
                           <a:latin typeface="Times New Roman" panose="02020603050405020304" charset="0"/>
                           <a:cs typeface="Times New Roman" panose="02020603050405020304" charset="0"/>
                         </a:rPr>
                         <a:t>Permettre aux éditeurs d'avoir une vue globale sur l'évolution de leurs ventes(Statistiques)</a:t>
                       </a:r>
-                      <a:endParaRPr lang="" altLang="en-US" sz="2200" b="1">
+                      <a:endParaRPr lang="en-US" altLang="en-US" sz="2200" b="1">
                         <a:latin typeface="Times New Roman" panose="02020603050405020304" charset="0"/>
                         <a:cs typeface="Times New Roman" panose="02020603050405020304" charset="0"/>
                       </a:endParaRPr>
@@ -5916,7 +6749,7 @@
 </p:sld>
 </file>
 
-<file path=ppt/slides/slide13.xml><?xml version="1.0" encoding="utf-8"?>
+<file path=ppt/slides/slide14.xml><?xml version="1.0" encoding="utf-8"?>
 <p:sld xmlns:a="http://schemas.openxmlformats.org/drawingml/2006/main" xmlns:r="http://schemas.openxmlformats.org/officeDocument/2006/relationships" xmlns:p="http://schemas.openxmlformats.org/presentationml/2006/main">
   <p:cSld>
     <p:spTree>
@@ -5973,13 +6806,13 @@
               <a:buAutoNum type="romanUcPeriod"/>
             </a:pPr>
             <a:r>
-              <a:rPr lang="" altLang="en-US" b="1">
+              <a:rPr lang="en-US" altLang="en-US" b="1">
                 <a:latin typeface="Times New Roman" panose="02020603050405020304" charset="0"/>
                 <a:cs typeface="Times New Roman" panose="02020603050405020304" charset="0"/>
               </a:rPr>
               <a:t>Méthodologie de développement</a:t>
             </a:r>
-            <a:endParaRPr lang="" altLang="en-US" b="1">
+            <a:endParaRPr lang="en-US" altLang="en-US" b="1">
               <a:latin typeface="Times New Roman" panose="02020603050405020304" charset="0"/>
               <a:cs typeface="Times New Roman" panose="02020603050405020304" charset="0"/>
             </a:endParaRPr>
@@ -6216,14 +7049,14 @@
           <a:p>
             <a:pPr algn="just"/>
             <a:r>
-              <a:rPr lang="" altLang="en-US" sz="2400" b="1">
+              <a:rPr lang="en-US" altLang="en-US" sz="2400" b="1">
                 <a:latin typeface="Times New Roman" panose="02020603050405020304" charset="0"/>
                 <a:cs typeface="Times New Roman" panose="02020603050405020304" charset="0"/>
               </a:rPr>
               <a:t>Scrum : </a:t>
             </a:r>
             <a:r>
-              <a:rPr lang="" altLang="en-US" sz="2400" b="1">
+              <a:rPr lang="en-US" altLang="en-US" sz="2400" b="1">
                 <a:solidFill>
                   <a:schemeClr val="tx1"/>
                 </a:solidFill>
@@ -6233,7 +7066,7 @@
               <a:t>variante de</a:t>
             </a:r>
             <a:r>
-              <a:rPr lang="" altLang="en-US" sz="2400" b="1">
+              <a:rPr lang="en-US" altLang="en-US" sz="2400" b="1">
                 <a:solidFill>
                   <a:schemeClr val="bg1"/>
                 </a:solidFill>
@@ -6243,7 +7076,7 @@
               <a:t> méthode agile</a:t>
             </a:r>
             <a:r>
-              <a:rPr lang="" altLang="en-US" sz="2400" b="1">
+              <a:rPr lang="en-US" altLang="en-US" sz="2400" b="1">
                 <a:solidFill>
                   <a:schemeClr val="tx1"/>
                 </a:solidFill>
@@ -6253,7 +7086,7 @@
               <a:t> composé d’un certain nombre d’itérations nommés </a:t>
             </a:r>
             <a:r>
-              <a:rPr lang="" altLang="en-US" sz="2400" b="1">
+              <a:rPr lang="en-US" altLang="en-US" sz="2400" b="1">
                 <a:solidFill>
                   <a:schemeClr val="bg1"/>
                 </a:solidFill>
@@ -6263,7 +7096,7 @@
               <a:t>sprints </a:t>
             </a:r>
             <a:r>
-              <a:rPr lang="" altLang="en-US" sz="2400" b="1">
+              <a:rPr lang="en-US" altLang="en-US" sz="2400" b="1">
                 <a:solidFill>
                   <a:schemeClr val="tx1"/>
                 </a:solidFill>
@@ -6273,7 +7106,7 @@
               <a:t>ayant une durée d’</a:t>
             </a:r>
             <a:r>
-              <a:rPr lang="" altLang="en-US" sz="2400" b="1">
+              <a:rPr lang="en-US" altLang="en-US" sz="2400" b="1">
                 <a:solidFill>
                   <a:schemeClr val="bg1"/>
                 </a:solidFill>
@@ -6282,7 +7115,7 @@
               </a:rPr>
               <a:t>une à quatre semaines</a:t>
             </a:r>
-            <a:endParaRPr lang="" altLang="en-US" sz="2400" b="1">
+            <a:endParaRPr lang="en-US" altLang="en-US" sz="2400" b="1">
               <a:solidFill>
                 <a:schemeClr val="bg1"/>
               </a:solidFill>
@@ -6328,14 +7161,14 @@
           <a:p>
             <a:pPr algn="just"/>
             <a:r>
-              <a:rPr lang="" altLang="en-US" sz="2400" b="1">
+              <a:rPr lang="en-US" altLang="en-US" sz="2400" b="1">
                 <a:latin typeface="Times New Roman" panose="02020603050405020304" charset="0"/>
                 <a:cs typeface="Times New Roman" panose="02020603050405020304" charset="0"/>
               </a:rPr>
               <a:t>2TUP : </a:t>
             </a:r>
             <a:r>
-              <a:rPr lang="" altLang="en-US" sz="2400" b="1">
+              <a:rPr lang="en-US" altLang="en-US" sz="2400" b="1">
                 <a:solidFill>
                   <a:schemeClr val="tx1"/>
                 </a:solidFill>
@@ -6345,7 +7178,7 @@
               <a:t>processus  de  développement  basé  sur  le  processus  </a:t>
             </a:r>
             <a:r>
-              <a:rPr lang="" altLang="en-US" sz="2400" b="1">
+              <a:rPr lang="en-US" altLang="en-US" sz="2400" b="1">
                 <a:solidFill>
                   <a:schemeClr val="bg1"/>
                 </a:solidFill>
@@ -6354,7 +7187,7 @@
               </a:rPr>
               <a:t>UP</a:t>
             </a:r>
-            <a:endParaRPr lang="" altLang="en-US" sz="2400" b="1">
+            <a:endParaRPr lang="en-US" altLang="en-US" sz="2400" b="1">
               <a:solidFill>
                 <a:schemeClr val="bg1"/>
               </a:solidFill>
@@ -6400,21 +7233,21 @@
           <a:p>
             <a:pPr algn="just"/>
             <a:r>
-              <a:rPr lang="" altLang="en-US" sz="2400" b="1">
+              <a:rPr lang="en-US" altLang="en-US" sz="2400" b="1">
                 <a:latin typeface="Times New Roman" panose="02020603050405020304" charset="0"/>
                 <a:cs typeface="Times New Roman" panose="02020603050405020304" charset="0"/>
               </a:rPr>
               <a:t>UML :</a:t>
             </a:r>
             <a:r>
-              <a:rPr lang="" altLang="en-US" sz="2400">
+              <a:rPr lang="en-US" altLang="en-US" sz="2400">
                 <a:latin typeface="Times New Roman" panose="02020603050405020304" charset="0"/>
                 <a:cs typeface="Times New Roman" panose="02020603050405020304" charset="0"/>
               </a:rPr>
               <a:t> </a:t>
             </a:r>
             <a:r>
-              <a:rPr lang="" altLang="en-US" sz="2400" b="1">
+              <a:rPr lang="en-US" altLang="en-US" sz="2400" b="1">
                 <a:solidFill>
                   <a:schemeClr val="tx1"/>
                 </a:solidFill>
@@ -6424,7 +7257,7 @@
               <a:t>langage  de  </a:t>
             </a:r>
             <a:r>
-              <a:rPr lang="" altLang="en-US" sz="2400" b="1">
+              <a:rPr lang="en-US" altLang="en-US" sz="2400" b="1">
                 <a:solidFill>
                   <a:schemeClr val="bg1"/>
                 </a:solidFill>
@@ -6434,7 +7267,7 @@
               <a:t>modélisation  </a:t>
             </a:r>
             <a:r>
-              <a:rPr lang="" altLang="en-US" sz="2400" b="1">
+              <a:rPr lang="en-US" altLang="en-US" sz="2400" b="1">
                 <a:solidFill>
                   <a:schemeClr val="tx1"/>
                 </a:solidFill>
@@ -6444,7 +7277,7 @@
               <a:t>destiné  à  décrire  des besoins, spécifier et documenter des systèmes informatiques dans une</a:t>
             </a:r>
             <a:r>
-              <a:rPr lang="" altLang="en-US" sz="2400" b="1">
+              <a:rPr lang="en-US" altLang="en-US" sz="2400" b="1">
                 <a:solidFill>
                   <a:schemeClr val="bg1"/>
                 </a:solidFill>
@@ -6454,7 +7287,7 @@
               <a:t> approche orientée obje</a:t>
             </a:r>
             <a:r>
-              <a:rPr lang="" altLang="en-US" sz="2400" b="1">
+              <a:rPr lang="en-US" altLang="en-US" sz="2400" b="1">
                 <a:solidFill>
                   <a:schemeClr val="tx1"/>
                 </a:solidFill>
@@ -6463,7 +7296,7 @@
               </a:rPr>
               <a:t>t</a:t>
             </a:r>
-            <a:endParaRPr lang="" altLang="en-US" sz="2400" b="1">
+            <a:endParaRPr lang="en-US" altLang="en-US" sz="2400" b="1">
               <a:solidFill>
                 <a:schemeClr val="tx1"/>
               </a:solidFill>
@@ -6545,578 +7378,6 @@
           </a:prstGeom>
         </p:spPr>
       </p:pic>
-    </p:spTree>
-  </p:cSld>
-  <p:clrMapOvr>
-    <a:masterClrMapping/>
-  </p:clrMapOvr>
-</p:sld>
-</file>
-
-<file path=ppt/slides/slide14.xml><?xml version="1.0" encoding="utf-8"?>
-<p:sld xmlns:a="http://schemas.openxmlformats.org/drawingml/2006/main" xmlns:r="http://schemas.openxmlformats.org/officeDocument/2006/relationships" xmlns:p="http://schemas.openxmlformats.org/presentationml/2006/main">
-  <p:cSld>
-    <p:spTree>
-      <p:nvGrpSpPr>
-        <p:cNvPr id="1" name=""/>
-        <p:cNvGrpSpPr/>
-        <p:nvPr/>
-      </p:nvGrpSpPr>
-      <p:grpSpPr/>
-      <p:sp>
-        <p:nvSpPr>
-          <p:cNvPr id="2" name="Title 1"/>
-          <p:cNvSpPr>
-            <a:spLocks noGrp="1"/>
-          </p:cNvSpPr>
-          <p:nvPr>
-            <p:ph type="title"/>
-          </p:nvPr>
-        </p:nvSpPr>
-        <p:spPr>
-          <a:xfrm>
-            <a:off x="10160" y="56515"/>
-            <a:ext cx="12154535" cy="1212850"/>
-          </a:xfrm>
-        </p:spPr>
-        <p:txBody>
-          <a:bodyPr/>
-          <a:p>
-            <a:endParaRPr lang="en-US"/>
-          </a:p>
-        </p:txBody>
-      </p:sp>
-      <p:sp>
-        <p:nvSpPr>
-          <p:cNvPr id="3" name="Content Placeholder 2"/>
-          <p:cNvSpPr>
-            <a:spLocks noGrp="1"/>
-          </p:cNvSpPr>
-          <p:nvPr>
-            <p:ph idx="1"/>
-          </p:nvPr>
-        </p:nvSpPr>
-        <p:spPr>
-          <a:xfrm>
-            <a:off x="81915" y="1141730"/>
-            <a:ext cx="12021820" cy="5654040"/>
-          </a:xfrm>
-        </p:spPr>
-        <p:txBody>
-          <a:bodyPr>
-            <a:normAutofit fontScale="90000" lnSpcReduction="10000"/>
-          </a:bodyPr>
-          <a:p>
-            <a:pPr marL="0" indent="0" algn="just">
-              <a:buFont typeface="+mj-lt"/>
-              <a:buNone/>
-            </a:pPr>
-            <a:r>
-              <a:rPr lang="" altLang="en-US" b="1">
-                <a:latin typeface="Times New Roman" panose="02020603050405020304" charset="0"/>
-                <a:cs typeface="Times New Roman" panose="02020603050405020304" charset="0"/>
-              </a:rPr>
-              <a:t>Découpage du projet suivant Scrum</a:t>
-            </a:r>
-            <a:endParaRPr lang="" altLang="en-US" b="1">
-              <a:latin typeface="Times New Roman" panose="02020603050405020304" charset="0"/>
-              <a:cs typeface="Times New Roman" panose="02020603050405020304" charset="0"/>
-            </a:endParaRPr>
-          </a:p>
-          <a:p>
-            <a:pPr marL="0" indent="0" algn="ctr">
-              <a:buFont typeface="+mj-lt"/>
-              <a:buNone/>
-            </a:pPr>
-            <a:endParaRPr lang="en-US" altLang="en-US" b="1">
-              <a:latin typeface="Times New Roman" panose="02020603050405020304" charset="0"/>
-              <a:cs typeface="Times New Roman" panose="02020603050405020304" charset="0"/>
-            </a:endParaRPr>
-          </a:p>
-          <a:p>
-            <a:pPr marL="0" indent="0" algn="ctr">
-              <a:buFont typeface="+mj-lt"/>
-              <a:buNone/>
-            </a:pPr>
-            <a:endParaRPr lang="en-US" altLang="en-US" b="1">
-              <a:latin typeface="Times New Roman" panose="02020603050405020304" charset="0"/>
-              <a:cs typeface="Times New Roman" panose="02020603050405020304" charset="0"/>
-            </a:endParaRPr>
-          </a:p>
-          <a:p>
-            <a:pPr marL="0" indent="0" algn="ctr">
-              <a:buFont typeface="+mj-lt"/>
-              <a:buNone/>
-            </a:pPr>
-            <a:endParaRPr lang="en-US" altLang="en-US" b="1">
-              <a:latin typeface="Times New Roman" panose="02020603050405020304" charset="0"/>
-              <a:cs typeface="Times New Roman" panose="02020603050405020304" charset="0"/>
-            </a:endParaRPr>
-          </a:p>
-          <a:p>
-            <a:pPr marL="571500" indent="-571500" algn="ctr">
-              <a:buFont typeface="+mj-lt"/>
-              <a:buAutoNum type="romanUcPeriod"/>
-            </a:pPr>
-            <a:endParaRPr lang="en-US" altLang="en-US" b="1">
-              <a:latin typeface="Times New Roman" panose="02020603050405020304" charset="0"/>
-              <a:cs typeface="Times New Roman" panose="02020603050405020304" charset="0"/>
-            </a:endParaRPr>
-          </a:p>
-          <a:p>
-            <a:pPr marL="571500" indent="-571500" algn="ctr">
-              <a:buFont typeface="+mj-lt"/>
-              <a:buAutoNum type="romanUcPeriod"/>
-            </a:pPr>
-            <a:endParaRPr lang="en-US" altLang="en-US" b="1">
-              <a:latin typeface="Times New Roman" panose="02020603050405020304" charset="0"/>
-              <a:cs typeface="Times New Roman" panose="02020603050405020304" charset="0"/>
-            </a:endParaRPr>
-          </a:p>
-          <a:p>
-            <a:pPr marL="571500" indent="-571500" algn="ctr">
-              <a:buFont typeface="+mj-lt"/>
-              <a:buAutoNum type="romanUcPeriod"/>
-            </a:pPr>
-            <a:endParaRPr lang="en-US" altLang="en-US" b="1">
-              <a:latin typeface="Times New Roman" panose="02020603050405020304" charset="0"/>
-              <a:cs typeface="Times New Roman" panose="02020603050405020304" charset="0"/>
-            </a:endParaRPr>
-          </a:p>
-          <a:p>
-            <a:pPr marL="571500" indent="-571500" algn="ctr">
-              <a:buFont typeface="+mj-lt"/>
-              <a:buAutoNum type="romanUcPeriod"/>
-            </a:pPr>
-            <a:endParaRPr lang="en-US" altLang="en-US" b="1">
-              <a:latin typeface="Times New Roman" panose="02020603050405020304" charset="0"/>
-              <a:cs typeface="Times New Roman" panose="02020603050405020304" charset="0"/>
-            </a:endParaRPr>
-          </a:p>
-          <a:p>
-            <a:pPr marL="571500" indent="-571500" algn="ctr">
-              <a:buFont typeface="+mj-lt"/>
-              <a:buAutoNum type="romanUcPeriod"/>
-            </a:pPr>
-            <a:endParaRPr lang="en-US" altLang="en-US" b="1">
-              <a:latin typeface="Times New Roman" panose="02020603050405020304" charset="0"/>
-              <a:cs typeface="Times New Roman" panose="02020603050405020304" charset="0"/>
-            </a:endParaRPr>
-          </a:p>
-          <a:p>
-            <a:pPr marL="571500" indent="-571500" algn="ctr">
-              <a:buFont typeface="+mj-lt"/>
-              <a:buAutoNum type="romanUcPeriod"/>
-            </a:pPr>
-            <a:endParaRPr lang="en-US" altLang="en-US" b="1">
-              <a:latin typeface="Times New Roman" panose="02020603050405020304" charset="0"/>
-              <a:cs typeface="Times New Roman" panose="02020603050405020304" charset="0"/>
-            </a:endParaRPr>
-          </a:p>
-          <a:p>
-            <a:pPr algn="just">
-              <a:buFont typeface="Arial" panose="020B0604020202020204" pitchFamily="34" charset="0"/>
-              <a:buChar char="•"/>
-            </a:pPr>
-            <a:r>
-              <a:rPr lang="" altLang="en-US" b="1">
-                <a:solidFill>
-                  <a:schemeClr val="accent5">
-                    <a:lumMod val="75000"/>
-                  </a:schemeClr>
-                </a:solidFill>
-                <a:latin typeface="Times New Roman" panose="02020603050405020304" charset="0"/>
-                <a:cs typeface="Times New Roman" panose="02020603050405020304" charset="0"/>
-              </a:rPr>
-              <a:t>Information:</a:t>
-            </a:r>
-            <a:r>
-              <a:rPr lang="" altLang="en-US" b="1">
-                <a:solidFill>
-                  <a:schemeClr val="tx1"/>
-                </a:solidFill>
-                <a:latin typeface="Times New Roman" panose="02020603050405020304" charset="0"/>
-                <a:cs typeface="Times New Roman" panose="02020603050405020304" charset="0"/>
-              </a:rPr>
-              <a:t> difficulté à comprendre le vocabulaire du domaine</a:t>
-            </a:r>
-            <a:endParaRPr lang="" altLang="en-US" b="1">
-              <a:solidFill>
-                <a:schemeClr val="tx1"/>
-              </a:solidFill>
-              <a:latin typeface="Times New Roman" panose="02020603050405020304" charset="0"/>
-              <a:cs typeface="Times New Roman" panose="02020603050405020304" charset="0"/>
-            </a:endParaRPr>
-          </a:p>
-          <a:p>
-            <a:pPr algn="just">
-              <a:buFont typeface="Arial" panose="020B0604020202020204" pitchFamily="34" charset="0"/>
-              <a:buChar char="•"/>
-            </a:pPr>
-            <a:r>
-              <a:rPr lang="" altLang="en-US" b="1">
-                <a:solidFill>
-                  <a:schemeClr val="accent5">
-                    <a:lumMod val="75000"/>
-                  </a:schemeClr>
-                </a:solidFill>
-                <a:latin typeface="Times New Roman" panose="02020603050405020304" charset="0"/>
-                <a:cs typeface="Times New Roman" panose="02020603050405020304" charset="0"/>
-              </a:rPr>
-              <a:t>Conception : </a:t>
-            </a:r>
-            <a:r>
-              <a:rPr lang="" altLang="en-US" b="1">
-                <a:solidFill>
-                  <a:schemeClr val="tx1"/>
-                </a:solidFill>
-                <a:latin typeface="Times New Roman" panose="02020603050405020304" charset="0"/>
-                <a:cs typeface="Times New Roman" panose="02020603050405020304" charset="0"/>
-              </a:rPr>
-              <a:t>Mauvaise spécification</a:t>
-            </a:r>
-            <a:endParaRPr lang="" altLang="en-US" b="1">
-              <a:solidFill>
-                <a:schemeClr val="accent5">
-                  <a:lumMod val="75000"/>
-                </a:schemeClr>
-              </a:solidFill>
-              <a:latin typeface="Times New Roman" panose="02020603050405020304" charset="0"/>
-              <a:cs typeface="Times New Roman" panose="02020603050405020304" charset="0"/>
-            </a:endParaRPr>
-          </a:p>
-          <a:p>
-            <a:pPr algn="just">
-              <a:buFont typeface="Arial" panose="020B0604020202020204" pitchFamily="34" charset="0"/>
-              <a:buChar char="•"/>
-            </a:pPr>
-            <a:r>
-              <a:rPr lang="" altLang="en-US" b="1">
-                <a:solidFill>
-                  <a:schemeClr val="accent5">
-                    <a:lumMod val="75000"/>
-                  </a:schemeClr>
-                </a:solidFill>
-                <a:latin typeface="Times New Roman" panose="02020603050405020304" charset="0"/>
-                <a:cs typeface="Times New Roman" panose="02020603050405020304" charset="0"/>
-              </a:rPr>
-              <a:t>Implémentation :  </a:t>
-            </a:r>
-            <a:r>
-              <a:rPr lang="" altLang="en-US" b="1">
-                <a:solidFill>
-                  <a:schemeClr val="tx1"/>
-                </a:solidFill>
-                <a:latin typeface="Times New Roman" panose="02020603050405020304" charset="0"/>
-                <a:cs typeface="Times New Roman" panose="02020603050405020304" charset="0"/>
-              </a:rPr>
-              <a:t>Choix des techniques et outils de programmation inappropriés</a:t>
-            </a:r>
-            <a:endParaRPr lang="" altLang="en-US" b="1">
-              <a:solidFill>
-                <a:schemeClr val="accent5">
-                  <a:lumMod val="75000"/>
-                </a:schemeClr>
-              </a:solidFill>
-              <a:latin typeface="Times New Roman" panose="02020603050405020304" charset="0"/>
-              <a:cs typeface="Times New Roman" panose="02020603050405020304" charset="0"/>
-            </a:endParaRPr>
-          </a:p>
-          <a:p>
-            <a:pPr marL="571500" indent="-571500" algn="ctr">
-              <a:buFont typeface="+mj-lt"/>
-              <a:buAutoNum type="romanUcPeriod"/>
-            </a:pPr>
-            <a:endParaRPr lang="en-US" altLang="en-US" b="1">
-              <a:latin typeface="Times New Roman" panose="02020603050405020304" charset="0"/>
-              <a:cs typeface="Times New Roman" panose="02020603050405020304" charset="0"/>
-            </a:endParaRPr>
-          </a:p>
-          <a:p>
-            <a:pPr marL="0" indent="0" algn="ctr">
-              <a:buFont typeface="+mj-lt"/>
-              <a:buNone/>
-            </a:pPr>
-            <a:endParaRPr lang="en-US" altLang="en-US" b="1">
-              <a:latin typeface="Times New Roman" panose="02020603050405020304" charset="0"/>
-              <a:cs typeface="Times New Roman" panose="02020603050405020304" charset="0"/>
-            </a:endParaRPr>
-          </a:p>
-        </p:txBody>
-      </p:sp>
-      <p:sp>
-        <p:nvSpPr>
-          <p:cNvPr id="4" name="Rounded Rectangle 3"/>
-          <p:cNvSpPr/>
-          <p:nvPr/>
-        </p:nvSpPr>
-        <p:spPr>
-          <a:xfrm>
-            <a:off x="82550" y="98425"/>
-            <a:ext cx="2926715" cy="1043940"/>
-          </a:xfrm>
-          <a:prstGeom prst="roundRect">
-            <a:avLst/>
-          </a:prstGeom>
-        </p:spPr>
-        <p:style>
-          <a:lnRef idx="1">
-            <a:schemeClr val="accent3"/>
-          </a:lnRef>
-          <a:fillRef idx="2">
-            <a:schemeClr val="accent3"/>
-          </a:fillRef>
-          <a:effectRef idx="1">
-            <a:schemeClr val="accent3"/>
-          </a:effectRef>
-          <a:fontRef idx="minor">
-            <a:schemeClr val="dk1"/>
-          </a:fontRef>
-        </p:style>
-        <p:txBody>
-          <a:bodyPr rtlCol="0" anchor="ctr"/>
-          <a:p>
-            <a:pPr algn="ctr"/>
-            <a:r>
-              <a:rPr lang="en-US" altLang="en-US" b="1">
-                <a:latin typeface="Times New Roman" panose="02020603050405020304" charset="0"/>
-                <a:cs typeface="Times New Roman" panose="02020603050405020304" charset="0"/>
-                <a:sym typeface="+mn-ea"/>
-              </a:rPr>
-              <a:t>ENVIRONNEMENT DE TRAVAIL</a:t>
-            </a:r>
-            <a:endParaRPr lang="en-US" altLang="en-US" b="1">
-              <a:latin typeface="Times New Roman" panose="02020603050405020304" charset="0"/>
-              <a:cs typeface="Times New Roman" panose="02020603050405020304" charset="0"/>
-            </a:endParaRPr>
-          </a:p>
-        </p:txBody>
-      </p:sp>
-      <p:sp>
-        <p:nvSpPr>
-          <p:cNvPr id="6" name="Rounded Rectangle 5"/>
-          <p:cNvSpPr/>
-          <p:nvPr/>
-        </p:nvSpPr>
-        <p:spPr>
-          <a:xfrm>
-            <a:off x="3093720" y="114300"/>
-            <a:ext cx="2926715" cy="1043940"/>
-          </a:xfrm>
-          <a:prstGeom prst="roundRect">
-            <a:avLst/>
-          </a:prstGeom>
-        </p:spPr>
-        <p:style>
-          <a:lnRef idx="1">
-            <a:schemeClr val="accent3"/>
-          </a:lnRef>
-          <a:fillRef idx="2">
-            <a:schemeClr val="accent3"/>
-          </a:fillRef>
-          <a:effectRef idx="1">
-            <a:schemeClr val="accent3"/>
-          </a:effectRef>
-          <a:fontRef idx="minor">
-            <a:schemeClr val="dk1"/>
-          </a:fontRef>
-        </p:style>
-        <p:txBody>
-          <a:bodyPr rtlCol="0" anchor="ctr"/>
-          <a:p>
-            <a:pPr algn="ctr"/>
-            <a:r>
-              <a:rPr lang="en-US" altLang="en-US" b="1">
-                <a:latin typeface="Times New Roman" panose="02020603050405020304" charset="0"/>
-                <a:cs typeface="Times New Roman" panose="02020603050405020304" charset="0"/>
-                <a:sym typeface="+mn-ea"/>
-              </a:rPr>
-              <a:t>CONCEPTS GÉNÉRAUX DU DOMAINE</a:t>
-            </a:r>
-            <a:endParaRPr lang="en-US" altLang="en-US" b="1">
-              <a:latin typeface="Times New Roman" panose="02020603050405020304" charset="0"/>
-              <a:cs typeface="Times New Roman" panose="02020603050405020304" charset="0"/>
-            </a:endParaRPr>
-          </a:p>
-        </p:txBody>
-      </p:sp>
-      <p:sp>
-        <p:nvSpPr>
-          <p:cNvPr id="7" name="Rounded Rectangle 6"/>
-          <p:cNvSpPr/>
-          <p:nvPr/>
-        </p:nvSpPr>
-        <p:spPr>
-          <a:xfrm>
-            <a:off x="6135370" y="114300"/>
-            <a:ext cx="2926715" cy="1043940"/>
-          </a:xfrm>
-          <a:prstGeom prst="roundRect">
-            <a:avLst/>
-          </a:prstGeom>
-        </p:spPr>
-        <p:style>
-          <a:lnRef idx="2">
-            <a:schemeClr val="accent5">
-              <a:shade val="50000"/>
-            </a:schemeClr>
-          </a:lnRef>
-          <a:fillRef idx="1">
-            <a:schemeClr val="accent5"/>
-          </a:fillRef>
-          <a:effectRef idx="0">
-            <a:schemeClr val="accent5"/>
-          </a:effectRef>
-          <a:fontRef idx="minor">
-            <a:schemeClr val="lt1"/>
-          </a:fontRef>
-        </p:style>
-        <p:txBody>
-          <a:bodyPr rtlCol="0" anchor="ctr"/>
-          <a:p>
-            <a:pPr algn="ctr"/>
-            <a:r>
-              <a:rPr lang="en-US" altLang="en-US" b="1">
-                <a:latin typeface="Times New Roman" panose="02020603050405020304" charset="0"/>
-                <a:cs typeface="Times New Roman" panose="02020603050405020304" charset="0"/>
-                <a:sym typeface="+mn-ea"/>
-              </a:rPr>
-              <a:t>CONCEPTION</a:t>
-            </a:r>
-            <a:endParaRPr lang="en-US" altLang="en-US" b="1">
-              <a:latin typeface="Times New Roman" panose="02020603050405020304" charset="0"/>
-              <a:cs typeface="Times New Roman" panose="02020603050405020304" charset="0"/>
-            </a:endParaRPr>
-          </a:p>
-        </p:txBody>
-      </p:sp>
-      <p:sp>
-        <p:nvSpPr>
-          <p:cNvPr id="8" name="Rounded Rectangle 7"/>
-          <p:cNvSpPr/>
-          <p:nvPr/>
-        </p:nvSpPr>
-        <p:spPr>
-          <a:xfrm>
-            <a:off x="9177020" y="114300"/>
-            <a:ext cx="2926715" cy="1043940"/>
-          </a:xfrm>
-          <a:prstGeom prst="roundRect">
-            <a:avLst/>
-          </a:prstGeom>
-        </p:spPr>
-        <p:style>
-          <a:lnRef idx="1">
-            <a:schemeClr val="accent3"/>
-          </a:lnRef>
-          <a:fillRef idx="2">
-            <a:schemeClr val="accent3"/>
-          </a:fillRef>
-          <a:effectRef idx="1">
-            <a:schemeClr val="accent3"/>
-          </a:effectRef>
-          <a:fontRef idx="minor">
-            <a:schemeClr val="dk1"/>
-          </a:fontRef>
-        </p:style>
-        <p:txBody>
-          <a:bodyPr rtlCol="0" anchor="ctr"/>
-          <a:p>
-            <a:pPr algn="ctr"/>
-            <a:r>
-              <a:rPr lang="en-US" altLang="en-US" b="1">
-                <a:latin typeface="Times New Roman" panose="02020603050405020304" charset="0"/>
-                <a:cs typeface="Times New Roman" panose="02020603050405020304" charset="0"/>
-                <a:sym typeface="+mn-ea"/>
-              </a:rPr>
-              <a:t>MISE EN OEUVRE DE LA SOLUTION</a:t>
-            </a:r>
-            <a:endParaRPr lang="en-US" altLang="en-US" b="1">
-              <a:latin typeface="Times New Roman" panose="02020603050405020304" charset="0"/>
-              <a:cs typeface="Times New Roman" panose="02020603050405020304" charset="0"/>
-            </a:endParaRPr>
-          </a:p>
-        </p:txBody>
-      </p:sp>
-      <p:pic>
-        <p:nvPicPr>
-          <p:cNvPr id="10" name="Picture 9" descr="decoupage_scrum"/>
-          <p:cNvPicPr>
-            <a:picLocks noChangeAspect="1"/>
-          </p:cNvPicPr>
-          <p:nvPr/>
-        </p:nvPicPr>
-        <p:blipFill>
-          <a:blip r:embed="rId1"/>
-          <a:stretch>
-            <a:fillRect/>
-          </a:stretch>
-        </p:blipFill>
-        <p:spPr>
-          <a:xfrm>
-            <a:off x="970280" y="1990090"/>
-            <a:ext cx="10613390" cy="3090545"/>
-          </a:xfrm>
-          <a:prstGeom prst="rect">
-            <a:avLst/>
-          </a:prstGeom>
-        </p:spPr>
-      </p:pic>
-      <p:sp>
-        <p:nvSpPr>
-          <p:cNvPr id="11" name="Rounded Rectangle 10"/>
-          <p:cNvSpPr/>
-          <p:nvPr/>
-        </p:nvSpPr>
-        <p:spPr>
-          <a:xfrm>
-            <a:off x="3455035" y="1640205"/>
-            <a:ext cx="6252210" cy="280035"/>
-          </a:xfrm>
-          <a:prstGeom prst="roundRect">
-            <a:avLst/>
-          </a:prstGeom>
-        </p:spPr>
-        <p:style>
-          <a:lnRef idx="2">
-            <a:schemeClr val="accent6">
-              <a:shade val="50000"/>
-            </a:schemeClr>
-          </a:lnRef>
-          <a:fillRef idx="1">
-            <a:schemeClr val="accent6"/>
-          </a:fillRef>
-          <a:effectRef idx="0">
-            <a:schemeClr val="accent6"/>
-          </a:effectRef>
-          <a:fontRef idx="minor">
-            <a:schemeClr val="lt1"/>
-          </a:fontRef>
-        </p:style>
-        <p:txBody>
-          <a:bodyPr rtlCol="0" anchor="ctr"/>
-          <a:p>
-            <a:pPr algn="ctr"/>
-            <a:r>
-              <a:rPr lang="" altLang="en-US" sz="2200" b="1">
-                <a:solidFill>
-                  <a:schemeClr val="tx1"/>
-                </a:solidFill>
-                <a:latin typeface="Times New Roman" panose="02020603050405020304" charset="0"/>
-                <a:cs typeface="Times New Roman" panose="02020603050405020304" charset="0"/>
-              </a:rPr>
-              <a:t>Chaque itération a une durée de 20 jours</a:t>
-            </a:r>
-            <a:endParaRPr lang="" altLang="en-US" sz="2200" b="1">
-              <a:solidFill>
-                <a:schemeClr val="tx1"/>
-              </a:solidFill>
-              <a:latin typeface="Times New Roman" panose="02020603050405020304" charset="0"/>
-              <a:cs typeface="Times New Roman" panose="02020603050405020304" charset="0"/>
-            </a:endParaRPr>
-          </a:p>
-        </p:txBody>
-      </p:sp>
     </p:spTree>
   </p:cSld>
   <p:clrMapOvr>
@@ -7170,25 +7431,246 @@
         </p:nvSpPr>
         <p:spPr>
           <a:xfrm>
-            <a:off x="81915" y="1386205"/>
-            <a:ext cx="12021820" cy="5344160"/>
-          </a:xfrm>
-        </p:spPr>
-        <p:txBody>
-          <a:bodyPr/>
+            <a:off x="81915" y="1141730"/>
+            <a:ext cx="12021820" cy="5654040"/>
+          </a:xfrm>
+        </p:spPr>
+        <p:txBody>
+          <a:bodyPr>
+            <a:normAutofit fontScale="90000" lnSpcReduction="10000"/>
+          </a:bodyPr>
+          <a:p>
+            <a:pPr marL="0" indent="0" algn="just">
+              <a:buFont typeface="+mj-lt"/>
+              <a:buNone/>
+            </a:pPr>
+            <a:r>
+              <a:rPr lang="en-US" altLang="en-US" b="1">
+                <a:latin typeface="Times New Roman" panose="02020603050405020304" charset="0"/>
+                <a:cs typeface="Times New Roman" panose="02020603050405020304" charset="0"/>
+              </a:rPr>
+              <a:t>Découpage du projet suivant Scrum</a:t>
+            </a:r>
+            <a:endParaRPr lang="en-US" altLang="en-US" b="1">
+              <a:latin typeface="Times New Roman" panose="02020603050405020304" charset="0"/>
+              <a:cs typeface="Times New Roman" panose="02020603050405020304" charset="0"/>
+            </a:endParaRPr>
+          </a:p>
+          <a:p>
+            <a:pPr marL="0" indent="0" algn="ctr">
+              <a:buFont typeface="+mj-lt"/>
+              <a:buNone/>
+            </a:pPr>
+            <a:endParaRPr lang="en-US" altLang="en-US" b="1">
+              <a:latin typeface="Times New Roman" panose="02020603050405020304" charset="0"/>
+              <a:cs typeface="Times New Roman" panose="02020603050405020304" charset="0"/>
+            </a:endParaRPr>
+          </a:p>
+          <a:p>
+            <a:pPr marL="0" indent="0" algn="ctr">
+              <a:buFont typeface="+mj-lt"/>
+              <a:buNone/>
+            </a:pPr>
+            <a:endParaRPr lang="en-US" altLang="en-US" b="1">
+              <a:latin typeface="Times New Roman" panose="02020603050405020304" charset="0"/>
+              <a:cs typeface="Times New Roman" panose="02020603050405020304" charset="0"/>
+            </a:endParaRPr>
+          </a:p>
+          <a:p>
+            <a:pPr marL="0" indent="0" algn="ctr">
+              <a:buFont typeface="+mj-lt"/>
+              <a:buNone/>
+            </a:pPr>
+            <a:endParaRPr lang="en-US" altLang="en-US" b="1">
+              <a:latin typeface="Times New Roman" panose="02020603050405020304" charset="0"/>
+              <a:cs typeface="Times New Roman" panose="02020603050405020304" charset="0"/>
+            </a:endParaRPr>
+          </a:p>
           <a:p>
             <a:pPr marL="571500" indent="-571500" algn="ctr">
               <a:buFont typeface="+mj-lt"/>
-              <a:buAutoNum type="romanUcPeriod" startAt="2"/>
+              <a:buAutoNum type="romanUcPeriod"/>
             </a:pPr>
-            <a:r>
-              <a:rPr lang="" altLang="en-US" b="1">
-                <a:latin typeface="Times New Roman" panose="02020603050405020304" charset="0"/>
-                <a:cs typeface="Times New Roman" panose="02020603050405020304" charset="0"/>
-              </a:rPr>
-              <a:t>Activités de développement</a:t>
-            </a:r>
-            <a:endParaRPr lang="" altLang="en-US" b="1">
+            <a:endParaRPr lang="en-US" altLang="en-US" b="1">
+              <a:latin typeface="Times New Roman" panose="02020603050405020304" charset="0"/>
+              <a:cs typeface="Times New Roman" panose="02020603050405020304" charset="0"/>
+            </a:endParaRPr>
+          </a:p>
+          <a:p>
+            <a:pPr marL="571500" indent="-571500" algn="ctr">
+              <a:buFont typeface="+mj-lt"/>
+              <a:buAutoNum type="romanUcPeriod"/>
+            </a:pPr>
+            <a:endParaRPr lang="en-US" altLang="en-US" b="1">
+              <a:latin typeface="Times New Roman" panose="02020603050405020304" charset="0"/>
+              <a:cs typeface="Times New Roman" panose="02020603050405020304" charset="0"/>
+            </a:endParaRPr>
+          </a:p>
+          <a:p>
+            <a:pPr marL="571500" indent="-571500" algn="ctr">
+              <a:buFont typeface="+mj-lt"/>
+              <a:buAutoNum type="romanUcPeriod"/>
+            </a:pPr>
+            <a:endParaRPr lang="en-US" altLang="en-US" b="1">
+              <a:latin typeface="Times New Roman" panose="02020603050405020304" charset="0"/>
+              <a:cs typeface="Times New Roman" panose="02020603050405020304" charset="0"/>
+            </a:endParaRPr>
+          </a:p>
+          <a:p>
+            <a:pPr marL="571500" indent="-571500" algn="ctr">
+              <a:buFont typeface="+mj-lt"/>
+              <a:buAutoNum type="romanUcPeriod"/>
+            </a:pPr>
+            <a:endParaRPr lang="en-US" altLang="en-US" b="1">
+              <a:latin typeface="Times New Roman" panose="02020603050405020304" charset="0"/>
+              <a:cs typeface="Times New Roman" panose="02020603050405020304" charset="0"/>
+            </a:endParaRPr>
+          </a:p>
+          <a:p>
+            <a:pPr marL="571500" indent="-571500" algn="ctr">
+              <a:buFont typeface="+mj-lt"/>
+              <a:buAutoNum type="romanUcPeriod"/>
+            </a:pPr>
+            <a:endParaRPr lang="en-US" altLang="en-US" b="1">
+              <a:latin typeface="Times New Roman" panose="02020603050405020304" charset="0"/>
+              <a:cs typeface="Times New Roman" panose="02020603050405020304" charset="0"/>
+            </a:endParaRPr>
+          </a:p>
+          <a:p>
+            <a:pPr marL="571500" indent="-571500" algn="ctr">
+              <a:buFont typeface="+mj-lt"/>
+              <a:buAutoNum type="romanUcPeriod"/>
+            </a:pPr>
+            <a:endParaRPr lang="en-US" altLang="en-US" b="1">
+              <a:latin typeface="Times New Roman" panose="02020603050405020304" charset="0"/>
+              <a:cs typeface="Times New Roman" panose="02020603050405020304" charset="0"/>
+            </a:endParaRPr>
+          </a:p>
+          <a:p>
+            <a:pPr algn="just">
+              <a:buFont typeface="Arial" panose="020B0604020202020204" pitchFamily="34" charset="0"/>
+              <a:buChar char="•"/>
+            </a:pPr>
+            <a:r>
+              <a:rPr lang="en-US" altLang="en-US" b="1">
+                <a:solidFill>
+                  <a:schemeClr val="accent5">
+                    <a:lumMod val="75000"/>
+                  </a:schemeClr>
+                </a:solidFill>
+                <a:latin typeface="Times New Roman" panose="02020603050405020304" charset="0"/>
+                <a:cs typeface="Times New Roman" panose="02020603050405020304" charset="0"/>
+              </a:rPr>
+              <a:t>Information:</a:t>
+            </a:r>
+            <a:r>
+              <a:rPr lang="en-US" altLang="en-US" b="1">
+                <a:solidFill>
+                  <a:schemeClr val="tx1"/>
+                </a:solidFill>
+                <a:latin typeface="Times New Roman" panose="02020603050405020304" charset="0"/>
+                <a:cs typeface="Times New Roman" panose="02020603050405020304" charset="0"/>
+              </a:rPr>
+              <a:t> difficulté à comprendre le vocabulaire du domaine</a:t>
+            </a:r>
+            <a:endParaRPr lang="en-US" altLang="en-US" b="1">
+              <a:solidFill>
+                <a:schemeClr val="tx1"/>
+              </a:solidFill>
+              <a:latin typeface="Times New Roman" panose="02020603050405020304" charset="0"/>
+              <a:cs typeface="Times New Roman" panose="02020603050405020304" charset="0"/>
+            </a:endParaRPr>
+          </a:p>
+          <a:p>
+            <a:pPr algn="just">
+              <a:buFont typeface="Arial" panose="020B0604020202020204" pitchFamily="34" charset="0"/>
+              <a:buChar char="•"/>
+            </a:pPr>
+            <a:r>
+              <a:rPr lang="en-US" altLang="en-US" b="1">
+                <a:solidFill>
+                  <a:schemeClr val="accent5">
+                    <a:lumMod val="75000"/>
+                  </a:schemeClr>
+                </a:solidFill>
+                <a:latin typeface="Times New Roman" panose="02020603050405020304" charset="0"/>
+                <a:cs typeface="Times New Roman" panose="02020603050405020304" charset="0"/>
+              </a:rPr>
+              <a:t>Conception : </a:t>
+            </a:r>
+            <a:r>
+              <a:rPr lang="en-US" altLang="en-US" b="1">
+                <a:solidFill>
+                  <a:schemeClr val="tx1"/>
+                </a:solidFill>
+                <a:latin typeface="Times New Roman" panose="02020603050405020304" charset="0"/>
+                <a:cs typeface="Times New Roman" panose="02020603050405020304" charset="0"/>
+              </a:rPr>
+              <a:t>Mauvaise spécification</a:t>
+            </a:r>
+            <a:endParaRPr lang="en-US" altLang="en-US" b="1">
+              <a:solidFill>
+                <a:schemeClr val="accent5">
+                  <a:lumMod val="75000"/>
+                </a:schemeClr>
+              </a:solidFill>
+              <a:latin typeface="Times New Roman" panose="02020603050405020304" charset="0"/>
+              <a:cs typeface="Times New Roman" panose="02020603050405020304" charset="0"/>
+            </a:endParaRPr>
+          </a:p>
+          <a:p>
+            <a:pPr algn="just">
+              <a:buFont typeface="Arial" panose="020B0604020202020204" pitchFamily="34" charset="0"/>
+              <a:buChar char="•"/>
+            </a:pPr>
+            <a:r>
+              <a:rPr lang="en-US" altLang="en-US" b="1">
+                <a:solidFill>
+                  <a:schemeClr val="accent5">
+                    <a:lumMod val="75000"/>
+                  </a:schemeClr>
+                </a:solidFill>
+                <a:latin typeface="Times New Roman" panose="02020603050405020304" charset="0"/>
+                <a:cs typeface="Times New Roman" panose="02020603050405020304" charset="0"/>
+              </a:rPr>
+              <a:t>Implémentation :  </a:t>
+            </a:r>
+            <a:r>
+              <a:rPr lang="en-US" altLang="en-US" b="1">
+                <a:solidFill>
+                  <a:schemeClr val="tx1"/>
+                </a:solidFill>
+                <a:latin typeface="Times New Roman" panose="02020603050405020304" charset="0"/>
+                <a:cs typeface="Times New Roman" panose="02020603050405020304" charset="0"/>
+              </a:rPr>
+              <a:t>Choix des techniques et outils de programmation inappropriés</a:t>
+            </a:r>
+            <a:endParaRPr lang="en-US" altLang="en-US" b="1">
+              <a:solidFill>
+                <a:schemeClr val="accent5">
+                  <a:lumMod val="75000"/>
+                </a:schemeClr>
+              </a:solidFill>
+              <a:latin typeface="Times New Roman" panose="02020603050405020304" charset="0"/>
+              <a:cs typeface="Times New Roman" panose="02020603050405020304" charset="0"/>
+            </a:endParaRPr>
+          </a:p>
+          <a:p>
+            <a:pPr marL="571500" indent="-571500" algn="ctr">
+              <a:buFont typeface="+mj-lt"/>
+              <a:buAutoNum type="romanUcPeriod"/>
+            </a:pPr>
+            <a:endParaRPr lang="en-US" altLang="en-US" b="1">
+              <a:latin typeface="Times New Roman" panose="02020603050405020304" charset="0"/>
+              <a:cs typeface="Times New Roman" panose="02020603050405020304" charset="0"/>
+            </a:endParaRPr>
+          </a:p>
+          <a:p>
+            <a:pPr marL="0" indent="0" algn="ctr">
+              <a:buFont typeface="+mj-lt"/>
+              <a:buNone/>
+            </a:pPr>
+            <a:endParaRPr lang="en-US" altLang="en-US" b="1">
               <a:latin typeface="Times New Roman" panose="02020603050405020304" charset="0"/>
               <a:cs typeface="Times New Roman" panose="02020603050405020304" charset="0"/>
             </a:endParaRPr>
@@ -7389,16 +7871,40 @@
           </a:p>
         </p:txBody>
       </p:sp>
-      <p:sp>
-        <p:nvSpPr>
-          <p:cNvPr id="5" name="Rounded Rectangle 4"/>
+      <p:pic>
+        <p:nvPicPr>
+          <p:cNvPr id="10" name="Picture 9" descr="decoupage_scrum"/>
+          <p:cNvPicPr>
+            <a:picLocks noChangeAspect="1"/>
+          </p:cNvPicPr>
+          <p:nvPr/>
+        </p:nvPicPr>
+        <p:blipFill>
+          <a:blip r:embed="rId1"/>
+          <a:stretch>
+            <a:fillRect/>
+          </a:stretch>
+        </p:blipFill>
+        <p:spPr>
+          <a:xfrm>
+            <a:off x="970280" y="1990090"/>
+            <a:ext cx="10613390" cy="3090545"/>
+          </a:xfrm>
+          <a:prstGeom prst="rect">
+            <a:avLst/>
+          </a:prstGeom>
+        </p:spPr>
+      </p:pic>
+      <p:sp>
+        <p:nvSpPr>
+          <p:cNvPr id="11" name="Rounded Rectangle 10"/>
           <p:cNvSpPr/>
           <p:nvPr/>
         </p:nvSpPr>
         <p:spPr>
           <a:xfrm>
-            <a:off x="459105" y="1997075"/>
-            <a:ext cx="3175000" cy="789940"/>
+            <a:off x="3455035" y="1640205"/>
+            <a:ext cx="6252210" cy="280035"/>
           </a:xfrm>
           <a:prstGeom prst="roundRect">
             <a:avLst/>
@@ -7425,114 +7931,19 @@
           <a:p>
             <a:pPr algn="ctr"/>
             <a:r>
-              <a:rPr lang="en-US" altLang="en-US" sz="2400" b="1">
+              <a:rPr lang="en-US" altLang="en-US" sz="2200" b="1">
                 <a:solidFill>
                   <a:schemeClr val="tx1"/>
                 </a:solidFill>
                 <a:latin typeface="Times New Roman" panose="02020603050405020304" charset="0"/>
                 <a:cs typeface="Times New Roman" panose="02020603050405020304" charset="0"/>
-                <a:sym typeface="+mn-ea"/>
-              </a:rPr>
-              <a:t>Activités du Sprint 1 :</a:t>
-            </a:r>
-            <a:endParaRPr lang="en-US" altLang="en-US" sz="2400" b="1">
+              </a:rPr>
+              <a:t>Chaque itération a une durée de 20 jours</a:t>
+            </a:r>
+            <a:endParaRPr lang="en-US" altLang="en-US" sz="2200" b="1">
               <a:solidFill>
                 <a:schemeClr val="tx1"/>
               </a:solidFill>
-              <a:latin typeface="Times New Roman" panose="02020603050405020304" charset="0"/>
-              <a:cs typeface="Times New Roman" panose="02020603050405020304" charset="0"/>
-            </a:endParaRPr>
-          </a:p>
-          <a:p>
-            <a:pPr algn="ctr"/>
-            <a:r>
-              <a:rPr lang="en-US" altLang="en-US" sz="2400" b="1">
-                <a:solidFill>
-                  <a:schemeClr val="tx1"/>
-                </a:solidFill>
-                <a:latin typeface="Times New Roman" panose="02020603050405020304" charset="0"/>
-                <a:cs typeface="Times New Roman" panose="02020603050405020304" charset="0"/>
-                <a:sym typeface="+mn-ea"/>
-              </a:rPr>
-              <a:t>Analyse des besoins</a:t>
-            </a:r>
-            <a:endParaRPr lang="" altLang="en-US" sz="2400" b="1">
-              <a:solidFill>
-                <a:schemeClr val="tx1"/>
-              </a:solidFill>
-              <a:latin typeface="Times New Roman" panose="02020603050405020304" charset="0"/>
-              <a:cs typeface="Times New Roman" panose="02020603050405020304" charset="0"/>
-            </a:endParaRPr>
-          </a:p>
-        </p:txBody>
-      </p:sp>
-      <p:pic>
-        <p:nvPicPr>
-          <p:cNvPr id="12" name="Picture 11" descr="use_case_tab"/>
-          <p:cNvPicPr>
-            <a:picLocks noChangeAspect="1"/>
-          </p:cNvPicPr>
-          <p:nvPr/>
-        </p:nvPicPr>
-        <p:blipFill>
-          <a:blip r:embed="rId1"/>
-          <a:stretch>
-            <a:fillRect/>
-          </a:stretch>
-        </p:blipFill>
-        <p:spPr>
-          <a:xfrm>
-            <a:off x="3857625" y="1863090"/>
-            <a:ext cx="8246110" cy="4867275"/>
-          </a:xfrm>
-          <a:prstGeom prst="rect">
-            <a:avLst/>
-          </a:prstGeom>
-        </p:spPr>
-      </p:pic>
-      <p:sp>
-        <p:nvSpPr>
-          <p:cNvPr id="15" name="Oval 14"/>
-          <p:cNvSpPr/>
-          <p:nvPr/>
-        </p:nvSpPr>
-        <p:spPr>
-          <a:xfrm>
-            <a:off x="459105" y="4592955"/>
-            <a:ext cx="2780030" cy="871855"/>
-          </a:xfrm>
-          <a:prstGeom prst="ellipse">
-            <a:avLst/>
-          </a:prstGeom>
-        </p:spPr>
-        <p:style>
-          <a:lnRef idx="2">
-            <a:schemeClr val="accent5">
-              <a:shade val="50000"/>
-            </a:schemeClr>
-          </a:lnRef>
-          <a:fillRef idx="1">
-            <a:schemeClr val="accent5"/>
-          </a:fillRef>
-          <a:effectRef idx="0">
-            <a:schemeClr val="accent5"/>
-          </a:effectRef>
-          <a:fontRef idx="minor">
-            <a:schemeClr val="lt1"/>
-          </a:fontRef>
-        </p:style>
-        <p:txBody>
-          <a:bodyPr rtlCol="0" anchor="ctr"/>
-          <a:p>
-            <a:pPr algn="ctr"/>
-            <a:r>
-              <a:rPr lang="" altLang="en-US" sz="2200" b="1">
-                <a:latin typeface="Times New Roman" panose="02020603050405020304" charset="0"/>
-                <a:cs typeface="Times New Roman" panose="02020603050405020304" charset="0"/>
-              </a:rPr>
-              <a:t>Découpage en package</a:t>
-            </a:r>
-            <a:endParaRPr lang="" altLang="en-US" sz="2200" b="1">
               <a:latin typeface="Times New Roman" panose="02020603050405020304" charset="0"/>
               <a:cs typeface="Times New Roman" panose="02020603050405020304" charset="0"/>
             </a:endParaRPr>
@@ -7820,7 +8231,7 @@
         <p:spPr>
           <a:xfrm>
             <a:off x="459105" y="1997075"/>
-            <a:ext cx="3175000" cy="774065"/>
+            <a:ext cx="3175000" cy="789940"/>
           </a:xfrm>
           <a:prstGeom prst="roundRect">
             <a:avLst/>
@@ -7853,20 +8264,32 @@
                 </a:solidFill>
                 <a:latin typeface="Times New Roman" panose="02020603050405020304" charset="0"/>
                 <a:cs typeface="Times New Roman" panose="02020603050405020304" charset="0"/>
-              </a:rPr>
-              <a:t>Activités du Sprint 1 </a:t>
-            </a:r>
-            <a:r>
-              <a:rPr lang="" altLang="en-US" sz="2400" b="1">
+                <a:sym typeface="+mn-ea"/>
+              </a:rPr>
+              <a:t>Activités du Sprint 1 :</a:t>
+            </a:r>
+            <a:endParaRPr lang="en-US" altLang="en-US" sz="2400" b="1">
+              <a:solidFill>
+                <a:schemeClr val="tx1"/>
+              </a:solidFill>
+              <a:latin typeface="Times New Roman" panose="02020603050405020304" charset="0"/>
+              <a:cs typeface="Times New Roman" panose="02020603050405020304" charset="0"/>
+            </a:endParaRPr>
+          </a:p>
+          <a:p>
+            <a:pPr algn="ctr"/>
+            <a:r>
+              <a:rPr lang="en-US" altLang="en-US" sz="2400" b="1">
                 <a:solidFill>
                   <a:schemeClr val="tx1"/>
                 </a:solidFill>
                 <a:latin typeface="Times New Roman" panose="02020603050405020304" charset="0"/>
                 <a:cs typeface="Times New Roman" panose="02020603050405020304" charset="0"/>
-              </a:rPr>
-              <a:t>:</a:t>
-            </a:r>
-            <a:endParaRPr lang="" altLang="en-US" sz="2400" b="1">
+                <a:sym typeface="+mn-ea"/>
+              </a:rPr>
+              <a:t>Analyse des besoins</a:t>
+            </a:r>
+            <a:endParaRPr lang="en-US" altLang="en-US" sz="2400" b="1">
               <a:solidFill>
                 <a:schemeClr val="tx1"/>
               </a:solidFill>
@@ -7874,38 +8297,42 @@
               <a:cs typeface="Times New Roman" panose="02020603050405020304" charset="0"/>
             </a:endParaRPr>
           </a:p>
-          <a:p>
-            <a:pPr algn="ctr"/>
-            <a:r>
-              <a:rPr lang="" altLang="en-US" sz="2400" b="1">
-                <a:solidFill>
-                  <a:schemeClr val="tx1"/>
-                </a:solidFill>
-                <a:latin typeface="Times New Roman" panose="02020603050405020304" charset="0"/>
-                <a:cs typeface="Times New Roman" panose="02020603050405020304" charset="0"/>
-              </a:rPr>
-              <a:t>Analyse des besoins</a:t>
-            </a:r>
-            <a:endParaRPr lang="" altLang="en-US" sz="2400" b="1">
-              <a:solidFill>
-                <a:schemeClr val="tx1"/>
-              </a:solidFill>
-              <a:latin typeface="Times New Roman" panose="02020603050405020304" charset="0"/>
-              <a:cs typeface="Times New Roman" panose="02020603050405020304" charset="0"/>
-            </a:endParaRPr>
-          </a:p>
-        </p:txBody>
-      </p:sp>
-      <p:sp>
-        <p:nvSpPr>
-          <p:cNvPr id="11" name="Oval 10"/>
+        </p:txBody>
+      </p:sp>
+      <p:pic>
+        <p:nvPicPr>
+          <p:cNvPr id="12" name="Picture 11" descr="use_case_tab"/>
+          <p:cNvPicPr>
+            <a:picLocks noChangeAspect="1"/>
+          </p:cNvPicPr>
+          <p:nvPr/>
+        </p:nvPicPr>
+        <p:blipFill>
+          <a:blip r:embed="rId1"/>
+          <a:stretch>
+            <a:fillRect/>
+          </a:stretch>
+        </p:blipFill>
+        <p:spPr>
+          <a:xfrm>
+            <a:off x="3857625" y="1863090"/>
+            <a:ext cx="8246110" cy="4867275"/>
+          </a:xfrm>
+          <a:prstGeom prst="rect">
+            <a:avLst/>
+          </a:prstGeom>
+        </p:spPr>
+      </p:pic>
+      <p:sp>
+        <p:nvSpPr>
+          <p:cNvPr id="15" name="Oval 14"/>
           <p:cNvSpPr/>
           <p:nvPr/>
         </p:nvSpPr>
         <p:spPr>
           <a:xfrm>
-            <a:off x="458470" y="4711700"/>
-            <a:ext cx="2954020" cy="1102360"/>
+            <a:off x="459105" y="4592955"/>
+            <a:ext cx="2780030" cy="871855"/>
           </a:xfrm>
           <a:prstGeom prst="ellipse">
             <a:avLst/>
@@ -7932,43 +8359,19 @@
           <a:p>
             <a:pPr algn="ctr"/>
             <a:r>
-              <a:rPr lang="" altLang="en-US" sz="2200" b="1">
-                <a:latin typeface="Times New Roman" panose="02020603050405020304" charset="0"/>
-                <a:cs typeface="Times New Roman" panose="02020603050405020304" charset="0"/>
-              </a:rPr>
-              <a:t>Plannification en Sprint</a:t>
-            </a:r>
-            <a:endParaRPr lang="" altLang="en-US" sz="2200" b="1">
-              <a:latin typeface="Times New Roman" panose="02020603050405020304" charset="0"/>
-              <a:cs typeface="Times New Roman" panose="02020603050405020304" charset="0"/>
-            </a:endParaRPr>
-          </a:p>
-        </p:txBody>
-      </p:sp>
-      <p:pic>
-        <p:nvPicPr>
-          <p:cNvPr id="14" name="Picture 13" descr="use_case_sprint"/>
-          <p:cNvPicPr>
-            <a:picLocks noChangeAspect="1"/>
-          </p:cNvPicPr>
-          <p:nvPr/>
-        </p:nvPicPr>
-        <p:blipFill>
-          <a:blip r:embed="rId1"/>
-          <a:stretch>
-            <a:fillRect/>
-          </a:stretch>
-        </p:blipFill>
-        <p:spPr>
-          <a:xfrm>
-            <a:off x="3813810" y="1882140"/>
-            <a:ext cx="8289925" cy="4848225"/>
-          </a:xfrm>
-          <a:prstGeom prst="rect">
-            <a:avLst/>
-          </a:prstGeom>
-        </p:spPr>
-      </p:pic>
+              <a:rPr lang="en-US" altLang="en-US" sz="2200" b="1">
+                <a:latin typeface="Times New Roman" panose="02020603050405020304" charset="0"/>
+                <a:cs typeface="Times New Roman" panose="02020603050405020304" charset="0"/>
+              </a:rPr>
+              <a:t>Découpage en package</a:t>
+            </a:r>
+            <a:endParaRPr lang="en-US" altLang="en-US" sz="2200" b="1">
+              <a:latin typeface="Times New Roman" panose="02020603050405020304" charset="0"/>
+              <a:cs typeface="Times New Roman" panose="02020603050405020304" charset="0"/>
+            </a:endParaRPr>
+          </a:p>
+        </p:txBody>
+      </p:sp>
     </p:spTree>
   </p:cSld>
   <p:clrMapOvr>
@@ -8022,34 +8425,24 @@
         </p:nvSpPr>
         <p:spPr>
           <a:xfrm>
-            <a:off x="81915" y="1158875"/>
-            <a:ext cx="12021820" cy="5571490"/>
+            <a:off x="81915" y="1386205"/>
+            <a:ext cx="12021820" cy="5344160"/>
           </a:xfrm>
         </p:spPr>
         <p:txBody>
           <a:bodyPr/>
           <a:p>
-            <a:pPr marL="571500" indent="-571500" algn="l">
+            <a:pPr marL="571500" indent="-571500" algn="ctr">
               <a:buFont typeface="+mj-lt"/>
               <a:buAutoNum type="romanUcPeriod" startAt="2"/>
             </a:pPr>
             <a:r>
-              <a:rPr lang="" altLang="en-US" b="1">
+              <a:rPr lang="en-US" altLang="en-US" b="1">
                 <a:latin typeface="Times New Roman" panose="02020603050405020304" charset="0"/>
                 <a:cs typeface="Times New Roman" panose="02020603050405020304" charset="0"/>
               </a:rPr>
               <a:t>Activités de développement</a:t>
             </a:r>
-            <a:endParaRPr lang="en-US" altLang="en-US" b="1">
-              <a:latin typeface="Times New Roman" panose="02020603050405020304" charset="0"/>
-              <a:cs typeface="Times New Roman" panose="02020603050405020304" charset="0"/>
-            </a:endParaRPr>
-          </a:p>
-          <a:p>
-            <a:pPr marL="0" indent="0" algn="ctr">
-              <a:buFont typeface="+mj-lt"/>
-              <a:buNone/>
-            </a:pPr>
             <a:endParaRPr lang="en-US" altLang="en-US" b="1">
               <a:latin typeface="Times New Roman" panose="02020603050405020304" charset="0"/>
               <a:cs typeface="Times New Roman" panose="02020603050405020304" charset="0"/>
@@ -8259,7 +8652,7 @@
         </p:nvSpPr>
         <p:spPr>
           <a:xfrm>
-            <a:off x="1233170" y="2145030"/>
+            <a:off x="459105" y="1997075"/>
             <a:ext cx="3175000" cy="774065"/>
           </a:xfrm>
           <a:prstGeom prst="roundRect">
@@ -8294,18 +8687,18 @@
                 <a:latin typeface="Times New Roman" panose="02020603050405020304" charset="0"/>
                 <a:cs typeface="Times New Roman" panose="02020603050405020304" charset="0"/>
               </a:rPr>
-              <a:t>Activités du Sprint </a:t>
-            </a:r>
-            <a:r>
-              <a:rPr lang="" altLang="en-US" sz="2400" b="1">
-                <a:solidFill>
-                  <a:schemeClr val="tx1"/>
-                </a:solidFill>
-                <a:latin typeface="Times New Roman" panose="02020603050405020304" charset="0"/>
-                <a:cs typeface="Times New Roman" panose="02020603050405020304" charset="0"/>
-              </a:rPr>
-              <a:t>2</a:t>
-            </a:r>
+              <a:t>Activités du Sprint 1 :</a:t>
+            </a:r>
+            <a:endParaRPr lang="en-US" altLang="en-US" sz="2400" b="1">
+              <a:solidFill>
+                <a:schemeClr val="tx1"/>
+              </a:solidFill>
+              <a:latin typeface="Times New Roman" panose="02020603050405020304" charset="0"/>
+              <a:cs typeface="Times New Roman" panose="02020603050405020304" charset="0"/>
+            </a:endParaRPr>
+          </a:p>
+          <a:p>
+            <a:pPr algn="ctr"/>
             <a:r>
               <a:rPr lang="en-US" altLang="en-US" sz="2400" b="1">
                 <a:solidFill>
@@ -8314,7 +8707,7 @@
                 <a:latin typeface="Times New Roman" panose="02020603050405020304" charset="0"/>
                 <a:cs typeface="Times New Roman" panose="02020603050405020304" charset="0"/>
               </a:rPr>
-              <a:t> :</a:t>
+              <a:t>Analyse des besoins</a:t>
             </a:r>
             <a:endParaRPr lang="en-US" altLang="en-US" sz="2400" b="1">
               <a:solidFill>
@@ -8324,22 +8717,51 @@
               <a:cs typeface="Times New Roman" panose="02020603050405020304" charset="0"/>
             </a:endParaRPr>
           </a:p>
+        </p:txBody>
+      </p:sp>
+      <p:sp>
+        <p:nvSpPr>
+          <p:cNvPr id="11" name="Oval 10"/>
+          <p:cNvSpPr/>
+          <p:nvPr/>
+        </p:nvSpPr>
+        <p:spPr>
+          <a:xfrm>
+            <a:off x="458470" y="4711700"/>
+            <a:ext cx="2954020" cy="1102360"/>
+          </a:xfrm>
+          <a:prstGeom prst="ellipse">
+            <a:avLst/>
+          </a:prstGeom>
+        </p:spPr>
+        <p:style>
+          <a:lnRef idx="2">
+            <a:schemeClr val="accent5">
+              <a:shade val="50000"/>
+            </a:schemeClr>
+          </a:lnRef>
+          <a:fillRef idx="1">
+            <a:schemeClr val="accent5"/>
+          </a:fillRef>
+          <a:effectRef idx="0">
+            <a:schemeClr val="accent5"/>
+          </a:effectRef>
+          <a:fontRef idx="minor">
+            <a:schemeClr val="lt1"/>
+          </a:fontRef>
+        </p:style>
+        <p:txBody>
+          <a:bodyPr rtlCol="0" anchor="ctr"/>
           <a:p>
             <a:pPr algn="ctr"/>
             <a:r>
-              <a:rPr lang="" altLang="en-US" sz="2400" b="1">
-                <a:solidFill>
-                  <a:schemeClr val="tx1"/>
-                </a:solidFill>
-                <a:latin typeface="Times New Roman" panose="02020603050405020304" charset="0"/>
-                <a:cs typeface="Times New Roman" panose="02020603050405020304" charset="0"/>
-              </a:rPr>
-              <a:t>Conception détaillée</a:t>
-            </a:r>
-            <a:endParaRPr lang="" altLang="en-US" sz="2400" b="1">
-              <a:solidFill>
-                <a:schemeClr val="tx1"/>
-              </a:solidFill>
+              <a:rPr lang="en-US" altLang="en-US" sz="2200" b="1">
+                <a:latin typeface="Times New Roman" panose="02020603050405020304" charset="0"/>
+                <a:cs typeface="Times New Roman" panose="02020603050405020304" charset="0"/>
+              </a:rPr>
+              <a:t>Plannification en Sprint</a:t>
+            </a:r>
+            <a:endParaRPr lang="en-US" altLang="en-US" sz="2200" b="1">
               <a:latin typeface="Times New Roman" panose="02020603050405020304" charset="0"/>
               <a:cs typeface="Times New Roman" panose="02020603050405020304" charset="0"/>
             </a:endParaRPr>
@@ -8348,7 +8770,7 @@
       </p:sp>
       <p:pic>
         <p:nvPicPr>
-          <p:cNvPr id="9" name="Picture 8" descr="use_case_diagram"/>
+          <p:cNvPr id="14" name="Picture 13" descr="use_case_sprint"/>
           <p:cNvPicPr>
             <a:picLocks noChangeAspect="1"/>
           </p:cNvPicPr>
@@ -8362,73 +8784,14 @@
         </p:blipFill>
         <p:spPr>
           <a:xfrm>
-            <a:off x="5685790" y="1189990"/>
-            <a:ext cx="6315075" cy="5541010"/>
+            <a:off x="3813810" y="1882140"/>
+            <a:ext cx="8289925" cy="4848225"/>
           </a:xfrm>
           <a:prstGeom prst="rect">
             <a:avLst/>
           </a:prstGeom>
         </p:spPr>
       </p:pic>
-      <p:sp>
-        <p:nvSpPr>
-          <p:cNvPr id="10" name="Rectangle 9"/>
-          <p:cNvSpPr/>
-          <p:nvPr/>
-        </p:nvSpPr>
-        <p:spPr>
-          <a:xfrm>
-            <a:off x="1296035" y="4580255"/>
-            <a:ext cx="3570605" cy="805815"/>
-          </a:xfrm>
-          <a:prstGeom prst="rect">
-            <a:avLst/>
-          </a:prstGeom>
-          <a:noFill/>
-          <a:ln>
-            <a:noFill/>
-          </a:ln>
-        </p:spPr>
-        <p:style>
-          <a:lnRef idx="2">
-            <a:schemeClr val="accent1">
-              <a:shade val="50000"/>
-            </a:schemeClr>
-          </a:lnRef>
-          <a:fillRef idx="1">
-            <a:schemeClr val="accent1"/>
-          </a:fillRef>
-          <a:effectRef idx="0">
-            <a:schemeClr val="accent1"/>
-          </a:effectRef>
-          <a:fontRef idx="minor">
-            <a:schemeClr val="lt1"/>
-          </a:fontRef>
-        </p:style>
-        <p:txBody>
-          <a:bodyPr rtlCol="0" anchor="ctr"/>
-          <a:p>
-            <a:pPr algn="ctr"/>
-            <a:r>
-              <a:rPr lang="" altLang="en-US" sz="2200" b="1">
-                <a:solidFill>
-                  <a:schemeClr val="tx1"/>
-                </a:solidFill>
-                <a:latin typeface="Times New Roman" panose="02020603050405020304" charset="0"/>
-                <a:cs typeface="Times New Roman" panose="02020603050405020304" charset="0"/>
-              </a:rPr>
-              <a:t>Diagramme des cas d'utilisation</a:t>
-            </a:r>
-            <a:endParaRPr lang="" altLang="en-US" sz="2200" b="1">
-              <a:solidFill>
-                <a:schemeClr val="tx1"/>
-              </a:solidFill>
-              <a:latin typeface="Times New Roman" panose="02020603050405020304" charset="0"/>
-              <a:cs typeface="Times New Roman" panose="02020603050405020304" charset="0"/>
-            </a:endParaRPr>
-          </a:p>
-        </p:txBody>
-      </p:sp>
     </p:spTree>
   </p:cSld>
   <p:clrMapOvr>
@@ -8466,11 +8829,7 @@
         <p:txBody>
           <a:bodyPr/>
           <a:p>
-            <a:r>
-              <a:rPr lang="" altLang="en-US"/>
-              <a:t>D</a:t>
-            </a:r>
-            <a:endParaRPr lang="" altLang="en-US"/>
+            <a:endParaRPr lang="en-US"/>
           </a:p>
         </p:txBody>
       </p:sp>
@@ -8486,19 +8845,19 @@
         </p:nvSpPr>
         <p:spPr>
           <a:xfrm>
-            <a:off x="81915" y="1386205"/>
-            <a:ext cx="12021820" cy="5344160"/>
+            <a:off x="81915" y="1158875"/>
+            <a:ext cx="12021820" cy="5571490"/>
           </a:xfrm>
         </p:spPr>
         <p:txBody>
           <a:bodyPr/>
           <a:p>
-            <a:pPr marL="571500" indent="-571500" algn="just">
+            <a:pPr marL="571500" indent="-571500" algn="l">
               <a:buFont typeface="+mj-lt"/>
               <a:buAutoNum type="romanUcPeriod" startAt="2"/>
             </a:pPr>
             <a:r>
-              <a:rPr lang="" altLang="en-US" b="1">
+              <a:rPr lang="en-US" altLang="en-US" b="1">
                 <a:latin typeface="Times New Roman" panose="02020603050405020304" charset="0"/>
                 <a:cs typeface="Times New Roman" panose="02020603050405020304" charset="0"/>
               </a:rPr>
@@ -8723,7 +9082,7 @@
         </p:nvSpPr>
         <p:spPr>
           <a:xfrm>
-            <a:off x="979170" y="2145030"/>
+            <a:off x="1233170" y="2145030"/>
             <a:ext cx="3175000" cy="774065"/>
           </a:xfrm>
           <a:prstGeom prst="roundRect">
@@ -8792,7 +9151,7 @@
       </p:sp>
       <p:pic>
         <p:nvPicPr>
-          <p:cNvPr id="9" name="Picture 8" descr="class_diagram"/>
+          <p:cNvPr id="9" name="Picture 8" descr="use_case_diagram"/>
           <p:cNvPicPr>
             <a:picLocks noChangeAspect="1"/>
           </p:cNvPicPr>
@@ -8806,8 +9165,8 @@
         </p:blipFill>
         <p:spPr>
           <a:xfrm>
-            <a:off x="4969510" y="1386205"/>
-            <a:ext cx="7134225" cy="5229225"/>
+            <a:off x="5685790" y="1189990"/>
+            <a:ext cx="6315075" cy="5541010"/>
           </a:xfrm>
           <a:prstGeom prst="rect">
             <a:avLst/>
@@ -8822,8 +9181,8 @@
         </p:nvSpPr>
         <p:spPr>
           <a:xfrm>
-            <a:off x="967105" y="4695190"/>
-            <a:ext cx="3504565" cy="626110"/>
+            <a:off x="1296035" y="4580255"/>
+            <a:ext cx="3570605" cy="805815"/>
           </a:xfrm>
           <a:prstGeom prst="rect">
             <a:avLst/>
@@ -8854,16 +9213,16 @@
           <a:p>
             <a:pPr algn="ctr"/>
             <a:r>
-              <a:rPr lang="" altLang="en-US" sz="2200" b="1">
+              <a:rPr lang="en-US" altLang="en-US" sz="2200" b="1">
                 <a:solidFill>
                   <a:schemeClr val="tx1"/>
                 </a:solidFill>
                 <a:latin typeface="Times New Roman" panose="02020603050405020304" charset="0"/>
                 <a:cs typeface="Times New Roman" panose="02020603050405020304" charset="0"/>
               </a:rPr>
-              <a:t>Diagramme de classes</a:t>
-            </a:r>
-            <a:endParaRPr lang="" altLang="en-US" sz="2200" b="1">
+              <a:t>Diagramme des cas d'utilisation</a:t>
+            </a:r>
+            <a:endParaRPr lang="en-US" altLang="en-US" sz="2200" b="1">
               <a:solidFill>
                 <a:schemeClr val="tx1"/>
               </a:solidFill>
@@ -9234,6 +9593,30 @@
           </a:p>
         </p:txBody>
       </p:sp>
+      <p:pic>
+        <p:nvPicPr>
+          <p:cNvPr id="9" name="Picture 8" descr="class_diagram"/>
+          <p:cNvPicPr>
+            <a:picLocks noChangeAspect="1"/>
+          </p:cNvPicPr>
+          <p:nvPr/>
+        </p:nvPicPr>
+        <p:blipFill>
+          <a:blip r:embed="rId1"/>
+          <a:stretch>
+            <a:fillRect/>
+          </a:stretch>
+        </p:blipFill>
+        <p:spPr>
+          <a:xfrm>
+            <a:off x="4969510" y="1386205"/>
+            <a:ext cx="7134225" cy="5229225"/>
+          </a:xfrm>
+          <a:prstGeom prst="rect">
+            <a:avLst/>
+          </a:prstGeom>
+        </p:spPr>
+      </p:pic>
       <p:sp>
         <p:nvSpPr>
           <p:cNvPr id="10" name="Rectangle 9"/>
@@ -9242,7 +9625,7 @@
         </p:nvSpPr>
         <p:spPr>
           <a:xfrm>
-            <a:off x="814070" y="5287010"/>
+            <a:off x="967105" y="4695190"/>
             <a:ext cx="3504565" cy="626110"/>
           </a:xfrm>
           <a:prstGeom prst="rect">
@@ -9281,118 +9664,9 @@
                 <a:latin typeface="Times New Roman" panose="02020603050405020304" charset="0"/>
                 <a:cs typeface="Times New Roman" panose="02020603050405020304" charset="0"/>
               </a:rPr>
-              <a:t>Diagramme de </a:t>
-            </a:r>
-            <a:r>
-              <a:rPr lang="" altLang="en-US" sz="2200" b="1">
-                <a:solidFill>
-                  <a:schemeClr val="tx1"/>
-                </a:solidFill>
-                <a:latin typeface="Times New Roman" panose="02020603050405020304" charset="0"/>
-                <a:cs typeface="Times New Roman" panose="02020603050405020304" charset="0"/>
-              </a:rPr>
-              <a:t>séquence système</a:t>
-            </a:r>
-            <a:endParaRPr lang="" altLang="en-US" sz="2200" b="1">
-              <a:solidFill>
-                <a:schemeClr val="tx1"/>
-              </a:solidFill>
-              <a:latin typeface="Times New Roman" panose="02020603050405020304" charset="0"/>
-              <a:cs typeface="Times New Roman" panose="02020603050405020304" charset="0"/>
-            </a:endParaRPr>
-          </a:p>
-        </p:txBody>
-      </p:sp>
-      <p:pic>
-        <p:nvPicPr>
-          <p:cNvPr id="11" name="Picture 10" descr="upload_seq_diag"/>
-          <p:cNvPicPr>
-            <a:picLocks noChangeAspect="1"/>
-          </p:cNvPicPr>
-          <p:nvPr/>
-        </p:nvPicPr>
-        <p:blipFill>
-          <a:blip r:embed="rId1"/>
-          <a:stretch>
-            <a:fillRect/>
-          </a:stretch>
-        </p:blipFill>
-        <p:spPr>
-          <a:xfrm>
-            <a:off x="5741670" y="1553845"/>
-            <a:ext cx="6372860" cy="4921885"/>
-          </a:xfrm>
-          <a:prstGeom prst="rect">
-            <a:avLst/>
-          </a:prstGeom>
-        </p:spPr>
-      </p:pic>
-      <p:sp>
-        <p:nvSpPr>
-          <p:cNvPr id="12" name="Oval 11"/>
-          <p:cNvSpPr/>
-          <p:nvPr/>
-        </p:nvSpPr>
-        <p:spPr>
-          <a:xfrm>
-            <a:off x="650240" y="3774440"/>
-            <a:ext cx="4827270" cy="904240"/>
-          </a:xfrm>
-          <a:prstGeom prst="ellipse">
-            <a:avLst/>
-          </a:prstGeom>
-        </p:spPr>
-        <p:style>
-          <a:lnRef idx="2">
-            <a:schemeClr val="accent5">
-              <a:shade val="50000"/>
-            </a:schemeClr>
-          </a:lnRef>
-          <a:fillRef idx="1">
-            <a:schemeClr val="accent5"/>
-          </a:fillRef>
-          <a:effectRef idx="0">
-            <a:schemeClr val="accent5"/>
-          </a:effectRef>
-          <a:fontRef idx="minor">
-            <a:schemeClr val="lt1"/>
-          </a:fontRef>
-        </p:style>
-        <p:txBody>
-          <a:bodyPr rtlCol="0" anchor="ctr"/>
-          <a:p>
-            <a:pPr algn="ctr"/>
-            <a:r>
-              <a:rPr lang="en-US" sz="2200" b="1">
-                <a:solidFill>
-                  <a:schemeClr val="tx1"/>
-                </a:solidFill>
-                <a:latin typeface="Times New Roman" panose="02020603050405020304" charset="0"/>
-                <a:cs typeface="Times New Roman" panose="02020603050405020304" charset="0"/>
-              </a:rPr>
-              <a:t>cas d’utilisation </a:t>
-            </a:r>
-            <a:endParaRPr lang="en-US" sz="2200" b="1">
-              <a:solidFill>
-                <a:schemeClr val="tx1"/>
-              </a:solidFill>
-              <a:latin typeface="Times New Roman" panose="02020603050405020304" charset="0"/>
-              <a:cs typeface="Times New Roman" panose="02020603050405020304" charset="0"/>
-            </a:endParaRPr>
-          </a:p>
-          <a:p>
-            <a:pPr algn="ctr"/>
-            <a:r>
-              <a:rPr lang="en-US" sz="2200" b="1">
-                <a:solidFill>
-                  <a:schemeClr val="tx1"/>
-                </a:solidFill>
-                <a:latin typeface="Times New Roman" panose="02020603050405020304" charset="0"/>
-                <a:cs typeface="Times New Roman" panose="02020603050405020304" charset="0"/>
-              </a:rPr>
-              <a:t>« Uploader un document »</a:t>
-            </a:r>
-            <a:endParaRPr lang="en-US" sz="2200" b="1">
+              <a:t>Diagramme de classes</a:t>
+            </a:r>
+            <a:endParaRPr lang="en-US" altLang="en-US" sz="2200" b="1">
               <a:solidFill>
                 <a:schemeClr val="tx1"/>
               </a:solidFill>
@@ -9432,12 +9706,14 @@
         </p:nvSpPr>
         <p:spPr>
           <a:xfrm>
-            <a:off x="838200" y="170815"/>
-            <a:ext cx="10515600" cy="774700"/>
-          </a:xfrm>
-        </p:spPr>
-        <p:txBody>
-          <a:bodyPr/>
+            <a:off x="838200" y="40005"/>
+            <a:ext cx="10515600" cy="641985"/>
+          </a:xfrm>
+        </p:spPr>
+        <p:txBody>
+          <a:bodyPr>
+            <a:normAutofit fontScale="90000"/>
+          </a:bodyPr>
           <a:p>
             <a:pPr algn="ctr"/>
             <a:r>
@@ -9468,8 +9744,8 @@
         </p:nvSpPr>
         <p:spPr>
           <a:xfrm>
-            <a:off x="120650" y="1111885"/>
-            <a:ext cx="11786235" cy="5618480"/>
+            <a:off x="120650" y="681355"/>
+            <a:ext cx="11786235" cy="6049010"/>
           </a:xfrm>
         </p:spPr>
         <p:txBody>
@@ -9487,10 +9763,10 @@
         </p:nvGrpSpPr>
         <p:grpSpPr>
           <a:xfrm>
-            <a:off x="632460" y="1206500"/>
-            <a:ext cx="10720705" cy="1139190"/>
-            <a:chOff x="996" y="1900"/>
-            <a:chExt cx="16883" cy="1794"/>
+            <a:off x="632460" y="847725"/>
+            <a:ext cx="10721340" cy="1497965"/>
+            <a:chOff x="996" y="1335"/>
+            <a:chExt cx="16884" cy="2359"/>
           </a:xfrm>
         </p:grpSpPr>
         <p:sp>
@@ -9550,8 +9826,8 @@
           </p:nvSpPr>
           <p:spPr>
             <a:xfrm>
-              <a:off x="8051" y="1900"/>
-              <a:ext cx="9829" cy="1278"/>
+              <a:off x="8051" y="1335"/>
+              <a:ext cx="9829" cy="1843"/>
             </a:xfrm>
             <a:prstGeom prst="wedgeRoundRectCallout">
               <a:avLst>
@@ -9624,6 +9900,23 @@
                 <a:t>Problématique</a:t>
               </a:r>
               <a:endParaRPr lang="en-US" altLang="en-US" b="1">
+                <a:latin typeface="Times New Roman" panose="02020603050405020304" charset="0"/>
+                <a:cs typeface="Times New Roman" panose="02020603050405020304" charset="0"/>
+              </a:endParaRPr>
+            </a:p>
+            <a:p>
+              <a:pPr marL="400050" indent="-400050" algn="l">
+                <a:buFont typeface="+mj-lt"/>
+                <a:buAutoNum type="romanUcPeriod"/>
+              </a:pPr>
+              <a:r>
+                <a:rPr lang="" altLang="en-US" b="1">
+                  <a:latin typeface="Times New Roman" panose="02020603050405020304" charset="0"/>
+                  <a:cs typeface="Times New Roman" panose="02020603050405020304" charset="0"/>
+                </a:rPr>
+                <a:t>Objectifs généraux</a:t>
+              </a:r>
+              <a:endParaRPr lang="" altLang="en-US" b="1">
                 <a:latin typeface="Times New Roman" panose="02020603050405020304" charset="0"/>
                 <a:cs typeface="Times New Roman" panose="02020603050405020304" charset="0"/>
               </a:endParaRPr>
@@ -9786,13 +10079,13 @@
                 <a:buAutoNum type="romanUcPeriod"/>
               </a:pPr>
               <a:r>
-                <a:rPr lang="" altLang="en-US" b="1">
+                <a:rPr lang="en-US" altLang="en-US" b="1">
                   <a:latin typeface="Times New Roman" panose="02020603050405020304" charset="0"/>
                   <a:cs typeface="Times New Roman" panose="02020603050405020304" charset="0"/>
                 </a:rPr>
                 <a:t>Cahier de charges</a:t>
               </a:r>
-              <a:endParaRPr lang="" altLang="en-US" b="1">
+              <a:endParaRPr lang="en-US" altLang="en-US" b="1">
                 <a:latin typeface="Times New Roman" panose="02020603050405020304" charset="0"/>
                 <a:cs typeface="Times New Roman" panose="02020603050405020304" charset="0"/>
               </a:endParaRPr>
@@ -9925,16 +10218,9 @@
                   <a:latin typeface="Times New Roman" panose="02020603050405020304" charset="0"/>
                   <a:cs typeface="Times New Roman" panose="02020603050405020304" charset="0"/>
                 </a:rPr>
-                <a:t>Activités de </a:t>
+                <a:t>Activités de développement</a:t>
               </a:r>
-              <a:r>
-                <a:rPr lang="" altLang="en-US" b="1">
-                  <a:latin typeface="Times New Roman" panose="02020603050405020304" charset="0"/>
-                  <a:cs typeface="Times New Roman" panose="02020603050405020304" charset="0"/>
-                </a:rPr>
-                <a:t>développement</a:t>
-              </a:r>
-              <a:endParaRPr lang="" altLang="en-US" b="1">
+              <a:endParaRPr lang="en-US" altLang="en-US" b="1">
                 <a:latin typeface="Times New Roman" panose="02020603050405020304" charset="0"/>
                 <a:cs typeface="Times New Roman" panose="02020603050405020304" charset="0"/>
               </a:endParaRPr>
@@ -9949,16 +10235,9 @@
                   <a:latin typeface="Times New Roman" panose="02020603050405020304" charset="0"/>
                   <a:cs typeface="Times New Roman" panose="02020603050405020304" charset="0"/>
                 </a:rPr>
-                <a:t>Activités d</a:t>
+                <a:t>Activités du Sprint 1</a:t>
               </a:r>
-              <a:r>
-                <a:rPr lang="" altLang="en-US" b="1">
-                  <a:latin typeface="Times New Roman" panose="02020603050405020304" charset="0"/>
-                  <a:cs typeface="Times New Roman" panose="02020603050405020304" charset="0"/>
-                </a:rPr>
-                <a:t>u Sprint 1</a:t>
-              </a:r>
-              <a:endParaRPr lang="" altLang="en-US" b="1">
+              <a:endParaRPr lang="en-US" altLang="en-US" b="1">
                 <a:latin typeface="Times New Roman" panose="02020603050405020304" charset="0"/>
                 <a:cs typeface="Times New Roman" panose="02020603050405020304" charset="0"/>
               </a:endParaRPr>
@@ -9969,13 +10248,13 @@
                 <a:buAutoNum type="arabicPeriod"/>
               </a:pPr>
               <a:r>
-                <a:rPr lang="" altLang="en-US" b="1">
+                <a:rPr lang="en-US" altLang="en-US" b="1">
                   <a:latin typeface="Times New Roman" panose="02020603050405020304" charset="0"/>
                   <a:cs typeface="Times New Roman" panose="02020603050405020304" charset="0"/>
                 </a:rPr>
                 <a:t>Activités du Sprint 2</a:t>
               </a:r>
-              <a:endParaRPr lang="" altLang="en-US" b="1">
+              <a:endParaRPr lang="en-US" altLang="en-US" b="1">
                 <a:latin typeface="Times New Roman" panose="02020603050405020304" charset="0"/>
                 <a:cs typeface="Times New Roman" panose="02020603050405020304" charset="0"/>
               </a:endParaRPr>
@@ -10504,7 +10783,7 @@
         </p:nvSpPr>
         <p:spPr>
           <a:xfrm>
-            <a:off x="979170" y="5303520"/>
+            <a:off x="814070" y="5287010"/>
             <a:ext cx="3504565" cy="626110"/>
           </a:xfrm>
           <a:prstGeom prst="rect">
@@ -10542,7 +10821,6 @@
                 </a:solidFill>
                 <a:latin typeface="Times New Roman" panose="02020603050405020304" charset="0"/>
                 <a:cs typeface="Times New Roman" panose="02020603050405020304" charset="0"/>
-                <a:sym typeface="+mn-ea"/>
               </a:rPr>
               <a:t>Diagramme de séquence système</a:t>
             </a:r>
@@ -10556,6 +10834,30 @@
           </a:p>
         </p:txBody>
       </p:sp>
+      <p:pic>
+        <p:nvPicPr>
+          <p:cNvPr id="11" name="Picture 10" descr="upload_seq_diag"/>
+          <p:cNvPicPr>
+            <a:picLocks noChangeAspect="1"/>
+          </p:cNvPicPr>
+          <p:nvPr/>
+        </p:nvPicPr>
+        <p:blipFill>
+          <a:blip r:embed="rId1"/>
+          <a:stretch>
+            <a:fillRect/>
+          </a:stretch>
+        </p:blipFill>
+        <p:spPr>
+          <a:xfrm>
+            <a:off x="5741670" y="1553845"/>
+            <a:ext cx="6372860" cy="4921885"/>
+          </a:xfrm>
+          <a:prstGeom prst="rect">
+            <a:avLst/>
+          </a:prstGeom>
+        </p:spPr>
+      </p:pic>
       <p:sp>
         <p:nvSpPr>
           <p:cNvPr id="12" name="Oval 11"/>
@@ -10564,8 +10866,8 @@
         </p:nvSpPr>
         <p:spPr>
           <a:xfrm>
-            <a:off x="267970" y="3659505"/>
-            <a:ext cx="4596765" cy="904240"/>
+            <a:off x="650240" y="3774440"/>
+            <a:ext cx="4827270" cy="904240"/>
           </a:xfrm>
           <a:prstGeom prst="ellipse">
             <a:avLst/>
@@ -10619,27 +10921,7 @@
                 <a:latin typeface="Times New Roman" panose="02020603050405020304" charset="0"/>
                 <a:cs typeface="Times New Roman" panose="02020603050405020304" charset="0"/>
               </a:rPr>
-              <a:t>« </a:t>
-            </a:r>
-            <a:r>
-              <a:rPr lang="" altLang="en-US" sz="2200" b="1">
-                <a:solidFill>
-                  <a:schemeClr val="tx1"/>
-                </a:solidFill>
-                <a:latin typeface="Times New Roman" panose="02020603050405020304" charset="0"/>
-                <a:cs typeface="Times New Roman" panose="02020603050405020304" charset="0"/>
-              </a:rPr>
-              <a:t>Acheter</a:t>
-            </a:r>
-            <a:r>
-              <a:rPr lang="en-US" sz="2200" b="1">
-                <a:solidFill>
-                  <a:schemeClr val="tx1"/>
-                </a:solidFill>
-                <a:latin typeface="Times New Roman" panose="02020603050405020304" charset="0"/>
-                <a:cs typeface="Times New Roman" panose="02020603050405020304" charset="0"/>
-              </a:rPr>
-              <a:t> un document »</a:t>
+              <a:t>« Uploader un document »</a:t>
             </a:r>
             <a:endParaRPr lang="en-US" sz="2200" b="1">
               <a:solidFill>
@@ -10651,30 +10933,6 @@
           </a:p>
         </p:txBody>
       </p:sp>
-      <p:pic>
-        <p:nvPicPr>
-          <p:cNvPr id="14" name="Picture 13" descr="diag_seq_achatDoc"/>
-          <p:cNvPicPr>
-            <a:picLocks noChangeAspect="1"/>
-          </p:cNvPicPr>
-          <p:nvPr/>
-        </p:nvPicPr>
-        <p:blipFill>
-          <a:blip r:embed="rId1"/>
-          <a:stretch>
-            <a:fillRect/>
-          </a:stretch>
-        </p:blipFill>
-        <p:spPr>
-          <a:xfrm>
-            <a:off x="5081905" y="1386840"/>
-            <a:ext cx="7021830" cy="5344160"/>
-          </a:xfrm>
-          <a:prstGeom prst="rect">
-            <a:avLst/>
-          </a:prstGeom>
-        </p:spPr>
-      </p:pic>
     </p:spTree>
   </p:cSld>
   <p:clrMapOvr>
@@ -11044,7 +11302,7 @@
         </p:nvSpPr>
         <p:spPr>
           <a:xfrm>
-            <a:off x="967105" y="4695190"/>
+            <a:off x="979170" y="5303520"/>
             <a:ext cx="3504565" cy="626110"/>
           </a:xfrm>
           <a:prstGeom prst="rect">
@@ -11082,8 +11340,9 @@
                 </a:solidFill>
                 <a:latin typeface="Times New Roman" panose="02020603050405020304" charset="0"/>
                 <a:cs typeface="Times New Roman" panose="02020603050405020304" charset="0"/>
-              </a:rPr>
-              <a:t>Diagramme de classes</a:t>
+                <a:sym typeface="+mn-ea"/>
+              </a:rPr>
+              <a:t>Diagramme de séquence système</a:t>
             </a:r>
             <a:endParaRPr lang="en-US" altLang="en-US" sz="2200" b="1">
               <a:solidFill>
@@ -11095,6 +11354,125 @@
           </a:p>
         </p:txBody>
       </p:sp>
+      <p:sp>
+        <p:nvSpPr>
+          <p:cNvPr id="12" name="Oval 11"/>
+          <p:cNvSpPr/>
+          <p:nvPr/>
+        </p:nvSpPr>
+        <p:spPr>
+          <a:xfrm>
+            <a:off x="267970" y="3659505"/>
+            <a:ext cx="4596765" cy="904240"/>
+          </a:xfrm>
+          <a:prstGeom prst="ellipse">
+            <a:avLst/>
+          </a:prstGeom>
+        </p:spPr>
+        <p:style>
+          <a:lnRef idx="2">
+            <a:schemeClr val="accent5">
+              <a:shade val="50000"/>
+            </a:schemeClr>
+          </a:lnRef>
+          <a:fillRef idx="1">
+            <a:schemeClr val="accent5"/>
+          </a:fillRef>
+          <a:effectRef idx="0">
+            <a:schemeClr val="accent5"/>
+          </a:effectRef>
+          <a:fontRef idx="minor">
+            <a:schemeClr val="lt1"/>
+          </a:fontRef>
+        </p:style>
+        <p:txBody>
+          <a:bodyPr rtlCol="0" anchor="ctr"/>
+          <a:p>
+            <a:pPr algn="ctr"/>
+            <a:r>
+              <a:rPr lang="en-US" sz="2200" b="1">
+                <a:solidFill>
+                  <a:schemeClr val="tx1"/>
+                </a:solidFill>
+                <a:latin typeface="Times New Roman" panose="02020603050405020304" charset="0"/>
+                <a:cs typeface="Times New Roman" panose="02020603050405020304" charset="0"/>
+              </a:rPr>
+              <a:t>cas d’utilisation </a:t>
+            </a:r>
+            <a:endParaRPr lang="en-US" sz="2200" b="1">
+              <a:solidFill>
+                <a:schemeClr val="tx1"/>
+              </a:solidFill>
+              <a:latin typeface="Times New Roman" panose="02020603050405020304" charset="0"/>
+              <a:cs typeface="Times New Roman" panose="02020603050405020304" charset="0"/>
+            </a:endParaRPr>
+          </a:p>
+          <a:p>
+            <a:pPr algn="ctr"/>
+            <a:r>
+              <a:rPr lang="en-US" sz="2200" b="1">
+                <a:solidFill>
+                  <a:schemeClr val="tx1"/>
+                </a:solidFill>
+                <a:latin typeface="Times New Roman" panose="02020603050405020304" charset="0"/>
+                <a:cs typeface="Times New Roman" panose="02020603050405020304" charset="0"/>
+              </a:rPr>
+              <a:t>« </a:t>
+            </a:r>
+            <a:r>
+              <a:rPr lang="en-US" altLang="en-US" sz="2200" b="1">
+                <a:solidFill>
+                  <a:schemeClr val="tx1"/>
+                </a:solidFill>
+                <a:latin typeface="Times New Roman" panose="02020603050405020304" charset="0"/>
+                <a:cs typeface="Times New Roman" panose="02020603050405020304" charset="0"/>
+              </a:rPr>
+              <a:t>Acheter</a:t>
+            </a:r>
+            <a:r>
+              <a:rPr lang="en-US" sz="2200" b="1">
+                <a:solidFill>
+                  <a:schemeClr val="tx1"/>
+                </a:solidFill>
+                <a:latin typeface="Times New Roman" panose="02020603050405020304" charset="0"/>
+                <a:cs typeface="Times New Roman" panose="02020603050405020304" charset="0"/>
+              </a:rPr>
+              <a:t> un document »</a:t>
+            </a:r>
+            <a:endParaRPr lang="en-US" sz="2200" b="1">
+              <a:solidFill>
+                <a:schemeClr val="tx1"/>
+              </a:solidFill>
+              <a:latin typeface="Times New Roman" panose="02020603050405020304" charset="0"/>
+              <a:cs typeface="Times New Roman" panose="02020603050405020304" charset="0"/>
+            </a:endParaRPr>
+          </a:p>
+        </p:txBody>
+      </p:sp>
+      <p:pic>
+        <p:nvPicPr>
+          <p:cNvPr id="14" name="Picture 13" descr="diag_seq_achatDoc"/>
+          <p:cNvPicPr>
+            <a:picLocks noChangeAspect="1"/>
+          </p:cNvPicPr>
+          <p:nvPr/>
+        </p:nvPicPr>
+        <p:blipFill>
+          <a:blip r:embed="rId1"/>
+          <a:stretch>
+            <a:fillRect/>
+          </a:stretch>
+        </p:blipFill>
+        <p:spPr>
+          <a:xfrm>
+            <a:off x="5081905" y="1386840"/>
+            <a:ext cx="7021830" cy="5344160"/>
+          </a:xfrm>
+          <a:prstGeom prst="rect">
+            <a:avLst/>
+          </a:prstGeom>
+        </p:spPr>
+      </p:pic>
     </p:spTree>
   </p:cSld>
   <p:clrMapOvr>
@@ -11581,14 +11959,14 @@
           <a:p>
             <a:pPr marL="571500" indent="-571500" algn="just">
               <a:buFont typeface="+mj-lt"/>
-              <a:buAutoNum type="romanUcPeriod"/>
+              <a:buAutoNum type="romanUcPeriod" startAt="2"/>
             </a:pPr>
             <a:r>
               <a:rPr lang="en-US" altLang="en-US" b="1">
                 <a:latin typeface="Times New Roman" panose="02020603050405020304" charset="0"/>
                 <a:cs typeface="Times New Roman" panose="02020603050405020304" charset="0"/>
               </a:rPr>
-              <a:t>Architecture de déploiement</a:t>
+              <a:t>Activités de développement</a:t>
             </a:r>
             <a:endParaRPr lang="en-US" altLang="en-US" b="1">
               <a:latin typeface="Times New Roman" panose="02020603050405020304" charset="0"/>
@@ -11712,54 +12090,6 @@
         <p:spPr>
           <a:xfrm>
             <a:off x="6135370" y="114300"/>
-            <a:ext cx="2926715" cy="1043940"/>
-          </a:xfrm>
-          <a:prstGeom prst="roundRect">
-            <a:avLst/>
-          </a:prstGeom>
-        </p:spPr>
-        <p:style>
-          <a:lnRef idx="1">
-            <a:schemeClr val="accent3"/>
-          </a:lnRef>
-          <a:fillRef idx="2">
-            <a:schemeClr val="accent3"/>
-          </a:fillRef>
-          <a:effectRef idx="1">
-            <a:schemeClr val="accent3"/>
-          </a:effectRef>
-          <a:fontRef idx="minor">
-            <a:schemeClr val="dk1"/>
-          </a:fontRef>
-        </p:style>
-        <p:txBody>
-          <a:bodyPr rtlCol="0" anchor="ctr"/>
-          <a:p>
-            <a:pPr algn="ctr"/>
-            <a:r>
-              <a:rPr lang="en-US" altLang="en-US" b="1">
-                <a:latin typeface="Times New Roman" panose="02020603050405020304" charset="0"/>
-                <a:cs typeface="Times New Roman" panose="02020603050405020304" charset="0"/>
-                <a:sym typeface="+mn-ea"/>
-              </a:rPr>
-              <a:t>CONCEPTION</a:t>
-            </a:r>
-            <a:endParaRPr lang="en-US" altLang="en-US" b="1">
-              <a:latin typeface="Times New Roman" panose="02020603050405020304" charset="0"/>
-              <a:cs typeface="Times New Roman" panose="02020603050405020304" charset="0"/>
-            </a:endParaRPr>
-          </a:p>
-        </p:txBody>
-      </p:sp>
-      <p:sp>
-        <p:nvSpPr>
-          <p:cNvPr id="8" name="Rounded Rectangle 7"/>
-          <p:cNvSpPr/>
-          <p:nvPr/>
-        </p:nvSpPr>
-        <p:spPr>
-          <a:xfrm>
-            <a:off x="9177020" y="114300"/>
             <a:ext cx="2926715" cy="1043940"/>
           </a:xfrm>
           <a:prstGeom prst="roundRect">
@@ -11792,6 +12122,54 @@
                 <a:cs typeface="Times New Roman" panose="02020603050405020304" charset="0"/>
                 <a:sym typeface="+mn-ea"/>
               </a:rPr>
+              <a:t>CONCEPTION</a:t>
+            </a:r>
+            <a:endParaRPr lang="en-US" altLang="en-US" b="1">
+              <a:latin typeface="Times New Roman" panose="02020603050405020304" charset="0"/>
+              <a:cs typeface="Times New Roman" panose="02020603050405020304" charset="0"/>
+            </a:endParaRPr>
+          </a:p>
+        </p:txBody>
+      </p:sp>
+      <p:sp>
+        <p:nvSpPr>
+          <p:cNvPr id="8" name="Rounded Rectangle 7"/>
+          <p:cNvSpPr/>
+          <p:nvPr/>
+        </p:nvSpPr>
+        <p:spPr>
+          <a:xfrm>
+            <a:off x="9177020" y="114300"/>
+            <a:ext cx="2926715" cy="1043940"/>
+          </a:xfrm>
+          <a:prstGeom prst="roundRect">
+            <a:avLst/>
+          </a:prstGeom>
+        </p:spPr>
+        <p:style>
+          <a:lnRef idx="1">
+            <a:schemeClr val="accent3"/>
+          </a:lnRef>
+          <a:fillRef idx="2">
+            <a:schemeClr val="accent3"/>
+          </a:fillRef>
+          <a:effectRef idx="1">
+            <a:schemeClr val="accent3"/>
+          </a:effectRef>
+          <a:fontRef idx="minor">
+            <a:schemeClr val="dk1"/>
+          </a:fontRef>
+        </p:style>
+        <p:txBody>
+          <a:bodyPr rtlCol="0" anchor="ctr"/>
+          <a:p>
+            <a:pPr algn="ctr"/>
+            <a:r>
+              <a:rPr lang="en-US" altLang="en-US" b="1">
+                <a:latin typeface="Times New Roman" panose="02020603050405020304" charset="0"/>
+                <a:cs typeface="Times New Roman" panose="02020603050405020304" charset="0"/>
+                <a:sym typeface="+mn-ea"/>
+              </a:rPr>
               <a:t>MISE EN OEUVRE DE LA SOLUTION</a:t>
             </a:r>
             <a:endParaRPr lang="en-US" altLang="en-US" b="1">
@@ -11801,30 +12179,140 @@
           </a:p>
         </p:txBody>
       </p:sp>
-      <p:pic>
-        <p:nvPicPr>
-          <p:cNvPr id="5" name="Picture 4" descr="deployment_diagram"/>
-          <p:cNvPicPr>
-            <a:picLocks noChangeAspect="1"/>
-          </p:cNvPicPr>
-          <p:nvPr/>
-        </p:nvPicPr>
-        <p:blipFill>
-          <a:blip r:embed="rId1"/>
-          <a:stretch>
-            <a:fillRect/>
-          </a:stretch>
-        </p:blipFill>
-        <p:spPr>
-          <a:xfrm>
-            <a:off x="1447165" y="2158365"/>
-            <a:ext cx="9577070" cy="4572000"/>
+      <p:sp>
+        <p:nvSpPr>
+          <p:cNvPr id="5" name="Rounded Rectangle 4"/>
+          <p:cNvSpPr/>
+          <p:nvPr/>
+        </p:nvSpPr>
+        <p:spPr>
+          <a:xfrm>
+            <a:off x="979170" y="2145030"/>
+            <a:ext cx="3175000" cy="774065"/>
+          </a:xfrm>
+          <a:prstGeom prst="roundRect">
+            <a:avLst/>
+          </a:prstGeom>
+        </p:spPr>
+        <p:style>
+          <a:lnRef idx="2">
+            <a:schemeClr val="accent6">
+              <a:shade val="50000"/>
+            </a:schemeClr>
+          </a:lnRef>
+          <a:fillRef idx="1">
+            <a:schemeClr val="accent6"/>
+          </a:fillRef>
+          <a:effectRef idx="0">
+            <a:schemeClr val="accent6"/>
+          </a:effectRef>
+          <a:fontRef idx="minor">
+            <a:schemeClr val="lt1"/>
+          </a:fontRef>
+        </p:style>
+        <p:txBody>
+          <a:bodyPr rtlCol="0" anchor="ctr"/>
+          <a:p>
+            <a:pPr algn="ctr"/>
+            <a:r>
+              <a:rPr lang="en-US" altLang="en-US" sz="2400" b="1">
+                <a:solidFill>
+                  <a:schemeClr val="tx1"/>
+                </a:solidFill>
+                <a:latin typeface="Times New Roman" panose="02020603050405020304" charset="0"/>
+                <a:cs typeface="Times New Roman" panose="02020603050405020304" charset="0"/>
+              </a:rPr>
+              <a:t>Activités du Sprint 2 :</a:t>
+            </a:r>
+            <a:endParaRPr lang="en-US" altLang="en-US" sz="2400" b="1">
+              <a:solidFill>
+                <a:schemeClr val="tx1"/>
+              </a:solidFill>
+              <a:latin typeface="Times New Roman" panose="02020603050405020304" charset="0"/>
+              <a:cs typeface="Times New Roman" panose="02020603050405020304" charset="0"/>
+            </a:endParaRPr>
+          </a:p>
+          <a:p>
+            <a:pPr algn="ctr"/>
+            <a:r>
+              <a:rPr lang="en-US" altLang="en-US" sz="2400" b="1">
+                <a:solidFill>
+                  <a:schemeClr val="tx1"/>
+                </a:solidFill>
+                <a:latin typeface="Times New Roman" panose="02020603050405020304" charset="0"/>
+                <a:cs typeface="Times New Roman" panose="02020603050405020304" charset="0"/>
+              </a:rPr>
+              <a:t>Conception détaillée</a:t>
+            </a:r>
+            <a:endParaRPr lang="en-US" altLang="en-US" sz="2400" b="1">
+              <a:solidFill>
+                <a:schemeClr val="tx1"/>
+              </a:solidFill>
+              <a:latin typeface="Times New Roman" panose="02020603050405020304" charset="0"/>
+              <a:cs typeface="Times New Roman" panose="02020603050405020304" charset="0"/>
+            </a:endParaRPr>
+          </a:p>
+        </p:txBody>
+      </p:sp>
+      <p:sp>
+        <p:nvSpPr>
+          <p:cNvPr id="10" name="Rectangle 9"/>
+          <p:cNvSpPr/>
+          <p:nvPr/>
+        </p:nvSpPr>
+        <p:spPr>
+          <a:xfrm>
+            <a:off x="967105" y="4695190"/>
+            <a:ext cx="3504565" cy="626110"/>
           </a:xfrm>
           <a:prstGeom prst="rect">
             <a:avLst/>
           </a:prstGeom>
-        </p:spPr>
-      </p:pic>
+          <a:noFill/>
+          <a:ln>
+            <a:noFill/>
+          </a:ln>
+        </p:spPr>
+        <p:style>
+          <a:lnRef idx="2">
+            <a:schemeClr val="accent1">
+              <a:shade val="50000"/>
+            </a:schemeClr>
+          </a:lnRef>
+          <a:fillRef idx="1">
+            <a:schemeClr val="accent1"/>
+          </a:fillRef>
+          <a:effectRef idx="0">
+            <a:schemeClr val="accent1"/>
+          </a:effectRef>
+          <a:fontRef idx="minor">
+            <a:schemeClr val="lt1"/>
+          </a:fontRef>
+        </p:style>
+        <p:txBody>
+          <a:bodyPr rtlCol="0" anchor="ctr"/>
+          <a:p>
+            <a:pPr algn="ctr"/>
+            <a:r>
+              <a:rPr lang="en-US" altLang="en-US" sz="2200" b="1">
+                <a:solidFill>
+                  <a:schemeClr val="tx1"/>
+                </a:solidFill>
+                <a:latin typeface="Times New Roman" panose="02020603050405020304" charset="0"/>
+                <a:cs typeface="Times New Roman" panose="02020603050405020304" charset="0"/>
+              </a:rPr>
+              <a:t>Diagramme de classes</a:t>
+            </a:r>
+            <a:endParaRPr lang="en-US" altLang="en-US" sz="2200" b="1">
+              <a:solidFill>
+                <a:schemeClr val="tx1"/>
+              </a:solidFill>
+              <a:latin typeface="Times New Roman" panose="02020603050405020304" charset="0"/>
+              <a:cs typeface="Times New Roman" panose="02020603050405020304" charset="0"/>
+            </a:endParaRPr>
+          </a:p>
+        </p:txBody>
+      </p:sp>
     </p:spTree>
   </p:cSld>
   <p:clrMapOvr>
@@ -11882,26 +12370,35 @@
         </p:nvSpPr>
         <p:spPr>
           <a:xfrm>
-            <a:off x="81915" y="1270000"/>
-            <a:ext cx="12021820" cy="5460365"/>
+            <a:off x="81915" y="1386205"/>
+            <a:ext cx="12021820" cy="5344160"/>
           </a:xfrm>
         </p:spPr>
         <p:txBody>
           <a:bodyPr/>
           <a:p>
-            <a:pPr marL="0" indent="0" algn="just">
+            <a:pPr marL="571500" indent="-571500" algn="just">
+              <a:buFont typeface="+mj-lt"/>
+              <a:buAutoNum type="romanUcPeriod"/>
+            </a:pPr>
+            <a:r>
+              <a:rPr lang="en-US" altLang="en-US" b="1">
+                <a:latin typeface="Times New Roman" panose="02020603050405020304" charset="0"/>
+                <a:cs typeface="Times New Roman" panose="02020603050405020304" charset="0"/>
+              </a:rPr>
+              <a:t>Architecture de déploiement</a:t>
+            </a:r>
+            <a:endParaRPr lang="en-US" altLang="en-US" b="1">
+              <a:latin typeface="Times New Roman" panose="02020603050405020304" charset="0"/>
+              <a:cs typeface="Times New Roman" panose="02020603050405020304" charset="0"/>
+            </a:endParaRPr>
+          </a:p>
+          <a:p>
+            <a:pPr marL="0" indent="0" algn="ctr">
+              <a:buFont typeface="+mj-lt"/>
               <a:buNone/>
             </a:pPr>
-            <a:endParaRPr lang="" altLang="en-US" b="1">
-              <a:latin typeface="Times New Roman" panose="02020603050405020304" charset="0"/>
-              <a:cs typeface="Times New Roman" panose="02020603050405020304" charset="0"/>
-            </a:endParaRPr>
-          </a:p>
-          <a:p>
-            <a:pPr marL="0" indent="0" algn="just">
-              <a:buNone/>
-            </a:pPr>
-            <a:endParaRPr lang="" altLang="en-US" b="1">
+            <a:endParaRPr lang="en-US" altLang="en-US" b="1">
               <a:latin typeface="Times New Roman" panose="02020603050405020304" charset="0"/>
               <a:cs typeface="Times New Roman" panose="02020603050405020304" charset="0"/>
             </a:endParaRPr>
@@ -12104,7 +12601,7 @@
       </p:sp>
       <p:pic>
         <p:nvPicPr>
-          <p:cNvPr id="9" name="Picture 8" descr="dia"/>
+          <p:cNvPr id="5" name="Picture 4" descr="deployment_diagram"/>
           <p:cNvPicPr>
             <a:picLocks noChangeAspect="1"/>
           </p:cNvPicPr>
@@ -12118,368 +12615,8 @@
         </p:blipFill>
         <p:spPr>
           <a:xfrm>
-            <a:off x="240665" y="1522095"/>
-            <a:ext cx="1476375" cy="1476375"/>
-          </a:xfrm>
-          <a:prstGeom prst="rect">
-            <a:avLst/>
-          </a:prstGeom>
-        </p:spPr>
-      </p:pic>
-      <p:pic>
-        <p:nvPicPr>
-          <p:cNvPr id="11" name="Picture 10" descr="java_ee"/>
-          <p:cNvPicPr>
-            <a:picLocks noChangeAspect="1"/>
-          </p:cNvPicPr>
-          <p:nvPr/>
-        </p:nvPicPr>
-        <p:blipFill>
-          <a:blip r:embed="rId2"/>
-          <a:stretch>
-            <a:fillRect/>
-          </a:stretch>
-        </p:blipFill>
-        <p:spPr>
-          <a:xfrm>
-            <a:off x="4524375" y="1815465"/>
-            <a:ext cx="2026285" cy="1644015"/>
-          </a:xfrm>
-          <a:prstGeom prst="rect">
-            <a:avLst/>
-          </a:prstGeom>
-        </p:spPr>
-      </p:pic>
-      <p:pic>
-        <p:nvPicPr>
-          <p:cNvPr id="12" name="Picture 11" descr="Logo-modelio"/>
-          <p:cNvPicPr>
-            <a:picLocks noChangeAspect="1"/>
-          </p:cNvPicPr>
-          <p:nvPr/>
-        </p:nvPicPr>
-        <p:blipFill>
-          <a:blip r:embed="rId3"/>
-          <a:stretch>
-            <a:fillRect/>
-          </a:stretch>
-        </p:blipFill>
-        <p:spPr>
-          <a:xfrm>
-            <a:off x="2271395" y="1365250"/>
-            <a:ext cx="1917700" cy="1917700"/>
-          </a:xfrm>
-          <a:prstGeom prst="rect">
-            <a:avLst/>
-          </a:prstGeom>
-        </p:spPr>
-      </p:pic>
-      <p:pic>
-        <p:nvPicPr>
-          <p:cNvPr id="13" name="Picture 12" descr="mysql"/>
-          <p:cNvPicPr>
-            <a:picLocks noChangeAspect="1"/>
-          </p:cNvPicPr>
-          <p:nvPr/>
-        </p:nvPicPr>
-        <p:blipFill>
-          <a:blip r:embed="rId4"/>
-          <a:stretch>
-            <a:fillRect/>
-          </a:stretch>
-        </p:blipFill>
-        <p:spPr>
-          <a:xfrm>
-            <a:off x="81915" y="4615815"/>
-            <a:ext cx="2143125" cy="2143125"/>
-          </a:xfrm>
-          <a:prstGeom prst="rect">
-            <a:avLst/>
-          </a:prstGeom>
-        </p:spPr>
-      </p:pic>
-      <p:pic>
-        <p:nvPicPr>
-          <p:cNvPr id="14" name="Picture 13" descr="android_studio"/>
-          <p:cNvPicPr>
-            <a:picLocks noChangeAspect="1"/>
-          </p:cNvPicPr>
-          <p:nvPr/>
-        </p:nvPicPr>
-        <p:blipFill>
-          <a:blip r:embed="rId5"/>
-          <a:stretch>
-            <a:fillRect/>
-          </a:stretch>
-        </p:blipFill>
-        <p:spPr>
-          <a:xfrm>
-            <a:off x="9177020" y="5196205"/>
-            <a:ext cx="1534160" cy="1534160"/>
-          </a:xfrm>
-          <a:prstGeom prst="rect">
-            <a:avLst/>
-          </a:prstGeom>
-        </p:spPr>
-      </p:pic>
-      <p:pic>
-        <p:nvPicPr>
-          <p:cNvPr id="15" name="Picture 14" descr="office_writer"/>
-          <p:cNvPicPr>
-            <a:picLocks noChangeAspect="1"/>
-          </p:cNvPicPr>
-          <p:nvPr/>
-        </p:nvPicPr>
-        <p:blipFill>
-          <a:blip r:embed="rId6"/>
-          <a:stretch>
-            <a:fillRect/>
-          </a:stretch>
-        </p:blipFill>
-        <p:spPr>
-          <a:xfrm>
-            <a:off x="10956925" y="5387975"/>
-            <a:ext cx="958850" cy="1151255"/>
-          </a:xfrm>
-          <a:prstGeom prst="rect">
-            <a:avLst/>
-          </a:prstGeom>
-        </p:spPr>
-      </p:pic>
-      <p:pic>
-        <p:nvPicPr>
-          <p:cNvPr id="16" name="Picture 15" descr="eclipselink1"/>
-          <p:cNvPicPr>
-            <a:picLocks noChangeAspect="1"/>
-          </p:cNvPicPr>
-          <p:nvPr/>
-        </p:nvPicPr>
-        <p:blipFill>
-          <a:blip r:embed="rId7"/>
-          <a:stretch>
-            <a:fillRect/>
-          </a:stretch>
-        </p:blipFill>
-        <p:spPr>
-          <a:xfrm>
-            <a:off x="240665" y="3282950"/>
-            <a:ext cx="1895475" cy="838200"/>
-          </a:xfrm>
-          <a:prstGeom prst="rect">
-            <a:avLst/>
-          </a:prstGeom>
-        </p:spPr>
-      </p:pic>
-      <p:pic>
-        <p:nvPicPr>
-          <p:cNvPr id="17" name="Picture 16" descr="sqlite"/>
-          <p:cNvPicPr>
-            <a:picLocks noChangeAspect="1"/>
-          </p:cNvPicPr>
-          <p:nvPr/>
-        </p:nvPicPr>
-        <p:blipFill>
-          <a:blip r:embed="rId8"/>
-          <a:stretch>
-            <a:fillRect/>
-          </a:stretch>
-        </p:blipFill>
-        <p:spPr>
-          <a:xfrm>
-            <a:off x="2271395" y="5168265"/>
-            <a:ext cx="2867025" cy="1590675"/>
-          </a:xfrm>
-          <a:prstGeom prst="rect">
-            <a:avLst/>
-          </a:prstGeom>
-        </p:spPr>
-      </p:pic>
-      <p:pic>
-        <p:nvPicPr>
-          <p:cNvPr id="18" name="Picture 17" descr="glassfish"/>
-          <p:cNvPicPr>
-            <a:picLocks noChangeAspect="1"/>
-          </p:cNvPicPr>
-          <p:nvPr/>
-        </p:nvPicPr>
-        <p:blipFill>
-          <a:blip r:embed="rId9"/>
-          <a:stretch>
-            <a:fillRect/>
-          </a:stretch>
-        </p:blipFill>
-        <p:spPr>
-          <a:xfrm>
-            <a:off x="9460230" y="2897505"/>
-            <a:ext cx="2000250" cy="1400175"/>
-          </a:xfrm>
-          <a:prstGeom prst="rect">
-            <a:avLst/>
-          </a:prstGeom>
-        </p:spPr>
-      </p:pic>
-      <p:pic>
-        <p:nvPicPr>
-          <p:cNvPr id="19" name="Picture 18" descr="git"/>
-          <p:cNvPicPr>
-            <a:picLocks noChangeAspect="1"/>
-          </p:cNvPicPr>
-          <p:nvPr/>
-        </p:nvPicPr>
-        <p:blipFill>
-          <a:blip r:embed="rId10"/>
-          <a:stretch>
-            <a:fillRect/>
-          </a:stretch>
-        </p:blipFill>
-        <p:spPr>
-          <a:xfrm>
-            <a:off x="9062085" y="1365250"/>
-            <a:ext cx="2476500" cy="1301750"/>
-          </a:xfrm>
-          <a:prstGeom prst="rect">
-            <a:avLst/>
-          </a:prstGeom>
-        </p:spPr>
-      </p:pic>
-      <p:pic>
-        <p:nvPicPr>
-          <p:cNvPr id="20" name="Picture 19" descr="wps_p"/>
-          <p:cNvPicPr>
-            <a:picLocks noChangeAspect="1"/>
-          </p:cNvPicPr>
-          <p:nvPr/>
-        </p:nvPicPr>
-        <p:blipFill>
-          <a:blip r:embed="rId11"/>
-          <a:stretch>
-            <a:fillRect/>
-          </a:stretch>
-        </p:blipFill>
-        <p:spPr>
-          <a:xfrm>
-            <a:off x="4677410" y="3381375"/>
-            <a:ext cx="1720215" cy="1720215"/>
-          </a:xfrm>
-          <a:prstGeom prst="rect">
-            <a:avLst/>
-          </a:prstGeom>
-        </p:spPr>
-      </p:pic>
-      <p:pic>
-        <p:nvPicPr>
-          <p:cNvPr id="21" name="Picture 20" descr="eclipse"/>
-          <p:cNvPicPr>
-            <a:picLocks noChangeAspect="1"/>
-          </p:cNvPicPr>
-          <p:nvPr/>
-        </p:nvPicPr>
-        <p:blipFill>
-          <a:blip r:embed="rId12"/>
-          <a:stretch>
-            <a:fillRect/>
-          </a:stretch>
-        </p:blipFill>
-        <p:spPr>
-          <a:xfrm>
-            <a:off x="7159625" y="1297940"/>
-            <a:ext cx="1312545" cy="1700530"/>
-          </a:xfrm>
-          <a:prstGeom prst="rect">
-            <a:avLst/>
-          </a:prstGeom>
-        </p:spPr>
-      </p:pic>
-      <p:pic>
-        <p:nvPicPr>
-          <p:cNvPr id="22" name="Picture 21" descr="junit"/>
-          <p:cNvPicPr>
-            <a:picLocks noChangeAspect="1"/>
-          </p:cNvPicPr>
-          <p:nvPr/>
-        </p:nvPicPr>
-        <p:blipFill>
-          <a:blip r:embed="rId13"/>
-          <a:stretch>
-            <a:fillRect/>
-          </a:stretch>
-        </p:blipFill>
-        <p:spPr>
-          <a:xfrm>
-            <a:off x="2729230" y="3832860"/>
-            <a:ext cx="1268730" cy="1268730"/>
-          </a:xfrm>
-          <a:prstGeom prst="rect">
-            <a:avLst/>
-          </a:prstGeom>
-        </p:spPr>
-      </p:pic>
-      <p:pic>
-        <p:nvPicPr>
-          <p:cNvPr id="23" name="Picture 22" descr="airtel"/>
-          <p:cNvPicPr>
-            <a:picLocks noChangeAspect="1"/>
-          </p:cNvPicPr>
-          <p:nvPr/>
-        </p:nvPicPr>
-        <p:blipFill>
-          <a:blip r:embed="rId14"/>
-          <a:stretch>
-            <a:fillRect/>
-          </a:stretch>
-        </p:blipFill>
-        <p:spPr>
-          <a:xfrm>
-            <a:off x="7653020" y="3607435"/>
-            <a:ext cx="1016000" cy="1219200"/>
-          </a:xfrm>
-          <a:prstGeom prst="rect">
-            <a:avLst/>
-          </a:prstGeom>
-        </p:spPr>
-      </p:pic>
-      <p:pic>
-        <p:nvPicPr>
-          <p:cNvPr id="24" name="Picture 23" descr="primefaces-logo"/>
-          <p:cNvPicPr>
-            <a:picLocks noChangeAspect="1"/>
-          </p:cNvPicPr>
-          <p:nvPr/>
-        </p:nvPicPr>
-        <p:blipFill>
-          <a:blip r:embed="rId15"/>
-          <a:stretch>
-            <a:fillRect/>
-          </a:stretch>
-        </p:blipFill>
-        <p:spPr>
-          <a:xfrm>
-            <a:off x="5328920" y="5878830"/>
-            <a:ext cx="3964940" cy="880110"/>
-          </a:xfrm>
-          <a:prstGeom prst="rect">
-            <a:avLst/>
-          </a:prstGeom>
-        </p:spPr>
-      </p:pic>
-      <p:pic>
-        <p:nvPicPr>
-          <p:cNvPr id="25" name="Picture 24" descr="lucene_logo"/>
-          <p:cNvPicPr>
-            <a:picLocks noChangeAspect="1"/>
-          </p:cNvPicPr>
-          <p:nvPr/>
-        </p:nvPicPr>
-        <p:blipFill>
-          <a:blip r:embed="rId16"/>
-          <a:stretch>
-            <a:fillRect/>
-          </a:stretch>
-        </p:blipFill>
-        <p:spPr>
-          <a:xfrm>
-            <a:off x="4800600" y="5101590"/>
-            <a:ext cx="3868420" cy="592455"/>
+            <a:off x="1447165" y="2158365"/>
+            <a:ext cx="9577070" cy="4572000"/>
           </a:xfrm>
           <a:prstGeom prst="rect">
             <a:avLst/>
@@ -12543,8 +12680,8 @@
         </p:nvSpPr>
         <p:spPr>
           <a:xfrm>
-            <a:off x="81915" y="1386205"/>
-            <a:ext cx="12021820" cy="5344160"/>
+            <a:off x="81915" y="1270000"/>
+            <a:ext cx="12021820" cy="5460365"/>
           </a:xfrm>
         </p:spPr>
         <p:txBody>
@@ -12559,8 +12696,7 @@
             </a:endParaRPr>
           </a:p>
           <a:p>
-            <a:pPr marL="0" indent="0" algn="ctr">
-              <a:buFont typeface="+mj-lt"/>
+            <a:pPr marL="0" indent="0" algn="just">
               <a:buNone/>
             </a:pPr>
             <a:endParaRPr lang="en-US" altLang="en-US" b="1">
@@ -12766,7 +12902,7 @@
       </p:sp>
       <p:pic>
         <p:nvPicPr>
-          <p:cNvPr id="5" name="Picture 4"/>
+          <p:cNvPr id="9" name="Picture 8" descr="dia"/>
           <p:cNvPicPr>
             <a:picLocks noChangeAspect="1"/>
           </p:cNvPicPr>
@@ -12780,8 +12916,368 @@
         </p:blipFill>
         <p:spPr>
           <a:xfrm>
-            <a:off x="3009265" y="1794510"/>
-            <a:ext cx="5887085" cy="4258945"/>
+            <a:off x="240665" y="1522095"/>
+            <a:ext cx="1476375" cy="1476375"/>
+          </a:xfrm>
+          <a:prstGeom prst="rect">
+            <a:avLst/>
+          </a:prstGeom>
+        </p:spPr>
+      </p:pic>
+      <p:pic>
+        <p:nvPicPr>
+          <p:cNvPr id="11" name="Picture 10" descr="java_ee"/>
+          <p:cNvPicPr>
+            <a:picLocks noChangeAspect="1"/>
+          </p:cNvPicPr>
+          <p:nvPr/>
+        </p:nvPicPr>
+        <p:blipFill>
+          <a:blip r:embed="rId2"/>
+          <a:stretch>
+            <a:fillRect/>
+          </a:stretch>
+        </p:blipFill>
+        <p:spPr>
+          <a:xfrm>
+            <a:off x="4524375" y="1815465"/>
+            <a:ext cx="2026285" cy="1644015"/>
+          </a:xfrm>
+          <a:prstGeom prst="rect">
+            <a:avLst/>
+          </a:prstGeom>
+        </p:spPr>
+      </p:pic>
+      <p:pic>
+        <p:nvPicPr>
+          <p:cNvPr id="12" name="Picture 11" descr="Logo-modelio"/>
+          <p:cNvPicPr>
+            <a:picLocks noChangeAspect="1"/>
+          </p:cNvPicPr>
+          <p:nvPr/>
+        </p:nvPicPr>
+        <p:blipFill>
+          <a:blip r:embed="rId3"/>
+          <a:stretch>
+            <a:fillRect/>
+          </a:stretch>
+        </p:blipFill>
+        <p:spPr>
+          <a:xfrm>
+            <a:off x="2271395" y="1365250"/>
+            <a:ext cx="1917700" cy="1917700"/>
+          </a:xfrm>
+          <a:prstGeom prst="rect">
+            <a:avLst/>
+          </a:prstGeom>
+        </p:spPr>
+      </p:pic>
+      <p:pic>
+        <p:nvPicPr>
+          <p:cNvPr id="13" name="Picture 12" descr="mysql"/>
+          <p:cNvPicPr>
+            <a:picLocks noChangeAspect="1"/>
+          </p:cNvPicPr>
+          <p:nvPr/>
+        </p:nvPicPr>
+        <p:blipFill>
+          <a:blip r:embed="rId4"/>
+          <a:stretch>
+            <a:fillRect/>
+          </a:stretch>
+        </p:blipFill>
+        <p:spPr>
+          <a:xfrm>
+            <a:off x="81915" y="4615815"/>
+            <a:ext cx="2143125" cy="2143125"/>
+          </a:xfrm>
+          <a:prstGeom prst="rect">
+            <a:avLst/>
+          </a:prstGeom>
+        </p:spPr>
+      </p:pic>
+      <p:pic>
+        <p:nvPicPr>
+          <p:cNvPr id="14" name="Picture 13" descr="android_studio"/>
+          <p:cNvPicPr>
+            <a:picLocks noChangeAspect="1"/>
+          </p:cNvPicPr>
+          <p:nvPr/>
+        </p:nvPicPr>
+        <p:blipFill>
+          <a:blip r:embed="rId5"/>
+          <a:stretch>
+            <a:fillRect/>
+          </a:stretch>
+        </p:blipFill>
+        <p:spPr>
+          <a:xfrm>
+            <a:off x="9177020" y="5196205"/>
+            <a:ext cx="1534160" cy="1534160"/>
+          </a:xfrm>
+          <a:prstGeom prst="rect">
+            <a:avLst/>
+          </a:prstGeom>
+        </p:spPr>
+      </p:pic>
+      <p:pic>
+        <p:nvPicPr>
+          <p:cNvPr id="15" name="Picture 14" descr="office_writer"/>
+          <p:cNvPicPr>
+            <a:picLocks noChangeAspect="1"/>
+          </p:cNvPicPr>
+          <p:nvPr/>
+        </p:nvPicPr>
+        <p:blipFill>
+          <a:blip r:embed="rId6"/>
+          <a:stretch>
+            <a:fillRect/>
+          </a:stretch>
+        </p:blipFill>
+        <p:spPr>
+          <a:xfrm>
+            <a:off x="10956925" y="5387975"/>
+            <a:ext cx="958850" cy="1151255"/>
+          </a:xfrm>
+          <a:prstGeom prst="rect">
+            <a:avLst/>
+          </a:prstGeom>
+        </p:spPr>
+      </p:pic>
+      <p:pic>
+        <p:nvPicPr>
+          <p:cNvPr id="16" name="Picture 15" descr="eclipselink1"/>
+          <p:cNvPicPr>
+            <a:picLocks noChangeAspect="1"/>
+          </p:cNvPicPr>
+          <p:nvPr/>
+        </p:nvPicPr>
+        <p:blipFill>
+          <a:blip r:embed="rId7"/>
+          <a:stretch>
+            <a:fillRect/>
+          </a:stretch>
+        </p:blipFill>
+        <p:spPr>
+          <a:xfrm>
+            <a:off x="240665" y="3282950"/>
+            <a:ext cx="1895475" cy="838200"/>
+          </a:xfrm>
+          <a:prstGeom prst="rect">
+            <a:avLst/>
+          </a:prstGeom>
+        </p:spPr>
+      </p:pic>
+      <p:pic>
+        <p:nvPicPr>
+          <p:cNvPr id="17" name="Picture 16" descr="sqlite"/>
+          <p:cNvPicPr>
+            <a:picLocks noChangeAspect="1"/>
+          </p:cNvPicPr>
+          <p:nvPr/>
+        </p:nvPicPr>
+        <p:blipFill>
+          <a:blip r:embed="rId8"/>
+          <a:stretch>
+            <a:fillRect/>
+          </a:stretch>
+        </p:blipFill>
+        <p:spPr>
+          <a:xfrm>
+            <a:off x="2271395" y="5168265"/>
+            <a:ext cx="2867025" cy="1590675"/>
+          </a:xfrm>
+          <a:prstGeom prst="rect">
+            <a:avLst/>
+          </a:prstGeom>
+        </p:spPr>
+      </p:pic>
+      <p:pic>
+        <p:nvPicPr>
+          <p:cNvPr id="18" name="Picture 17" descr="glassfish"/>
+          <p:cNvPicPr>
+            <a:picLocks noChangeAspect="1"/>
+          </p:cNvPicPr>
+          <p:nvPr/>
+        </p:nvPicPr>
+        <p:blipFill>
+          <a:blip r:embed="rId9"/>
+          <a:stretch>
+            <a:fillRect/>
+          </a:stretch>
+        </p:blipFill>
+        <p:spPr>
+          <a:xfrm>
+            <a:off x="9460230" y="2897505"/>
+            <a:ext cx="2000250" cy="1400175"/>
+          </a:xfrm>
+          <a:prstGeom prst="rect">
+            <a:avLst/>
+          </a:prstGeom>
+        </p:spPr>
+      </p:pic>
+      <p:pic>
+        <p:nvPicPr>
+          <p:cNvPr id="19" name="Picture 18" descr="git"/>
+          <p:cNvPicPr>
+            <a:picLocks noChangeAspect="1"/>
+          </p:cNvPicPr>
+          <p:nvPr/>
+        </p:nvPicPr>
+        <p:blipFill>
+          <a:blip r:embed="rId10"/>
+          <a:stretch>
+            <a:fillRect/>
+          </a:stretch>
+        </p:blipFill>
+        <p:spPr>
+          <a:xfrm>
+            <a:off x="9062085" y="1365250"/>
+            <a:ext cx="2476500" cy="1301750"/>
+          </a:xfrm>
+          <a:prstGeom prst="rect">
+            <a:avLst/>
+          </a:prstGeom>
+        </p:spPr>
+      </p:pic>
+      <p:pic>
+        <p:nvPicPr>
+          <p:cNvPr id="20" name="Picture 19" descr="wps_p"/>
+          <p:cNvPicPr>
+            <a:picLocks noChangeAspect="1"/>
+          </p:cNvPicPr>
+          <p:nvPr/>
+        </p:nvPicPr>
+        <p:blipFill>
+          <a:blip r:embed="rId11"/>
+          <a:stretch>
+            <a:fillRect/>
+          </a:stretch>
+        </p:blipFill>
+        <p:spPr>
+          <a:xfrm>
+            <a:off x="4677410" y="3381375"/>
+            <a:ext cx="1720215" cy="1720215"/>
+          </a:xfrm>
+          <a:prstGeom prst="rect">
+            <a:avLst/>
+          </a:prstGeom>
+        </p:spPr>
+      </p:pic>
+      <p:pic>
+        <p:nvPicPr>
+          <p:cNvPr id="21" name="Picture 20" descr="eclipse"/>
+          <p:cNvPicPr>
+            <a:picLocks noChangeAspect="1"/>
+          </p:cNvPicPr>
+          <p:nvPr/>
+        </p:nvPicPr>
+        <p:blipFill>
+          <a:blip r:embed="rId12"/>
+          <a:stretch>
+            <a:fillRect/>
+          </a:stretch>
+        </p:blipFill>
+        <p:spPr>
+          <a:xfrm>
+            <a:off x="7159625" y="1297940"/>
+            <a:ext cx="1312545" cy="1700530"/>
+          </a:xfrm>
+          <a:prstGeom prst="rect">
+            <a:avLst/>
+          </a:prstGeom>
+        </p:spPr>
+      </p:pic>
+      <p:pic>
+        <p:nvPicPr>
+          <p:cNvPr id="22" name="Picture 21" descr="junit"/>
+          <p:cNvPicPr>
+            <a:picLocks noChangeAspect="1"/>
+          </p:cNvPicPr>
+          <p:nvPr/>
+        </p:nvPicPr>
+        <p:blipFill>
+          <a:blip r:embed="rId13"/>
+          <a:stretch>
+            <a:fillRect/>
+          </a:stretch>
+        </p:blipFill>
+        <p:spPr>
+          <a:xfrm>
+            <a:off x="2729230" y="3832860"/>
+            <a:ext cx="1268730" cy="1268730"/>
+          </a:xfrm>
+          <a:prstGeom prst="rect">
+            <a:avLst/>
+          </a:prstGeom>
+        </p:spPr>
+      </p:pic>
+      <p:pic>
+        <p:nvPicPr>
+          <p:cNvPr id="23" name="Picture 22" descr="airtel"/>
+          <p:cNvPicPr>
+            <a:picLocks noChangeAspect="1"/>
+          </p:cNvPicPr>
+          <p:nvPr/>
+        </p:nvPicPr>
+        <p:blipFill>
+          <a:blip r:embed="rId14"/>
+          <a:stretch>
+            <a:fillRect/>
+          </a:stretch>
+        </p:blipFill>
+        <p:spPr>
+          <a:xfrm>
+            <a:off x="7653020" y="3607435"/>
+            <a:ext cx="1016000" cy="1219200"/>
+          </a:xfrm>
+          <a:prstGeom prst="rect">
+            <a:avLst/>
+          </a:prstGeom>
+        </p:spPr>
+      </p:pic>
+      <p:pic>
+        <p:nvPicPr>
+          <p:cNvPr id="24" name="Picture 23" descr="primefaces-logo"/>
+          <p:cNvPicPr>
+            <a:picLocks noChangeAspect="1"/>
+          </p:cNvPicPr>
+          <p:nvPr/>
+        </p:nvPicPr>
+        <p:blipFill>
+          <a:blip r:embed="rId15"/>
+          <a:stretch>
+            <a:fillRect/>
+          </a:stretch>
+        </p:blipFill>
+        <p:spPr>
+          <a:xfrm>
+            <a:off x="5328920" y="5878830"/>
+            <a:ext cx="3964940" cy="880110"/>
+          </a:xfrm>
+          <a:prstGeom prst="rect">
+            <a:avLst/>
+          </a:prstGeom>
+        </p:spPr>
+      </p:pic>
+      <p:pic>
+        <p:nvPicPr>
+          <p:cNvPr id="25" name="Picture 24" descr="lucene_logo"/>
+          <p:cNvPicPr>
+            <a:picLocks noChangeAspect="1"/>
+          </p:cNvPicPr>
+          <p:nvPr/>
+        </p:nvPicPr>
+        <p:blipFill>
+          <a:blip r:embed="rId16"/>
+          <a:stretch>
+            <a:fillRect/>
+          </a:stretch>
+        </p:blipFill>
+        <p:spPr>
+          <a:xfrm>
+            <a:off x="4800600" y="5101590"/>
+            <a:ext cx="3868420" cy="592455"/>
           </a:xfrm>
           <a:prstGeom prst="rect">
             <a:avLst/>
@@ -12852,17 +13348,9 @@
         <p:txBody>
           <a:bodyPr/>
           <a:p>
-            <a:pPr marL="571500" indent="-571500" algn="just">
-              <a:buFont typeface="+mj-lt"/>
-              <a:buAutoNum type="romanUcPeriod" startAt="2"/>
+            <a:pPr marL="0" indent="0" algn="just">
+              <a:buNone/>
             </a:pPr>
-            <a:r>
-              <a:rPr lang="" altLang="en-US" b="1">
-                <a:latin typeface="Times New Roman" panose="02020603050405020304" charset="0"/>
-                <a:cs typeface="Times New Roman" panose="02020603050405020304" charset="0"/>
-              </a:rPr>
-              <a:t>Évaluation économique de la solution</a:t>
-            </a:r>
             <a:endParaRPr lang="en-US" altLang="en-US" b="1">
               <a:latin typeface="Times New Roman" panose="02020603050405020304" charset="0"/>
               <a:cs typeface="Times New Roman" panose="02020603050405020304" charset="0"/>
@@ -13076,7 +13564,7 @@
       </p:sp>
       <p:pic>
         <p:nvPicPr>
-          <p:cNvPr id="5" name="Picture 4" descr="eval_eco"/>
+          <p:cNvPr id="5" name="Picture 4"/>
           <p:cNvPicPr>
             <a:picLocks noChangeAspect="1"/>
           </p:cNvPicPr>
@@ -13090,8 +13578,8 @@
         </p:blipFill>
         <p:spPr>
           <a:xfrm>
-            <a:off x="942975" y="1852930"/>
-            <a:ext cx="10619105" cy="4876800"/>
+            <a:off x="3009265" y="1794510"/>
+            <a:ext cx="5887085" cy="4258945"/>
           </a:xfrm>
           <a:prstGeom prst="rect">
             <a:avLst/>
@@ -13164,14 +13652,14 @@
           <a:p>
             <a:pPr marL="571500" indent="-571500" algn="just">
               <a:buFont typeface="+mj-lt"/>
-              <a:buAutoNum type="romanUcPeriod"/>
+              <a:buAutoNum type="romanUcPeriod" startAt="2"/>
             </a:pPr>
             <a:r>
-              <a:rPr lang="" altLang="en-US" b="1">
-                <a:latin typeface="Times New Roman" panose="02020603050405020304" charset="0"/>
-                <a:cs typeface="Times New Roman" panose="02020603050405020304" charset="0"/>
-              </a:rPr>
-              <a:t>Diagramme de Gannt réel</a:t>
+              <a:rPr lang="en-US" altLang="en-US" b="1">
+                <a:latin typeface="Times New Roman" panose="02020603050405020304" charset="0"/>
+                <a:cs typeface="Times New Roman" panose="02020603050405020304" charset="0"/>
+              </a:rPr>
+              <a:t>Évaluation économique de la solution</a:t>
             </a:r>
             <a:endParaRPr lang="en-US" altLang="en-US" b="1">
               <a:latin typeface="Times New Roman" panose="02020603050405020304" charset="0"/>
@@ -13384,6 +13872,30 @@
           </a:p>
         </p:txBody>
       </p:sp>
+      <p:pic>
+        <p:nvPicPr>
+          <p:cNvPr id="5" name="Picture 4" descr="eval_eco"/>
+          <p:cNvPicPr>
+            <a:picLocks noChangeAspect="1"/>
+          </p:cNvPicPr>
+          <p:nvPr/>
+        </p:nvPicPr>
+        <p:blipFill>
+          <a:blip r:embed="rId1"/>
+          <a:stretch>
+            <a:fillRect/>
+          </a:stretch>
+        </p:blipFill>
+        <p:spPr>
+          <a:xfrm>
+            <a:off x="942975" y="1852930"/>
+            <a:ext cx="10619105" cy="4876800"/>
+          </a:xfrm>
+          <a:prstGeom prst="rect">
+            <a:avLst/>
+          </a:prstGeom>
+        </p:spPr>
+      </p:pic>
     </p:spTree>
   </p:cSld>
   <p:clrMapOvr>
@@ -13414,24 +13926,62 @@
         </p:nvSpPr>
         <p:spPr>
           <a:xfrm>
-            <a:off x="838200" y="233680"/>
-            <a:ext cx="10515600" cy="733425"/>
+            <a:off x="10160" y="56515"/>
+            <a:ext cx="12154535" cy="1212850"/>
           </a:xfrm>
         </p:spPr>
         <p:txBody>
           <a:bodyPr/>
           <a:p>
-            <a:pPr algn="ctr"/>
-            <a:r>
-              <a:rPr lang="" altLang="en-US" b="1" u="sng">
-                <a:effectLst/>
-                <a:latin typeface="Times New Roman" panose="02020603050405020304" charset="0"/>
-                <a:cs typeface="Times New Roman" panose="02020603050405020304" charset="0"/>
-              </a:rPr>
-              <a:t>CONCLUSION</a:t>
-            </a:r>
-            <a:endParaRPr lang="" altLang="en-US" b="1" u="sng">
-              <a:effectLst/>
+            <a:r>
+              <a:rPr lang="en-US" altLang="en-US"/>
+              <a:t>D</a:t>
+            </a:r>
+            <a:endParaRPr lang="en-US" altLang="en-US"/>
+          </a:p>
+        </p:txBody>
+      </p:sp>
+      <p:sp>
+        <p:nvSpPr>
+          <p:cNvPr id="3" name="Content Placeholder 2"/>
+          <p:cNvSpPr>
+            <a:spLocks noGrp="1"/>
+          </p:cNvSpPr>
+          <p:nvPr>
+            <p:ph idx="1"/>
+          </p:nvPr>
+        </p:nvSpPr>
+        <p:spPr>
+          <a:xfrm>
+            <a:off x="81915" y="1386205"/>
+            <a:ext cx="12021820" cy="5344160"/>
+          </a:xfrm>
+        </p:spPr>
+        <p:txBody>
+          <a:bodyPr/>
+          <a:p>
+            <a:pPr marL="571500" indent="-571500" algn="just">
+              <a:buFont typeface="+mj-lt"/>
+              <a:buAutoNum type="romanUcPeriod"/>
+            </a:pPr>
+            <a:r>
+              <a:rPr lang="en-US" altLang="en-US" b="1">
+                <a:latin typeface="Times New Roman" panose="02020603050405020304" charset="0"/>
+                <a:cs typeface="Times New Roman" panose="02020603050405020304" charset="0"/>
+              </a:rPr>
+              <a:t>Diagramme de Gannt réel</a:t>
+            </a:r>
+            <a:endParaRPr lang="en-US" altLang="en-US" b="1">
+              <a:latin typeface="Times New Roman" panose="02020603050405020304" charset="0"/>
+              <a:cs typeface="Times New Roman" panose="02020603050405020304" charset="0"/>
+            </a:endParaRPr>
+          </a:p>
+          <a:p>
+            <a:pPr marL="0" indent="0" algn="ctr">
+              <a:buFont typeface="+mj-lt"/>
+              <a:buNone/>
+            </a:pPr>
+            <a:endParaRPr lang="en-US" altLang="en-US" b="1">
               <a:latin typeface="Times New Roman" panose="02020603050405020304" charset="0"/>
               <a:cs typeface="Times New Roman" panose="02020603050405020304" charset="0"/>
             </a:endParaRPr>
@@ -13446,8 +13996,152 @@
         </p:nvSpPr>
         <p:spPr>
           <a:xfrm>
-            <a:off x="263525" y="1182370"/>
-            <a:ext cx="4167505" cy="838835"/>
+            <a:off x="82550" y="98425"/>
+            <a:ext cx="2926715" cy="1043940"/>
+          </a:xfrm>
+          <a:prstGeom prst="roundRect">
+            <a:avLst/>
+          </a:prstGeom>
+        </p:spPr>
+        <p:style>
+          <a:lnRef idx="1">
+            <a:schemeClr val="accent3"/>
+          </a:lnRef>
+          <a:fillRef idx="2">
+            <a:schemeClr val="accent3"/>
+          </a:fillRef>
+          <a:effectRef idx="1">
+            <a:schemeClr val="accent3"/>
+          </a:effectRef>
+          <a:fontRef idx="minor">
+            <a:schemeClr val="dk1"/>
+          </a:fontRef>
+        </p:style>
+        <p:txBody>
+          <a:bodyPr rtlCol="0" anchor="ctr"/>
+          <a:p>
+            <a:pPr algn="ctr"/>
+            <a:r>
+              <a:rPr lang="en-US" altLang="en-US" b="1">
+                <a:latin typeface="Times New Roman" panose="02020603050405020304" charset="0"/>
+                <a:cs typeface="Times New Roman" panose="02020603050405020304" charset="0"/>
+                <a:sym typeface="+mn-ea"/>
+              </a:rPr>
+              <a:t>ENVIRONNEMENT DE TRAVAIL</a:t>
+            </a:r>
+            <a:endParaRPr lang="en-US" altLang="en-US" b="1">
+              <a:latin typeface="Times New Roman" panose="02020603050405020304" charset="0"/>
+              <a:cs typeface="Times New Roman" panose="02020603050405020304" charset="0"/>
+            </a:endParaRPr>
+          </a:p>
+        </p:txBody>
+      </p:sp>
+      <p:sp>
+        <p:nvSpPr>
+          <p:cNvPr id="6" name="Rounded Rectangle 5"/>
+          <p:cNvSpPr/>
+          <p:nvPr/>
+        </p:nvSpPr>
+        <p:spPr>
+          <a:xfrm>
+            <a:off x="3093720" y="114300"/>
+            <a:ext cx="2926715" cy="1043940"/>
+          </a:xfrm>
+          <a:prstGeom prst="roundRect">
+            <a:avLst/>
+          </a:prstGeom>
+        </p:spPr>
+        <p:style>
+          <a:lnRef idx="1">
+            <a:schemeClr val="accent3"/>
+          </a:lnRef>
+          <a:fillRef idx="2">
+            <a:schemeClr val="accent3"/>
+          </a:fillRef>
+          <a:effectRef idx="1">
+            <a:schemeClr val="accent3"/>
+          </a:effectRef>
+          <a:fontRef idx="minor">
+            <a:schemeClr val="dk1"/>
+          </a:fontRef>
+        </p:style>
+        <p:txBody>
+          <a:bodyPr rtlCol="0" anchor="ctr"/>
+          <a:p>
+            <a:pPr algn="ctr"/>
+            <a:r>
+              <a:rPr lang="en-US" altLang="en-US" b="1">
+                <a:latin typeface="Times New Roman" panose="02020603050405020304" charset="0"/>
+                <a:cs typeface="Times New Roman" panose="02020603050405020304" charset="0"/>
+                <a:sym typeface="+mn-ea"/>
+              </a:rPr>
+              <a:t>CONCEPTS GÉNÉRAUX DU DOMAINE</a:t>
+            </a:r>
+            <a:endParaRPr lang="en-US" altLang="en-US" b="1">
+              <a:latin typeface="Times New Roman" panose="02020603050405020304" charset="0"/>
+              <a:cs typeface="Times New Roman" panose="02020603050405020304" charset="0"/>
+            </a:endParaRPr>
+          </a:p>
+        </p:txBody>
+      </p:sp>
+      <p:sp>
+        <p:nvSpPr>
+          <p:cNvPr id="7" name="Rounded Rectangle 6"/>
+          <p:cNvSpPr/>
+          <p:nvPr/>
+        </p:nvSpPr>
+        <p:spPr>
+          <a:xfrm>
+            <a:off x="6135370" y="114300"/>
+            <a:ext cx="2926715" cy="1043940"/>
+          </a:xfrm>
+          <a:prstGeom prst="roundRect">
+            <a:avLst/>
+          </a:prstGeom>
+        </p:spPr>
+        <p:style>
+          <a:lnRef idx="1">
+            <a:schemeClr val="accent3"/>
+          </a:lnRef>
+          <a:fillRef idx="2">
+            <a:schemeClr val="accent3"/>
+          </a:fillRef>
+          <a:effectRef idx="1">
+            <a:schemeClr val="accent3"/>
+          </a:effectRef>
+          <a:fontRef idx="minor">
+            <a:schemeClr val="dk1"/>
+          </a:fontRef>
+        </p:style>
+        <p:txBody>
+          <a:bodyPr rtlCol="0" anchor="ctr"/>
+          <a:p>
+            <a:pPr algn="ctr"/>
+            <a:r>
+              <a:rPr lang="en-US" altLang="en-US" b="1">
+                <a:latin typeface="Times New Roman" panose="02020603050405020304" charset="0"/>
+                <a:cs typeface="Times New Roman" panose="02020603050405020304" charset="0"/>
+                <a:sym typeface="+mn-ea"/>
+              </a:rPr>
+              <a:t>CONCEPTION</a:t>
+            </a:r>
+            <a:endParaRPr lang="en-US" altLang="en-US" b="1">
+              <a:latin typeface="Times New Roman" panose="02020603050405020304" charset="0"/>
+              <a:cs typeface="Times New Roman" panose="02020603050405020304" charset="0"/>
+            </a:endParaRPr>
+          </a:p>
+        </p:txBody>
+      </p:sp>
+      <p:sp>
+        <p:nvSpPr>
+          <p:cNvPr id="8" name="Rounded Rectangle 7"/>
+          <p:cNvSpPr/>
+          <p:nvPr/>
+        </p:nvSpPr>
+        <p:spPr>
+          <a:xfrm>
+            <a:off x="9177020" y="114300"/>
+            <a:ext cx="2926715" cy="1043940"/>
           </a:xfrm>
           <a:prstGeom prst="roundRect">
             <a:avLst/>
@@ -13474,29 +14168,84 @@
           <a:p>
             <a:pPr algn="ctr"/>
             <a:r>
-              <a:rPr lang="" altLang="en-US" sz="2400" b="1">
-                <a:latin typeface="Times New Roman" panose="02020603050405020304" charset="0"/>
-                <a:cs typeface="Times New Roman" panose="02020603050405020304" charset="0"/>
-              </a:rPr>
-              <a:t>DIFFICULTÉS</a:t>
-            </a:r>
-            <a:endParaRPr lang="" altLang="en-US" sz="2400" b="1">
-              <a:latin typeface="Times New Roman" panose="02020603050405020304" charset="0"/>
-              <a:cs typeface="Times New Roman" panose="02020603050405020304" charset="0"/>
-            </a:endParaRPr>
-          </a:p>
-        </p:txBody>
-      </p:sp>
-      <p:sp>
-        <p:nvSpPr>
-          <p:cNvPr id="5" name="Rounded Rectangle 4"/>
+              <a:rPr lang="en-US" altLang="en-US" b="1">
+                <a:latin typeface="Times New Roman" panose="02020603050405020304" charset="0"/>
+                <a:cs typeface="Times New Roman" panose="02020603050405020304" charset="0"/>
+                <a:sym typeface="+mn-ea"/>
+              </a:rPr>
+              <a:t>MISE EN OEUVRE DE LA SOLUTION</a:t>
+            </a:r>
+            <a:endParaRPr lang="en-US" altLang="en-US" b="1">
+              <a:latin typeface="Times New Roman" panose="02020603050405020304" charset="0"/>
+              <a:cs typeface="Times New Roman" panose="02020603050405020304" charset="0"/>
+            </a:endParaRPr>
+          </a:p>
+        </p:txBody>
+      </p:sp>
+    </p:spTree>
+  </p:cSld>
+  <p:clrMapOvr>
+    <a:masterClrMapping/>
+  </p:clrMapOvr>
+</p:sld>
+</file>
+
+<file path=ppt/slides/slide29.xml><?xml version="1.0" encoding="utf-8"?>
+<p:sld xmlns:a="http://schemas.openxmlformats.org/drawingml/2006/main" xmlns:r="http://schemas.openxmlformats.org/officeDocument/2006/relationships" xmlns:p="http://schemas.openxmlformats.org/presentationml/2006/main">
+  <p:cSld>
+    <p:spTree>
+      <p:nvGrpSpPr>
+        <p:cNvPr id="1" name=""/>
+        <p:cNvGrpSpPr/>
+        <p:nvPr/>
+      </p:nvGrpSpPr>
+      <p:grpSpPr/>
+      <p:sp>
+        <p:nvSpPr>
+          <p:cNvPr id="2" name="Title 1"/>
+          <p:cNvSpPr>
+            <a:spLocks noGrp="1"/>
+          </p:cNvSpPr>
+          <p:nvPr>
+            <p:ph type="title"/>
+          </p:nvPr>
+        </p:nvSpPr>
+        <p:spPr>
+          <a:xfrm>
+            <a:off x="838200" y="233680"/>
+            <a:ext cx="10515600" cy="733425"/>
+          </a:xfrm>
+        </p:spPr>
+        <p:txBody>
+          <a:bodyPr/>
+          <a:p>
+            <a:pPr algn="ctr"/>
+            <a:r>
+              <a:rPr lang="en-US" altLang="en-US" b="1" u="sng">
+                <a:effectLst/>
+                <a:latin typeface="Times New Roman" panose="02020603050405020304" charset="0"/>
+                <a:cs typeface="Times New Roman" panose="02020603050405020304" charset="0"/>
+              </a:rPr>
+              <a:t>CONCLUSION</a:t>
+            </a:r>
+            <a:endParaRPr lang="en-US" altLang="en-US" b="1" u="sng">
+              <a:effectLst/>
+              <a:latin typeface="Times New Roman" panose="02020603050405020304" charset="0"/>
+              <a:cs typeface="Times New Roman" panose="02020603050405020304" charset="0"/>
+            </a:endParaRPr>
+          </a:p>
+        </p:txBody>
+      </p:sp>
+      <p:sp>
+        <p:nvSpPr>
+          <p:cNvPr id="4" name="Rounded Rectangle 3"/>
           <p:cNvSpPr/>
           <p:nvPr/>
         </p:nvSpPr>
         <p:spPr>
           <a:xfrm>
-            <a:off x="323215" y="2911475"/>
-            <a:ext cx="4047490" cy="855345"/>
+            <a:off x="263525" y="1182370"/>
+            <a:ext cx="4167505" cy="838835"/>
           </a:xfrm>
           <a:prstGeom prst="roundRect">
             <a:avLst/>
@@ -13523,29 +14272,29 @@
           <a:p>
             <a:pPr algn="ctr"/>
             <a:r>
-              <a:rPr lang="" altLang="en-US" sz="2400" b="1">
-                <a:latin typeface="Times New Roman" panose="02020603050405020304" charset="0"/>
-                <a:cs typeface="Times New Roman" panose="02020603050405020304" charset="0"/>
-              </a:rPr>
-              <a:t>APPORT DU STAGE</a:t>
-            </a:r>
-            <a:endParaRPr lang="" altLang="en-US" sz="2400" b="1">
-              <a:latin typeface="Times New Roman" panose="02020603050405020304" charset="0"/>
-              <a:cs typeface="Times New Roman" panose="02020603050405020304" charset="0"/>
-            </a:endParaRPr>
-          </a:p>
-        </p:txBody>
-      </p:sp>
-      <p:sp>
-        <p:nvSpPr>
-          <p:cNvPr id="6" name="Rounded Rectangle 5"/>
+              <a:rPr lang="en-US" altLang="en-US" sz="2400" b="1">
+                <a:latin typeface="Times New Roman" panose="02020603050405020304" charset="0"/>
+                <a:cs typeface="Times New Roman" panose="02020603050405020304" charset="0"/>
+              </a:rPr>
+              <a:t>DIFFICULTÉS</a:t>
+            </a:r>
+            <a:endParaRPr lang="en-US" altLang="en-US" sz="2400" b="1">
+              <a:latin typeface="Times New Roman" panose="02020603050405020304" charset="0"/>
+              <a:cs typeface="Times New Roman" panose="02020603050405020304" charset="0"/>
+            </a:endParaRPr>
+          </a:p>
+        </p:txBody>
+      </p:sp>
+      <p:sp>
+        <p:nvSpPr>
+          <p:cNvPr id="5" name="Rounded Rectangle 4"/>
           <p:cNvSpPr/>
           <p:nvPr/>
         </p:nvSpPr>
         <p:spPr>
           <a:xfrm>
-            <a:off x="263525" y="4909820"/>
-            <a:ext cx="3883025" cy="855345"/>
+            <a:off x="323215" y="2911475"/>
+            <a:ext cx="4047490" cy="855345"/>
           </a:xfrm>
           <a:prstGeom prst="roundRect">
             <a:avLst/>
@@ -13572,13 +14321,62 @@
           <a:p>
             <a:pPr algn="ctr"/>
             <a:r>
-              <a:rPr lang="" altLang="en-US" sz="2400" b="1">
+              <a:rPr lang="en-US" altLang="en-US" sz="2400" b="1">
+                <a:latin typeface="Times New Roman" panose="02020603050405020304" charset="0"/>
+                <a:cs typeface="Times New Roman" panose="02020603050405020304" charset="0"/>
+              </a:rPr>
+              <a:t>APPORT DU STAGE</a:t>
+            </a:r>
+            <a:endParaRPr lang="en-US" altLang="en-US" sz="2400" b="1">
+              <a:latin typeface="Times New Roman" panose="02020603050405020304" charset="0"/>
+              <a:cs typeface="Times New Roman" panose="02020603050405020304" charset="0"/>
+            </a:endParaRPr>
+          </a:p>
+        </p:txBody>
+      </p:sp>
+      <p:sp>
+        <p:nvSpPr>
+          <p:cNvPr id="6" name="Rounded Rectangle 5"/>
+          <p:cNvSpPr/>
+          <p:nvPr/>
+        </p:nvSpPr>
+        <p:spPr>
+          <a:xfrm>
+            <a:off x="263525" y="4909820"/>
+            <a:ext cx="3883025" cy="855345"/>
+          </a:xfrm>
+          <a:prstGeom prst="roundRect">
+            <a:avLst/>
+          </a:prstGeom>
+        </p:spPr>
+        <p:style>
+          <a:lnRef idx="2">
+            <a:schemeClr val="accent5">
+              <a:shade val="50000"/>
+            </a:schemeClr>
+          </a:lnRef>
+          <a:fillRef idx="1">
+            <a:schemeClr val="accent5"/>
+          </a:fillRef>
+          <a:effectRef idx="0">
+            <a:schemeClr val="accent5"/>
+          </a:effectRef>
+          <a:fontRef idx="minor">
+            <a:schemeClr val="lt1"/>
+          </a:fontRef>
+        </p:style>
+        <p:txBody>
+          <a:bodyPr rtlCol="0" anchor="ctr"/>
+          <a:p>
+            <a:pPr algn="ctr"/>
+            <a:r>
+              <a:rPr lang="en-US" altLang="en-US" sz="2400" b="1">
                 <a:latin typeface="Times New Roman" panose="02020603050405020304" charset="0"/>
                 <a:cs typeface="Times New Roman" panose="02020603050405020304" charset="0"/>
               </a:rPr>
               <a:t>PERSPECTIVES</a:t>
             </a:r>
-            <a:endParaRPr lang="" altLang="en-US" sz="2400" b="1">
+            <a:endParaRPr lang="en-US" altLang="en-US" sz="2400" b="1">
               <a:latin typeface="Times New Roman" panose="02020603050405020304" charset="0"/>
               <a:cs typeface="Times New Roman" panose="02020603050405020304" charset="0"/>
             </a:endParaRPr>
@@ -13787,7 +14585,7 @@
               <a:buChar char="•"/>
             </a:pPr>
             <a:r>
-              <a:rPr lang="" altLang="en-US" sz="2200" b="1">
+              <a:rPr lang="en-US" altLang="en-US" sz="2200" b="1">
                 <a:solidFill>
                   <a:schemeClr val="tx1"/>
                 </a:solidFill>
@@ -13796,7 +14594,7 @@
               </a:rPr>
               <a:t>Imprégnation du monde professionnel</a:t>
             </a:r>
-            <a:endParaRPr lang="" altLang="en-US" sz="2200" b="1">
+            <a:endParaRPr lang="en-US" altLang="en-US" sz="2200" b="1">
               <a:solidFill>
                 <a:schemeClr val="tx1"/>
               </a:solidFill>
@@ -13810,7 +14608,7 @@
               <a:buChar char="•"/>
             </a:pPr>
             <a:r>
-              <a:rPr lang="" altLang="en-US" sz="2200" b="1">
+              <a:rPr lang="en-US" altLang="en-US" sz="2200" b="1">
                 <a:solidFill>
                   <a:schemeClr val="tx1"/>
                 </a:solidFill>
@@ -13830,7 +14628,7 @@
               <a:t>xplor</a:t>
             </a:r>
             <a:r>
-              <a:rPr lang="" altLang="en-US" sz="2200" b="1">
+              <a:rPr lang="en-US" altLang="en-US" sz="2200" b="1">
                 <a:solidFill>
                   <a:schemeClr val="tx1"/>
                 </a:solidFill>
@@ -13850,7 +14648,7 @@
               <a:t> l’univers du développement mobile et des paiements électronique</a:t>
             </a:r>
             <a:r>
-              <a:rPr lang="" altLang="en-US" sz="2200" b="1">
+              <a:rPr lang="en-US" altLang="en-US" sz="2200" b="1">
                 <a:solidFill>
                   <a:schemeClr val="tx1"/>
                 </a:solidFill>
@@ -13873,7 +14671,7 @@
               <a:buChar char="•"/>
             </a:pPr>
             <a:r>
-              <a:rPr lang="" altLang="en-US" sz="2200" b="1">
+              <a:rPr lang="en-US" altLang="en-US" sz="2200" b="1">
                 <a:solidFill>
                   <a:schemeClr val="tx1"/>
                 </a:solidFill>
@@ -13882,7 +14680,7 @@
               </a:rPr>
               <a:t>Participation à la gestion des projets d’envergure</a:t>
             </a:r>
-            <a:endParaRPr lang="" altLang="en-US" sz="2200" b="1">
+            <a:endParaRPr lang="en-US" altLang="en-US" sz="2200" b="1">
               <a:solidFill>
                 <a:schemeClr val="tx1"/>
               </a:solidFill>
@@ -13935,7 +14733,7 @@
               <a:buChar char="•"/>
             </a:pPr>
             <a:r>
-              <a:rPr lang="" altLang="en-US" sz="2200" b="1">
+              <a:rPr lang="en-US" altLang="en-US" sz="2200" b="1">
                 <a:solidFill>
                   <a:schemeClr val="tx1"/>
                 </a:solidFill>
@@ -13944,7 +14742,7 @@
               </a:rPr>
               <a:t>Implémentation des abonnements</a:t>
             </a:r>
-            <a:endParaRPr lang="" altLang="en-US" sz="2200" b="1">
+            <a:endParaRPr lang="en-US" altLang="en-US" sz="2200" b="1">
               <a:solidFill>
                 <a:schemeClr val="tx1"/>
               </a:solidFill>
@@ -13958,7 +14756,7 @@
               <a:buChar char="•"/>
             </a:pPr>
             <a:r>
-              <a:rPr lang="" altLang="en-US" sz="2200" b="1">
+              <a:rPr lang="en-US" altLang="en-US" sz="2200" b="1">
                 <a:solidFill>
                   <a:schemeClr val="tx1"/>
                 </a:solidFill>
@@ -13978,7 +14776,7 @@
               <a:t>mélior</a:t>
             </a:r>
             <a:r>
-              <a:rPr lang="" altLang="en-US" sz="2200" b="1">
+              <a:rPr lang="en-US" altLang="en-US" sz="2200" b="1">
                 <a:solidFill>
                   <a:schemeClr val="tx1"/>
                 </a:solidFill>
@@ -14011,7 +14809,7 @@
               <a:buChar char="•"/>
             </a:pPr>
             <a:r>
-              <a:rPr lang="" altLang="en-US" sz="2200" b="1">
+              <a:rPr lang="en-US" altLang="en-US" sz="2200" b="1">
                 <a:solidFill>
                   <a:schemeClr val="tx1"/>
                 </a:solidFill>
@@ -14020,7 +14818,7 @@
               </a:rPr>
               <a:t>Intégrer d'autres moyens de paiement</a:t>
             </a:r>
-            <a:endParaRPr lang="" altLang="en-US" sz="2200" b="1">
+            <a:endParaRPr lang="en-US" altLang="en-US" sz="2200" b="1">
               <a:solidFill>
                 <a:schemeClr val="tx1"/>
               </a:solidFill>
@@ -14038,7 +14836,604 @@
 </p:sld>
 </file>
 
-<file path=ppt/slides/slide29.xml><?xml version="1.0" encoding="utf-8"?>
+<file path=ppt/slides/slide3.xml><?xml version="1.0" encoding="utf-8"?>
+<p:sld xmlns:a="http://schemas.openxmlformats.org/drawingml/2006/main" xmlns:r="http://schemas.openxmlformats.org/officeDocument/2006/relationships" xmlns:p="http://schemas.openxmlformats.org/presentationml/2006/main">
+  <p:cSld>
+    <p:spTree>
+      <p:nvGrpSpPr>
+        <p:cNvPr id="1" name=""/>
+        <p:cNvGrpSpPr/>
+        <p:nvPr/>
+      </p:nvGrpSpPr>
+      <p:grpSpPr/>
+      <p:sp>
+        <p:nvSpPr>
+          <p:cNvPr id="2" name="Title 1"/>
+          <p:cNvSpPr>
+            <a:spLocks noGrp="1"/>
+          </p:cNvSpPr>
+          <p:nvPr>
+            <p:ph type="title"/>
+          </p:nvPr>
+        </p:nvSpPr>
+        <p:spPr>
+          <a:xfrm>
+            <a:off x="10160" y="56515"/>
+            <a:ext cx="12154535" cy="1212850"/>
+          </a:xfrm>
+        </p:spPr>
+        <p:txBody>
+          <a:bodyPr/>
+          <a:p>
+            <a:endParaRPr lang="en-US"/>
+          </a:p>
+        </p:txBody>
+      </p:sp>
+      <p:sp>
+        <p:nvSpPr>
+          <p:cNvPr id="3" name="Content Placeholder 2"/>
+          <p:cNvSpPr>
+            <a:spLocks noGrp="1"/>
+          </p:cNvSpPr>
+          <p:nvPr>
+            <p:ph idx="1"/>
+          </p:nvPr>
+        </p:nvSpPr>
+        <p:spPr>
+          <a:xfrm>
+            <a:off x="81915" y="1386205"/>
+            <a:ext cx="12021820" cy="5344160"/>
+          </a:xfrm>
+        </p:spPr>
+        <p:txBody>
+          <a:bodyPr/>
+          <a:p>
+            <a:pPr marL="571500" indent="-571500" algn="just">
+              <a:buFont typeface="+mj-lt"/>
+              <a:buAutoNum type="romanUcPeriod"/>
+            </a:pPr>
+            <a:r>
+              <a:rPr lang="en-US" altLang="en-US" b="1" u="sng">
+                <a:latin typeface="Times New Roman" panose="02020603050405020304" charset="0"/>
+                <a:cs typeface="Times New Roman" panose="02020603050405020304" charset="0"/>
+              </a:rPr>
+              <a:t>Structure d'accueil</a:t>
+            </a:r>
+            <a:endParaRPr lang="en-US" altLang="en-US" b="1">
+              <a:latin typeface="Times New Roman" panose="02020603050405020304" charset="0"/>
+              <a:cs typeface="Times New Roman" panose="02020603050405020304" charset="0"/>
+            </a:endParaRPr>
+          </a:p>
+          <a:p>
+            <a:pPr marL="971550" lvl="1" indent="-514350" algn="just">
+              <a:buFont typeface="+mj-lt"/>
+              <a:buAutoNum type="arabicPeriod"/>
+            </a:pPr>
+            <a:r>
+              <a:rPr lang="en-US" altLang="en-US" b="1" u="sng">
+                <a:latin typeface="Times New Roman" panose="02020603050405020304" charset="0"/>
+                <a:cs typeface="Times New Roman" panose="02020603050405020304" charset="0"/>
+              </a:rPr>
+              <a:t>Missions et activités</a:t>
+            </a:r>
+            <a:endParaRPr lang="en-US" altLang="en-US" b="1">
+              <a:latin typeface="Times New Roman" panose="02020603050405020304" charset="0"/>
+              <a:cs typeface="Times New Roman" panose="02020603050405020304" charset="0"/>
+            </a:endParaRPr>
+          </a:p>
+          <a:p>
+            <a:pPr marL="0" indent="0" algn="just">
+              <a:buFont typeface="+mj-lt"/>
+              <a:buNone/>
+            </a:pPr>
+            <a:endParaRPr lang="en-US" altLang="en-US" b="1">
+              <a:latin typeface="Times New Roman" panose="02020603050405020304" charset="0"/>
+              <a:cs typeface="Times New Roman" panose="02020603050405020304" charset="0"/>
+            </a:endParaRPr>
+          </a:p>
+        </p:txBody>
+      </p:sp>
+      <p:sp>
+        <p:nvSpPr>
+          <p:cNvPr id="4" name="Rounded Rectangle 3"/>
+          <p:cNvSpPr/>
+          <p:nvPr/>
+        </p:nvSpPr>
+        <p:spPr>
+          <a:xfrm>
+            <a:off x="82550" y="98425"/>
+            <a:ext cx="2926715" cy="1043940"/>
+          </a:xfrm>
+          <a:prstGeom prst="roundRect">
+            <a:avLst/>
+          </a:prstGeom>
+        </p:spPr>
+        <p:style>
+          <a:lnRef idx="2">
+            <a:schemeClr val="accent5">
+              <a:shade val="50000"/>
+            </a:schemeClr>
+          </a:lnRef>
+          <a:fillRef idx="1">
+            <a:schemeClr val="accent5"/>
+          </a:fillRef>
+          <a:effectRef idx="0">
+            <a:schemeClr val="accent5"/>
+          </a:effectRef>
+          <a:fontRef idx="minor">
+            <a:schemeClr val="lt1"/>
+          </a:fontRef>
+        </p:style>
+        <p:txBody>
+          <a:bodyPr rtlCol="0" anchor="ctr"/>
+          <a:p>
+            <a:pPr algn="ctr"/>
+            <a:r>
+              <a:rPr lang="en-US" altLang="en-US" b="1">
+                <a:latin typeface="Times New Roman" panose="02020603050405020304" charset="0"/>
+                <a:cs typeface="Times New Roman" panose="02020603050405020304" charset="0"/>
+                <a:sym typeface="+mn-ea"/>
+              </a:rPr>
+              <a:t>ENVIRONNEMENT DE TRAVAIL</a:t>
+            </a:r>
+            <a:endParaRPr lang="en-US" altLang="en-US" b="1">
+              <a:latin typeface="Times New Roman" panose="02020603050405020304" charset="0"/>
+              <a:cs typeface="Times New Roman" panose="02020603050405020304" charset="0"/>
+            </a:endParaRPr>
+          </a:p>
+          <a:p>
+            <a:pPr algn="ctr"/>
+            <a:endParaRPr lang="en-US" altLang="en-US" b="1">
+              <a:latin typeface="Times New Roman" panose="02020603050405020304" charset="0"/>
+              <a:cs typeface="Times New Roman" panose="02020603050405020304" charset="0"/>
+            </a:endParaRPr>
+          </a:p>
+        </p:txBody>
+      </p:sp>
+      <p:sp>
+        <p:nvSpPr>
+          <p:cNvPr id="6" name="Rounded Rectangle 5"/>
+          <p:cNvSpPr/>
+          <p:nvPr/>
+        </p:nvSpPr>
+        <p:spPr>
+          <a:xfrm>
+            <a:off x="3093720" y="114300"/>
+            <a:ext cx="2926715" cy="1043940"/>
+          </a:xfrm>
+          <a:prstGeom prst="roundRect">
+            <a:avLst/>
+          </a:prstGeom>
+        </p:spPr>
+        <p:style>
+          <a:lnRef idx="1">
+            <a:schemeClr val="accent3"/>
+          </a:lnRef>
+          <a:fillRef idx="2">
+            <a:schemeClr val="accent3"/>
+          </a:fillRef>
+          <a:effectRef idx="1">
+            <a:schemeClr val="accent3"/>
+          </a:effectRef>
+          <a:fontRef idx="minor">
+            <a:schemeClr val="dk1"/>
+          </a:fontRef>
+        </p:style>
+        <p:txBody>
+          <a:bodyPr rtlCol="0" anchor="ctr"/>
+          <a:p>
+            <a:pPr algn="ctr"/>
+            <a:r>
+              <a:rPr lang="en-US" altLang="en-US" b="1">
+                <a:latin typeface="Times New Roman" panose="02020603050405020304" charset="0"/>
+                <a:cs typeface="Times New Roman" panose="02020603050405020304" charset="0"/>
+                <a:sym typeface="+mn-ea"/>
+              </a:rPr>
+              <a:t>CONCEPTS GÉNÉRAUX DU DOMAINE</a:t>
+            </a:r>
+            <a:endParaRPr lang="en-US" altLang="en-US" b="1">
+              <a:latin typeface="Times New Roman" panose="02020603050405020304" charset="0"/>
+              <a:cs typeface="Times New Roman" panose="02020603050405020304" charset="0"/>
+            </a:endParaRPr>
+          </a:p>
+        </p:txBody>
+      </p:sp>
+      <p:sp>
+        <p:nvSpPr>
+          <p:cNvPr id="7" name="Rounded Rectangle 6"/>
+          <p:cNvSpPr/>
+          <p:nvPr/>
+        </p:nvSpPr>
+        <p:spPr>
+          <a:xfrm>
+            <a:off x="6135370" y="114300"/>
+            <a:ext cx="2926715" cy="1043940"/>
+          </a:xfrm>
+          <a:prstGeom prst="roundRect">
+            <a:avLst/>
+          </a:prstGeom>
+        </p:spPr>
+        <p:style>
+          <a:lnRef idx="1">
+            <a:schemeClr val="accent3"/>
+          </a:lnRef>
+          <a:fillRef idx="2">
+            <a:schemeClr val="accent3"/>
+          </a:fillRef>
+          <a:effectRef idx="1">
+            <a:schemeClr val="accent3"/>
+          </a:effectRef>
+          <a:fontRef idx="minor">
+            <a:schemeClr val="dk1"/>
+          </a:fontRef>
+        </p:style>
+        <p:txBody>
+          <a:bodyPr rtlCol="0" anchor="ctr"/>
+          <a:p>
+            <a:pPr algn="ctr"/>
+            <a:r>
+              <a:rPr lang="en-US" altLang="en-US" b="1">
+                <a:latin typeface="Times New Roman" panose="02020603050405020304" charset="0"/>
+                <a:cs typeface="Times New Roman" panose="02020603050405020304" charset="0"/>
+                <a:sym typeface="+mn-ea"/>
+              </a:rPr>
+              <a:t>CONCEPTION</a:t>
+            </a:r>
+            <a:endParaRPr lang="en-US" altLang="en-US" b="1">
+              <a:latin typeface="Times New Roman" panose="02020603050405020304" charset="0"/>
+              <a:cs typeface="Times New Roman" panose="02020603050405020304" charset="0"/>
+            </a:endParaRPr>
+          </a:p>
+        </p:txBody>
+      </p:sp>
+      <p:sp>
+        <p:nvSpPr>
+          <p:cNvPr id="8" name="Rounded Rectangle 7"/>
+          <p:cNvSpPr/>
+          <p:nvPr/>
+        </p:nvSpPr>
+        <p:spPr>
+          <a:xfrm>
+            <a:off x="9177020" y="114300"/>
+            <a:ext cx="2926715" cy="1043940"/>
+          </a:xfrm>
+          <a:prstGeom prst="roundRect">
+            <a:avLst/>
+          </a:prstGeom>
+        </p:spPr>
+        <p:style>
+          <a:lnRef idx="1">
+            <a:schemeClr val="accent3"/>
+          </a:lnRef>
+          <a:fillRef idx="2">
+            <a:schemeClr val="accent3"/>
+          </a:fillRef>
+          <a:effectRef idx="1">
+            <a:schemeClr val="accent3"/>
+          </a:effectRef>
+          <a:fontRef idx="minor">
+            <a:schemeClr val="dk1"/>
+          </a:fontRef>
+        </p:style>
+        <p:txBody>
+          <a:bodyPr rtlCol="0" anchor="ctr"/>
+          <a:p>
+            <a:pPr algn="ctr"/>
+            <a:r>
+              <a:rPr lang="en-US" altLang="en-US" b="1">
+                <a:latin typeface="Times New Roman" panose="02020603050405020304" charset="0"/>
+                <a:cs typeface="Times New Roman" panose="02020603050405020304" charset="0"/>
+                <a:sym typeface="+mn-ea"/>
+              </a:rPr>
+              <a:t>MISE EN OEUVRE DE LA SOLUTION</a:t>
+            </a:r>
+            <a:endParaRPr lang="en-US" altLang="en-US" b="1">
+              <a:latin typeface="Times New Roman" panose="02020603050405020304" charset="0"/>
+              <a:cs typeface="Times New Roman" panose="02020603050405020304" charset="0"/>
+            </a:endParaRPr>
+          </a:p>
+        </p:txBody>
+      </p:sp>
+      <p:pic>
+        <p:nvPicPr>
+          <p:cNvPr id="13" name="Picture 12" descr="logo_metrika"/>
+          <p:cNvPicPr>
+            <a:picLocks noChangeAspect="1"/>
+          </p:cNvPicPr>
+          <p:nvPr/>
+        </p:nvPicPr>
+        <p:blipFill>
+          <a:blip r:embed="rId1"/>
+          <a:stretch>
+            <a:fillRect/>
+          </a:stretch>
+        </p:blipFill>
+        <p:spPr>
+          <a:xfrm>
+            <a:off x="1492885" y="2811145"/>
+            <a:ext cx="1937385" cy="807720"/>
+          </a:xfrm>
+          <a:prstGeom prst="rect">
+            <a:avLst/>
+          </a:prstGeom>
+        </p:spPr>
+      </p:pic>
+      <p:sp>
+        <p:nvSpPr>
+          <p:cNvPr id="14" name="Oval 13"/>
+          <p:cNvSpPr/>
+          <p:nvPr/>
+        </p:nvSpPr>
+        <p:spPr>
+          <a:xfrm>
+            <a:off x="815340" y="4164965"/>
+            <a:ext cx="3291840" cy="1168400"/>
+          </a:xfrm>
+          <a:prstGeom prst="ellipse">
+            <a:avLst/>
+          </a:prstGeom>
+        </p:spPr>
+        <p:style>
+          <a:lnRef idx="2">
+            <a:schemeClr val="accent5">
+              <a:shade val="50000"/>
+            </a:schemeClr>
+          </a:lnRef>
+          <a:fillRef idx="1">
+            <a:schemeClr val="accent5"/>
+          </a:fillRef>
+          <a:effectRef idx="0">
+            <a:schemeClr val="accent5"/>
+          </a:effectRef>
+          <a:fontRef idx="minor">
+            <a:schemeClr val="lt1"/>
+          </a:fontRef>
+        </p:style>
+        <p:txBody>
+          <a:bodyPr rtlCol="0" anchor="ctr"/>
+          <a:p>
+            <a:pPr algn="ctr"/>
+            <a:r>
+              <a:rPr lang="en-US" altLang="en-US" sz="2200" b="1">
+                <a:latin typeface="Times New Roman" panose="02020603050405020304" charset="0"/>
+                <a:cs typeface="Times New Roman" panose="02020603050405020304" charset="0"/>
+              </a:rPr>
+              <a:t>Qui est Métrika-IDB ?</a:t>
+            </a:r>
+            <a:endParaRPr lang="en-US" altLang="en-US" sz="2200" b="1">
+              <a:latin typeface="Times New Roman" panose="02020603050405020304" charset="0"/>
+              <a:cs typeface="Times New Roman" panose="02020603050405020304" charset="0"/>
+            </a:endParaRPr>
+          </a:p>
+        </p:txBody>
+      </p:sp>
+      <p:sp>
+        <p:nvSpPr>
+          <p:cNvPr id="17" name="Rounded Rectangular Callout 16"/>
+          <p:cNvSpPr/>
+          <p:nvPr/>
+        </p:nvSpPr>
+        <p:spPr>
+          <a:xfrm>
+            <a:off x="4850130" y="1962150"/>
+            <a:ext cx="6993255" cy="4768850"/>
+          </a:xfrm>
+          <a:prstGeom prst="wedgeRoundRectCallout">
+            <a:avLst>
+              <a:gd name="adj1" fmla="val -66335"/>
+              <a:gd name="adj2" fmla="val -985"/>
+              <a:gd name="adj3" fmla="val 16667"/>
+            </a:avLst>
+          </a:prstGeom>
+        </p:spPr>
+        <p:style>
+          <a:lnRef idx="1">
+            <a:schemeClr val="accent6"/>
+          </a:lnRef>
+          <a:fillRef idx="3">
+            <a:schemeClr val="accent6"/>
+          </a:fillRef>
+          <a:effectRef idx="2">
+            <a:schemeClr val="accent6"/>
+          </a:effectRef>
+          <a:fontRef idx="minor">
+            <a:schemeClr val="lt1"/>
+          </a:fontRef>
+        </p:style>
+        <p:txBody>
+          <a:bodyPr rtlCol="0" anchor="ctr"/>
+          <a:p>
+            <a:pPr algn="just"/>
+            <a:r>
+              <a:rPr lang="en-US" altLang="en-US" sz="2400">
+                <a:solidFill>
+                  <a:schemeClr val="tx1"/>
+                </a:solidFill>
+                <a:latin typeface="Times New Roman" panose="02020603050405020304" charset="0"/>
+                <a:cs typeface="Times New Roman" panose="02020603050405020304" charset="0"/>
+              </a:rPr>
+              <a:t>	Entreprise informatique opérant dans :  </a:t>
+            </a:r>
+            <a:endParaRPr lang="en-US" altLang="en-US" sz="2400">
+              <a:solidFill>
+                <a:schemeClr val="tx1"/>
+              </a:solidFill>
+              <a:latin typeface="Times New Roman" panose="02020603050405020304" charset="0"/>
+              <a:cs typeface="Times New Roman" panose="02020603050405020304" charset="0"/>
+            </a:endParaRPr>
+          </a:p>
+          <a:p>
+            <a:pPr algn="just"/>
+            <a:endParaRPr lang="en-US" altLang="en-US" sz="2400">
+              <a:solidFill>
+                <a:schemeClr val="tx1"/>
+              </a:solidFill>
+              <a:latin typeface="Times New Roman" panose="02020603050405020304" charset="0"/>
+              <a:cs typeface="Times New Roman" panose="02020603050405020304" charset="0"/>
+            </a:endParaRPr>
+          </a:p>
+          <a:p>
+            <a:pPr marL="285750" indent="-285750" algn="just">
+              <a:buFont typeface="Arial" panose="020B0604020202020204" pitchFamily="34" charset="0"/>
+              <a:buChar char="•"/>
+            </a:pPr>
+            <a:r>
+              <a:rPr lang="en-US" altLang="en-US" sz="2400" b="1">
+                <a:solidFill>
+                  <a:schemeClr val="tx1"/>
+                </a:solidFill>
+                <a:latin typeface="Times New Roman" panose="02020603050405020304" charset="0"/>
+                <a:cs typeface="Times New Roman" panose="02020603050405020304" charset="0"/>
+              </a:rPr>
+              <a:t>Edition d’outils logiciels métiers d’aide à la décision </a:t>
+            </a:r>
+            <a:endParaRPr lang="en-US" altLang="en-US" sz="2400" b="1">
+              <a:solidFill>
+                <a:schemeClr val="tx1"/>
+              </a:solidFill>
+              <a:latin typeface="Times New Roman" panose="02020603050405020304" charset="0"/>
+              <a:cs typeface="Times New Roman" panose="02020603050405020304" charset="0"/>
+            </a:endParaRPr>
+          </a:p>
+          <a:p>
+            <a:pPr indent="0" algn="just">
+              <a:buFont typeface="Arial" panose="020B0604020202020204" pitchFamily="34" charset="0"/>
+              <a:buNone/>
+            </a:pPr>
+            <a:endParaRPr lang="en-US" altLang="en-US" sz="2400" b="1">
+              <a:solidFill>
+                <a:schemeClr val="tx1"/>
+              </a:solidFill>
+              <a:latin typeface="Times New Roman" panose="02020603050405020304" charset="0"/>
+              <a:cs typeface="Times New Roman" panose="02020603050405020304" charset="0"/>
+            </a:endParaRPr>
+          </a:p>
+          <a:p>
+            <a:pPr marL="285750" indent="-285750" algn="just">
+              <a:buFont typeface="Arial" panose="020B0604020202020204" pitchFamily="34" charset="0"/>
+              <a:buChar char="•"/>
+            </a:pPr>
+            <a:r>
+              <a:rPr lang="en-US" altLang="en-US" sz="2400" b="1">
+                <a:solidFill>
+                  <a:schemeClr val="tx1"/>
+                </a:solidFill>
+                <a:latin typeface="Times New Roman" panose="02020603050405020304" charset="0"/>
+                <a:cs typeface="Times New Roman" panose="02020603050405020304" charset="0"/>
+              </a:rPr>
+              <a:t>Encadrement de la recherche et des tâches de développement</a:t>
+            </a:r>
+            <a:endParaRPr lang="en-US" altLang="en-US" sz="2400" b="1">
+              <a:solidFill>
+                <a:schemeClr val="tx1"/>
+              </a:solidFill>
+              <a:latin typeface="Times New Roman" panose="02020603050405020304" charset="0"/>
+              <a:cs typeface="Times New Roman" panose="02020603050405020304" charset="0"/>
+            </a:endParaRPr>
+          </a:p>
+          <a:p>
+            <a:pPr indent="0" algn="just">
+              <a:buFont typeface="Arial" panose="020B0604020202020204" pitchFamily="34" charset="0"/>
+              <a:buNone/>
+            </a:pPr>
+            <a:endParaRPr lang="en-US" altLang="en-US" sz="2400" b="1">
+              <a:solidFill>
+                <a:schemeClr val="tx1"/>
+              </a:solidFill>
+              <a:latin typeface="Times New Roman" panose="02020603050405020304" charset="0"/>
+              <a:cs typeface="Times New Roman" panose="02020603050405020304" charset="0"/>
+            </a:endParaRPr>
+          </a:p>
+          <a:p>
+            <a:pPr marL="285750" indent="-285750" algn="just">
+              <a:buFont typeface="Arial" panose="020B0604020202020204" pitchFamily="34" charset="0"/>
+              <a:buChar char="•"/>
+            </a:pPr>
+            <a:r>
+              <a:rPr lang="en-US" altLang="en-US" sz="2400" b="1">
+                <a:solidFill>
+                  <a:schemeClr val="tx1"/>
+                </a:solidFill>
+                <a:latin typeface="Times New Roman" panose="02020603050405020304" charset="0"/>
+                <a:cs typeface="Times New Roman" panose="02020603050405020304" charset="0"/>
+              </a:rPr>
+              <a:t>Intégration de solutions informatiques et édition de logiciels</a:t>
+            </a:r>
+            <a:endParaRPr lang="en-US" altLang="en-US" sz="2400" b="1">
+              <a:solidFill>
+                <a:schemeClr val="tx1"/>
+              </a:solidFill>
+              <a:latin typeface="Times New Roman" panose="02020603050405020304" charset="0"/>
+              <a:cs typeface="Times New Roman" panose="02020603050405020304" charset="0"/>
+            </a:endParaRPr>
+          </a:p>
+          <a:p>
+            <a:pPr indent="0" algn="just">
+              <a:buFont typeface="Arial" panose="020B0604020202020204" pitchFamily="34" charset="0"/>
+              <a:buNone/>
+            </a:pPr>
+            <a:endParaRPr lang="en-US" altLang="en-US" sz="2400" b="1">
+              <a:solidFill>
+                <a:schemeClr val="tx1"/>
+              </a:solidFill>
+              <a:latin typeface="Times New Roman" panose="02020603050405020304" charset="0"/>
+              <a:cs typeface="Times New Roman" panose="02020603050405020304" charset="0"/>
+            </a:endParaRPr>
+          </a:p>
+          <a:p>
+            <a:pPr marL="285750" indent="-285750" algn="just">
+              <a:buFont typeface="Arial" panose="020B0604020202020204" pitchFamily="34" charset="0"/>
+              <a:buChar char="•"/>
+            </a:pPr>
+            <a:r>
+              <a:rPr lang="en-US" altLang="en-US" sz="2400" b="1">
+                <a:solidFill>
+                  <a:schemeClr val="tx1"/>
+                </a:solidFill>
+                <a:latin typeface="Times New Roman" panose="02020603050405020304" charset="0"/>
+                <a:cs typeface="Times New Roman" panose="02020603050405020304" charset="0"/>
+              </a:rPr>
+              <a:t>Participation aux tests de nouveauté</a:t>
+            </a:r>
+            <a:endParaRPr lang="en-US" altLang="en-US" sz="2400" b="1">
+              <a:solidFill>
+                <a:schemeClr val="tx1"/>
+              </a:solidFill>
+              <a:latin typeface="Times New Roman" panose="02020603050405020304" charset="0"/>
+              <a:cs typeface="Times New Roman" panose="02020603050405020304" charset="0"/>
+            </a:endParaRPr>
+          </a:p>
+          <a:p>
+            <a:pPr algn="just"/>
+            <a:r>
+              <a:rPr lang="en-US" altLang="en-US" sz="2400">
+                <a:solidFill>
+                  <a:schemeClr val="tx1"/>
+                </a:solidFill>
+                <a:latin typeface="Times New Roman" panose="02020603050405020304" charset="0"/>
+                <a:cs typeface="Times New Roman" panose="02020603050405020304" charset="0"/>
+              </a:rPr>
+              <a:t> </a:t>
+            </a:r>
+            <a:endParaRPr lang="en-US" altLang="en-US" sz="2400">
+              <a:solidFill>
+                <a:schemeClr val="tx1"/>
+              </a:solidFill>
+              <a:latin typeface="Times New Roman" panose="02020603050405020304" charset="0"/>
+              <a:cs typeface="Times New Roman" panose="02020603050405020304" charset="0"/>
+            </a:endParaRPr>
+          </a:p>
+        </p:txBody>
+      </p:sp>
+    </p:spTree>
+  </p:cSld>
+  <p:clrMapOvr>
+    <a:masterClrMapping/>
+  </p:clrMapOvr>
+</p:sld>
+</file>
+
+<file path=ppt/slides/slide30.xml><?xml version="1.0" encoding="utf-8"?>
 <p:sld xmlns:a="http://schemas.openxmlformats.org/drawingml/2006/main" xmlns:r="http://schemas.openxmlformats.org/officeDocument/2006/relationships" xmlns:p="http://schemas.openxmlformats.org/presentationml/2006/main">
   <p:cSld>
     <p:spTree>
@@ -14114,7 +15509,7 @@
           <a:p>
             <a:pPr algn="ctr"/>
             <a:r>
-              <a:rPr lang="" altLang="en-US" sz="3200" b="1">
+              <a:rPr lang="en-US" altLang="en-US" sz="3200" b="1">
                 <a:solidFill>
                   <a:schemeClr val="tx1"/>
                 </a:solidFill>
@@ -14123,7 +15518,7 @@
               </a:rPr>
               <a:t>REMARQUES</a:t>
             </a:r>
-            <a:endParaRPr lang="" altLang="en-US" sz="3200" b="1">
+            <a:endParaRPr lang="en-US" altLang="en-US" sz="3200" b="1">
               <a:solidFill>
                 <a:schemeClr val="tx1"/>
               </a:solidFill>
@@ -14175,7 +15570,7 @@
           <a:p>
             <a:pPr algn="ctr"/>
             <a:r>
-              <a:rPr lang="" altLang="en-US" sz="3200" b="1">
+              <a:rPr lang="en-US" altLang="en-US" sz="3200" b="1">
                 <a:solidFill>
                   <a:schemeClr val="tx1"/>
                 </a:solidFill>
@@ -14184,7 +15579,7 @@
               </a:rPr>
               <a:t>SUGGESTIONS</a:t>
             </a:r>
-            <a:endParaRPr lang="" altLang="en-US" sz="3200" b="1">
+            <a:endParaRPr lang="en-US" altLang="en-US" sz="3200" b="1">
               <a:solidFill>
                 <a:schemeClr val="tx1"/>
               </a:solidFill>
@@ -14236,7 +15631,7 @@
           <a:p>
             <a:pPr algn="ctr"/>
             <a:r>
-              <a:rPr lang="" altLang="en-US" sz="3200" b="1">
+              <a:rPr lang="en-US" altLang="en-US" sz="3200" b="1">
                 <a:solidFill>
                   <a:schemeClr val="tx1"/>
                 </a:solidFill>
@@ -14245,604 +15640,7 @@
               </a:rPr>
               <a:t>QUESTIONS</a:t>
             </a:r>
-            <a:endParaRPr lang="" altLang="en-US" sz="3200" b="1">
-              <a:solidFill>
-                <a:schemeClr val="tx1"/>
-              </a:solidFill>
-              <a:latin typeface="Times New Roman" panose="02020603050405020304" charset="0"/>
-              <a:cs typeface="Times New Roman" panose="02020603050405020304" charset="0"/>
-            </a:endParaRPr>
-          </a:p>
-        </p:txBody>
-      </p:sp>
-    </p:spTree>
-  </p:cSld>
-  <p:clrMapOvr>
-    <a:masterClrMapping/>
-  </p:clrMapOvr>
-</p:sld>
-</file>
-
-<file path=ppt/slides/slide3.xml><?xml version="1.0" encoding="utf-8"?>
-<p:sld xmlns:a="http://schemas.openxmlformats.org/drawingml/2006/main" xmlns:r="http://schemas.openxmlformats.org/officeDocument/2006/relationships" xmlns:p="http://schemas.openxmlformats.org/presentationml/2006/main">
-  <p:cSld>
-    <p:spTree>
-      <p:nvGrpSpPr>
-        <p:cNvPr id="1" name=""/>
-        <p:cNvGrpSpPr/>
-        <p:nvPr/>
-      </p:nvGrpSpPr>
-      <p:grpSpPr/>
-      <p:sp>
-        <p:nvSpPr>
-          <p:cNvPr id="2" name="Title 1"/>
-          <p:cNvSpPr>
-            <a:spLocks noGrp="1"/>
-          </p:cNvSpPr>
-          <p:nvPr>
-            <p:ph type="title"/>
-          </p:nvPr>
-        </p:nvSpPr>
-        <p:spPr>
-          <a:xfrm>
-            <a:off x="10160" y="56515"/>
-            <a:ext cx="12154535" cy="1212850"/>
-          </a:xfrm>
-        </p:spPr>
-        <p:txBody>
-          <a:bodyPr/>
-          <a:p>
-            <a:endParaRPr lang="en-US"/>
-          </a:p>
-        </p:txBody>
-      </p:sp>
-      <p:sp>
-        <p:nvSpPr>
-          <p:cNvPr id="3" name="Content Placeholder 2"/>
-          <p:cNvSpPr>
-            <a:spLocks noGrp="1"/>
-          </p:cNvSpPr>
-          <p:nvPr>
-            <p:ph idx="1"/>
-          </p:nvPr>
-        </p:nvSpPr>
-        <p:spPr>
-          <a:xfrm>
-            <a:off x="81915" y="1386205"/>
-            <a:ext cx="12021820" cy="5344160"/>
-          </a:xfrm>
-        </p:spPr>
-        <p:txBody>
-          <a:bodyPr/>
-          <a:p>
-            <a:pPr marL="571500" indent="-571500" algn="ctr">
-              <a:buFont typeface="+mj-lt"/>
-              <a:buAutoNum type="romanUcPeriod"/>
-            </a:pPr>
-            <a:r>
-              <a:rPr lang="en-US" altLang="en-US" b="1" u="sng">
-                <a:latin typeface="Times New Roman" panose="02020603050405020304" charset="0"/>
-                <a:cs typeface="Times New Roman" panose="02020603050405020304" charset="0"/>
-              </a:rPr>
-              <a:t>Structure d'accueil</a:t>
-            </a:r>
-            <a:endParaRPr lang="en-US" altLang="en-US" b="1">
-              <a:latin typeface="Times New Roman" panose="02020603050405020304" charset="0"/>
-              <a:cs typeface="Times New Roman" panose="02020603050405020304" charset="0"/>
-            </a:endParaRPr>
-          </a:p>
-          <a:p>
-            <a:pPr marL="514350" indent="-514350" algn="ctr">
-              <a:buFont typeface="+mj-lt"/>
-              <a:buAutoNum type="arabicPeriod"/>
-            </a:pPr>
-            <a:r>
-              <a:rPr lang="en-US" altLang="en-US" b="1" u="sng">
-                <a:latin typeface="Times New Roman" panose="02020603050405020304" charset="0"/>
-                <a:cs typeface="Times New Roman" panose="02020603050405020304" charset="0"/>
-              </a:rPr>
-              <a:t>Missions et activités</a:t>
-            </a:r>
-            <a:endParaRPr lang="en-US" altLang="en-US" b="1">
-              <a:latin typeface="Times New Roman" panose="02020603050405020304" charset="0"/>
-              <a:cs typeface="Times New Roman" panose="02020603050405020304" charset="0"/>
-            </a:endParaRPr>
-          </a:p>
-          <a:p>
-            <a:pPr marL="0" indent="0" algn="just">
-              <a:buFont typeface="+mj-lt"/>
-              <a:buNone/>
-            </a:pPr>
-            <a:endParaRPr lang="en-US" altLang="en-US" b="1">
-              <a:latin typeface="Times New Roman" panose="02020603050405020304" charset="0"/>
-              <a:cs typeface="Times New Roman" panose="02020603050405020304" charset="0"/>
-            </a:endParaRPr>
-          </a:p>
-        </p:txBody>
-      </p:sp>
-      <p:sp>
-        <p:nvSpPr>
-          <p:cNvPr id="4" name="Rounded Rectangle 3"/>
-          <p:cNvSpPr/>
-          <p:nvPr/>
-        </p:nvSpPr>
-        <p:spPr>
-          <a:xfrm>
-            <a:off x="82550" y="98425"/>
-            <a:ext cx="2926715" cy="1043940"/>
-          </a:xfrm>
-          <a:prstGeom prst="roundRect">
-            <a:avLst/>
-          </a:prstGeom>
-        </p:spPr>
-        <p:style>
-          <a:lnRef idx="2">
-            <a:schemeClr val="accent5">
-              <a:shade val="50000"/>
-            </a:schemeClr>
-          </a:lnRef>
-          <a:fillRef idx="1">
-            <a:schemeClr val="accent5"/>
-          </a:fillRef>
-          <a:effectRef idx="0">
-            <a:schemeClr val="accent5"/>
-          </a:effectRef>
-          <a:fontRef idx="minor">
-            <a:schemeClr val="lt1"/>
-          </a:fontRef>
-        </p:style>
-        <p:txBody>
-          <a:bodyPr rtlCol="0" anchor="ctr"/>
-          <a:p>
-            <a:pPr algn="ctr"/>
-            <a:r>
-              <a:rPr lang="en-US" altLang="en-US" b="1">
-                <a:latin typeface="Times New Roman" panose="02020603050405020304" charset="0"/>
-                <a:cs typeface="Times New Roman" panose="02020603050405020304" charset="0"/>
-                <a:sym typeface="+mn-ea"/>
-              </a:rPr>
-              <a:t>ENVIRONNEMENT DE TRAVAIL</a:t>
-            </a:r>
-            <a:endParaRPr lang="en-US" altLang="en-US" b="1">
-              <a:latin typeface="Times New Roman" panose="02020603050405020304" charset="0"/>
-              <a:cs typeface="Times New Roman" panose="02020603050405020304" charset="0"/>
-            </a:endParaRPr>
-          </a:p>
-          <a:p>
-            <a:pPr algn="ctr"/>
-            <a:endParaRPr lang="en-US" altLang="en-US" b="1">
-              <a:latin typeface="Times New Roman" panose="02020603050405020304" charset="0"/>
-              <a:cs typeface="Times New Roman" panose="02020603050405020304" charset="0"/>
-            </a:endParaRPr>
-          </a:p>
-        </p:txBody>
-      </p:sp>
-      <p:sp>
-        <p:nvSpPr>
-          <p:cNvPr id="6" name="Rounded Rectangle 5"/>
-          <p:cNvSpPr/>
-          <p:nvPr/>
-        </p:nvSpPr>
-        <p:spPr>
-          <a:xfrm>
-            <a:off x="3093720" y="114300"/>
-            <a:ext cx="2926715" cy="1043940"/>
-          </a:xfrm>
-          <a:prstGeom prst="roundRect">
-            <a:avLst/>
-          </a:prstGeom>
-        </p:spPr>
-        <p:style>
-          <a:lnRef idx="1">
-            <a:schemeClr val="accent3"/>
-          </a:lnRef>
-          <a:fillRef idx="2">
-            <a:schemeClr val="accent3"/>
-          </a:fillRef>
-          <a:effectRef idx="1">
-            <a:schemeClr val="accent3"/>
-          </a:effectRef>
-          <a:fontRef idx="minor">
-            <a:schemeClr val="dk1"/>
-          </a:fontRef>
-        </p:style>
-        <p:txBody>
-          <a:bodyPr rtlCol="0" anchor="ctr"/>
-          <a:p>
-            <a:pPr algn="ctr"/>
-            <a:r>
-              <a:rPr lang="en-US" altLang="en-US" b="1">
-                <a:latin typeface="Times New Roman" panose="02020603050405020304" charset="0"/>
-                <a:cs typeface="Times New Roman" panose="02020603050405020304" charset="0"/>
-                <a:sym typeface="+mn-ea"/>
-              </a:rPr>
-              <a:t>CONCEPTS GÉNÉRAUX DU DOMAINE</a:t>
-            </a:r>
-            <a:endParaRPr lang="en-US" altLang="en-US" b="1">
-              <a:latin typeface="Times New Roman" panose="02020603050405020304" charset="0"/>
-              <a:cs typeface="Times New Roman" panose="02020603050405020304" charset="0"/>
-            </a:endParaRPr>
-          </a:p>
-        </p:txBody>
-      </p:sp>
-      <p:sp>
-        <p:nvSpPr>
-          <p:cNvPr id="7" name="Rounded Rectangle 6"/>
-          <p:cNvSpPr/>
-          <p:nvPr/>
-        </p:nvSpPr>
-        <p:spPr>
-          <a:xfrm>
-            <a:off x="6135370" y="114300"/>
-            <a:ext cx="2926715" cy="1043940"/>
-          </a:xfrm>
-          <a:prstGeom prst="roundRect">
-            <a:avLst/>
-          </a:prstGeom>
-        </p:spPr>
-        <p:style>
-          <a:lnRef idx="1">
-            <a:schemeClr val="accent3"/>
-          </a:lnRef>
-          <a:fillRef idx="2">
-            <a:schemeClr val="accent3"/>
-          </a:fillRef>
-          <a:effectRef idx="1">
-            <a:schemeClr val="accent3"/>
-          </a:effectRef>
-          <a:fontRef idx="minor">
-            <a:schemeClr val="dk1"/>
-          </a:fontRef>
-        </p:style>
-        <p:txBody>
-          <a:bodyPr rtlCol="0" anchor="ctr"/>
-          <a:p>
-            <a:pPr algn="ctr"/>
-            <a:r>
-              <a:rPr lang="en-US" altLang="en-US" b="1">
-                <a:latin typeface="Times New Roman" panose="02020603050405020304" charset="0"/>
-                <a:cs typeface="Times New Roman" panose="02020603050405020304" charset="0"/>
-                <a:sym typeface="+mn-ea"/>
-              </a:rPr>
-              <a:t>CONCEPTION</a:t>
-            </a:r>
-            <a:endParaRPr lang="en-US" altLang="en-US" b="1">
-              <a:latin typeface="Times New Roman" panose="02020603050405020304" charset="0"/>
-              <a:cs typeface="Times New Roman" panose="02020603050405020304" charset="0"/>
-            </a:endParaRPr>
-          </a:p>
-        </p:txBody>
-      </p:sp>
-      <p:sp>
-        <p:nvSpPr>
-          <p:cNvPr id="8" name="Rounded Rectangle 7"/>
-          <p:cNvSpPr/>
-          <p:nvPr/>
-        </p:nvSpPr>
-        <p:spPr>
-          <a:xfrm>
-            <a:off x="9177020" y="114300"/>
-            <a:ext cx="2926715" cy="1043940"/>
-          </a:xfrm>
-          <a:prstGeom prst="roundRect">
-            <a:avLst/>
-          </a:prstGeom>
-        </p:spPr>
-        <p:style>
-          <a:lnRef idx="1">
-            <a:schemeClr val="accent3"/>
-          </a:lnRef>
-          <a:fillRef idx="2">
-            <a:schemeClr val="accent3"/>
-          </a:fillRef>
-          <a:effectRef idx="1">
-            <a:schemeClr val="accent3"/>
-          </a:effectRef>
-          <a:fontRef idx="minor">
-            <a:schemeClr val="dk1"/>
-          </a:fontRef>
-        </p:style>
-        <p:txBody>
-          <a:bodyPr rtlCol="0" anchor="ctr"/>
-          <a:p>
-            <a:pPr algn="ctr"/>
-            <a:r>
-              <a:rPr lang="en-US" altLang="en-US" b="1">
-                <a:latin typeface="Times New Roman" panose="02020603050405020304" charset="0"/>
-                <a:cs typeface="Times New Roman" panose="02020603050405020304" charset="0"/>
-                <a:sym typeface="+mn-ea"/>
-              </a:rPr>
-              <a:t>MISE EN OEUVRE DE LA SOLUTION</a:t>
-            </a:r>
-            <a:endParaRPr lang="en-US" altLang="en-US" b="1">
-              <a:latin typeface="Times New Roman" panose="02020603050405020304" charset="0"/>
-              <a:cs typeface="Times New Roman" panose="02020603050405020304" charset="0"/>
-            </a:endParaRPr>
-          </a:p>
-        </p:txBody>
-      </p:sp>
-      <p:pic>
-        <p:nvPicPr>
-          <p:cNvPr id="13" name="Picture 12" descr="logo_metrika"/>
-          <p:cNvPicPr>
-            <a:picLocks noChangeAspect="1"/>
-          </p:cNvPicPr>
-          <p:nvPr/>
-        </p:nvPicPr>
-        <p:blipFill>
-          <a:blip r:embed="rId1"/>
-          <a:stretch>
-            <a:fillRect/>
-          </a:stretch>
-        </p:blipFill>
-        <p:spPr>
-          <a:xfrm>
-            <a:off x="1969135" y="2202180"/>
-            <a:ext cx="1937385" cy="807720"/>
-          </a:xfrm>
-          <a:prstGeom prst="rect">
-            <a:avLst/>
-          </a:prstGeom>
-        </p:spPr>
-      </p:pic>
-      <p:sp>
-        <p:nvSpPr>
-          <p:cNvPr id="14" name="Oval 13"/>
-          <p:cNvSpPr/>
-          <p:nvPr/>
-        </p:nvSpPr>
-        <p:spPr>
-          <a:xfrm>
-            <a:off x="815340" y="4164965"/>
-            <a:ext cx="3291840" cy="1168400"/>
-          </a:xfrm>
-          <a:prstGeom prst="ellipse">
-            <a:avLst/>
-          </a:prstGeom>
-        </p:spPr>
-        <p:style>
-          <a:lnRef idx="2">
-            <a:schemeClr val="accent5">
-              <a:shade val="50000"/>
-            </a:schemeClr>
-          </a:lnRef>
-          <a:fillRef idx="1">
-            <a:schemeClr val="accent5"/>
-          </a:fillRef>
-          <a:effectRef idx="0">
-            <a:schemeClr val="accent5"/>
-          </a:effectRef>
-          <a:fontRef idx="minor">
-            <a:schemeClr val="lt1"/>
-          </a:fontRef>
-        </p:style>
-        <p:txBody>
-          <a:bodyPr rtlCol="0" anchor="ctr"/>
-          <a:p>
-            <a:pPr algn="ctr"/>
-            <a:r>
-              <a:rPr lang="en-US" altLang="en-US" sz="2200" b="1">
-                <a:latin typeface="Times New Roman" panose="02020603050405020304" charset="0"/>
-                <a:cs typeface="Times New Roman" panose="02020603050405020304" charset="0"/>
-              </a:rPr>
-              <a:t>Qui est Métrika-IDB ?</a:t>
-            </a:r>
-            <a:endParaRPr lang="en-US" altLang="en-US" sz="2200" b="1">
-              <a:latin typeface="Times New Roman" panose="02020603050405020304" charset="0"/>
-              <a:cs typeface="Times New Roman" panose="02020603050405020304" charset="0"/>
-            </a:endParaRPr>
-          </a:p>
-        </p:txBody>
-      </p:sp>
-      <p:sp>
-        <p:nvSpPr>
-          <p:cNvPr id="17" name="Rounded Rectangular Callout 16"/>
-          <p:cNvSpPr/>
-          <p:nvPr/>
-        </p:nvSpPr>
-        <p:spPr>
-          <a:xfrm>
-            <a:off x="4850130" y="2422525"/>
-            <a:ext cx="6993255" cy="4308475"/>
-          </a:xfrm>
-          <a:prstGeom prst="wedgeRoundRectCallout">
-            <a:avLst>
-              <a:gd name="adj1" fmla="val -59279"/>
-              <a:gd name="adj2" fmla="val -1338"/>
-              <a:gd name="adj3" fmla="val 16667"/>
-            </a:avLst>
-          </a:prstGeom>
-        </p:spPr>
-        <p:style>
-          <a:lnRef idx="1">
-            <a:schemeClr val="accent6"/>
-          </a:lnRef>
-          <a:fillRef idx="3">
-            <a:schemeClr val="accent6"/>
-          </a:fillRef>
-          <a:effectRef idx="2">
-            <a:schemeClr val="accent6"/>
-          </a:effectRef>
-          <a:fontRef idx="minor">
-            <a:schemeClr val="lt1"/>
-          </a:fontRef>
-        </p:style>
-        <p:txBody>
-          <a:bodyPr rtlCol="0" anchor="ctr"/>
-          <a:p>
-            <a:pPr algn="just"/>
-            <a:r>
-              <a:rPr lang="en-US" altLang="en-US" sz="2200">
-                <a:solidFill>
-                  <a:schemeClr val="tx1"/>
-                </a:solidFill>
-                <a:latin typeface="Times New Roman" panose="02020603050405020304" charset="0"/>
-                <a:cs typeface="Times New Roman" panose="02020603050405020304" charset="0"/>
-              </a:rPr>
-              <a:t>	Entreprise informatique opérant dans :  </a:t>
-            </a:r>
-            <a:endParaRPr lang="en-US" altLang="en-US" sz="2200">
-              <a:solidFill>
-                <a:schemeClr val="tx1"/>
-              </a:solidFill>
-              <a:latin typeface="Times New Roman" panose="02020603050405020304" charset="0"/>
-              <a:cs typeface="Times New Roman" panose="02020603050405020304" charset="0"/>
-            </a:endParaRPr>
-          </a:p>
-          <a:p>
-            <a:pPr algn="just"/>
-            <a:endParaRPr lang="en-US" altLang="en-US" sz="2200">
-              <a:solidFill>
-                <a:schemeClr val="tx1"/>
-              </a:solidFill>
-              <a:latin typeface="Times New Roman" panose="02020603050405020304" charset="0"/>
-              <a:cs typeface="Times New Roman" panose="02020603050405020304" charset="0"/>
-            </a:endParaRPr>
-          </a:p>
-          <a:p>
-            <a:pPr marL="285750" indent="-285750" algn="just">
-              <a:buFont typeface="Arial" panose="020B0604020202020204" pitchFamily="34" charset="0"/>
-              <a:buChar char="•"/>
-            </a:pPr>
-            <a:r>
-              <a:rPr lang="en-US" altLang="en-US" sz="2200" b="1">
-                <a:solidFill>
-                  <a:schemeClr val="tx1"/>
-                </a:solidFill>
-                <a:latin typeface="Times New Roman" panose="02020603050405020304" charset="0"/>
-                <a:cs typeface="Times New Roman" panose="02020603050405020304" charset="0"/>
-              </a:rPr>
-              <a:t>Edition d’outils logiciels métiers d’aide à la décision </a:t>
-            </a:r>
-            <a:endParaRPr lang="en-US" altLang="en-US" sz="2200" b="1">
-              <a:solidFill>
-                <a:schemeClr val="tx1"/>
-              </a:solidFill>
-              <a:latin typeface="Times New Roman" panose="02020603050405020304" charset="0"/>
-              <a:cs typeface="Times New Roman" panose="02020603050405020304" charset="0"/>
-            </a:endParaRPr>
-          </a:p>
-          <a:p>
-            <a:pPr indent="0" algn="just">
-              <a:buFont typeface="Arial" panose="020B0604020202020204" pitchFamily="34" charset="0"/>
-              <a:buNone/>
-            </a:pPr>
-            <a:endParaRPr lang="en-US" altLang="en-US" sz="2200" b="1">
-              <a:solidFill>
-                <a:schemeClr val="tx1"/>
-              </a:solidFill>
-              <a:latin typeface="Times New Roman" panose="02020603050405020304" charset="0"/>
-              <a:cs typeface="Times New Roman" panose="02020603050405020304" charset="0"/>
-            </a:endParaRPr>
-          </a:p>
-          <a:p>
-            <a:pPr marL="285750" indent="-285750" algn="just">
-              <a:buFont typeface="Arial" panose="020B0604020202020204" pitchFamily="34" charset="0"/>
-              <a:buChar char="•"/>
-            </a:pPr>
-            <a:r>
-              <a:rPr lang="en-US" altLang="en-US" sz="2200" b="1">
-                <a:solidFill>
-                  <a:schemeClr val="tx1"/>
-                </a:solidFill>
-                <a:latin typeface="Times New Roman" panose="02020603050405020304" charset="0"/>
-                <a:cs typeface="Times New Roman" panose="02020603050405020304" charset="0"/>
-              </a:rPr>
-              <a:t>Encadrement de la recherche et des tâches de développement</a:t>
-            </a:r>
-            <a:endParaRPr lang="en-US" altLang="en-US" sz="2200" b="1">
-              <a:solidFill>
-                <a:schemeClr val="tx1"/>
-              </a:solidFill>
-              <a:latin typeface="Times New Roman" panose="02020603050405020304" charset="0"/>
-              <a:cs typeface="Times New Roman" panose="02020603050405020304" charset="0"/>
-            </a:endParaRPr>
-          </a:p>
-          <a:p>
-            <a:pPr indent="0" algn="just">
-              <a:buFont typeface="Arial" panose="020B0604020202020204" pitchFamily="34" charset="0"/>
-              <a:buNone/>
-            </a:pPr>
-            <a:endParaRPr lang="en-US" altLang="en-US" sz="2200" b="1">
-              <a:solidFill>
-                <a:schemeClr val="tx1"/>
-              </a:solidFill>
-              <a:latin typeface="Times New Roman" panose="02020603050405020304" charset="0"/>
-              <a:cs typeface="Times New Roman" panose="02020603050405020304" charset="0"/>
-            </a:endParaRPr>
-          </a:p>
-          <a:p>
-            <a:pPr marL="285750" indent="-285750" algn="just">
-              <a:buFont typeface="Arial" panose="020B0604020202020204" pitchFamily="34" charset="0"/>
-              <a:buChar char="•"/>
-            </a:pPr>
-            <a:r>
-              <a:rPr lang="en-US" altLang="en-US" sz="2200" b="1">
-                <a:solidFill>
-                  <a:schemeClr val="tx1"/>
-                </a:solidFill>
-                <a:latin typeface="Times New Roman" panose="02020603050405020304" charset="0"/>
-                <a:cs typeface="Times New Roman" panose="02020603050405020304" charset="0"/>
-              </a:rPr>
-              <a:t>Intégration de solutions informatiques et édition de logiciels</a:t>
-            </a:r>
-            <a:endParaRPr lang="en-US" altLang="en-US" sz="2200" b="1">
-              <a:solidFill>
-                <a:schemeClr val="tx1"/>
-              </a:solidFill>
-              <a:latin typeface="Times New Roman" panose="02020603050405020304" charset="0"/>
-              <a:cs typeface="Times New Roman" panose="02020603050405020304" charset="0"/>
-            </a:endParaRPr>
-          </a:p>
-          <a:p>
-            <a:pPr indent="0" algn="just">
-              <a:buFont typeface="Arial" panose="020B0604020202020204" pitchFamily="34" charset="0"/>
-              <a:buNone/>
-            </a:pPr>
-            <a:endParaRPr lang="en-US" altLang="en-US" sz="2200" b="1">
-              <a:solidFill>
-                <a:schemeClr val="tx1"/>
-              </a:solidFill>
-              <a:latin typeface="Times New Roman" panose="02020603050405020304" charset="0"/>
-              <a:cs typeface="Times New Roman" panose="02020603050405020304" charset="0"/>
-            </a:endParaRPr>
-          </a:p>
-          <a:p>
-            <a:pPr marL="285750" indent="-285750" algn="just">
-              <a:buFont typeface="Arial" panose="020B0604020202020204" pitchFamily="34" charset="0"/>
-              <a:buChar char="•"/>
-            </a:pPr>
-            <a:r>
-              <a:rPr lang="en-US" altLang="en-US" sz="2200" b="1">
-                <a:solidFill>
-                  <a:schemeClr val="tx1"/>
-                </a:solidFill>
-                <a:latin typeface="Times New Roman" panose="02020603050405020304" charset="0"/>
-                <a:cs typeface="Times New Roman" panose="02020603050405020304" charset="0"/>
-              </a:rPr>
-              <a:t>Participation aux tests de nouveauté</a:t>
-            </a:r>
-            <a:endParaRPr lang="en-US" altLang="en-US" sz="2200" b="1">
-              <a:solidFill>
-                <a:schemeClr val="tx1"/>
-              </a:solidFill>
-              <a:latin typeface="Times New Roman" panose="02020603050405020304" charset="0"/>
-              <a:cs typeface="Times New Roman" panose="02020603050405020304" charset="0"/>
-            </a:endParaRPr>
-          </a:p>
-          <a:p>
-            <a:pPr algn="just"/>
-            <a:r>
-              <a:rPr lang="en-US" altLang="en-US" sz="2200">
-                <a:solidFill>
-                  <a:schemeClr val="tx1"/>
-                </a:solidFill>
-                <a:latin typeface="Times New Roman" panose="02020603050405020304" charset="0"/>
-                <a:cs typeface="Times New Roman" panose="02020603050405020304" charset="0"/>
-              </a:rPr>
-              <a:t> </a:t>
-            </a:r>
-            <a:endParaRPr lang="en-US" altLang="en-US" sz="2200">
+            <a:endParaRPr lang="en-US" altLang="en-US" sz="3200" b="1">
               <a:solidFill>
                 <a:schemeClr val="tx1"/>
               </a:solidFill>
@@ -16496,13 +17294,13 @@
           <a:p>
             <a:pPr algn="ctr"/>
             <a:r>
-              <a:rPr lang="" altLang="en-US" sz="2200" b="1">
+              <a:rPr lang="en-US" altLang="en-US" sz="2200" b="1">
                 <a:latin typeface="Times New Roman" panose="02020603050405020304" charset="0"/>
                 <a:cs typeface="Times New Roman" panose="02020603050405020304" charset="0"/>
               </a:rPr>
               <a:t>Plusieurs questions émergent</a:t>
             </a:r>
-            <a:endParaRPr lang="" altLang="en-US" sz="2200" b="1">
+            <a:endParaRPr lang="en-US" altLang="en-US" sz="2200" b="1">
               <a:latin typeface="Times New Roman" panose="02020603050405020304" charset="0"/>
               <a:cs typeface="Times New Roman" panose="02020603050405020304" charset="0"/>
             </a:endParaRPr>
@@ -16560,7 +17358,7 @@
               <a:t>Comment fournir une solution qui permettent aux éditeurs de distribuer l</a:t>
             </a:r>
             <a:r>
-              <a:rPr lang="" altLang="en-US" sz="2200" b="1">
+              <a:rPr lang="en-US" altLang="en-US" sz="2200" b="1">
                 <a:solidFill>
                   <a:schemeClr val="tx1"/>
                 </a:solidFill>
@@ -16582,7 +17380,7 @@
               <a:t> contenus et toucher le plus grand nombre de </a:t>
             </a:r>
             <a:r>
-              <a:rPr lang="" altLang="en-US" sz="2200" b="1">
+              <a:rPr lang="en-US" altLang="en-US" sz="2200" b="1">
                 <a:solidFill>
                   <a:schemeClr val="tx1"/>
                 </a:solidFill>
@@ -16798,15 +17596,25 @@
           <a:p>
             <a:pPr marL="571500" indent="-571500" algn="ctr">
               <a:buFont typeface="+mj-lt"/>
-              <a:buAutoNum type="romanUcPeriod"/>
+              <a:buAutoNum type="romanUcPeriod" startAt="4"/>
             </a:pPr>
             <a:r>
-              <a:rPr lang="en-US" altLang="en-US" b="1">
-                <a:latin typeface="Times New Roman" panose="02020603050405020304" charset="0"/>
-                <a:cs typeface="Times New Roman" panose="02020603050405020304" charset="0"/>
-              </a:rPr>
-              <a:t>Historique</a:t>
-            </a:r>
+              <a:rPr lang="" altLang="en-US" b="1">
+                <a:latin typeface="Times New Roman" panose="02020603050405020304" charset="0"/>
+                <a:cs typeface="Times New Roman" panose="02020603050405020304" charset="0"/>
+              </a:rPr>
+              <a:t>Objectifs généraux</a:t>
+            </a:r>
+            <a:endParaRPr lang="en-US" altLang="en-US" b="1">
+              <a:latin typeface="Times New Roman" panose="02020603050405020304" charset="0"/>
+              <a:cs typeface="Times New Roman" panose="02020603050405020304" charset="0"/>
+            </a:endParaRPr>
+          </a:p>
+          <a:p>
+            <a:pPr marL="0" indent="0" algn="just">
+              <a:buFont typeface="+mj-lt"/>
+              <a:buNone/>
+            </a:pPr>
             <a:endParaRPr lang="en-US" altLang="en-US" b="1">
               <a:latin typeface="Times New Roman" panose="02020603050405020304" charset="0"/>
               <a:cs typeface="Times New Roman" panose="02020603050405020304" charset="0"/>
@@ -16823,54 +17631,6 @@
         <p:spPr>
           <a:xfrm>
             <a:off x="82550" y="98425"/>
-            <a:ext cx="2926715" cy="1043940"/>
-          </a:xfrm>
-          <a:prstGeom prst="roundRect">
-            <a:avLst/>
-          </a:prstGeom>
-        </p:spPr>
-        <p:style>
-          <a:lnRef idx="1">
-            <a:schemeClr val="accent3"/>
-          </a:lnRef>
-          <a:fillRef idx="2">
-            <a:schemeClr val="accent3"/>
-          </a:fillRef>
-          <a:effectRef idx="1">
-            <a:schemeClr val="accent3"/>
-          </a:effectRef>
-          <a:fontRef idx="minor">
-            <a:schemeClr val="dk1"/>
-          </a:fontRef>
-        </p:style>
-        <p:txBody>
-          <a:bodyPr rtlCol="0" anchor="ctr"/>
-          <a:p>
-            <a:pPr algn="ctr"/>
-            <a:r>
-              <a:rPr lang="en-US" altLang="en-US" b="1">
-                <a:latin typeface="Times New Roman" panose="02020603050405020304" charset="0"/>
-                <a:cs typeface="Times New Roman" panose="02020603050405020304" charset="0"/>
-                <a:sym typeface="+mn-ea"/>
-              </a:rPr>
-              <a:t>ENVIRONNEMENT DE TRAVAIL</a:t>
-            </a:r>
-            <a:endParaRPr lang="en-US" altLang="en-US" b="1">
-              <a:latin typeface="Times New Roman" panose="02020603050405020304" charset="0"/>
-              <a:cs typeface="Times New Roman" panose="02020603050405020304" charset="0"/>
-            </a:endParaRPr>
-          </a:p>
-        </p:txBody>
-      </p:sp>
-      <p:sp>
-        <p:nvSpPr>
-          <p:cNvPr id="6" name="Rounded Rectangle 5"/>
-          <p:cNvSpPr/>
-          <p:nvPr/>
-        </p:nvSpPr>
-        <p:spPr>
-          <a:xfrm>
-            <a:off x="3093720" y="114300"/>
             <a:ext cx="2926715" cy="1043940"/>
           </a:xfrm>
           <a:prstGeom prst="roundRect">
@@ -16903,7 +17663,7 @@
                 <a:cs typeface="Times New Roman" panose="02020603050405020304" charset="0"/>
                 <a:sym typeface="+mn-ea"/>
               </a:rPr>
-              <a:t>CONCEPTS GÉNÉRAUX DU DOMAINE</a:t>
+              <a:t>ENVIRONNEMENT DE TRAVAIL</a:t>
             </a:r>
             <a:endParaRPr lang="en-US" altLang="en-US" b="1">
               <a:latin typeface="Times New Roman" panose="02020603050405020304" charset="0"/>
@@ -16914,13 +17674,13 @@
       </p:sp>
       <p:sp>
         <p:nvSpPr>
-          <p:cNvPr id="7" name="Rounded Rectangle 6"/>
+          <p:cNvPr id="6" name="Rounded Rectangle 5"/>
           <p:cNvSpPr/>
           <p:nvPr/>
         </p:nvSpPr>
         <p:spPr>
           <a:xfrm>
-            <a:off x="6135370" y="114300"/>
+            <a:off x="3093720" y="114300"/>
             <a:ext cx="2926715" cy="1043940"/>
           </a:xfrm>
           <a:prstGeom prst="roundRect">
@@ -16951,7 +17711,7 @@
                 <a:cs typeface="Times New Roman" panose="02020603050405020304" charset="0"/>
                 <a:sym typeface="+mn-ea"/>
               </a:rPr>
-              <a:t>CONCEPTION</a:t>
+              <a:t>CONCEPTS GÉNÉRAUX DU DOMAINE</a:t>
             </a:r>
             <a:endParaRPr lang="en-US" altLang="en-US" b="1">
               <a:latin typeface="Times New Roman" panose="02020603050405020304" charset="0"/>
@@ -16962,13 +17722,13 @@
       </p:sp>
       <p:sp>
         <p:nvSpPr>
-          <p:cNvPr id="8" name="Rounded Rectangle 7"/>
+          <p:cNvPr id="7" name="Rounded Rectangle 6"/>
           <p:cNvSpPr/>
           <p:nvPr/>
         </p:nvSpPr>
         <p:spPr>
           <a:xfrm>
-            <a:off x="9177020" y="114300"/>
+            <a:off x="6135370" y="114300"/>
             <a:ext cx="2926715" cy="1043940"/>
           </a:xfrm>
           <a:prstGeom prst="roundRect">
@@ -16999,9 +17759,309 @@
                 <a:cs typeface="Times New Roman" panose="02020603050405020304" charset="0"/>
                 <a:sym typeface="+mn-ea"/>
               </a:rPr>
+              <a:t>CONCEPTION</a:t>
+            </a:r>
+            <a:endParaRPr lang="en-US" altLang="en-US" b="1">
+              <a:latin typeface="Times New Roman" panose="02020603050405020304" charset="0"/>
+              <a:cs typeface="Times New Roman" panose="02020603050405020304" charset="0"/>
+            </a:endParaRPr>
+          </a:p>
+        </p:txBody>
+      </p:sp>
+      <p:sp>
+        <p:nvSpPr>
+          <p:cNvPr id="8" name="Rounded Rectangle 7"/>
+          <p:cNvSpPr/>
+          <p:nvPr/>
+        </p:nvSpPr>
+        <p:spPr>
+          <a:xfrm>
+            <a:off x="9177020" y="114300"/>
+            <a:ext cx="2926715" cy="1043940"/>
+          </a:xfrm>
+          <a:prstGeom prst="roundRect">
+            <a:avLst/>
+          </a:prstGeom>
+        </p:spPr>
+        <p:style>
+          <a:lnRef idx="1">
+            <a:schemeClr val="accent3"/>
+          </a:lnRef>
+          <a:fillRef idx="2">
+            <a:schemeClr val="accent3"/>
+          </a:fillRef>
+          <a:effectRef idx="1">
+            <a:schemeClr val="accent3"/>
+          </a:effectRef>
+          <a:fontRef idx="minor">
+            <a:schemeClr val="dk1"/>
+          </a:fontRef>
+        </p:style>
+        <p:txBody>
+          <a:bodyPr rtlCol="0" anchor="ctr"/>
+          <a:p>
+            <a:pPr algn="ctr"/>
+            <a:r>
+              <a:rPr lang="en-US" altLang="en-US" b="1">
+                <a:latin typeface="Times New Roman" panose="02020603050405020304" charset="0"/>
+                <a:cs typeface="Times New Roman" panose="02020603050405020304" charset="0"/>
+                <a:sym typeface="+mn-ea"/>
+              </a:rPr>
               <a:t>MISE EN OEUVRE DE LA SOLUTION</a:t>
             </a:r>
             <a:endParaRPr lang="en-US" altLang="en-US" b="1">
+              <a:latin typeface="Times New Roman" panose="02020603050405020304" charset="0"/>
+              <a:cs typeface="Times New Roman" panose="02020603050405020304" charset="0"/>
+            </a:endParaRPr>
+          </a:p>
+        </p:txBody>
+      </p:sp>
+      <p:sp>
+        <p:nvSpPr>
+          <p:cNvPr id="9" name="Rounded Rectangle 8"/>
+          <p:cNvSpPr/>
+          <p:nvPr/>
+        </p:nvSpPr>
+        <p:spPr>
+          <a:xfrm>
+            <a:off x="410845" y="1964055"/>
+            <a:ext cx="11353165" cy="691515"/>
+          </a:xfrm>
+          <a:prstGeom prst="roundRect">
+            <a:avLst/>
+          </a:prstGeom>
+        </p:spPr>
+        <p:style>
+          <a:lnRef idx="2">
+            <a:schemeClr val="accent1">
+              <a:shade val="50000"/>
+            </a:schemeClr>
+          </a:lnRef>
+          <a:fillRef idx="1">
+            <a:schemeClr val="accent1"/>
+          </a:fillRef>
+          <a:effectRef idx="0">
+            <a:schemeClr val="accent1"/>
+          </a:effectRef>
+          <a:fontRef idx="minor">
+            <a:schemeClr val="lt1"/>
+          </a:fontRef>
+        </p:style>
+        <p:txBody>
+          <a:bodyPr rtlCol="0" anchor="ctr"/>
+          <a:p>
+            <a:pPr algn="just"/>
+            <a:r>
+              <a:rPr lang="en-US" sz="2400" b="1">
+                <a:latin typeface="Times New Roman" panose="02020603050405020304" charset="0"/>
+                <a:cs typeface="Times New Roman" panose="02020603050405020304" charset="0"/>
+              </a:rPr>
+              <a:t>Permettre aux éditeurs de publier et distribuer leurs contenus en ligne</a:t>
+            </a:r>
+            <a:endParaRPr lang="en-US" sz="2400" b="1">
+              <a:latin typeface="Times New Roman" panose="02020603050405020304" charset="0"/>
+              <a:cs typeface="Times New Roman" panose="02020603050405020304" charset="0"/>
+            </a:endParaRPr>
+          </a:p>
+        </p:txBody>
+      </p:sp>
+      <p:sp>
+        <p:nvSpPr>
+          <p:cNvPr id="10" name="Rounded Rectangle 9"/>
+          <p:cNvSpPr/>
+          <p:nvPr/>
+        </p:nvSpPr>
+        <p:spPr>
+          <a:xfrm>
+            <a:off x="410845" y="2895600"/>
+            <a:ext cx="11353165" cy="723900"/>
+          </a:xfrm>
+          <a:prstGeom prst="roundRect">
+            <a:avLst/>
+          </a:prstGeom>
+        </p:spPr>
+        <p:style>
+          <a:lnRef idx="2">
+            <a:schemeClr val="accent1">
+              <a:shade val="50000"/>
+            </a:schemeClr>
+          </a:lnRef>
+          <a:fillRef idx="1">
+            <a:schemeClr val="accent1"/>
+          </a:fillRef>
+          <a:effectRef idx="0">
+            <a:schemeClr val="accent1"/>
+          </a:effectRef>
+          <a:fontRef idx="minor">
+            <a:schemeClr val="lt1"/>
+          </a:fontRef>
+        </p:style>
+        <p:txBody>
+          <a:bodyPr rtlCol="0" anchor="ctr"/>
+          <a:p>
+            <a:pPr algn="just"/>
+            <a:r>
+              <a:rPr lang="en-US" sz="2400" b="1">
+                <a:latin typeface="Times New Roman" panose="02020603050405020304" charset="0"/>
+                <a:cs typeface="Times New Roman" panose="02020603050405020304" charset="0"/>
+              </a:rPr>
+              <a:t>Permettre aux utilisateurs de rechercher, consulter et acheter </a:t>
+            </a:r>
+            <a:r>
+              <a:rPr lang="" altLang="en-US" sz="2400" b="1">
+                <a:latin typeface="Times New Roman" panose="02020603050405020304" charset="0"/>
+                <a:cs typeface="Times New Roman" panose="02020603050405020304" charset="0"/>
+              </a:rPr>
+              <a:t>les contenus</a:t>
+            </a:r>
+            <a:endParaRPr lang="" altLang="en-US" sz="2400" b="1">
+              <a:latin typeface="Times New Roman" panose="02020603050405020304" charset="0"/>
+              <a:cs typeface="Times New Roman" panose="02020603050405020304" charset="0"/>
+            </a:endParaRPr>
+          </a:p>
+        </p:txBody>
+      </p:sp>
+      <p:sp>
+        <p:nvSpPr>
+          <p:cNvPr id="11" name="Rounded Rectangle 10"/>
+          <p:cNvSpPr/>
+          <p:nvPr/>
+        </p:nvSpPr>
+        <p:spPr>
+          <a:xfrm>
+            <a:off x="410845" y="3942715"/>
+            <a:ext cx="11352530" cy="918210"/>
+          </a:xfrm>
+          <a:prstGeom prst="roundRect">
+            <a:avLst/>
+          </a:prstGeom>
+        </p:spPr>
+        <p:style>
+          <a:lnRef idx="2">
+            <a:schemeClr val="accent1">
+              <a:shade val="50000"/>
+            </a:schemeClr>
+          </a:lnRef>
+          <a:fillRef idx="1">
+            <a:schemeClr val="accent1"/>
+          </a:fillRef>
+          <a:effectRef idx="0">
+            <a:schemeClr val="accent1"/>
+          </a:effectRef>
+          <a:fontRef idx="minor">
+            <a:schemeClr val="lt1"/>
+          </a:fontRef>
+        </p:style>
+        <p:txBody>
+          <a:bodyPr rtlCol="0" anchor="ctr"/>
+          <a:p>
+            <a:pPr algn="just"/>
+            <a:r>
+              <a:rPr lang="en-US" sz="2400" b="1">
+                <a:latin typeface="Times New Roman" panose="02020603050405020304" charset="0"/>
+                <a:cs typeface="Times New Roman" panose="02020603050405020304" charset="0"/>
+              </a:rPr>
+              <a:t>Protéger les droits d’auteur et propriétés intellectuelles des éditeurs en empêchant la copie privée des documents</a:t>
+            </a:r>
+            <a:endParaRPr lang="en-US" sz="2400" b="1">
+              <a:latin typeface="Times New Roman" panose="02020603050405020304" charset="0"/>
+              <a:cs typeface="Times New Roman" panose="02020603050405020304" charset="0"/>
+            </a:endParaRPr>
+          </a:p>
+        </p:txBody>
+      </p:sp>
+      <p:sp>
+        <p:nvSpPr>
+          <p:cNvPr id="13" name="Rounded Rectangle 12"/>
+          <p:cNvSpPr/>
+          <p:nvPr/>
+        </p:nvSpPr>
+        <p:spPr>
+          <a:xfrm>
+            <a:off x="410845" y="5068570"/>
+            <a:ext cx="11352530" cy="707390"/>
+          </a:xfrm>
+          <a:prstGeom prst="roundRect">
+            <a:avLst/>
+          </a:prstGeom>
+        </p:spPr>
+        <p:style>
+          <a:lnRef idx="2">
+            <a:schemeClr val="accent1">
+              <a:shade val="50000"/>
+            </a:schemeClr>
+          </a:lnRef>
+          <a:fillRef idx="1">
+            <a:schemeClr val="accent1"/>
+          </a:fillRef>
+          <a:effectRef idx="0">
+            <a:schemeClr val="accent1"/>
+          </a:effectRef>
+          <a:fontRef idx="minor">
+            <a:schemeClr val="lt1"/>
+          </a:fontRef>
+        </p:style>
+        <p:txBody>
+          <a:bodyPr rtlCol="0" anchor="ctr"/>
+          <a:p>
+            <a:pPr algn="just"/>
+            <a:r>
+              <a:rPr lang="en-US" sz="2400" b="1">
+                <a:latin typeface="Times New Roman" panose="02020603050405020304" charset="0"/>
+                <a:cs typeface="Times New Roman" panose="02020603050405020304" charset="0"/>
+              </a:rPr>
+              <a:t>Offrir aux lecteurs un moyen d’acquisition de document par paiement électronique</a:t>
+            </a:r>
+            <a:endParaRPr lang="en-US" sz="2400" b="1">
+              <a:latin typeface="Times New Roman" panose="02020603050405020304" charset="0"/>
+              <a:cs typeface="Times New Roman" panose="02020603050405020304" charset="0"/>
+            </a:endParaRPr>
+          </a:p>
+        </p:txBody>
+      </p:sp>
+      <p:sp>
+        <p:nvSpPr>
+          <p:cNvPr id="16" name="Rounded Rectangle 15"/>
+          <p:cNvSpPr/>
+          <p:nvPr/>
+        </p:nvSpPr>
+        <p:spPr>
+          <a:xfrm>
+            <a:off x="410845" y="5957570"/>
+            <a:ext cx="11352530" cy="772160"/>
+          </a:xfrm>
+          <a:prstGeom prst="roundRect">
+            <a:avLst/>
+          </a:prstGeom>
+        </p:spPr>
+        <p:style>
+          <a:lnRef idx="2">
+            <a:schemeClr val="accent1">
+              <a:shade val="50000"/>
+            </a:schemeClr>
+          </a:lnRef>
+          <a:fillRef idx="1">
+            <a:schemeClr val="accent1"/>
+          </a:fillRef>
+          <a:effectRef idx="0">
+            <a:schemeClr val="accent1"/>
+          </a:effectRef>
+          <a:fontRef idx="minor">
+            <a:schemeClr val="lt1"/>
+          </a:fontRef>
+        </p:style>
+        <p:txBody>
+          <a:bodyPr rtlCol="0" anchor="ctr"/>
+          <a:p>
+            <a:pPr algn="just"/>
+            <a:r>
+              <a:rPr lang="en-US" sz="2400" b="1">
+                <a:latin typeface="Times New Roman" panose="02020603050405020304" charset="0"/>
+                <a:cs typeface="Times New Roman" panose="02020603050405020304" charset="0"/>
+              </a:rPr>
+              <a:t>Fournir une offre qui exploite l’immense opportunité que représente le mobile</a:t>
+            </a:r>
+            <a:endParaRPr lang="en-US" sz="2400" b="1">
               <a:latin typeface="Times New Roman" panose="02020603050405020304" charset="0"/>
               <a:cs typeface="Times New Roman" panose="02020603050405020304" charset="0"/>
             </a:endParaRPr>
@@ -17068,16 +18128,16 @@
         <p:txBody>
           <a:bodyPr/>
           <a:p>
-            <a:pPr marL="571500" indent="-571500" algn="just">
+            <a:pPr marL="571500" indent="-571500" algn="ctr">
               <a:buFont typeface="+mj-lt"/>
-              <a:buAutoNum type="romanUcPeriod" startAt="2"/>
+              <a:buAutoNum type="romanUcPeriod"/>
             </a:pPr>
             <a:r>
               <a:rPr lang="" altLang="en-US" b="1">
                 <a:latin typeface="Times New Roman" panose="02020603050405020304" charset="0"/>
                 <a:cs typeface="Times New Roman" panose="02020603050405020304" charset="0"/>
               </a:rPr>
-              <a:t>Concepts</a:t>
+              <a:t>Historique</a:t>
             </a:r>
             <a:endParaRPr lang="" altLang="en-US" b="1">
               <a:latin typeface="Times New Roman" panose="02020603050405020304" charset="0"/>
@@ -17280,32 +18340,62 @@
           </a:p>
         </p:txBody>
       </p:sp>
-      <p:sp>
-        <p:nvSpPr>
-          <p:cNvPr id="5" name="Oval 4"/>
+      <p:pic>
+        <p:nvPicPr>
+          <p:cNvPr id="5" name="Picture 4" descr="Tablette_sumerienne"/>
+          <p:cNvPicPr>
+            <a:picLocks noChangeAspect="1"/>
+          </p:cNvPicPr>
+          <p:nvPr/>
+        </p:nvPicPr>
+        <p:blipFill>
+          <a:blip r:embed="rId1"/>
+          <a:stretch>
+            <a:fillRect/>
+          </a:stretch>
+        </p:blipFill>
+        <p:spPr>
+          <a:xfrm>
+            <a:off x="4162425" y="2219960"/>
+            <a:ext cx="3517265" cy="3301365"/>
+          </a:xfrm>
+          <a:prstGeom prst="rect">
+            <a:avLst/>
+          </a:prstGeom>
+        </p:spPr>
+      </p:pic>
+      <p:sp>
+        <p:nvSpPr>
+          <p:cNvPr id="9" name="Rectangle 8"/>
           <p:cNvSpPr/>
           <p:nvPr/>
         </p:nvSpPr>
         <p:spPr>
           <a:xfrm>
-            <a:off x="115570" y="2602230"/>
-            <a:ext cx="2861310" cy="1002665"/>
-          </a:xfrm>
-          <a:prstGeom prst="ellipse">
-            <a:avLst/>
-          </a:prstGeom>
+            <a:off x="3907155" y="5521325"/>
+            <a:ext cx="4377690" cy="963295"/>
+          </a:xfrm>
+          <a:prstGeom prst="rect">
+            <a:avLst/>
+          </a:prstGeom>
+          <a:solidFill>
+            <a:schemeClr val="bg1"/>
+          </a:solidFill>
+          <a:ln>
+            <a:noFill/>
+          </a:ln>
         </p:spPr>
         <p:style>
           <a:lnRef idx="2">
-            <a:schemeClr val="accent5">
+            <a:schemeClr val="accent1">
               <a:shade val="50000"/>
             </a:schemeClr>
           </a:lnRef>
           <a:fillRef idx="1">
-            <a:schemeClr val="accent5"/>
+            <a:schemeClr val="accent1"/>
           </a:fillRef>
           <a:effectRef idx="0">
-            <a:schemeClr val="accent5"/>
+            <a:schemeClr val="accent1"/>
           </a:effectRef>
           <a:fontRef idx="minor">
             <a:schemeClr val="lt1"/>
@@ -17316,564 +18406,36 @@
           <a:p>
             <a:pPr algn="ctr"/>
             <a:r>
-              <a:rPr lang="" altLang="en-US" sz="2200" b="1">
-                <a:latin typeface="Times New Roman" panose="02020603050405020304" charset="0"/>
-                <a:cs typeface="Times New Roman" panose="02020603050405020304" charset="0"/>
-              </a:rPr>
-              <a:t>Document numérique</a:t>
-            </a:r>
-            <a:endParaRPr lang="" altLang="en-US" sz="2200" b="1">
-              <a:latin typeface="Times New Roman" panose="02020603050405020304" charset="0"/>
-              <a:cs typeface="Times New Roman" panose="02020603050405020304" charset="0"/>
-            </a:endParaRPr>
-          </a:p>
-        </p:txBody>
-      </p:sp>
-      <p:sp>
-        <p:nvSpPr>
-          <p:cNvPr id="9" name="Oval 8"/>
-          <p:cNvSpPr/>
-          <p:nvPr/>
-        </p:nvSpPr>
-        <p:spPr>
-          <a:xfrm>
-            <a:off x="115570" y="5448300"/>
-            <a:ext cx="2376805" cy="1035050"/>
-          </a:xfrm>
-          <a:prstGeom prst="ellipse">
-            <a:avLst/>
-          </a:prstGeom>
-        </p:spPr>
-        <p:style>
-          <a:lnRef idx="2">
-            <a:schemeClr val="accent5">
-              <a:shade val="50000"/>
-            </a:schemeClr>
-          </a:lnRef>
-          <a:fillRef idx="1">
-            <a:schemeClr val="accent5"/>
-          </a:fillRef>
-          <a:effectRef idx="0">
-            <a:schemeClr val="accent5"/>
-          </a:effectRef>
-          <a:fontRef idx="minor">
-            <a:schemeClr val="lt1"/>
-          </a:fontRef>
-        </p:style>
-        <p:txBody>
-          <a:bodyPr rtlCol="0" anchor="ctr"/>
-          <a:p>
-            <a:pPr algn="ctr"/>
-            <a:r>
-              <a:rPr lang="" altLang="en-US" sz="2200" b="1">
-                <a:latin typeface="Times New Roman" panose="02020603050405020304" charset="0"/>
-                <a:cs typeface="Times New Roman" panose="02020603050405020304" charset="0"/>
-              </a:rPr>
-              <a:t>Distribution numérique</a:t>
-            </a:r>
-            <a:endParaRPr lang="" altLang="en-US" sz="2200" b="1">
-              <a:latin typeface="Times New Roman" panose="02020603050405020304" charset="0"/>
-              <a:cs typeface="Times New Roman" panose="02020603050405020304" charset="0"/>
-            </a:endParaRPr>
-          </a:p>
-        </p:txBody>
-      </p:sp>
-      <p:sp>
-        <p:nvSpPr>
-          <p:cNvPr id="14" name="Rounded Rectangular Callout 13"/>
-          <p:cNvSpPr/>
-          <p:nvPr/>
-        </p:nvSpPr>
-        <p:spPr>
-          <a:xfrm>
-            <a:off x="3517900" y="1486535"/>
-            <a:ext cx="8586470" cy="895350"/>
-          </a:xfrm>
-          <a:prstGeom prst="wedgeRoundRectCallout">
-            <a:avLst>
-              <a:gd name="adj1" fmla="val -62261"/>
-              <a:gd name="adj2" fmla="val 84539"/>
-              <a:gd name="adj3" fmla="val 16667"/>
-            </a:avLst>
-          </a:prstGeom>
-        </p:spPr>
-        <p:style>
-          <a:lnRef idx="2">
-            <a:schemeClr val="accent6">
-              <a:shade val="50000"/>
-            </a:schemeClr>
-          </a:lnRef>
-          <a:fillRef idx="1">
-            <a:schemeClr val="accent6"/>
-          </a:fillRef>
-          <a:effectRef idx="0">
-            <a:schemeClr val="accent6"/>
-          </a:effectRef>
-          <a:fontRef idx="minor">
-            <a:schemeClr val="lt1"/>
-          </a:fontRef>
-        </p:style>
-        <p:txBody>
-          <a:bodyPr rtlCol="0" anchor="ctr"/>
-          <a:p>
-            <a:pPr algn="just"/>
-            <a:r>
-              <a:rPr lang="" altLang="en-US" sz="2200" b="1">
+              <a:rPr lang="" altLang="en-US" sz="2400" b="1">
                 <a:solidFill>
                   <a:schemeClr val="tx1"/>
                 </a:solidFill>
                 <a:latin typeface="Times New Roman" panose="02020603050405020304" charset="0"/>
                 <a:cs typeface="Times New Roman" panose="02020603050405020304" charset="0"/>
               </a:rPr>
-              <a:t>F</a:t>
-            </a:r>
-            <a:r>
-              <a:rPr lang="en-US" sz="2200" b="1">
+              <a:t>Tablette sumérienne en argile</a:t>
+            </a:r>
+            <a:endParaRPr lang="" altLang="en-US" sz="2400" b="1">
+              <a:solidFill>
+                <a:schemeClr val="tx1"/>
+              </a:solidFill>
+              <a:latin typeface="Times New Roman" panose="02020603050405020304" charset="0"/>
+              <a:cs typeface="Times New Roman" panose="02020603050405020304" charset="0"/>
+            </a:endParaRPr>
+          </a:p>
+          <a:p>
+            <a:pPr algn="ctr"/>
+            <a:r>
+              <a:rPr lang="" altLang="en-US" sz="2400" b="1">
                 <a:solidFill>
                   <a:schemeClr val="tx1"/>
                 </a:solidFill>
                 <a:latin typeface="Times New Roman" panose="02020603050405020304" charset="0"/>
                 <a:cs typeface="Times New Roman" panose="02020603050405020304" charset="0"/>
               </a:rPr>
-              <a:t>orme de </a:t>
-            </a:r>
-            <a:r>
-              <a:rPr lang="en-US" sz="2200" b="1">
-                <a:solidFill>
-                  <a:schemeClr val="bg1"/>
-                </a:solidFill>
-                <a:latin typeface="Times New Roman" panose="02020603050405020304" charset="0"/>
-                <a:cs typeface="Times New Roman" panose="02020603050405020304" charset="0"/>
-              </a:rPr>
-              <a:t>représentation de l'information</a:t>
-            </a:r>
-            <a:r>
-              <a:rPr lang="en-US" sz="2200" b="1">
-                <a:solidFill>
-                  <a:schemeClr val="tx1"/>
-                </a:solidFill>
-                <a:latin typeface="Times New Roman" panose="02020603050405020304" charset="0"/>
-                <a:cs typeface="Times New Roman" panose="02020603050405020304" charset="0"/>
-              </a:rPr>
-              <a:t> consultable à l'écran d'un </a:t>
-            </a:r>
-            <a:r>
-              <a:rPr lang="en-US" sz="2200" b="1">
-                <a:solidFill>
-                  <a:schemeClr val="bg1"/>
-                </a:solidFill>
-                <a:latin typeface="Times New Roman" panose="02020603050405020304" charset="0"/>
-                <a:cs typeface="Times New Roman" panose="02020603050405020304" charset="0"/>
-              </a:rPr>
-              <a:t>appareil électronique</a:t>
-            </a:r>
-            <a:endParaRPr lang="en-US" sz="2200" b="1">
-              <a:solidFill>
-                <a:schemeClr val="bg1"/>
-              </a:solidFill>
-              <a:latin typeface="Times New Roman" panose="02020603050405020304" charset="0"/>
-              <a:cs typeface="Times New Roman" panose="02020603050405020304" charset="0"/>
-            </a:endParaRPr>
-          </a:p>
-        </p:txBody>
-      </p:sp>
-      <p:sp>
-        <p:nvSpPr>
-          <p:cNvPr id="15" name="Rounded Rectangular Callout 14"/>
-          <p:cNvSpPr/>
-          <p:nvPr/>
-        </p:nvSpPr>
-        <p:spPr>
-          <a:xfrm>
-            <a:off x="3548380" y="4920615"/>
-            <a:ext cx="8585835" cy="895350"/>
-          </a:xfrm>
-          <a:prstGeom prst="wedgeRoundRectCallout">
-            <a:avLst>
-              <a:gd name="adj1" fmla="val -62107"/>
-              <a:gd name="adj2" fmla="val 53333"/>
-              <a:gd name="adj3" fmla="val 16667"/>
-            </a:avLst>
-          </a:prstGeom>
-        </p:spPr>
-        <p:style>
-          <a:lnRef idx="2">
-            <a:schemeClr val="accent6">
-              <a:shade val="50000"/>
-            </a:schemeClr>
-          </a:lnRef>
-          <a:fillRef idx="1">
-            <a:schemeClr val="accent6"/>
-          </a:fillRef>
-          <a:effectRef idx="0">
-            <a:schemeClr val="accent6"/>
-          </a:effectRef>
-          <a:fontRef idx="minor">
-            <a:schemeClr val="lt1"/>
-          </a:fontRef>
-        </p:style>
-        <p:txBody>
-          <a:bodyPr rtlCol="0" anchor="ctr"/>
-          <a:p>
-            <a:pPr algn="just"/>
-            <a:r>
-              <a:rPr lang="" altLang="en-US" sz="2200" b="1">
-                <a:solidFill>
-                  <a:schemeClr val="bg1"/>
-                </a:solidFill>
-                <a:latin typeface="Times New Roman" panose="02020603050405020304" charset="0"/>
-                <a:cs typeface="Times New Roman" panose="02020603050405020304" charset="0"/>
-              </a:rPr>
-              <a:t>F</a:t>
-            </a:r>
-            <a:r>
-              <a:rPr lang="en-US" sz="2200" b="1">
-                <a:solidFill>
-                  <a:schemeClr val="bg1"/>
-                </a:solidFill>
-                <a:latin typeface="Times New Roman" panose="02020603050405020304" charset="0"/>
-                <a:cs typeface="Times New Roman" panose="02020603050405020304" charset="0"/>
-              </a:rPr>
-              <a:t>ourniture </a:t>
-            </a:r>
-            <a:r>
-              <a:rPr lang="en-US" sz="2200" b="1">
-                <a:solidFill>
-                  <a:schemeClr val="tx1"/>
-                </a:solidFill>
-                <a:latin typeface="Times New Roman" panose="02020603050405020304" charset="0"/>
-                <a:cs typeface="Times New Roman" panose="02020603050405020304" charset="0"/>
-              </a:rPr>
-              <a:t>de </a:t>
-            </a:r>
-            <a:r>
-              <a:rPr lang="en-US" sz="2200" b="1">
-                <a:solidFill>
-                  <a:schemeClr val="bg1"/>
-                </a:solidFill>
-                <a:latin typeface="Times New Roman" panose="02020603050405020304" charset="0"/>
-                <a:cs typeface="Times New Roman" panose="02020603050405020304" charset="0"/>
-              </a:rPr>
-              <a:t>contenus multimédia</a:t>
-            </a:r>
-            <a:r>
-              <a:rPr lang="en-US" sz="2200" b="1">
-                <a:solidFill>
-                  <a:schemeClr val="tx1"/>
-                </a:solidFill>
-                <a:latin typeface="Times New Roman" panose="02020603050405020304" charset="0"/>
-                <a:cs typeface="Times New Roman" panose="02020603050405020304" charset="0"/>
-              </a:rPr>
-              <a:t> </a:t>
-            </a:r>
-            <a:r>
-              <a:rPr lang="en-US" sz="2200" b="1">
-                <a:solidFill>
-                  <a:schemeClr val="bg1"/>
-                </a:solidFill>
-                <a:latin typeface="Times New Roman" panose="02020603050405020304" charset="0"/>
-                <a:cs typeface="Times New Roman" panose="02020603050405020304" charset="0"/>
-              </a:rPr>
-              <a:t>sans l'utilisation</a:t>
-            </a:r>
-            <a:r>
-              <a:rPr lang="en-US" sz="2200" b="1">
-                <a:solidFill>
-                  <a:schemeClr val="tx1"/>
-                </a:solidFill>
-                <a:latin typeface="Times New Roman" panose="02020603050405020304" charset="0"/>
-                <a:cs typeface="Times New Roman" panose="02020603050405020304" charset="0"/>
-              </a:rPr>
-              <a:t> d'un</a:t>
-            </a:r>
-            <a:r>
-              <a:rPr lang="en-US" sz="2200" b="1">
-                <a:solidFill>
-                  <a:schemeClr val="bg1"/>
-                </a:solidFill>
-                <a:latin typeface="Times New Roman" panose="02020603050405020304" charset="0"/>
-                <a:cs typeface="Times New Roman" panose="02020603050405020304" charset="0"/>
-              </a:rPr>
-              <a:t> support physique</a:t>
-            </a:r>
-            <a:r>
-              <a:rPr lang="en-US" sz="2200" b="1">
-                <a:solidFill>
-                  <a:schemeClr val="tx1"/>
-                </a:solidFill>
-                <a:latin typeface="Times New Roman" panose="02020603050405020304" charset="0"/>
-                <a:cs typeface="Times New Roman" panose="02020603050405020304" charset="0"/>
-              </a:rPr>
-              <a:t> conventionnel</a:t>
-            </a:r>
-            <a:endParaRPr lang="en-US" sz="2200" b="1">
-              <a:solidFill>
-                <a:schemeClr val="tx1"/>
-              </a:solidFill>
-              <a:latin typeface="Times New Roman" panose="02020603050405020304" charset="0"/>
-              <a:cs typeface="Times New Roman" panose="02020603050405020304" charset="0"/>
-            </a:endParaRPr>
-          </a:p>
-        </p:txBody>
-      </p:sp>
-      <p:sp>
-        <p:nvSpPr>
-          <p:cNvPr id="20" name="Rounded Rectangular Callout 19"/>
-          <p:cNvSpPr/>
-          <p:nvPr/>
-        </p:nvSpPr>
-        <p:spPr>
-          <a:xfrm>
-            <a:off x="3457575" y="2709545"/>
-            <a:ext cx="8646795" cy="714375"/>
-          </a:xfrm>
-          <a:prstGeom prst="wedgeRoundRectCallout">
-            <a:avLst>
-              <a:gd name="adj1" fmla="val -55617"/>
-              <a:gd name="adj2" fmla="val 9200"/>
-              <a:gd name="adj3" fmla="val 16667"/>
-            </a:avLst>
-          </a:prstGeom>
-        </p:spPr>
-        <p:style>
-          <a:lnRef idx="2">
-            <a:schemeClr val="accent6">
-              <a:shade val="50000"/>
-            </a:schemeClr>
-          </a:lnRef>
-          <a:fillRef idx="1">
-            <a:schemeClr val="accent6"/>
-          </a:fillRef>
-          <a:effectRef idx="0">
-            <a:schemeClr val="accent6"/>
-          </a:effectRef>
-          <a:fontRef idx="minor">
-            <a:schemeClr val="lt1"/>
-          </a:fontRef>
-        </p:style>
-        <p:txBody>
-          <a:bodyPr rtlCol="0" anchor="ctr"/>
-          <a:p>
-            <a:pPr algn="just"/>
-            <a:r>
-              <a:rPr lang="" altLang="en-US" sz="2200" b="1">
-                <a:solidFill>
-                  <a:schemeClr val="bg1"/>
-                </a:solidFill>
-                <a:latin typeface="Times New Roman" panose="02020603050405020304" charset="0"/>
-                <a:cs typeface="Times New Roman" panose="02020603050405020304" charset="0"/>
-              </a:rPr>
-              <a:t>Supports de diffusion :</a:t>
-            </a:r>
-            <a:r>
-              <a:rPr lang="" altLang="en-US" sz="2200" b="1">
-                <a:solidFill>
-                  <a:schemeClr val="tx1"/>
-                </a:solidFill>
-                <a:latin typeface="Times New Roman" panose="02020603050405020304" charset="0"/>
-                <a:cs typeface="Times New Roman" panose="02020603050405020304" charset="0"/>
-              </a:rPr>
-              <a:t> disque optique, livre électronique, wiki et blog </a:t>
-            </a:r>
-            <a:endParaRPr lang="" altLang="en-US" sz="2200" b="1">
-              <a:solidFill>
-                <a:schemeClr val="tx1"/>
-              </a:solidFill>
-              <a:latin typeface="Times New Roman" panose="02020603050405020304" charset="0"/>
-              <a:cs typeface="Times New Roman" panose="02020603050405020304" charset="0"/>
-            </a:endParaRPr>
-          </a:p>
-        </p:txBody>
-      </p:sp>
-      <p:sp>
-        <p:nvSpPr>
-          <p:cNvPr id="21" name="Rounded Rectangular Callout 20"/>
-          <p:cNvSpPr/>
-          <p:nvPr/>
-        </p:nvSpPr>
-        <p:spPr>
-          <a:xfrm>
-            <a:off x="3517900" y="6015990"/>
-            <a:ext cx="8646795" cy="714375"/>
-          </a:xfrm>
-          <a:prstGeom prst="wedgeRoundRectCallout">
-            <a:avLst>
-              <a:gd name="adj1" fmla="val -63042"/>
-              <a:gd name="adj2" fmla="val -18355"/>
-              <a:gd name="adj3" fmla="val 16667"/>
-            </a:avLst>
-          </a:prstGeom>
-        </p:spPr>
-        <p:style>
-          <a:lnRef idx="2">
-            <a:schemeClr val="accent6">
-              <a:shade val="50000"/>
-            </a:schemeClr>
-          </a:lnRef>
-          <a:fillRef idx="1">
-            <a:schemeClr val="accent6"/>
-          </a:fillRef>
-          <a:effectRef idx="0">
-            <a:schemeClr val="accent6"/>
-          </a:effectRef>
-          <a:fontRef idx="minor">
-            <a:schemeClr val="lt1"/>
-          </a:fontRef>
-        </p:style>
-        <p:txBody>
-          <a:bodyPr rtlCol="0" anchor="ctr"/>
-          <a:p>
-            <a:pPr algn="just"/>
-            <a:r>
-              <a:rPr lang="" altLang="en-US" sz="2200" b="1">
-                <a:solidFill>
-                  <a:schemeClr val="bg1"/>
-                </a:solidFill>
-                <a:latin typeface="Times New Roman" panose="02020603050405020304" charset="0"/>
-                <a:cs typeface="Times New Roman" panose="02020603050405020304" charset="0"/>
-              </a:rPr>
-              <a:t>Avantages</a:t>
-            </a:r>
-            <a:r>
-              <a:rPr lang="en-US" altLang="en-US" sz="2200" b="1">
-                <a:solidFill>
-                  <a:schemeClr val="bg1"/>
-                </a:solidFill>
-                <a:latin typeface="Times New Roman" panose="02020603050405020304" charset="0"/>
-                <a:cs typeface="Times New Roman" panose="02020603050405020304" charset="0"/>
-              </a:rPr>
-              <a:t> :</a:t>
-            </a:r>
-            <a:r>
-              <a:rPr lang="en-US" altLang="en-US" sz="2200" b="1">
-                <a:solidFill>
-                  <a:schemeClr val="tx1"/>
-                </a:solidFill>
-                <a:latin typeface="Times New Roman" panose="02020603050405020304" charset="0"/>
-                <a:cs typeface="Times New Roman" panose="02020603050405020304" charset="0"/>
-              </a:rPr>
-              <a:t> </a:t>
-            </a:r>
-            <a:r>
-              <a:rPr lang="" altLang="en-US" sz="2200" b="1">
-                <a:solidFill>
-                  <a:schemeClr val="tx1"/>
-                </a:solidFill>
-                <a:latin typeface="Times New Roman" panose="02020603050405020304" charset="0"/>
-                <a:cs typeface="Times New Roman" panose="02020603050405020304" charset="0"/>
-              </a:rPr>
-              <a:t>Vente directe, disponibilité globale, production facile</a:t>
-            </a:r>
-            <a:r>
-              <a:rPr lang="en-US" altLang="en-US" sz="2200" b="1">
-                <a:solidFill>
-                  <a:schemeClr val="tx1"/>
-                </a:solidFill>
-                <a:latin typeface="Times New Roman" panose="02020603050405020304" charset="0"/>
-                <a:cs typeface="Times New Roman" panose="02020603050405020304" charset="0"/>
-              </a:rPr>
-              <a:t> </a:t>
-            </a:r>
-            <a:endParaRPr lang="en-US" altLang="en-US" sz="2200" b="1">
-              <a:solidFill>
-                <a:schemeClr val="tx1"/>
-              </a:solidFill>
-              <a:latin typeface="Times New Roman" panose="02020603050405020304" charset="0"/>
-              <a:cs typeface="Times New Roman" panose="02020603050405020304" charset="0"/>
-            </a:endParaRPr>
-          </a:p>
-        </p:txBody>
-      </p:sp>
-      <p:sp>
-        <p:nvSpPr>
-          <p:cNvPr id="22" name="Rounded Rectangular Callout 21"/>
-          <p:cNvSpPr/>
-          <p:nvPr/>
-        </p:nvSpPr>
-        <p:spPr>
-          <a:xfrm>
-            <a:off x="3456940" y="3701415"/>
-            <a:ext cx="8646795" cy="714375"/>
-          </a:xfrm>
-          <a:prstGeom prst="wedgeRoundRectCallout">
-            <a:avLst>
-              <a:gd name="adj1" fmla="val -67426"/>
-              <a:gd name="adj2" fmla="val -62177"/>
-              <a:gd name="adj3" fmla="val 16667"/>
-            </a:avLst>
-          </a:prstGeom>
-        </p:spPr>
-        <p:style>
-          <a:lnRef idx="2">
-            <a:schemeClr val="accent6">
-              <a:shade val="50000"/>
-            </a:schemeClr>
-          </a:lnRef>
-          <a:fillRef idx="1">
-            <a:schemeClr val="accent6"/>
-          </a:fillRef>
-          <a:effectRef idx="0">
-            <a:schemeClr val="accent6"/>
-          </a:effectRef>
-          <a:fontRef idx="minor">
-            <a:schemeClr val="lt1"/>
-          </a:fontRef>
-        </p:style>
-        <p:txBody>
-          <a:bodyPr rtlCol="0" anchor="ctr"/>
-          <a:p>
-            <a:pPr algn="just"/>
-            <a:r>
-              <a:rPr lang="" altLang="en-US" sz="2200" b="1">
-                <a:solidFill>
-                  <a:schemeClr val="bg1"/>
-                </a:solidFill>
-                <a:latin typeface="Times New Roman" panose="02020603050405020304" charset="0"/>
-                <a:cs typeface="Times New Roman" panose="02020603050405020304" charset="0"/>
-              </a:rPr>
-              <a:t>Formats</a:t>
-            </a:r>
-            <a:r>
-              <a:rPr lang="en-US" altLang="en-US" sz="2200" b="1">
-                <a:solidFill>
-                  <a:schemeClr val="bg1"/>
-                </a:solidFill>
-                <a:latin typeface="Times New Roman" panose="02020603050405020304" charset="0"/>
-                <a:cs typeface="Times New Roman" panose="02020603050405020304" charset="0"/>
-              </a:rPr>
-              <a:t> :</a:t>
-            </a:r>
-            <a:r>
-              <a:rPr lang="en-US" altLang="en-US" sz="2200" b="1">
-                <a:solidFill>
-                  <a:schemeClr val="tx1"/>
-                </a:solidFill>
-                <a:latin typeface="Times New Roman" panose="02020603050405020304" charset="0"/>
-                <a:cs typeface="Times New Roman" panose="02020603050405020304" charset="0"/>
-              </a:rPr>
-              <a:t> </a:t>
-            </a:r>
-            <a:r>
-              <a:rPr lang="" altLang="en-US" sz="2200" b="1">
-                <a:solidFill>
-                  <a:schemeClr val="tx1"/>
-                </a:solidFill>
-                <a:latin typeface="Times New Roman" panose="02020603050405020304" charset="0"/>
-                <a:cs typeface="Times New Roman" panose="02020603050405020304" charset="0"/>
-              </a:rPr>
-              <a:t>PDF</a:t>
-            </a:r>
-            <a:r>
-              <a:rPr lang="" altLang="en-US" sz="2200" b="1">
-                <a:solidFill>
-                  <a:schemeClr val="tx1"/>
-                </a:solidFill>
-                <a:latin typeface="Times New Roman" panose="02020603050405020304" charset="0"/>
-                <a:cs typeface="Times New Roman" panose="02020603050405020304" charset="0"/>
-              </a:rPr>
-              <a:t>, PNG, MP3, DOCX, EXE, TAR, BIN, ZIP, TIFF, etc</a:t>
-            </a:r>
-            <a:endParaRPr lang="" altLang="en-US" sz="2200" b="1">
+              <a:t>(3400-3200 av. J.C.)</a:t>
+            </a:r>
+            <a:endParaRPr lang="" altLang="en-US" sz="2400" b="1">
               <a:solidFill>
                 <a:schemeClr val="tx1"/>
               </a:solidFill>
@@ -18157,14 +18719,14 @@
       </p:sp>
       <p:sp>
         <p:nvSpPr>
-          <p:cNvPr id="10" name="Oval 9"/>
+          <p:cNvPr id="5" name="Oval 4"/>
           <p:cNvSpPr/>
           <p:nvPr/>
         </p:nvSpPr>
         <p:spPr>
           <a:xfrm>
-            <a:off x="208915" y="2076450"/>
-            <a:ext cx="2122805" cy="904875"/>
+            <a:off x="115570" y="2602230"/>
+            <a:ext cx="2861310" cy="1002665"/>
           </a:xfrm>
           <a:prstGeom prst="ellipse">
             <a:avLst/>
@@ -18195,7 +18757,7 @@
                 <a:latin typeface="Times New Roman" panose="02020603050405020304" charset="0"/>
                 <a:cs typeface="Times New Roman" panose="02020603050405020304" charset="0"/>
               </a:rPr>
-              <a:t>Indexation</a:t>
+              <a:t>Document numérique</a:t>
             </a:r>
             <a:endParaRPr lang="en-US" altLang="en-US" sz="2200" b="1">
               <a:latin typeface="Times New Roman" panose="02020603050405020304" charset="0"/>
@@ -18206,14 +18768,14 @@
       </p:sp>
       <p:sp>
         <p:nvSpPr>
-          <p:cNvPr id="13" name="Oval 12"/>
+          <p:cNvPr id="9" name="Oval 8"/>
           <p:cNvSpPr/>
           <p:nvPr/>
         </p:nvSpPr>
         <p:spPr>
           <a:xfrm>
-            <a:off x="82550" y="4953635"/>
-            <a:ext cx="2396490" cy="1070610"/>
+            <a:off x="115570" y="5448300"/>
+            <a:ext cx="2376805" cy="1035050"/>
           </a:xfrm>
           <a:prstGeom prst="ellipse">
             <a:avLst/>
@@ -18244,7 +18806,7 @@
                 <a:latin typeface="Times New Roman" panose="02020603050405020304" charset="0"/>
                 <a:cs typeface="Times New Roman" panose="02020603050405020304" charset="0"/>
               </a:rPr>
-              <a:t>Recherche</a:t>
+              <a:t>Distribution numérique</a:t>
             </a:r>
             <a:endParaRPr lang="en-US" altLang="en-US" sz="2200" b="1">
               <a:latin typeface="Times New Roman" panose="02020603050405020304" charset="0"/>
@@ -18255,19 +18817,19 @@
       </p:sp>
       <p:sp>
         <p:nvSpPr>
-          <p:cNvPr id="16" name="Rounded Rectangular Callout 15"/>
+          <p:cNvPr id="14" name="Rounded Rectangular Callout 13"/>
           <p:cNvSpPr/>
           <p:nvPr/>
         </p:nvSpPr>
         <p:spPr>
           <a:xfrm>
-            <a:off x="2967990" y="1542415"/>
-            <a:ext cx="9009380" cy="895350"/>
+            <a:off x="3517900" y="1486535"/>
+            <a:ext cx="8586470" cy="895350"/>
           </a:xfrm>
           <a:prstGeom prst="wedgeRoundRectCallout">
             <a:avLst>
-              <a:gd name="adj1" fmla="val -58495"/>
-              <a:gd name="adj2" fmla="val 36737"/>
+              <a:gd name="adj1" fmla="val -62261"/>
+              <a:gd name="adj2" fmla="val 84539"/>
               <a:gd name="adj3" fmla="val 16667"/>
             </a:avLst>
           </a:prstGeom>
@@ -18293,6 +18855,26 @@
           <a:p>
             <a:pPr algn="just"/>
             <a:r>
+              <a:rPr lang="en-US" altLang="en-US" sz="2200" b="1">
+                <a:solidFill>
+                  <a:schemeClr val="tx1"/>
+                </a:solidFill>
+                <a:latin typeface="Times New Roman" panose="02020603050405020304" charset="0"/>
+                <a:cs typeface="Times New Roman" panose="02020603050405020304" charset="0"/>
+              </a:rPr>
+              <a:t>F</a:t>
+            </a:r>
+            <a:r>
+              <a:rPr lang="en-US" sz="2200" b="1">
+                <a:solidFill>
+                  <a:schemeClr val="tx1"/>
+                </a:solidFill>
+                <a:latin typeface="Times New Roman" panose="02020603050405020304" charset="0"/>
+                <a:cs typeface="Times New Roman" panose="02020603050405020304" charset="0"/>
+              </a:rPr>
+              <a:t>orme de </a:t>
+            </a:r>
+            <a:r>
               <a:rPr lang="en-US" sz="2200" b="1">
                 <a:solidFill>
                   <a:schemeClr val="bg1"/>
@@ -18300,7 +18882,7 @@
                 <a:latin typeface="Times New Roman" panose="02020603050405020304" charset="0"/>
                 <a:cs typeface="Times New Roman" panose="02020603050405020304" charset="0"/>
               </a:rPr>
-              <a:t>transformation </a:t>
+              <a:t>représentation de l'information</a:t>
             </a:r>
             <a:r>
               <a:rPr lang="en-US" sz="2200" b="1">
@@ -18310,7 +18892,7 @@
                 <a:latin typeface="Times New Roman" panose="02020603050405020304" charset="0"/>
                 <a:cs typeface="Times New Roman" panose="02020603050405020304" charset="0"/>
               </a:rPr>
-              <a:t>des </a:t>
+              <a:t> consultable à l'écran d'un </a:t>
             </a:r>
             <a:r>
               <a:rPr lang="en-US" sz="2200" b="1">
@@ -18320,41 +18902,11 @@
                 <a:latin typeface="Times New Roman" panose="02020603050405020304" charset="0"/>
                 <a:cs typeface="Times New Roman" panose="02020603050405020304" charset="0"/>
               </a:rPr>
-              <a:t>données d'origine</a:t>
-            </a:r>
-            <a:r>
-              <a:rPr lang="en-US" sz="2200" b="1">
-                <a:solidFill>
-                  <a:schemeClr val="tx1"/>
-                </a:solidFill>
-                <a:latin typeface="Times New Roman" panose="02020603050405020304" charset="0"/>
-                <a:cs typeface="Times New Roman" panose="02020603050405020304" charset="0"/>
-              </a:rPr>
-              <a:t> en une  </a:t>
-            </a:r>
-            <a:r>
-              <a:rPr lang="en-US" sz="2200" b="1">
-                <a:solidFill>
-                  <a:schemeClr val="bg1"/>
-                </a:solidFill>
-                <a:latin typeface="Times New Roman" panose="02020603050405020304" charset="0"/>
-                <a:cs typeface="Times New Roman" panose="02020603050405020304" charset="0"/>
-              </a:rPr>
-              <a:t>référence croisée</a:t>
-            </a:r>
-            <a:r>
-              <a:rPr lang="en-US" sz="2200" b="1">
-                <a:solidFill>
-                  <a:schemeClr val="tx1"/>
-                </a:solidFill>
-                <a:latin typeface="Times New Roman" panose="02020603050405020304" charset="0"/>
-                <a:cs typeface="Times New Roman" panose="02020603050405020304" charset="0"/>
-              </a:rPr>
-              <a:t> très efficace afin de faciliter la recherche rapide</a:t>
+              <a:t>appareil électronique</a:t>
             </a:r>
             <a:endParaRPr lang="en-US" sz="2200" b="1">
               <a:solidFill>
-                <a:schemeClr val="tx1"/>
+                <a:schemeClr val="bg1"/>
               </a:solidFill>
               <a:latin typeface="Times New Roman" panose="02020603050405020304" charset="0"/>
               <a:cs typeface="Times New Roman" panose="02020603050405020304" charset="0"/>
@@ -18364,19 +18916,19 @@
       </p:sp>
       <p:sp>
         <p:nvSpPr>
-          <p:cNvPr id="17" name="Rounded Rectangular Callout 16"/>
+          <p:cNvPr id="15" name="Rounded Rectangular Callout 14"/>
           <p:cNvSpPr/>
           <p:nvPr/>
         </p:nvSpPr>
         <p:spPr>
           <a:xfrm>
-            <a:off x="2903855" y="3828415"/>
-            <a:ext cx="9010015" cy="993775"/>
+            <a:off x="3548380" y="4920615"/>
+            <a:ext cx="8585835" cy="895350"/>
           </a:xfrm>
           <a:prstGeom prst="wedgeRoundRectCallout">
             <a:avLst>
-              <a:gd name="adj1" fmla="val -64405"/>
-              <a:gd name="adj2" fmla="val 60415"/>
+              <a:gd name="adj1" fmla="val -62107"/>
+              <a:gd name="adj2" fmla="val 53333"/>
               <a:gd name="adj3" fmla="val 16667"/>
             </a:avLst>
           </a:prstGeom>
@@ -18402,6 +18954,16 @@
           <a:p>
             <a:pPr algn="just"/>
             <a:r>
+              <a:rPr lang="en-US" altLang="en-US" sz="2200" b="1">
+                <a:solidFill>
+                  <a:schemeClr val="bg1"/>
+                </a:solidFill>
+                <a:latin typeface="Times New Roman" panose="02020603050405020304" charset="0"/>
+                <a:cs typeface="Times New Roman" panose="02020603050405020304" charset="0"/>
+              </a:rPr>
+              <a:t>F</a:t>
+            </a:r>
+            <a:r>
               <a:rPr lang="en-US" sz="2200" b="1">
                 <a:solidFill>
                   <a:schemeClr val="bg1"/>
@@ -18409,7 +18971,7 @@
                 <a:latin typeface="Times New Roman" panose="02020603050405020304" charset="0"/>
                 <a:cs typeface="Times New Roman" panose="02020603050405020304" charset="0"/>
               </a:rPr>
-              <a:t>algorithme </a:t>
+              <a:t>ourniture </a:t>
             </a:r>
             <a:r>
               <a:rPr lang="en-US" sz="2200" b="1">
@@ -18419,7 +18981,7 @@
                 <a:latin typeface="Times New Roman" panose="02020603050405020304" charset="0"/>
                 <a:cs typeface="Times New Roman" panose="02020603050405020304" charset="0"/>
               </a:rPr>
-              <a:t>prenant un </a:t>
+              <a:t>de </a:t>
             </a:r>
             <a:r>
               <a:rPr lang="en-US" sz="2200" b="1">
@@ -18429,7 +18991,7 @@
                 <a:latin typeface="Times New Roman" panose="02020603050405020304" charset="0"/>
                 <a:cs typeface="Times New Roman" panose="02020603050405020304" charset="0"/>
               </a:rPr>
-              <a:t>problème en entrée</a:t>
+              <a:t>contenus multimédia</a:t>
             </a:r>
             <a:r>
               <a:rPr lang="en-US" sz="2200" b="1">
@@ -18439,7 +19001,7 @@
                 <a:latin typeface="Times New Roman" panose="02020603050405020304" charset="0"/>
                 <a:cs typeface="Times New Roman" panose="02020603050405020304" charset="0"/>
               </a:rPr>
-              <a:t> et</a:t>
+              <a:t> </a:t>
             </a:r>
             <a:r>
               <a:rPr lang="en-US" sz="2200" b="1">
@@ -18449,7 +19011,7 @@
                 <a:latin typeface="Times New Roman" panose="02020603050405020304" charset="0"/>
                 <a:cs typeface="Times New Roman" panose="02020603050405020304" charset="0"/>
               </a:rPr>
-              <a:t> renvoie une solution</a:t>
+              <a:t>sans l'utilisation</a:t>
             </a:r>
             <a:r>
               <a:rPr lang="en-US" sz="2200" b="1">
@@ -18459,7 +19021,27 @@
                 <a:latin typeface="Times New Roman" panose="02020603050405020304" charset="0"/>
                 <a:cs typeface="Times New Roman" panose="02020603050405020304" charset="0"/>
               </a:rPr>
-              <a:t> au problème après avoir évalué un certain nombre de solutions possibles</a:t>
+              <a:t> d'un</a:t>
+            </a:r>
+            <a:r>
+              <a:rPr lang="en-US" sz="2200" b="1">
+                <a:solidFill>
+                  <a:schemeClr val="bg1"/>
+                </a:solidFill>
+                <a:latin typeface="Times New Roman" panose="02020603050405020304" charset="0"/>
+                <a:cs typeface="Times New Roman" panose="02020603050405020304" charset="0"/>
+              </a:rPr>
+              <a:t> support physique</a:t>
+            </a:r>
+            <a:r>
+              <a:rPr lang="en-US" sz="2200" b="1">
+                <a:solidFill>
+                  <a:schemeClr val="tx1"/>
+                </a:solidFill>
+                <a:latin typeface="Times New Roman" panose="02020603050405020304" charset="0"/>
+                <a:cs typeface="Times New Roman" panose="02020603050405020304" charset="0"/>
+              </a:rPr>
+              <a:t> conventionnel</a:t>
             </a:r>
             <a:endParaRPr lang="en-US" sz="2200" b="1">
               <a:solidFill>
@@ -18479,13 +19061,13 @@
         </p:nvSpPr>
         <p:spPr>
           <a:xfrm>
-            <a:off x="2903855" y="2559685"/>
-            <a:ext cx="8061325" cy="994410"/>
+            <a:off x="3457575" y="2709545"/>
+            <a:ext cx="8646795" cy="714375"/>
           </a:xfrm>
           <a:prstGeom prst="wedgeRoundRectCallout">
             <a:avLst>
-              <a:gd name="adj1" fmla="val -56925"/>
-              <a:gd name="adj2" fmla="val -43231"/>
+              <a:gd name="adj1" fmla="val -55617"/>
+              <a:gd name="adj2" fmla="val 9200"/>
               <a:gd name="adj3" fmla="val 16667"/>
             </a:avLst>
           </a:prstGeom>
@@ -18511,49 +19093,26 @@
           <a:p>
             <a:pPr algn="just"/>
             <a:r>
-              <a:rPr lang="" altLang="en-US" sz="2200" b="1">
+              <a:rPr lang="en-US" altLang="en-US" sz="2200" b="1">
                 <a:solidFill>
                   <a:schemeClr val="bg1"/>
                 </a:solidFill>
                 <a:latin typeface="Times New Roman" panose="02020603050405020304" charset="0"/>
                 <a:cs typeface="Times New Roman" panose="02020603050405020304" charset="0"/>
               </a:rPr>
-              <a:t>Types d'indexation</a:t>
-            </a:r>
-            <a:endParaRPr lang="" altLang="en-US" sz="2200" b="1">
-              <a:solidFill>
-                <a:schemeClr val="bg1"/>
-              </a:solidFill>
-              <a:latin typeface="Times New Roman" panose="02020603050405020304" charset="0"/>
-              <a:cs typeface="Times New Roman" panose="02020603050405020304" charset="0"/>
-            </a:endParaRPr>
-          </a:p>
-          <a:p>
-            <a:pPr marL="800100" lvl="1" indent="-342900" algn="just">
-              <a:buFont typeface="Arial" panose="020B0604020202020204" pitchFamily="34" charset="0"/>
-              <a:buChar char="•"/>
-            </a:pPr>
-            <a:r>
-              <a:rPr lang="" altLang="en-US" sz="2200" b="1">
-                <a:solidFill>
-                  <a:schemeClr val="bg1"/>
-                </a:solidFill>
-                <a:latin typeface="Times New Roman" panose="02020603050405020304" charset="0"/>
-                <a:cs typeface="Times New Roman" panose="02020603050405020304" charset="0"/>
-              </a:rPr>
-              <a:t>indexation manuelle</a:t>
-            </a:r>
-            <a:r>
-              <a:rPr lang="" altLang="en-US" sz="2200" b="1">
+              <a:t>Supports de diffusion :</a:t>
+            </a:r>
+            <a:r>
+              <a:rPr lang="en-US" altLang="en-US" sz="2200" b="1">
                 <a:solidFill>
                   <a:schemeClr val="tx1"/>
                 </a:solidFill>
                 <a:latin typeface="Times New Roman" panose="02020603050405020304" charset="0"/>
                 <a:cs typeface="Times New Roman" panose="02020603050405020304" charset="0"/>
               </a:rPr>
-              <a:t>(alphabétique, systématique, matière)  </a:t>
-            </a:r>
-            <a:endParaRPr lang="" altLang="en-US" sz="2200" b="1">
+              <a:t> disque optique, livre électronique, wiki et blog </a:t>
+            </a:r>
+            <a:endParaRPr lang="en-US" altLang="en-US" sz="2200" b="1">
               <a:solidFill>
                 <a:schemeClr val="tx1"/>
               </a:solidFill>
@@ -18561,29 +19120,6 @@
               <a:cs typeface="Times New Roman" panose="02020603050405020304" charset="0"/>
             </a:endParaRPr>
           </a:p>
-          <a:p>
-            <a:pPr marL="800100" lvl="1" indent="-342900" algn="just">
-              <a:buFont typeface="Arial" panose="020B0604020202020204" pitchFamily="34" charset="0"/>
-              <a:buChar char="•"/>
-            </a:pPr>
-            <a:r>
-              <a:rPr lang="" altLang="en-US" sz="2200" b="1">
-                <a:solidFill>
-                  <a:schemeClr val="bg1"/>
-                </a:solidFill>
-                <a:latin typeface="Times New Roman" panose="02020603050405020304" charset="0"/>
-                <a:cs typeface="Times New Roman" panose="02020603050405020304" charset="0"/>
-              </a:rPr>
-              <a:t>indexation automatique </a:t>
-            </a:r>
-            <a:endParaRPr lang="" altLang="en-US" sz="2200" b="1">
-              <a:solidFill>
-                <a:schemeClr val="bg1"/>
-              </a:solidFill>
-              <a:latin typeface="Times New Roman" panose="02020603050405020304" charset="0"/>
-              <a:cs typeface="Times New Roman" panose="02020603050405020304" charset="0"/>
-            </a:endParaRPr>
-          </a:p>
         </p:txBody>
       </p:sp>
       <p:sp>
@@ -18594,13 +19130,13 @@
         </p:nvSpPr>
         <p:spPr>
           <a:xfrm>
-            <a:off x="3220720" y="4954270"/>
-            <a:ext cx="4476115" cy="1776095"/>
+            <a:off x="3517900" y="6015990"/>
+            <a:ext cx="8646795" cy="714375"/>
           </a:xfrm>
           <a:prstGeom prst="wedgeRoundRectCallout">
             <a:avLst>
-              <a:gd name="adj1" fmla="val -69889"/>
-              <a:gd name="adj2" fmla="val 3056"/>
+              <a:gd name="adj1" fmla="val -63042"/>
+              <a:gd name="adj2" fmla="val -18355"/>
               <a:gd name="adj3" fmla="val 16667"/>
             </a:avLst>
           </a:prstGeom>
@@ -18626,110 +19162,97 @@
           <a:p>
             <a:pPr algn="just"/>
             <a:r>
-              <a:rPr lang="" altLang="en-US" sz="2200" b="1">
+              <a:rPr lang="en-US" altLang="en-US" sz="2200" b="1">
                 <a:solidFill>
                   <a:schemeClr val="bg1"/>
                 </a:solidFill>
                 <a:latin typeface="Times New Roman" panose="02020603050405020304" charset="0"/>
                 <a:cs typeface="Times New Roman" panose="02020603050405020304" charset="0"/>
               </a:rPr>
-              <a:t>Type de recherche </a:t>
-            </a:r>
-            <a:endParaRPr lang="" altLang="en-US" sz="2200" b="1">
+              <a:t>Avantages :</a:t>
+            </a:r>
+            <a:r>
+              <a:rPr lang="en-US" altLang="en-US" sz="2200" b="1">
+                <a:solidFill>
+                  <a:schemeClr val="tx1"/>
+                </a:solidFill>
+                <a:latin typeface="Times New Roman" panose="02020603050405020304" charset="0"/>
+                <a:cs typeface="Times New Roman" panose="02020603050405020304" charset="0"/>
+              </a:rPr>
+              <a:t> Vente directe, disponibilité globale, production facile </a:t>
+            </a:r>
+            <a:endParaRPr lang="en-US" altLang="en-US" sz="2200" b="1">
               <a:solidFill>
-                <a:schemeClr val="bg1"/>
+                <a:schemeClr val="tx1"/>
               </a:solidFill>
               <a:latin typeface="Times New Roman" panose="02020603050405020304" charset="0"/>
               <a:cs typeface="Times New Roman" panose="02020603050405020304" charset="0"/>
             </a:endParaRPr>
           </a:p>
-          <a:p>
-            <a:pPr marL="342900" indent="-342900" algn="just">
-              <a:buFont typeface="Arial" panose="020B0604020202020204" pitchFamily="34" charset="0"/>
-              <a:buChar char="•"/>
-            </a:pPr>
-            <a:r>
-              <a:rPr lang="" altLang="en-US" sz="2200" b="1">
+        </p:txBody>
+      </p:sp>
+      <p:sp>
+        <p:nvSpPr>
+          <p:cNvPr id="22" name="Rounded Rectangular Callout 21"/>
+          <p:cNvSpPr/>
+          <p:nvPr/>
+        </p:nvSpPr>
+        <p:spPr>
+          <a:xfrm>
+            <a:off x="3456940" y="3701415"/>
+            <a:ext cx="8646795" cy="714375"/>
+          </a:xfrm>
+          <a:prstGeom prst="wedgeRoundRectCallout">
+            <a:avLst>
+              <a:gd name="adj1" fmla="val -67426"/>
+              <a:gd name="adj2" fmla="val -62177"/>
+              <a:gd name="adj3" fmla="val 16667"/>
+            </a:avLst>
+          </a:prstGeom>
+        </p:spPr>
+        <p:style>
+          <a:lnRef idx="2">
+            <a:schemeClr val="accent6">
+              <a:shade val="50000"/>
+            </a:schemeClr>
+          </a:lnRef>
+          <a:fillRef idx="1">
+            <a:schemeClr val="accent6"/>
+          </a:fillRef>
+          <a:effectRef idx="0">
+            <a:schemeClr val="accent6"/>
+          </a:effectRef>
+          <a:fontRef idx="minor">
+            <a:schemeClr val="lt1"/>
+          </a:fontRef>
+        </p:style>
+        <p:txBody>
+          <a:bodyPr rtlCol="0" anchor="ctr"/>
+          <a:p>
+            <a:pPr algn="just"/>
+            <a:r>
+              <a:rPr lang="en-US" altLang="en-US" sz="2200" b="1">
                 <a:solidFill>
                   <a:schemeClr val="bg1"/>
                 </a:solidFill>
                 <a:latin typeface="Times New Roman" panose="02020603050405020304" charset="0"/>
                 <a:cs typeface="Times New Roman" panose="02020603050405020304" charset="0"/>
               </a:rPr>
-              <a:t>recherche non-informée</a:t>
-            </a:r>
-            <a:endParaRPr lang="" altLang="en-US" sz="2200" b="1">
+              <a:t>Formats :</a:t>
+            </a:r>
+            <a:r>
+              <a:rPr lang="en-US" altLang="en-US" sz="2200" b="1">
+                <a:solidFill>
+                  <a:schemeClr val="tx1"/>
+                </a:solidFill>
+                <a:latin typeface="Times New Roman" panose="02020603050405020304" charset="0"/>
+                <a:cs typeface="Times New Roman" panose="02020603050405020304" charset="0"/>
+              </a:rPr>
+              <a:t> PDF, PNG, MP3, DOCX, EXE, TAR, BIN, ZIP, TIFF, etc</a:t>
+            </a:r>
+            <a:endParaRPr lang="en-US" altLang="en-US" sz="2200" b="1">
               <a:solidFill>
-                <a:schemeClr val="bg1"/>
-              </a:solidFill>
-              <a:latin typeface="Times New Roman" panose="02020603050405020304" charset="0"/>
-              <a:cs typeface="Times New Roman" panose="02020603050405020304" charset="0"/>
-            </a:endParaRPr>
-          </a:p>
-          <a:p>
-            <a:pPr marL="342900" indent="-342900" algn="just">
-              <a:buFont typeface="Arial" panose="020B0604020202020204" pitchFamily="34" charset="0"/>
-              <a:buChar char="•"/>
-            </a:pPr>
-            <a:r>
-              <a:rPr lang="" altLang="en-US" sz="2200" b="1">
-                <a:solidFill>
-                  <a:schemeClr val="bg1"/>
-                </a:solidFill>
-                <a:latin typeface="Times New Roman" panose="02020603050405020304" charset="0"/>
-                <a:cs typeface="Times New Roman" panose="02020603050405020304" charset="0"/>
-              </a:rPr>
-              <a:t>recherche informée</a:t>
-            </a:r>
-            <a:endParaRPr lang="" altLang="en-US" sz="2200" b="1">
-              <a:solidFill>
-                <a:schemeClr val="bg1"/>
-              </a:solidFill>
-              <a:latin typeface="Times New Roman" panose="02020603050405020304" charset="0"/>
-              <a:cs typeface="Times New Roman" panose="02020603050405020304" charset="0"/>
-            </a:endParaRPr>
-          </a:p>
-          <a:p>
-            <a:pPr marL="342900" indent="-342900" algn="just">
-              <a:buFont typeface="Arial" panose="020B0604020202020204" pitchFamily="34" charset="0"/>
-              <a:buChar char="•"/>
-            </a:pPr>
-            <a:r>
-              <a:rPr lang="" altLang="en-US" sz="2200" b="1">
-                <a:solidFill>
-                  <a:schemeClr val="bg1"/>
-                </a:solidFill>
-                <a:latin typeface="Times New Roman" panose="02020603050405020304" charset="0"/>
-                <a:cs typeface="Times New Roman" panose="02020603050405020304" charset="0"/>
-              </a:rPr>
-              <a:t>recherche contradictoire</a:t>
-            </a:r>
-            <a:endParaRPr lang="" altLang="en-US" sz="2200" b="1">
-              <a:solidFill>
-                <a:schemeClr val="bg1"/>
-              </a:solidFill>
-              <a:latin typeface="Times New Roman" panose="02020603050405020304" charset="0"/>
-              <a:cs typeface="Times New Roman" panose="02020603050405020304" charset="0"/>
-            </a:endParaRPr>
-          </a:p>
-          <a:p>
-            <a:pPr marL="342900" indent="-342900" algn="just">
-              <a:buFont typeface="Arial" panose="020B0604020202020204" pitchFamily="34" charset="0"/>
-              <a:buChar char="•"/>
-            </a:pPr>
-            <a:r>
-              <a:rPr lang="" altLang="en-US" sz="2200" b="1">
-                <a:solidFill>
-                  <a:schemeClr val="bg1"/>
-                </a:solidFill>
-                <a:latin typeface="Times New Roman" panose="02020603050405020304" charset="0"/>
-                <a:cs typeface="Times New Roman" panose="02020603050405020304" charset="0"/>
-              </a:rPr>
-              <a:t>recherche par interpolation</a:t>
-            </a:r>
-            <a:endParaRPr lang="" altLang="en-US" sz="2200" b="1">
-              <a:solidFill>
-                <a:schemeClr val="bg1"/>
+                <a:schemeClr val="tx1"/>
               </a:solidFill>
               <a:latin typeface="Times New Roman" panose="02020603050405020304" charset="0"/>
               <a:cs typeface="Times New Roman" panose="02020603050405020304" charset="0"/>

--- a/Documents/theme/diapo.pptx
+++ b/Documents/theme/diapo.pptx
@@ -18128,7 +18128,7 @@
         <p:txBody>
           <a:bodyPr/>
           <a:p>
-            <a:pPr marL="571500" indent="-571500" algn="ctr">
+            <a:pPr marL="571500" indent="-571500" algn="just">
               <a:buFont typeface="+mj-lt"/>
               <a:buAutoNum type="romanUcPeriod"/>
             </a:pPr>
@@ -18142,6 +18142,17 @@
             <a:endParaRPr lang="" altLang="en-US" b="1">
               <a:latin typeface="Times New Roman" panose="02020603050405020304" charset="0"/>
               <a:cs typeface="Times New Roman" panose="02020603050405020304" charset="0"/>
+            </a:endParaRPr>
+          </a:p>
+          <a:p>
+            <a:pPr marL="457200" lvl="1" indent="0" algn="just">
+              <a:buFont typeface="Arial" panose="020B0604020202020204" pitchFamily="34" charset="0"/>
+              <a:buNone/>
+            </a:pPr>
+            <a:endParaRPr lang="" altLang="en-US" b="1">
+              <a:latin typeface="Times New Roman" panose="02020603050405020304" charset="0"/>
+              <a:cs typeface="Times New Roman" panose="02020603050405020304" charset="0"/>
+              <a:sym typeface="+mn-ea"/>
             </a:endParaRPr>
           </a:p>
         </p:txBody>
@@ -18356,8 +18367,8 @@
         </p:blipFill>
         <p:spPr>
           <a:xfrm>
-            <a:off x="4162425" y="2219960"/>
-            <a:ext cx="3517265" cy="3301365"/>
+            <a:off x="341630" y="1929130"/>
+            <a:ext cx="1457325" cy="1094740"/>
           </a:xfrm>
           <a:prstGeom prst="rect">
             <a:avLst/>
@@ -18366,24 +18377,22 @@
       </p:pic>
       <p:sp>
         <p:nvSpPr>
-          <p:cNvPr id="9" name="Rectangle 8"/>
+          <p:cNvPr id="18" name="Rounded Rectangular Callout 17"/>
           <p:cNvSpPr/>
           <p:nvPr/>
         </p:nvSpPr>
         <p:spPr>
           <a:xfrm>
-            <a:off x="3907155" y="5521325"/>
-            <a:ext cx="4377690" cy="963295"/>
-          </a:xfrm>
-          <a:prstGeom prst="rect">
-            <a:avLst/>
-          </a:prstGeom>
-          <a:solidFill>
-            <a:schemeClr val="bg1"/>
-          </a:solidFill>
-          <a:ln>
-            <a:noFill/>
-          </a:ln>
+            <a:off x="3964305" y="5995670"/>
+            <a:ext cx="4900295" cy="542925"/>
+          </a:xfrm>
+          <a:prstGeom prst="wedgeRoundRectCallout">
+            <a:avLst>
+              <a:gd name="adj1" fmla="val -82279"/>
+              <a:gd name="adj2" fmla="val 4853"/>
+              <a:gd name="adj3" fmla="val 16667"/>
+            </a:avLst>
+          </a:prstGeom>
         </p:spPr>
         <p:style>
           <a:lnRef idx="2">
@@ -18404,47 +18413,222 @@
         <p:txBody>
           <a:bodyPr rtlCol="0" anchor="ctr"/>
           <a:p>
-            <a:pPr algn="ctr"/>
-            <a:r>
-              <a:rPr lang="" altLang="en-US" sz="2400" b="1">
+            <a:pPr algn="just"/>
+            <a:r>
+              <a:rPr lang="en-US" altLang="en-US" sz="2400" b="1">
+                <a:solidFill>
+                  <a:schemeClr val="bg1"/>
+                </a:solidFill>
+                <a:latin typeface="Times New Roman" panose="02020603050405020304" charset="0"/>
+                <a:cs typeface="Times New Roman" panose="02020603050405020304" charset="0"/>
+                <a:sym typeface="+mn-ea"/>
+              </a:rPr>
+              <a:t>De nos jours :</a:t>
+            </a:r>
+            <a:r>
+              <a:rPr lang="en-US" altLang="en-US" sz="2400" b="1">
                 <a:solidFill>
                   <a:schemeClr val="tx1"/>
                 </a:solidFill>
                 <a:latin typeface="Times New Roman" panose="02020603050405020304" charset="0"/>
                 <a:cs typeface="Times New Roman" panose="02020603050405020304" charset="0"/>
-              </a:rPr>
-              <a:t>Tablette sumérienne en argile</a:t>
-            </a:r>
-            <a:endParaRPr lang="" altLang="en-US" sz="2400" b="1">
-              <a:solidFill>
-                <a:schemeClr val="tx1"/>
-              </a:solidFill>
-              <a:latin typeface="Times New Roman" panose="02020603050405020304" charset="0"/>
-              <a:cs typeface="Times New Roman" panose="02020603050405020304" charset="0"/>
-            </a:endParaRPr>
-          </a:p>
-          <a:p>
-            <a:pPr algn="ctr"/>
-            <a:r>
-              <a:rPr lang="" altLang="en-US" sz="2400" b="1">
+                <a:sym typeface="+mn-ea"/>
+              </a:rPr>
+              <a:t>  Document en réseau</a:t>
+            </a:r>
+            <a:endParaRPr lang="en-US" sz="2400"/>
+          </a:p>
+        </p:txBody>
+      </p:sp>
+      <p:sp>
+        <p:nvSpPr>
+          <p:cNvPr id="19" name="Rounded Rectangular Callout 18"/>
+          <p:cNvSpPr/>
+          <p:nvPr/>
+        </p:nvSpPr>
+        <p:spPr>
+          <a:xfrm>
+            <a:off x="4122420" y="3514725"/>
+            <a:ext cx="4126865" cy="542925"/>
+          </a:xfrm>
+          <a:prstGeom prst="wedgeRoundRectCallout">
+            <a:avLst>
+              <a:gd name="adj1" fmla="val -92745"/>
+              <a:gd name="adj2" fmla="val 4736"/>
+              <a:gd name="adj3" fmla="val 16667"/>
+            </a:avLst>
+          </a:prstGeom>
+        </p:spPr>
+        <p:style>
+          <a:lnRef idx="2">
+            <a:schemeClr val="accent1">
+              <a:shade val="50000"/>
+            </a:schemeClr>
+          </a:lnRef>
+          <a:fillRef idx="1">
+            <a:schemeClr val="accent1"/>
+          </a:fillRef>
+          <a:effectRef idx="0">
+            <a:schemeClr val="accent1"/>
+          </a:effectRef>
+          <a:fontRef idx="minor">
+            <a:schemeClr val="lt1"/>
+          </a:fontRef>
+        </p:style>
+        <p:txBody>
+          <a:bodyPr rtlCol="0" anchor="ctr"/>
+          <a:p>
+            <a:pPr algn="just"/>
+            <a:r>
+              <a:rPr lang="en-US" altLang="en-US" sz="2400" b="1">
+                <a:solidFill>
+                  <a:schemeClr val="bg1"/>
+                </a:solidFill>
+                <a:latin typeface="Times New Roman" panose="02020603050405020304" charset="0"/>
+                <a:cs typeface="Times New Roman" panose="02020603050405020304" charset="0"/>
+                <a:sym typeface="+mn-ea"/>
+              </a:rPr>
+              <a:t>1980 :</a:t>
+            </a:r>
+            <a:r>
+              <a:rPr lang="en-US" altLang="en-US" sz="2400" b="1">
                 <a:solidFill>
                   <a:schemeClr val="tx1"/>
                 </a:solidFill>
                 <a:latin typeface="Times New Roman" panose="02020603050405020304" charset="0"/>
                 <a:cs typeface="Times New Roman" panose="02020603050405020304" charset="0"/>
-              </a:rPr>
-              <a:t>(3400-3200 av. J.C.)</a:t>
-            </a:r>
-            <a:endParaRPr lang="" altLang="en-US" sz="2400" b="1">
-              <a:solidFill>
-                <a:schemeClr val="tx1"/>
-              </a:solidFill>
-              <a:latin typeface="Times New Roman" panose="02020603050405020304" charset="0"/>
-              <a:cs typeface="Times New Roman" panose="02020603050405020304" charset="0"/>
-            </a:endParaRPr>
-          </a:p>
-        </p:txBody>
-      </p:sp>
+                <a:sym typeface="+mn-ea"/>
+              </a:rPr>
+              <a:t> Document structuré</a:t>
+            </a:r>
+            <a:endParaRPr lang="en-US" sz="2400"/>
+          </a:p>
+        </p:txBody>
+      </p:sp>
+      <p:sp>
+        <p:nvSpPr>
+          <p:cNvPr id="20" name="Rounded Rectangular Callout 19"/>
+          <p:cNvSpPr/>
+          <p:nvPr/>
+        </p:nvSpPr>
+        <p:spPr>
+          <a:xfrm>
+            <a:off x="4122420" y="1697990"/>
+            <a:ext cx="7269480" cy="838200"/>
+          </a:xfrm>
+          <a:prstGeom prst="wedgeRoundRectCallout">
+            <a:avLst>
+              <a:gd name="adj1" fmla="val -81254"/>
+              <a:gd name="adj2" fmla="val 25606"/>
+              <a:gd name="adj3" fmla="val 16667"/>
+            </a:avLst>
+          </a:prstGeom>
+        </p:spPr>
+        <p:style>
+          <a:lnRef idx="2">
+            <a:schemeClr val="accent1">
+              <a:shade val="50000"/>
+            </a:schemeClr>
+          </a:lnRef>
+          <a:fillRef idx="1">
+            <a:schemeClr val="accent1"/>
+          </a:fillRef>
+          <a:effectRef idx="0">
+            <a:schemeClr val="accent1"/>
+          </a:effectRef>
+          <a:fontRef idx="minor">
+            <a:schemeClr val="lt1"/>
+          </a:fontRef>
+        </p:style>
+        <p:txBody>
+          <a:bodyPr rtlCol="0" anchor="ctr"/>
+          <a:p>
+            <a:pPr algn="just"/>
+            <a:r>
+              <a:rPr lang="en-US" sz="2400" b="1">
+                <a:solidFill>
+                  <a:schemeClr val="bg1"/>
+                </a:solidFill>
+                <a:latin typeface="Times New Roman" panose="02020603050405020304" charset="0"/>
+                <a:cs typeface="Times New Roman" panose="02020603050405020304" charset="0"/>
+                <a:sym typeface="+mn-ea"/>
+              </a:rPr>
+              <a:t>3400-3200 av. J.C. </a:t>
+            </a:r>
+            <a:r>
+              <a:rPr lang="en-US" altLang="en-US" sz="2400" b="1">
+                <a:solidFill>
+                  <a:schemeClr val="bg1"/>
+                </a:solidFill>
+                <a:latin typeface="Times New Roman" panose="02020603050405020304" charset="0"/>
+                <a:cs typeface="Times New Roman" panose="02020603050405020304" charset="0"/>
+                <a:sym typeface="+mn-ea"/>
+              </a:rPr>
+              <a:t>:</a:t>
+            </a:r>
+            <a:r>
+              <a:rPr lang="en-US" altLang="en-US" sz="2400" b="1">
+                <a:solidFill>
+                  <a:schemeClr val="tx1"/>
+                </a:solidFill>
+                <a:latin typeface="Times New Roman" panose="02020603050405020304" charset="0"/>
+                <a:cs typeface="Times New Roman" panose="02020603050405020304" charset="0"/>
+                <a:sym typeface="+mn-ea"/>
+              </a:rPr>
+              <a:t> Tablettes sumérienne en argile</a:t>
+            </a:r>
+            <a:endParaRPr lang="en-US" sz="2400"/>
+          </a:p>
+        </p:txBody>
+      </p:sp>
+      <p:pic>
+        <p:nvPicPr>
+          <p:cNvPr id="21" name="Picture 20" descr="doc_en_reseau"/>
+          <p:cNvPicPr>
+            <a:picLocks noChangeAspect="1"/>
+          </p:cNvPicPr>
+          <p:nvPr/>
+        </p:nvPicPr>
+        <p:blipFill>
+          <a:blip r:embed="rId2"/>
+          <a:stretch>
+            <a:fillRect/>
+          </a:stretch>
+        </p:blipFill>
+        <p:spPr>
+          <a:xfrm>
+            <a:off x="81915" y="5024755"/>
+            <a:ext cx="2018030" cy="1904365"/>
+          </a:xfrm>
+          <a:prstGeom prst="rect">
+            <a:avLst/>
+          </a:prstGeom>
+        </p:spPr>
+      </p:pic>
+      <p:pic>
+        <p:nvPicPr>
+          <p:cNvPr id="22" name="Picture 21" descr="doc_structure"/>
+          <p:cNvPicPr>
+            <a:picLocks noChangeAspect="1"/>
+          </p:cNvPicPr>
+          <p:nvPr/>
+        </p:nvPicPr>
+        <p:blipFill>
+          <a:blip r:embed="rId3"/>
+          <a:stretch>
+            <a:fillRect/>
+          </a:stretch>
+        </p:blipFill>
+        <p:spPr>
+          <a:xfrm>
+            <a:off x="341630" y="3298825"/>
+            <a:ext cx="2015490" cy="1725930"/>
+          </a:xfrm>
+          <a:prstGeom prst="rect">
+            <a:avLst/>
+          </a:prstGeom>
+        </p:spPr>
+      </p:pic>
     </p:spTree>
   </p:cSld>
   <p:clrMapOvr>

--- a/Documents/theme/diapo.pptx
+++ b/Documents/theme/diapo.pptx
@@ -4514,7 +4514,7 @@
                 <a:latin typeface="Times New Roman" panose="02020603050405020304" charset="0"/>
                 <a:cs typeface="Times New Roman" panose="02020603050405020304" charset="0"/>
               </a:rPr>
-              <a:t> très efficace afin de faciliter la recherche rapide</a:t>
+              <a:t> afin de faciliter la recherche rapide</a:t>
             </a:r>
             <a:endParaRPr lang="en-US" sz="2200" b="1">
               <a:solidFill>
@@ -5279,7 +5279,7 @@
         </p:nvSpPr>
         <p:spPr>
           <a:xfrm>
-            <a:off x="3274695" y="4132580"/>
+            <a:off x="3274695" y="4017010"/>
             <a:ext cx="6083300" cy="722630"/>
           </a:xfrm>
           <a:prstGeom prst="wedgeRoundRectCallout">
@@ -5407,8 +5407,8 @@
         </p:nvSpPr>
         <p:spPr>
           <a:xfrm>
-            <a:off x="5227320" y="5243830"/>
-            <a:ext cx="6640830" cy="1447165"/>
+            <a:off x="5227320" y="4948555"/>
+            <a:ext cx="6640830" cy="1781810"/>
           </a:xfrm>
           <a:prstGeom prst="wedgeRoundRectCallout">
             <a:avLst>
@@ -5439,7 +5439,7 @@
           <a:p>
             <a:pPr algn="just"/>
             <a:r>
-              <a:rPr lang="en-US" altLang="en-US" sz="2200" b="1">
+              <a:rPr lang="en-US" altLang="en-US" sz="2400" b="1">
                 <a:solidFill>
                   <a:schemeClr val="bg1"/>
                 </a:solidFill>
@@ -5448,7 +5448,7 @@
               </a:rPr>
               <a:t>Mode de paiement</a:t>
             </a:r>
-            <a:endParaRPr lang="en-US" altLang="en-US" sz="2200" b="1">
+            <a:endParaRPr lang="en-US" altLang="en-US" sz="2400" b="1">
               <a:solidFill>
                 <a:schemeClr val="bg1"/>
               </a:solidFill>
@@ -5462,7 +5462,7 @@
               <a:buChar char="•"/>
             </a:pPr>
             <a:r>
-              <a:rPr lang="en-US" altLang="en-US" sz="2200" b="1">
+              <a:rPr lang="en-US" altLang="en-US" sz="2400" b="1">
                 <a:solidFill>
                   <a:schemeClr val="bg1"/>
                 </a:solidFill>
@@ -5472,16 +5472,36 @@
               <a:t>paiement à distance</a:t>
             </a:r>
             <a:r>
-              <a:rPr lang="en-US" altLang="en-US" sz="2200" b="1">
+              <a:rPr lang="en-US" altLang="en-US" sz="2400" b="1">
                 <a:solidFill>
                   <a:schemeClr val="tx1"/>
                 </a:solidFill>
                 <a:latin typeface="Times New Roman" panose="02020603050405020304" charset="0"/>
                 <a:cs typeface="Times New Roman" panose="02020603050405020304" charset="0"/>
               </a:rPr>
-              <a:t>(Intenet, SMS, QR code) </a:t>
-            </a:r>
-            <a:endParaRPr lang="en-US" altLang="en-US" sz="2200" b="1">
+              <a:t>(Inte</a:t>
+            </a:r>
+            <a:r>
+              <a:rPr lang="" altLang="en-US" sz="2400" b="1">
+                <a:solidFill>
+                  <a:schemeClr val="tx1"/>
+                </a:solidFill>
+                <a:latin typeface="Times New Roman" panose="02020603050405020304" charset="0"/>
+                <a:cs typeface="Times New Roman" panose="02020603050405020304" charset="0"/>
+              </a:rPr>
+              <a:t>r</a:t>
+            </a:r>
+            <a:r>
+              <a:rPr lang="en-US" altLang="en-US" sz="2400" b="1">
+                <a:solidFill>
+                  <a:schemeClr val="tx1"/>
+                </a:solidFill>
+                <a:latin typeface="Times New Roman" panose="02020603050405020304" charset="0"/>
+                <a:cs typeface="Times New Roman" panose="02020603050405020304" charset="0"/>
+              </a:rPr>
+              <a:t>net, SMS, QR code) </a:t>
+            </a:r>
+            <a:endParaRPr lang="en-US" altLang="en-US" sz="2400" b="1">
               <a:solidFill>
                 <a:schemeClr val="tx1"/>
               </a:solidFill>
@@ -5495,17 +5515,37 @@
               <a:buChar char="•"/>
             </a:pPr>
             <a:r>
-              <a:rPr lang="en-US" altLang="en-US" sz="2200" b="1">
+              <a:rPr lang="en-US" altLang="en-US" sz="2400" b="1">
                 <a:solidFill>
                   <a:schemeClr val="bg1"/>
                 </a:solidFill>
                 <a:latin typeface="Times New Roman" panose="02020603050405020304" charset="0"/>
                 <a:cs typeface="Times New Roman" panose="02020603050405020304" charset="0"/>
               </a:rPr>
-              <a:t>paiement de contact</a:t>
-            </a:r>
-            <a:r>
-              <a:rPr lang="en-US" altLang="en-US" sz="2200" b="1">
+              <a:t>paiement </a:t>
+            </a:r>
+            <a:r>
+              <a:rPr lang="" sz="2400" b="1">
+                <a:solidFill>
+                  <a:schemeClr val="bg1"/>
+                </a:solidFill>
+                <a:latin typeface="Times New Roman" panose="02020603050405020304" charset="0"/>
+                <a:cs typeface="Times New Roman" panose="02020603050405020304" charset="0"/>
+              </a:rPr>
+              <a:t>de </a:t>
+            </a:r>
+            <a:r>
+              <a:rPr lang="" altLang="en-US" sz="2400" b="1">
+                <a:solidFill>
+                  <a:schemeClr val="bg1"/>
+                </a:solidFill>
+                <a:latin typeface="Times New Roman" panose="02020603050405020304" charset="0"/>
+                <a:cs typeface="Times New Roman" panose="02020603050405020304" charset="0"/>
+              </a:rPr>
+              <a:t>proximité</a:t>
+            </a:r>
+            <a:r>
+              <a:rPr lang="en-US" altLang="en-US" sz="2400" b="1">
                 <a:solidFill>
                   <a:schemeClr val="tx1"/>
                 </a:solidFill>
@@ -5515,7 +5555,7 @@
               <a:t>(NFC, ondes sonores,</a:t>
             </a:r>
             <a:r>
-              <a:rPr lang="en-US" altLang="en-US" sz="2200" b="1">
+              <a:rPr lang="en-US" altLang="en-US" sz="2400" b="1">
                 <a:solidFill>
                   <a:schemeClr val="bg1"/>
                 </a:solidFill>
@@ -5525,7 +5565,7 @@
               <a:t> </a:t>
             </a:r>
             <a:r>
-              <a:rPr lang="en-US" altLang="en-US" sz="2200" b="1">
+              <a:rPr lang="en-US" altLang="en-US" sz="2400" b="1">
                 <a:solidFill>
                   <a:schemeClr val="tx1"/>
                 </a:solidFill>
@@ -5534,7 +5574,7 @@
               </a:rPr>
               <a:t>MST) </a:t>
             </a:r>
-            <a:endParaRPr lang="en-US" altLang="en-US" sz="2200" b="1">
+            <a:endParaRPr lang="en-US" altLang="en-US" sz="2400" b="1">
               <a:solidFill>
                 <a:schemeClr val="tx1"/>
               </a:solidFill>
@@ -5548,7 +5588,7 @@
               <a:buChar char="•"/>
             </a:pPr>
             <a:r>
-              <a:rPr lang="en-US" altLang="en-US" sz="2200" b="1">
+              <a:rPr lang="en-US" altLang="en-US" sz="2400" b="1">
                 <a:solidFill>
                   <a:schemeClr val="bg1"/>
                 </a:solidFill>
@@ -5557,7 +5597,7 @@
               </a:rPr>
               <a:t>paiement de mobile à mobile</a:t>
             </a:r>
-            <a:endParaRPr lang="en-US" altLang="en-US" sz="2200" b="1">
+            <a:endParaRPr lang="en-US" altLang="en-US" sz="2400" b="1">
               <a:solidFill>
                 <a:schemeClr val="bg1"/>
               </a:solidFill>
@@ -6072,7 +6112,14 @@
                 <a:latin typeface="Times New Roman" panose="02020603050405020304" charset="0"/>
                 <a:cs typeface="Times New Roman" panose="02020603050405020304" charset="0"/>
               </a:rPr>
-              <a:t>Sites web d’informations des grands médias traditionnels</a:t>
+              <a:t>Sites web d’informations des grands médias traditionnels </a:t>
+            </a:r>
+            <a:r>
+              <a:rPr lang="" altLang="en-US" sz="2800" b="1">
+                <a:latin typeface="Times New Roman" panose="02020603050405020304" charset="0"/>
+                <a:cs typeface="Times New Roman" panose="02020603050405020304" charset="0"/>
+              </a:rPr>
+              <a:t>: </a:t>
             </a:r>
             <a:r>
               <a:rPr lang="en-US" altLang="en-US" sz="2800" b="1">
@@ -6082,7 +6129,7 @@
                 <a:latin typeface="Times New Roman" panose="02020603050405020304" charset="0"/>
                 <a:cs typeface="Times New Roman" panose="02020603050405020304" charset="0"/>
               </a:rPr>
-              <a:t>(Jeune Afrique, Le Monde)</a:t>
+              <a:t>Jeune Afrique, Le Monde</a:t>
             </a:r>
             <a:endParaRPr lang="en-US" altLang="en-US" sz="2800" b="1">
               <a:solidFill>
@@ -6102,7 +6149,14 @@
                 <a:latin typeface="Times New Roman" panose="02020603050405020304" charset="0"/>
                 <a:cs typeface="Times New Roman" panose="02020603050405020304" charset="0"/>
               </a:rPr>
-              <a:t>Sites web de téléchargement</a:t>
+              <a:t>Sites web de téléchargement </a:t>
+            </a:r>
+            <a:r>
+              <a:rPr lang="" altLang="en-US" sz="2800" b="1">
+                <a:latin typeface="Times New Roman" panose="02020603050405020304" charset="0"/>
+                <a:cs typeface="Times New Roman" panose="02020603050405020304" charset="0"/>
+              </a:rPr>
+              <a:t>: </a:t>
             </a:r>
             <a:r>
               <a:rPr lang="en-US" altLang="en-US" sz="2800" b="1">
@@ -6112,7 +6166,7 @@
                 <a:latin typeface="Times New Roman" panose="02020603050405020304" charset="0"/>
                 <a:cs typeface="Times New Roman" panose="02020603050405020304" charset="0"/>
               </a:rPr>
-              <a:t>(Windows Store, Apple Store, Goople Play, Softonic)</a:t>
+              <a:t>Windows Store, Apple Store, Goople Play, Softonic</a:t>
             </a:r>
             <a:endParaRPr lang="en-US" altLang="en-US" sz="2800" b="1">
               <a:solidFill>

--- a/Documents/theme/diapo.pptx
+++ b/Documents/theme/diapo.pptx
@@ -3527,40 +3527,46 @@
               </a:rPr>
             </a:br>
             <a:r>
-              <a:rPr lang="en-US" sz="1400" b="1">
+              <a:rPr lang="en-US" sz="1600" b="1">
                 <a:latin typeface="Times New Roman" panose="02020603050405020304" charset="0"/>
                 <a:cs typeface="Times New Roman" panose="02020603050405020304" charset="0"/>
               </a:rPr>
               <a:t>Présenté et soutenu par :</a:t>
             </a:r>
             <a:br>
-              <a:rPr lang="en-US" sz="1400" b="1">
+              <a:rPr lang="en-US" sz="1600" b="1">
                 <a:latin typeface="Times New Roman" panose="02020603050405020304" charset="0"/>
                 <a:cs typeface="Times New Roman" panose="02020603050405020304" charset="0"/>
               </a:rPr>
             </a:br>
             <a:r>
-              <a:rPr lang="en-US" sz="1400" b="1">
+              <a:rPr lang="en-US" sz="1600" b="1">
                 <a:latin typeface="Times New Roman" panose="02020603050405020304" charset="0"/>
                 <a:cs typeface="Times New Roman" panose="02020603050405020304" charset="0"/>
               </a:rPr>
               <a:t>KENMEGNE FOPOUSSI Stéphanie</a:t>
             </a:r>
             <a:br>
-              <a:rPr lang="en-US" sz="1400" b="1">
+              <a:rPr lang="en-US" sz="1600" b="1">
                 <a:latin typeface="Times New Roman" panose="02020603050405020304" charset="0"/>
                 <a:cs typeface="Times New Roman" panose="02020603050405020304" charset="0"/>
               </a:rPr>
             </a:br>
-            <a:r>
-              <a:rPr lang="en-US" altLang="en-US" sz="1400" b="1">
+            <a:br>
+              <a:rPr lang="en-US" sz="1600" b="1">
+                <a:latin typeface="Times New Roman" panose="02020603050405020304" charset="0"/>
+                <a:cs typeface="Times New Roman" panose="02020603050405020304" charset="0"/>
+              </a:rPr>
+            </a:br>
+            <a:r>
+              <a:rPr lang="en-US" altLang="en-US" sz="1600" b="1">
                 <a:latin typeface="Times New Roman" panose="02020603050405020304" charset="0"/>
                 <a:cs typeface="Times New Roman" panose="02020603050405020304" charset="0"/>
               </a:rPr>
               <a:t>Année académique 2018-2019</a:t>
             </a:r>
             <a:br>
-              <a:rPr lang="en-US" sz="1400" b="1">
+              <a:rPr lang="en-US" sz="1600" b="1">
                 <a:latin typeface="Times New Roman" panose="02020603050405020304" charset="0"/>
                 <a:cs typeface="Times New Roman" panose="02020603050405020304" charset="0"/>
               </a:rPr>
@@ -3877,7 +3883,23 @@
             <a:pPr algn="ctr"/>
             <a:r>
               <a:rPr lang="en-US" altLang="en-US" b="1"/>
-              <a:t>CONCEPTION ET DÉVELOPPEMENT D’UN SYSTÈME DE COLLECTE ET DE DISTRIBUTION DE DOCUMENTS NUMÉRIQUES AVEC GESTION </a:t>
+              <a:t>CONCEPTION ET DÉVELOPPEMENT D’UN</a:t>
+            </a:r>
+            <a:r>
+              <a:rPr lang="" altLang="en-US" b="1"/>
+              <a:t>E</a:t>
+            </a:r>
+            <a:r>
+              <a:rPr lang="en-US" altLang="en-US" b="1"/>
+              <a:t> </a:t>
+            </a:r>
+            <a:r>
+              <a:rPr lang="" altLang="en-US" b="1"/>
+              <a:t>PLATEFORME </a:t>
+            </a:r>
+            <a:r>
+              <a:rPr lang="en-US" altLang="en-US" b="1"/>
+              <a:t>DE COLLECTE ET DE DISTRIBUTION DE DOCUMENTS NUMÉRIQUES AVEC GESTION </a:t>
             </a:r>
             <a:endParaRPr lang="en-US" altLang="en-US" b="1"/>
           </a:p>
@@ -5969,8 +5991,8 @@
         </p:nvSpPr>
         <p:spPr>
           <a:xfrm>
-            <a:off x="212725" y="2078990"/>
-            <a:ext cx="11779885" cy="4667250"/>
+            <a:off x="82550" y="1947545"/>
+            <a:ext cx="12021185" cy="4798695"/>
           </a:xfrm>
           <a:prstGeom prst="roundRect">
             <a:avLst/>
@@ -7341,6 +7363,16 @@
               <a:t> approche orientée obje</a:t>
             </a:r>
             <a:r>
+              <a:rPr lang="" altLang="en-US" sz="2400" b="1">
+                <a:solidFill>
+                  <a:schemeClr val="bg1"/>
+                </a:solidFill>
+                <a:latin typeface="Times New Roman" panose="02020603050405020304" charset="0"/>
+                <a:cs typeface="Times New Roman" panose="02020603050405020304" charset="0"/>
+              </a:rPr>
+              <a:t>t</a:t>
+            </a:r>
+            <a:r>
               <a:rPr lang="en-US" altLang="en-US" sz="2400" b="1">
                 <a:solidFill>
                   <a:schemeClr val="tx1"/>
@@ -9885,8 +9917,8 @@
             </a:xfrm>
             <a:prstGeom prst="wedgeRoundRectCallout">
               <a:avLst>
-                <a:gd name="adj1" fmla="val -73674"/>
-                <a:gd name="adj2" fmla="val -7589"/>
+                <a:gd name="adj1" fmla="val -75780"/>
+                <a:gd name="adj2" fmla="val -11801"/>
                 <a:gd name="adj3" fmla="val 16667"/>
               </a:avLst>
             </a:prstGeom>
@@ -10054,8 +10086,8 @@
             </a:xfrm>
             <a:prstGeom prst="wedgeRoundRectCallout">
               <a:avLst>
-                <a:gd name="adj1" fmla="val -80167"/>
-                <a:gd name="adj2" fmla="val 45537"/>
+                <a:gd name="adj1" fmla="val -75075"/>
+                <a:gd name="adj2" fmla="val 33294"/>
                 <a:gd name="adj3" fmla="val 16667"/>
               </a:avLst>
             </a:prstGeom>
@@ -10392,8 +10424,8 @@
             </a:xfrm>
             <a:prstGeom prst="wedgeRoundRectCallout">
               <a:avLst>
-                <a:gd name="adj1" fmla="val -81176"/>
-                <a:gd name="adj2" fmla="val -15013"/>
+                <a:gd name="adj1" fmla="val -79798"/>
+                <a:gd name="adj2" fmla="val -6418"/>
                 <a:gd name="adj3" fmla="val 16667"/>
               </a:avLst>
             </a:prstGeom>
@@ -11821,7 +11853,7 @@
         </p:nvSpPr>
         <p:spPr>
           <a:xfrm>
-            <a:off x="979170" y="2145030"/>
+            <a:off x="205740" y="2243455"/>
             <a:ext cx="3175000" cy="774065"/>
           </a:xfrm>
           <a:prstGeom prst="roundRect">
@@ -11896,7 +11928,7 @@
         </p:nvSpPr>
         <p:spPr>
           <a:xfrm>
-            <a:off x="967105" y="4695190"/>
+            <a:off x="205740" y="4662170"/>
             <a:ext cx="3504565" cy="626110"/>
           </a:xfrm>
           <a:prstGeom prst="rect">
@@ -11935,9 +11967,19 @@
                 <a:latin typeface="Times New Roman" panose="02020603050405020304" charset="0"/>
                 <a:cs typeface="Times New Roman" panose="02020603050405020304" charset="0"/>
               </a:rPr>
-              <a:t>Diagramme de classes</a:t>
-            </a:r>
-            <a:endParaRPr lang="en-US" altLang="en-US" sz="2200" b="1">
+              <a:t>Diagramme d</a:t>
+            </a:r>
+            <a:r>
+              <a:rPr lang="" altLang="en-US" sz="2200" b="1">
+                <a:solidFill>
+                  <a:schemeClr val="tx1"/>
+                </a:solidFill>
+                <a:latin typeface="Times New Roman" panose="02020603050405020304" charset="0"/>
+                <a:cs typeface="Times New Roman" panose="02020603050405020304" charset="0"/>
+              </a:rPr>
+              <a:t>'activités</a:t>
+            </a:r>
+            <a:endParaRPr lang="" altLang="en-US" sz="2200" b="1">
               <a:solidFill>
                 <a:schemeClr val="tx1"/>
               </a:solidFill>
@@ -11947,6 +11989,30 @@
           </a:p>
         </p:txBody>
       </p:sp>
+      <p:pic>
+        <p:nvPicPr>
+          <p:cNvPr id="9" name="Picture 8" descr="activity_diagram"/>
+          <p:cNvPicPr>
+            <a:picLocks noChangeAspect="1"/>
+          </p:cNvPicPr>
+          <p:nvPr/>
+        </p:nvPicPr>
+        <p:blipFill>
+          <a:blip r:embed="rId1"/>
+          <a:stretch>
+            <a:fillRect/>
+          </a:stretch>
+        </p:blipFill>
+        <p:spPr>
+          <a:xfrm>
+            <a:off x="3710940" y="1894840"/>
+            <a:ext cx="8392795" cy="4835525"/>
+          </a:xfrm>
+          <a:prstGeom prst="rect">
+            <a:avLst/>
+          </a:prstGeom>
+        </p:spPr>
+      </p:pic>
     </p:spTree>
   </p:cSld>
   <p:clrMapOvr>
@@ -14298,7 +14364,7 @@
         </p:nvSpPr>
         <p:spPr>
           <a:xfrm>
-            <a:off x="263525" y="1182370"/>
+            <a:off x="181610" y="3232150"/>
             <a:ext cx="4167505" cy="838835"/>
           </a:xfrm>
           <a:prstGeom prst="roundRect">
@@ -14347,7 +14413,7 @@
         </p:nvSpPr>
         <p:spPr>
           <a:xfrm>
-            <a:off x="323215" y="2911475"/>
+            <a:off x="411480" y="1427480"/>
             <a:ext cx="4047490" cy="855345"/>
           </a:xfrm>
           <a:prstGeom prst="roundRect">
@@ -14455,7 +14521,7 @@
         </p:blipFill>
         <p:spPr>
           <a:xfrm>
-            <a:off x="1864360" y="1824355"/>
+            <a:off x="1561465" y="3898265"/>
             <a:ext cx="801370" cy="781050"/>
           </a:xfrm>
           <a:prstGeom prst="rect">
@@ -14479,7 +14545,7 @@
         </p:blipFill>
         <p:spPr>
           <a:xfrm>
-            <a:off x="1633855" y="3536315"/>
+            <a:off x="1633220" y="2089150"/>
             <a:ext cx="1143000" cy="1143000"/>
           </a:xfrm>
           <a:prstGeom prst="rect">
@@ -14519,7 +14585,7 @@
         </p:nvSpPr>
         <p:spPr>
           <a:xfrm>
-            <a:off x="5754370" y="1182370"/>
+            <a:off x="5622290" y="3486785"/>
             <a:ext cx="6388735" cy="1423035"/>
           </a:xfrm>
           <a:prstGeom prst="wedgeRoundRectCallout">
@@ -14604,8 +14670,8 @@
         </p:nvSpPr>
         <p:spPr>
           <a:xfrm>
-            <a:off x="5754370" y="2902585"/>
-            <a:ext cx="6256655" cy="1776730"/>
+            <a:off x="5869305" y="1249045"/>
+            <a:ext cx="6256655" cy="1955165"/>
           </a:xfrm>
           <a:prstGeom prst="wedgeRoundRectCallout">
             <a:avLst>
@@ -14752,8 +14818,8 @@
         </p:nvSpPr>
         <p:spPr>
           <a:xfrm>
-            <a:off x="5984240" y="5056505"/>
-            <a:ext cx="6026785" cy="1691005"/>
+            <a:off x="5984240" y="5187950"/>
+            <a:ext cx="6026785" cy="1559560"/>
           </a:xfrm>
           <a:prstGeom prst="wedgeRoundRectCallout">
             <a:avLst>
@@ -15204,8 +15270,8 @@
         </p:blipFill>
         <p:spPr>
           <a:xfrm>
-            <a:off x="1492885" y="2811145"/>
-            <a:ext cx="1937385" cy="807720"/>
+            <a:off x="762635" y="4604385"/>
+            <a:ext cx="2409190" cy="1004570"/>
           </a:xfrm>
           <a:prstGeom prst="rect">
             <a:avLst/>
@@ -15220,7 +15286,7 @@
         </p:nvSpPr>
         <p:spPr>
           <a:xfrm>
-            <a:off x="815340" y="4164965"/>
+            <a:off x="321310" y="2946400"/>
             <a:ext cx="3291840" cy="1168400"/>
           </a:xfrm>
           <a:prstGeom prst="ellipse">
@@ -15269,13 +15335,13 @@
         </p:nvSpPr>
         <p:spPr>
           <a:xfrm>
-            <a:off x="4850130" y="1962150"/>
-            <a:ext cx="6993255" cy="4768850"/>
+            <a:off x="5171440" y="3061335"/>
+            <a:ext cx="6993255" cy="3669030"/>
           </a:xfrm>
           <a:prstGeom prst="wedgeRoundRectCallout">
             <a:avLst>
-              <a:gd name="adj1" fmla="val -66335"/>
-              <a:gd name="adj2" fmla="val -985"/>
+              <a:gd name="adj1" fmla="val -72219"/>
+              <a:gd name="adj2" fmla="val -35064"/>
               <a:gd name="adj3" fmla="val 16667"/>
             </a:avLst>
           </a:prstGeom>
@@ -15338,8 +15404,19 @@
                 </a:solidFill>
                 <a:latin typeface="Times New Roman" panose="02020603050405020304" charset="0"/>
                 <a:cs typeface="Times New Roman" panose="02020603050405020304" charset="0"/>
-              </a:rPr>
-              <a:t>Edition d’outils logiciels métiers d’aide à la décision </a:t>
+                <a:sym typeface="+mn-ea"/>
+              </a:rPr>
+              <a:t>Intégration de solutions informatiques et édition de logiciels</a:t>
+            </a:r>
+            <a:r>
+              <a:rPr lang="en-US" altLang="en-US" sz="2400" b="1">
+                <a:solidFill>
+                  <a:schemeClr val="tx1"/>
+                </a:solidFill>
+                <a:latin typeface="Times New Roman" panose="02020603050405020304" charset="0"/>
+                <a:cs typeface="Times New Roman" panose="02020603050405020304" charset="0"/>
+              </a:rPr>
+              <a:t> </a:t>
             </a:r>
             <a:endParaRPr lang="en-US" altLang="en-US" sz="2400" b="1">
               <a:solidFill>
@@ -15411,7 +15488,7 @@
                 <a:latin typeface="Times New Roman" panose="02020603050405020304" charset="0"/>
                 <a:cs typeface="Times New Roman" panose="02020603050405020304" charset="0"/>
               </a:rPr>
-              <a:t>Intégration de solutions informatiques et édition de logiciels</a:t>
+              <a:t>Participation aux tests de nouveauté</a:t>
             </a:r>
             <a:endParaRPr lang="en-US" altLang="en-US" sz="2400" b="1">
               <a:solidFill>
@@ -15422,42 +15499,6 @@
             </a:endParaRPr>
           </a:p>
           <a:p>
-            <a:pPr indent="0" algn="just">
-              <a:buFont typeface="Arial" panose="020B0604020202020204" pitchFamily="34" charset="0"/>
-              <a:buNone/>
-            </a:pPr>
-            <a:endParaRPr lang="en-US" altLang="en-US" sz="2400" b="1">
-              <a:solidFill>
-                <a:schemeClr val="tx1"/>
-              </a:solidFill>
-              <a:latin typeface="Times New Roman" panose="02020603050405020304" charset="0"/>
-              <a:cs typeface="Times New Roman" panose="02020603050405020304" charset="0"/>
-            </a:endParaRPr>
-          </a:p>
-          <a:p>
-            <a:pPr marL="285750" indent="-285750" algn="just">
-              <a:buFont typeface="Arial" panose="020B0604020202020204" pitchFamily="34" charset="0"/>
-              <a:buChar char="•"/>
-            </a:pPr>
-            <a:r>
-              <a:rPr lang="en-US" altLang="en-US" sz="2400" b="1">
-                <a:solidFill>
-                  <a:schemeClr val="tx1"/>
-                </a:solidFill>
-                <a:latin typeface="Times New Roman" panose="02020603050405020304" charset="0"/>
-                <a:cs typeface="Times New Roman" panose="02020603050405020304" charset="0"/>
-              </a:rPr>
-              <a:t>Participation aux tests de nouveauté</a:t>
-            </a:r>
-            <a:endParaRPr lang="en-US" altLang="en-US" sz="2400" b="1">
-              <a:solidFill>
-                <a:schemeClr val="tx1"/>
-              </a:solidFill>
-              <a:latin typeface="Times New Roman" panose="02020603050405020304" charset="0"/>
-              <a:cs typeface="Times New Roman" panose="02020603050405020304" charset="0"/>
-            </a:endParaRPr>
-          </a:p>
-          <a:p>
             <a:pPr algn="just"/>
             <a:r>
               <a:rPr lang="en-US" altLang="en-US" sz="2400">
@@ -15470,6 +15511,99 @@
               <a:t> </a:t>
             </a:r>
             <a:endParaRPr lang="en-US" altLang="en-US" sz="2400">
+              <a:solidFill>
+                <a:schemeClr val="tx1"/>
+              </a:solidFill>
+              <a:latin typeface="Times New Roman" panose="02020603050405020304" charset="0"/>
+              <a:cs typeface="Times New Roman" panose="02020603050405020304" charset="0"/>
+            </a:endParaRPr>
+          </a:p>
+        </p:txBody>
+      </p:sp>
+      <p:sp>
+        <p:nvSpPr>
+          <p:cNvPr id="9" name="Rounded Rectangular Callout 8"/>
+          <p:cNvSpPr/>
+          <p:nvPr/>
+        </p:nvSpPr>
+        <p:spPr>
+          <a:xfrm>
+            <a:off x="4902200" y="1668780"/>
+            <a:ext cx="6909435" cy="882650"/>
+          </a:xfrm>
+          <a:prstGeom prst="wedgeRoundRectCallout">
+            <a:avLst>
+              <a:gd name="adj1" fmla="val -99308"/>
+              <a:gd name="adj2" fmla="val 96425"/>
+              <a:gd name="adj3" fmla="val 16667"/>
+            </a:avLst>
+          </a:prstGeom>
+        </p:spPr>
+        <p:style>
+          <a:lnRef idx="2">
+            <a:schemeClr val="accent6">
+              <a:shade val="50000"/>
+            </a:schemeClr>
+          </a:lnRef>
+          <a:fillRef idx="1">
+            <a:schemeClr val="accent6"/>
+          </a:fillRef>
+          <a:effectRef idx="0">
+            <a:schemeClr val="accent6"/>
+          </a:effectRef>
+          <a:fontRef idx="minor">
+            <a:schemeClr val="lt1"/>
+          </a:fontRef>
+        </p:style>
+        <p:txBody>
+          <a:bodyPr rtlCol="0" anchor="ctr"/>
+          <a:p>
+            <a:pPr algn="just"/>
+            <a:r>
+              <a:rPr lang="" altLang="en-US" sz="2400" b="1">
+                <a:latin typeface="Times New Roman" panose="02020603050405020304" charset="0"/>
+                <a:cs typeface="Times New Roman" panose="02020603050405020304" charset="0"/>
+              </a:rPr>
+              <a:t>Naissance :</a:t>
+            </a:r>
+            <a:r>
+              <a:rPr lang="" altLang="en-US" sz="2400" b="1">
+                <a:solidFill>
+                  <a:schemeClr val="tx1"/>
+                </a:solidFill>
+                <a:latin typeface="Times New Roman" panose="02020603050405020304" charset="0"/>
+                <a:cs typeface="Times New Roman" panose="02020603050405020304" charset="0"/>
+              </a:rPr>
+              <a:t> 1995</a:t>
+            </a:r>
+            <a:endParaRPr lang="" altLang="en-US" sz="2400" b="1">
+              <a:solidFill>
+                <a:schemeClr val="tx1"/>
+              </a:solidFill>
+              <a:latin typeface="Times New Roman" panose="02020603050405020304" charset="0"/>
+              <a:cs typeface="Times New Roman" panose="02020603050405020304" charset="0"/>
+            </a:endParaRPr>
+          </a:p>
+          <a:p>
+            <a:pPr algn="just"/>
+            <a:r>
+              <a:rPr lang="" altLang="en-US" sz="2400" b="1">
+                <a:latin typeface="Times New Roman" panose="02020603050405020304" charset="0"/>
+                <a:cs typeface="Times New Roman" panose="02020603050405020304" charset="0"/>
+              </a:rPr>
+              <a:t>Siège : </a:t>
+            </a:r>
+            <a:r>
+              <a:rPr lang="" altLang="en-US" sz="2400" b="1">
+                <a:solidFill>
+                  <a:schemeClr val="tx1"/>
+                </a:solidFill>
+                <a:latin typeface="Times New Roman" panose="02020603050405020304" charset="0"/>
+                <a:cs typeface="Times New Roman" panose="02020603050405020304" charset="0"/>
+              </a:rPr>
+              <a:t>Immeuble Atlantis II ACAE, LIBREVILLE</a:t>
+            </a:r>
+            <a:endParaRPr lang="" altLang="en-US" sz="2400" b="1">
               <a:solidFill>
                 <a:schemeClr val="tx1"/>
               </a:solidFill>
@@ -16513,7 +16647,7 @@
         </p:nvSpPr>
         <p:spPr>
           <a:xfrm>
-            <a:off x="3629660" y="3816350"/>
+            <a:off x="3248660" y="3816350"/>
             <a:ext cx="3436620" cy="1102360"/>
           </a:xfrm>
           <a:prstGeom prst="ellipse">
@@ -16631,8 +16765,8 @@
         </p:nvSpPr>
         <p:spPr>
           <a:xfrm>
-            <a:off x="9250680" y="5479415"/>
-            <a:ext cx="2853055" cy="1250950"/>
+            <a:off x="9497695" y="3816350"/>
+            <a:ext cx="2667000" cy="1250950"/>
           </a:xfrm>
           <a:prstGeom prst="ellipse">
             <a:avLst/>
@@ -16674,65 +16808,6 @@
                 <a:cs typeface="Times New Roman" panose="02020603050405020304" charset="0"/>
               </a:rPr>
               <a:t> 144%</a:t>
-            </a:r>
-            <a:endParaRPr lang="en-US" altLang="en-US" sz="2400" b="1">
-              <a:latin typeface="Times New Roman" panose="02020603050405020304" charset="0"/>
-              <a:cs typeface="Times New Roman" panose="02020603050405020304" charset="0"/>
-            </a:endParaRPr>
-          </a:p>
-        </p:txBody>
-      </p:sp>
-      <p:sp>
-        <p:nvSpPr>
-          <p:cNvPr id="17" name="Oval 16"/>
-          <p:cNvSpPr/>
-          <p:nvPr/>
-        </p:nvSpPr>
-        <p:spPr>
-          <a:xfrm>
-            <a:off x="6741795" y="5479415"/>
-            <a:ext cx="2320290" cy="1102360"/>
-          </a:xfrm>
-          <a:prstGeom prst="ellipse">
-            <a:avLst/>
-          </a:prstGeom>
-        </p:spPr>
-        <p:style>
-          <a:lnRef idx="2">
-            <a:schemeClr val="accent5">
-              <a:shade val="50000"/>
-            </a:schemeClr>
-          </a:lnRef>
-          <a:fillRef idx="1">
-            <a:schemeClr val="accent5"/>
-          </a:fillRef>
-          <a:effectRef idx="0">
-            <a:schemeClr val="accent5"/>
-          </a:effectRef>
-          <a:fontRef idx="minor">
-            <a:schemeClr val="lt1"/>
-          </a:fontRef>
-        </p:style>
-        <p:txBody>
-          <a:bodyPr rtlCol="0" anchor="ctr"/>
-          <a:p>
-            <a:pPr algn="ctr"/>
-            <a:r>
-              <a:rPr lang="en-US" altLang="en-US" sz="2400" b="1">
-                <a:solidFill>
-                  <a:schemeClr val="tx1"/>
-                </a:solidFill>
-                <a:latin typeface="Times New Roman" panose="02020603050405020304" charset="0"/>
-                <a:cs typeface="Times New Roman" panose="02020603050405020304" charset="0"/>
-              </a:rPr>
-              <a:t>Abonnés :</a:t>
-            </a:r>
-            <a:r>
-              <a:rPr lang="en-US" altLang="en-US" sz="2400" b="1">
-                <a:latin typeface="Times New Roman" panose="02020603050405020304" charset="0"/>
-                <a:cs typeface="Times New Roman" panose="02020603050405020304" charset="0"/>
-              </a:rPr>
-              <a:t> 3 Millions</a:t>
             </a:r>
             <a:endParaRPr lang="en-US" altLang="en-US" sz="2400" b="1">
               <a:latin typeface="Times New Roman" panose="02020603050405020304" charset="0"/>
@@ -16911,40 +16986,7 @@
         <p:spPr>
           <a:xfrm>
             <a:off x="2428875" y="2762885"/>
-            <a:ext cx="1704340" cy="1214755"/>
-          </a:xfrm>
-          <a:prstGeom prst="line">
-            <a:avLst/>
-          </a:prstGeom>
-        </p:spPr>
-        <p:style>
-          <a:lnRef idx="3">
-            <a:schemeClr val="accent6"/>
-          </a:lnRef>
-          <a:fillRef idx="0">
-            <a:schemeClr val="accent6"/>
-          </a:fillRef>
-          <a:effectRef idx="2">
-            <a:schemeClr val="accent6"/>
-          </a:effectRef>
-          <a:fontRef idx="minor">
-            <a:schemeClr val="tx1"/>
-          </a:fontRef>
-        </p:style>
-      </p:cxnSp>
-      <p:cxnSp>
-        <p:nvCxnSpPr>
-          <p:cNvPr id="23" name="Straight Connector 22"/>
-          <p:cNvCxnSpPr>
-            <a:stCxn id="17" idx="0"/>
-            <a:endCxn id="12" idx="4"/>
-          </p:cNvCxnSpPr>
-          <p:nvPr/>
-        </p:nvCxnSpPr>
-        <p:spPr>
-          <a:xfrm flipV="1">
-            <a:off x="7901940" y="2834005"/>
-            <a:ext cx="2738755" cy="2645410"/>
+            <a:ext cx="1323340" cy="1214755"/>
           </a:xfrm>
           <a:prstGeom prst="line">
             <a:avLst/>
@@ -16977,7 +17019,7 @@
         <p:spPr>
           <a:xfrm flipH="1" flipV="1">
             <a:off x="10640695" y="2834005"/>
-            <a:ext cx="36830" cy="2645410"/>
+            <a:ext cx="190500" cy="982345"/>
           </a:xfrm>
           <a:prstGeom prst="line">
             <a:avLst/>
@@ -17030,6 +17072,205 @@
           </a:fontRef>
         </p:style>
       </p:cxnSp>
+      <p:grpSp>
+        <p:nvGrpSpPr>
+          <p:cNvPr id="31" name="Group 30"/>
+          <p:cNvGrpSpPr/>
+          <p:nvPr/>
+        </p:nvGrpSpPr>
+        <p:grpSpPr>
+          <a:xfrm>
+            <a:off x="6135370" y="2834005"/>
+            <a:ext cx="4505325" cy="3789680"/>
+            <a:chOff x="9662" y="4463"/>
+            <a:chExt cx="7095" cy="5968"/>
+          </a:xfrm>
+        </p:grpSpPr>
+        <p:cxnSp>
+          <p:nvCxnSpPr>
+            <p:cNvPr id="23" name="Straight Connector 22"/>
+            <p:cNvCxnSpPr>
+              <a:stCxn id="17" idx="0"/>
+              <a:endCxn id="12" idx="4"/>
+            </p:cNvCxnSpPr>
+            <p:nvPr/>
+          </p:nvCxnSpPr>
+          <p:spPr>
+            <a:xfrm flipV="1">
+              <a:off x="12731" y="4463"/>
+              <a:ext cx="4026" cy="1623"/>
+            </a:xfrm>
+            <a:prstGeom prst="line">
+              <a:avLst/>
+            </a:prstGeom>
+          </p:spPr>
+          <p:style>
+            <a:lnRef idx="3">
+              <a:schemeClr val="accent6"/>
+            </a:lnRef>
+            <a:fillRef idx="0">
+              <a:schemeClr val="accent6"/>
+            </a:fillRef>
+            <a:effectRef idx="2">
+              <a:schemeClr val="accent6"/>
+            </a:effectRef>
+            <a:fontRef idx="minor">
+              <a:schemeClr val="tx1"/>
+            </a:fontRef>
+          </p:style>
+        </p:cxnSp>
+        <p:sp>
+          <p:nvSpPr>
+            <p:cNvPr id="5" name="Oval 4"/>
+            <p:cNvSpPr/>
+            <p:nvPr/>
+          </p:nvSpPr>
+          <p:spPr>
+            <a:xfrm>
+              <a:off x="9662" y="9031"/>
+              <a:ext cx="6037" cy="1400"/>
+            </a:xfrm>
+            <a:prstGeom prst="ellipse">
+              <a:avLst/>
+            </a:prstGeom>
+          </p:spPr>
+          <p:style>
+            <a:lnRef idx="2">
+              <a:schemeClr val="accent5">
+                <a:shade val="50000"/>
+              </a:schemeClr>
+            </a:lnRef>
+            <a:fillRef idx="1">
+              <a:schemeClr val="accent5"/>
+            </a:fillRef>
+            <a:effectRef idx="0">
+              <a:schemeClr val="accent5"/>
+            </a:effectRef>
+            <a:fontRef idx="minor">
+              <a:schemeClr val="lt1"/>
+            </a:fontRef>
+          </p:style>
+          <p:txBody>
+            <a:bodyPr rtlCol="0" anchor="ctr"/>
+            <a:p>
+              <a:pPr algn="ctr"/>
+              <a:r>
+                <a:rPr lang="" altLang="en-US" sz="2400" b="1">
+                  <a:solidFill>
+                    <a:schemeClr val="tx1"/>
+                  </a:solidFill>
+                  <a:latin typeface="Times New Roman" panose="02020603050405020304" charset="0"/>
+                  <a:cs typeface="Times New Roman" panose="02020603050405020304" charset="0"/>
+                </a:rPr>
+                <a:t>Mobile Money : </a:t>
+              </a:r>
+              <a:r>
+                <a:rPr lang="" altLang="en-US" sz="2400" b="1">
+                  <a:latin typeface="Times New Roman" panose="02020603050405020304" charset="0"/>
+                  <a:cs typeface="Times New Roman" panose="02020603050405020304" charset="0"/>
+                </a:rPr>
+                <a:t>50% d'utilisateurs</a:t>
+              </a:r>
+              <a:endParaRPr lang="" altLang="en-US" sz="2400" b="1">
+                <a:latin typeface="Times New Roman" panose="02020603050405020304" charset="0"/>
+                <a:cs typeface="Times New Roman" panose="02020603050405020304" charset="0"/>
+              </a:endParaRPr>
+            </a:p>
+          </p:txBody>
+        </p:sp>
+        <p:cxnSp>
+          <p:nvCxnSpPr>
+            <p:cNvPr id="26" name="Straight Connector 25"/>
+            <p:cNvCxnSpPr>
+              <a:stCxn id="5" idx="0"/>
+              <a:endCxn id="17" idx="4"/>
+            </p:cNvCxnSpPr>
+            <p:nvPr/>
+          </p:nvCxnSpPr>
+          <p:spPr>
+            <a:xfrm flipV="1">
+              <a:off x="12681" y="7822"/>
+              <a:ext cx="50" cy="1209"/>
+            </a:xfrm>
+            <a:prstGeom prst="line">
+              <a:avLst/>
+            </a:prstGeom>
+          </p:spPr>
+          <p:style>
+            <a:lnRef idx="3">
+              <a:schemeClr val="accent6"/>
+            </a:lnRef>
+            <a:fillRef idx="0">
+              <a:schemeClr val="accent6"/>
+            </a:fillRef>
+            <a:effectRef idx="2">
+              <a:schemeClr val="accent6"/>
+            </a:effectRef>
+            <a:fontRef idx="minor">
+              <a:schemeClr val="tx1"/>
+            </a:fontRef>
+          </p:style>
+        </p:cxnSp>
+        <p:sp>
+          <p:nvSpPr>
+            <p:cNvPr id="17" name="Oval 16"/>
+            <p:cNvSpPr/>
+            <p:nvPr/>
+          </p:nvSpPr>
+          <p:spPr>
+            <a:xfrm>
+              <a:off x="10904" y="6086"/>
+              <a:ext cx="3654" cy="1736"/>
+            </a:xfrm>
+            <a:prstGeom prst="ellipse">
+              <a:avLst/>
+            </a:prstGeom>
+          </p:spPr>
+          <p:style>
+            <a:lnRef idx="2">
+              <a:schemeClr val="accent5">
+                <a:shade val="50000"/>
+              </a:schemeClr>
+            </a:lnRef>
+            <a:fillRef idx="1">
+              <a:schemeClr val="accent5"/>
+            </a:fillRef>
+            <a:effectRef idx="0">
+              <a:schemeClr val="accent5"/>
+            </a:effectRef>
+            <a:fontRef idx="minor">
+              <a:schemeClr val="lt1"/>
+            </a:fontRef>
+          </p:style>
+          <p:txBody>
+            <a:bodyPr rtlCol="0" anchor="ctr"/>
+            <a:p>
+              <a:pPr algn="ctr"/>
+              <a:r>
+                <a:rPr lang="en-US" altLang="en-US" sz="2400" b="1">
+                  <a:solidFill>
+                    <a:schemeClr val="tx1"/>
+                  </a:solidFill>
+                  <a:latin typeface="Times New Roman" panose="02020603050405020304" charset="0"/>
+                  <a:cs typeface="Times New Roman" panose="02020603050405020304" charset="0"/>
+                </a:rPr>
+                <a:t>Abonnés :</a:t>
+              </a:r>
+              <a:r>
+                <a:rPr lang="en-US" altLang="en-US" sz="2400" b="1">
+                  <a:latin typeface="Times New Roman" panose="02020603050405020304" charset="0"/>
+                  <a:cs typeface="Times New Roman" panose="02020603050405020304" charset="0"/>
+                </a:rPr>
+                <a:t> 3 Millions</a:t>
+              </a:r>
+              <a:endParaRPr lang="en-US" altLang="en-US" sz="2400" b="1">
+                <a:latin typeface="Times New Roman" panose="02020603050405020304" charset="0"/>
+                <a:cs typeface="Times New Roman" panose="02020603050405020304" charset="0"/>
+              </a:endParaRPr>
+            </a:p>
+          </p:txBody>
+        </p:sp>
+      </p:grpSp>
     </p:spTree>
   </p:cSld>
   <p:clrMapOvr>
@@ -18502,13 +18743,13 @@
         </p:nvSpPr>
         <p:spPr>
           <a:xfrm>
-            <a:off x="4122420" y="3514725"/>
-            <a:ext cx="4126865" cy="542925"/>
+            <a:off x="4122420" y="2859405"/>
+            <a:ext cx="7269480" cy="1984375"/>
           </a:xfrm>
           <a:prstGeom prst="wedgeRoundRectCallout">
             <a:avLst>
-              <a:gd name="adj1" fmla="val -92745"/>
-              <a:gd name="adj2" fmla="val 4736"/>
+              <a:gd name="adj1" fmla="val -71016"/>
+              <a:gd name="adj2" fmla="val 14863"/>
               <a:gd name="adj3" fmla="val 16667"/>
             </a:avLst>
           </a:prstGeom>
@@ -18533,6 +18774,17 @@
           <a:bodyPr rtlCol="0" anchor="ctr"/>
           <a:p>
             <a:pPr algn="just"/>
+            <a:endParaRPr lang="en-US" altLang="en-US" sz="2400" b="1">
+              <a:solidFill>
+                <a:schemeClr val="bg1"/>
+              </a:solidFill>
+              <a:latin typeface="Times New Roman" panose="02020603050405020304" charset="0"/>
+              <a:cs typeface="Times New Roman" panose="02020603050405020304" charset="0"/>
+              <a:sym typeface="+mn-ea"/>
+            </a:endParaRPr>
+          </a:p>
+          <a:p>
+            <a:pPr algn="just"/>
             <a:r>
               <a:rPr lang="en-US" altLang="en-US" sz="2400" b="1">
                 <a:solidFill>
@@ -18555,7 +18807,79 @@
               </a:rPr>
               <a:t> Document structuré</a:t>
             </a:r>
-            <a:endParaRPr lang="en-US" sz="2400"/>
+            <a:endParaRPr lang="en-US" altLang="en-US" sz="2400" b="1">
+              <a:solidFill>
+                <a:schemeClr val="tx1"/>
+              </a:solidFill>
+              <a:latin typeface="Times New Roman" panose="02020603050405020304" charset="0"/>
+              <a:cs typeface="Times New Roman" panose="02020603050405020304" charset="0"/>
+              <a:sym typeface="+mn-ea"/>
+            </a:endParaRPr>
+          </a:p>
+          <a:p>
+            <a:pPr marL="800100" lvl="1" indent="-342900" algn="just">
+              <a:buFont typeface="Arial" panose="020B0604020202020204" pitchFamily="34" charset="0"/>
+              <a:buChar char="•"/>
+            </a:pPr>
+            <a:r>
+              <a:rPr lang="" altLang="en-US" sz="2400" b="1">
+                <a:solidFill>
+                  <a:schemeClr val="bg1"/>
+                </a:solidFill>
+                <a:latin typeface="Times New Roman" panose="02020603050405020304" charset="0"/>
+                <a:cs typeface="Times New Roman" panose="02020603050405020304" charset="0"/>
+                <a:sym typeface="+mn-ea"/>
+              </a:rPr>
+              <a:t>Interactivité</a:t>
+            </a:r>
+            <a:endParaRPr lang="" altLang="en-US" sz="2400" b="1">
+              <a:solidFill>
+                <a:schemeClr val="bg1"/>
+              </a:solidFill>
+              <a:latin typeface="Times New Roman" panose="02020603050405020304" charset="0"/>
+              <a:cs typeface="Times New Roman" panose="02020603050405020304" charset="0"/>
+              <a:sym typeface="+mn-ea"/>
+            </a:endParaRPr>
+          </a:p>
+          <a:p>
+            <a:pPr marL="800100" lvl="1" indent="-342900" algn="just">
+              <a:buFont typeface="Arial" panose="020B0604020202020204" pitchFamily="34" charset="0"/>
+              <a:buChar char="•"/>
+            </a:pPr>
+            <a:r>
+              <a:rPr lang="" altLang="en-US" sz="2400" b="1">
+                <a:solidFill>
+                  <a:schemeClr val="bg1"/>
+                </a:solidFill>
+                <a:latin typeface="Times New Roman" panose="02020603050405020304" charset="0"/>
+                <a:cs typeface="Times New Roman" panose="02020603050405020304" charset="0"/>
+                <a:sym typeface="+mn-ea"/>
+              </a:rPr>
+              <a:t>Insertion de nouveaux modes de communication</a:t>
+            </a:r>
+            <a:r>
+              <a:rPr lang="" altLang="en-US" sz="2400" b="1">
+                <a:solidFill>
+                  <a:schemeClr val="tx1"/>
+                </a:solidFill>
+                <a:latin typeface="Times New Roman" panose="02020603050405020304" charset="0"/>
+                <a:cs typeface="Times New Roman" panose="02020603050405020304" charset="0"/>
+                <a:sym typeface="+mn-ea"/>
+              </a:rPr>
+              <a:t>(images, vidéos)</a:t>
+            </a:r>
+            <a:endParaRPr lang="" altLang="en-US" sz="2400" b="1">
+              <a:solidFill>
+                <a:schemeClr val="tx1"/>
+              </a:solidFill>
+              <a:latin typeface="Times New Roman" panose="02020603050405020304" charset="0"/>
+              <a:cs typeface="Times New Roman" panose="02020603050405020304" charset="0"/>
+              <a:sym typeface="+mn-ea"/>
+            </a:endParaRPr>
+          </a:p>
+          <a:p>
+            <a:pPr algn="just"/>
+            <a:endParaRPr lang="" altLang="en-US" sz="2400"/>
           </a:p>
         </p:txBody>
       </p:sp>

--- a/Documents/theme/diapo.pptx
+++ b/Documents/theme/diapo.pptx
@@ -4976,7 +4976,7 @@
                                   <p:childTnLst>
                                     <p:set>
                                       <p:cBhvr>
-                                        <p:cTn id="6" dur="1" fill="hold">
+                                        <p:cTn id="6" dur="500" fill="hold">
                                           <p:stCondLst>
                                             <p:cond delay="0"/>
                                           </p:stCondLst>
@@ -4994,7 +4994,7 @@
                                     </p:set>
                                     <p:animEffect transition="in" filter="fade">
                                       <p:cBhvr>
-                                        <p:cTn id="7" dur="1000"/>
+                                        <p:cTn id="7" dur="500"/>
                                         <p:tgtEl>
                                           <p:spTgt spid="5"/>
                                         </p:tgtEl>
@@ -5002,7 +5002,7 @@
                                     </p:animEffect>
                                     <p:anim calcmode="lin" valueType="num">
                                       <p:cBhvr>
-                                        <p:cTn id="8" dur="1000" fill="hold"/>
+                                        <p:cTn id="8" dur="500" fill="hold"/>
                                         <p:tgtEl>
                                           <p:spTgt spid="5"/>
                                         </p:tgtEl>
@@ -5025,7 +5025,7 @@
                                     </p:anim>
                                     <p:anim calcmode="lin" valueType="num">
                                       <p:cBhvr>
-                                        <p:cTn id="9" dur="1000" fill="hold"/>
+                                        <p:cTn id="9" dur="500" fill="hold"/>
                                         <p:tgtEl>
                                           <p:spTgt spid="5"/>
                                         </p:tgtEl>
@@ -5075,7 +5075,7 @@
                                   <p:childTnLst>
                                     <p:set>
                                       <p:cBhvr>
-                                        <p:cTn id="13" dur="1" fill="hold">
+                                        <p:cTn id="13" dur="500" fill="hold">
                                           <p:stCondLst>
                                             <p:cond delay="0"/>
                                           </p:stCondLst>
@@ -5093,7 +5093,7 @@
                                     </p:set>
                                     <p:animEffect transition="in" filter="fade">
                                       <p:cBhvr>
-                                        <p:cTn id="14" dur="1000"/>
+                                        <p:cTn id="14" dur="500"/>
                                         <p:tgtEl>
                                           <p:spTgt spid="9"/>
                                         </p:tgtEl>
@@ -5101,7 +5101,7 @@
                                     </p:animEffect>
                                     <p:anim calcmode="lin" valueType="num">
                                       <p:cBhvr>
-                                        <p:cTn id="15" dur="1000" fill="hold"/>
+                                        <p:cTn id="15" dur="500" fill="hold"/>
                                         <p:tgtEl>
                                           <p:spTgt spid="9"/>
                                         </p:tgtEl>
@@ -5124,7 +5124,7 @@
                                     </p:anim>
                                     <p:anim calcmode="lin" valueType="num">
                                       <p:cBhvr>
-                                        <p:cTn id="16" dur="1000" fill="hold"/>
+                                        <p:cTn id="16" dur="500" fill="hold"/>
                                         <p:tgtEl>
                                           <p:spTgt spid="9"/>
                                         </p:tgtEl>
@@ -6008,7 +6008,7 @@
                                   <p:childTnLst>
                                     <p:set>
                                       <p:cBhvr>
-                                        <p:cTn id="6" dur="1" fill="hold">
+                                        <p:cTn id="6" dur="500" fill="hold">
                                           <p:stCondLst>
                                             <p:cond delay="0"/>
                                           </p:stCondLst>
@@ -6026,7 +6026,7 @@
                                     </p:set>
                                     <p:animEffect transition="in" filter="fade">
                                       <p:cBhvr>
-                                        <p:cTn id="7" dur="1000"/>
+                                        <p:cTn id="7" dur="500"/>
                                         <p:tgtEl>
                                           <p:spTgt spid="5"/>
                                         </p:tgtEl>
@@ -6034,7 +6034,7 @@
                                     </p:animEffect>
                                     <p:anim calcmode="lin" valueType="num">
                                       <p:cBhvr>
-                                        <p:cTn id="8" dur="1000" fill="hold"/>
+                                        <p:cTn id="8" dur="500" fill="hold"/>
                                         <p:tgtEl>
                                           <p:spTgt spid="5"/>
                                         </p:tgtEl>
@@ -6057,7 +6057,7 @@
                                     </p:anim>
                                     <p:anim calcmode="lin" valueType="num">
                                       <p:cBhvr>
-                                        <p:cTn id="9" dur="1000" fill="hold"/>
+                                        <p:cTn id="9" dur="500" fill="hold"/>
                                         <p:tgtEl>
                                           <p:spTgt spid="5"/>
                                         </p:tgtEl>
@@ -6107,7 +6107,7 @@
                                   <p:childTnLst>
                                     <p:set>
                                       <p:cBhvr>
-                                        <p:cTn id="13" dur="1" fill="hold">
+                                        <p:cTn id="13" dur="500" fill="hold">
                                           <p:stCondLst>
                                             <p:cond delay="0"/>
                                           </p:stCondLst>
@@ -6125,7 +6125,7 @@
                                     </p:set>
                                     <p:animEffect transition="in" filter="fade">
                                       <p:cBhvr>
-                                        <p:cTn id="14" dur="1000"/>
+                                        <p:cTn id="14" dur="500"/>
                                         <p:tgtEl>
                                           <p:spTgt spid="9"/>
                                         </p:tgtEl>
@@ -6133,7 +6133,7 @@
                                     </p:animEffect>
                                     <p:anim calcmode="lin" valueType="num">
                                       <p:cBhvr>
-                                        <p:cTn id="15" dur="1000" fill="hold"/>
+                                        <p:cTn id="15" dur="500" fill="hold"/>
                                         <p:tgtEl>
                                           <p:spTgt spid="9"/>
                                         </p:tgtEl>
@@ -6156,7 +6156,7 @@
                                     </p:anim>
                                     <p:anim calcmode="lin" valueType="num">
                                       <p:cBhvr>
-                                        <p:cTn id="16" dur="1000" fill="hold"/>
+                                        <p:cTn id="16" dur="500" fill="hold"/>
                                         <p:tgtEl>
                                           <p:spTgt spid="9"/>
                                         </p:tgtEl>
@@ -6775,7 +6775,7 @@
                                   <p:childTnLst>
                                     <p:set>
                                       <p:cBhvr>
-                                        <p:cTn id="6" dur="1" fill="hold">
+                                        <p:cTn id="6" dur="500" fill="hold">
                                           <p:stCondLst>
                                             <p:cond delay="0"/>
                                           </p:stCondLst>
@@ -6793,7 +6793,7 @@
                                     </p:set>
                                     <p:animEffect transition="in" filter="fade">
                                       <p:cBhvr>
-                                        <p:cTn id="7" dur="1000"/>
+                                        <p:cTn id="7" dur="500"/>
                                         <p:tgtEl>
                                           <p:spTgt spid="9"/>
                                         </p:tgtEl>
@@ -6801,7 +6801,7 @@
                                     </p:animEffect>
                                     <p:anim calcmode="lin" valueType="num">
                                       <p:cBhvr>
-                                        <p:cTn id="8" dur="1000" fill="hold"/>
+                                        <p:cTn id="8" dur="500" fill="hold"/>
                                         <p:tgtEl>
                                           <p:spTgt spid="9"/>
                                         </p:tgtEl>
@@ -6824,7 +6824,7 @@
                                     </p:anim>
                                     <p:anim calcmode="lin" valueType="num">
                                       <p:cBhvr>
-                                        <p:cTn id="9" dur="1000" fill="hold"/>
+                                        <p:cTn id="9" dur="500" fill="hold"/>
                                         <p:tgtEl>
                                           <p:spTgt spid="9"/>
                                         </p:tgtEl>
@@ -6874,7 +6874,7 @@
                                   <p:childTnLst>
                                     <p:set>
                                       <p:cBhvr>
-                                        <p:cTn id="13" dur="1" fill="hold">
+                                        <p:cTn id="13" dur="500" fill="hold">
                                           <p:stCondLst>
                                             <p:cond delay="0"/>
                                           </p:stCondLst>
@@ -6892,7 +6892,7 @@
                                     </p:set>
                                     <p:animEffect transition="in" filter="fade">
                                       <p:cBhvr>
-                                        <p:cTn id="14" dur="1000"/>
+                                        <p:cTn id="14" dur="500"/>
                                         <p:tgtEl>
                                           <p:spTgt spid="10"/>
                                         </p:tgtEl>
@@ -6900,7 +6900,7 @@
                                     </p:animEffect>
                                     <p:anim calcmode="lin" valueType="num">
                                       <p:cBhvr>
-                                        <p:cTn id="15" dur="1000" fill="hold"/>
+                                        <p:cTn id="15" dur="500" fill="hold"/>
                                         <p:tgtEl>
                                           <p:spTgt spid="10"/>
                                         </p:tgtEl>
@@ -6923,7 +6923,7 @@
                                     </p:anim>
                                     <p:anim calcmode="lin" valueType="num">
                                       <p:cBhvr>
-                                        <p:cTn id="16" dur="1000" fill="hold"/>
+                                        <p:cTn id="16" dur="500" fill="hold"/>
                                         <p:tgtEl>
                                           <p:spTgt spid="10"/>
                                         </p:tgtEl>
@@ -6973,7 +6973,7 @@
                                   <p:childTnLst>
                                     <p:set>
                                       <p:cBhvr>
-                                        <p:cTn id="20" dur="1" fill="hold">
+                                        <p:cTn id="20" dur="500" fill="hold">
                                           <p:stCondLst>
                                             <p:cond delay="0"/>
                                           </p:stCondLst>
@@ -6991,7 +6991,7 @@
                                     </p:set>
                                     <p:animEffect transition="in" filter="fade">
                                       <p:cBhvr>
-                                        <p:cTn id="21" dur="1000"/>
+                                        <p:cTn id="21" dur="500"/>
                                         <p:tgtEl>
                                           <p:spTgt spid="5"/>
                                         </p:tgtEl>
@@ -6999,7 +6999,7 @@
                                     </p:animEffect>
                                     <p:anim calcmode="lin" valueType="num">
                                       <p:cBhvr>
-                                        <p:cTn id="22" dur="1000" fill="hold"/>
+                                        <p:cTn id="22" dur="500" fill="hold"/>
                                         <p:tgtEl>
                                           <p:spTgt spid="5"/>
                                         </p:tgtEl>
@@ -7022,7 +7022,7 @@
                                     </p:anim>
                                     <p:anim calcmode="lin" valueType="num">
                                       <p:cBhvr>
-                                        <p:cTn id="23" dur="1000" fill="hold"/>
+                                        <p:cTn id="23" dur="500" fill="hold"/>
                                         <p:tgtEl>
                                           <p:spTgt spid="5"/>
                                         </p:tgtEl>
@@ -7083,7 +7083,7 @@
 </file>
 
 <file path=ppt/slides/slide13.xml><?xml version="1.0" encoding="utf-8"?>
-<p:sld xmlns:a="http://schemas.openxmlformats.org/drawingml/2006/main" xmlns:r="http://schemas.openxmlformats.org/officeDocument/2006/relationships" xmlns:p="http://schemas.openxmlformats.org/presentationml/2006/main">
+<p:sld xmlns:a="http://schemas.openxmlformats.org/drawingml/2006/main" xmlns:r="http://schemas.openxmlformats.org/officeDocument/2006/relationships" xmlns:p="http://schemas.openxmlformats.org/presentationml/2006/main" show="0">
   <p:cSld>
     <p:spTree>
       <p:nvGrpSpPr>
@@ -7730,7 +7730,7 @@
                                   <p:childTnLst>
                                     <p:set>
                                       <p:cBhvr>
-                                        <p:cTn id="6" dur="1" fill="hold">
+                                        <p:cTn id="6" dur="500" fill="hold">
                                           <p:stCondLst>
                                             <p:cond delay="0"/>
                                           </p:stCondLst>
@@ -7748,7 +7748,7 @@
                                     </p:set>
                                     <p:animEffect transition="in" filter="fade">
                                       <p:cBhvr>
-                                        <p:cTn id="7" dur="1000"/>
+                                        <p:cTn id="7" dur="500"/>
                                         <p:tgtEl>
                                           <p:spTgt spid="5"/>
                                         </p:tgtEl>
@@ -7756,7 +7756,7 @@
                                     </p:animEffect>
                                     <p:anim calcmode="lin" valueType="num">
                                       <p:cBhvr>
-                                        <p:cTn id="8" dur="1000" fill="hold"/>
+                                        <p:cTn id="8" dur="500" fill="hold"/>
                                         <p:tgtEl>
                                           <p:spTgt spid="5"/>
                                         </p:tgtEl>
@@ -7779,7 +7779,7 @@
                                     </p:anim>
                                     <p:anim calcmode="lin" valueType="num">
                                       <p:cBhvr>
-                                        <p:cTn id="9" dur="1000" fill="hold"/>
+                                        <p:cTn id="9" dur="500" fill="hold"/>
                                         <p:tgtEl>
                                           <p:spTgt spid="5"/>
                                         </p:tgtEl>
@@ -7829,7 +7829,7 @@
                                   <p:childTnLst>
                                     <p:set>
                                       <p:cBhvr>
-                                        <p:cTn id="13" dur="1" fill="hold">
+                                        <p:cTn id="13" dur="500" fill="hold">
                                           <p:stCondLst>
                                             <p:cond delay="0"/>
                                           </p:stCondLst>
@@ -7847,7 +7847,7 @@
                                     </p:set>
                                     <p:animEffect transition="in" filter="fade">
                                       <p:cBhvr>
-                                        <p:cTn id="14" dur="1000"/>
+                                        <p:cTn id="14" dur="500"/>
                                         <p:tgtEl>
                                           <p:spTgt spid="9"/>
                                         </p:tgtEl>
@@ -7855,7 +7855,7 @@
                                     </p:animEffect>
                                     <p:anim calcmode="lin" valueType="num">
                                       <p:cBhvr>
-                                        <p:cTn id="15" dur="1000" fill="hold"/>
+                                        <p:cTn id="15" dur="500" fill="hold"/>
                                         <p:tgtEl>
                                           <p:spTgt spid="9"/>
                                         </p:tgtEl>
@@ -7878,7 +7878,7 @@
                                     </p:anim>
                                     <p:anim calcmode="lin" valueType="num">
                                       <p:cBhvr>
-                                        <p:cTn id="16" dur="1000" fill="hold"/>
+                                        <p:cTn id="16" dur="500" fill="hold"/>
                                         <p:tgtEl>
                                           <p:spTgt spid="9"/>
                                         </p:tgtEl>
@@ -19463,6 +19463,30 @@
           </a:p>
         </p:txBody>
       </p:sp>
+      <p:pic>
+        <p:nvPicPr>
+          <p:cNvPr id="5" name="Picture 4" descr="gannt_reel"/>
+          <p:cNvPicPr>
+            <a:picLocks noChangeAspect="1"/>
+          </p:cNvPicPr>
+          <p:nvPr/>
+        </p:nvPicPr>
+        <p:blipFill>
+          <a:blip r:embed="rId1"/>
+          <a:stretch>
+            <a:fillRect/>
+          </a:stretch>
+        </p:blipFill>
+        <p:spPr>
+          <a:xfrm>
+            <a:off x="81915" y="1897380"/>
+            <a:ext cx="12021820" cy="4832985"/>
+          </a:xfrm>
+          <a:prstGeom prst="rect">
+            <a:avLst/>
+          </a:prstGeom>
+        </p:spPr>
+      </p:pic>
     </p:spTree>
   </p:cSld>
   <p:clrMapOvr>
@@ -19471,6 +19495,138 @@
   <p:transition>
     <p:push dir="u"/>
   </p:transition>
+  <p:timing>
+    <p:tnLst>
+      <p:par>
+        <p:cTn id="1" dur="indefinite" restart="never" nodeType="tmRoot">
+          <p:childTnLst>
+            <p:seq concurrent="1" nextAc="seek">
+              <p:cTn id="2" dur="indefinite" nodeType="mainSeq">
+                <p:childTnLst>
+                  <p:par>
+                    <p:cTn id="3" fill="hold">
+                      <p:stCondLst>
+                        <p:cond delay="indefinite"/>
+                        <p:cond evt="onBegin" delay="0">
+                          <p:tn val="2"/>
+                        </p:cond>
+                      </p:stCondLst>
+                      <p:childTnLst>
+                        <p:par>
+                          <p:cTn id="4" fill="hold">
+                            <p:stCondLst>
+                              <p:cond delay="0"/>
+                            </p:stCondLst>
+                            <p:childTnLst>
+                              <p:par>
+                                <p:cTn id="5" presetID="42" presetClass="entr" presetSubtype="0" fill="hold" nodeType="afterEffect">
+                                  <p:stCondLst>
+                                    <p:cond delay="0"/>
+                                  </p:stCondLst>
+                                  <p:childTnLst>
+                                    <p:set>
+                                      <p:cBhvr>
+                                        <p:cTn id="6" dur="1" fill="hold">
+                                          <p:stCondLst>
+                                            <p:cond delay="0"/>
+                                          </p:stCondLst>
+                                        </p:cTn>
+                                        <p:tgtEl>
+                                          <p:spTgt spid="5"/>
+                                        </p:tgtEl>
+                                        <p:attrNameLst>
+                                          <p:attrName>style.visibility</p:attrName>
+                                        </p:attrNameLst>
+                                      </p:cBhvr>
+                                      <p:to>
+                                        <p:strVal val="visible"/>
+                                      </p:to>
+                                    </p:set>
+                                    <p:animEffect transition="in" filter="fade">
+                                      <p:cBhvr>
+                                        <p:cTn id="7" dur="1000"/>
+                                        <p:tgtEl>
+                                          <p:spTgt spid="5"/>
+                                        </p:tgtEl>
+                                      </p:cBhvr>
+                                    </p:animEffect>
+                                    <p:anim calcmode="lin" valueType="num">
+                                      <p:cBhvr>
+                                        <p:cTn id="8" dur="1000" fill="hold"/>
+                                        <p:tgtEl>
+                                          <p:spTgt spid="5"/>
+                                        </p:tgtEl>
+                                        <p:attrNameLst>
+                                          <p:attrName>ppt_x</p:attrName>
+                                        </p:attrNameLst>
+                                      </p:cBhvr>
+                                      <p:tavLst>
+                                        <p:tav tm="0">
+                                          <p:val>
+                                            <p:strVal val="#ppt_x"/>
+                                          </p:val>
+                                        </p:tav>
+                                        <p:tav tm="100000">
+                                          <p:val>
+                                            <p:strVal val="#ppt_x"/>
+                                          </p:val>
+                                        </p:tav>
+                                      </p:tavLst>
+                                    </p:anim>
+                                    <p:anim calcmode="lin" valueType="num">
+                                      <p:cBhvr>
+                                        <p:cTn id="9" dur="1000" fill="hold"/>
+                                        <p:tgtEl>
+                                          <p:spTgt spid="5"/>
+                                        </p:tgtEl>
+                                        <p:attrNameLst>
+                                          <p:attrName>ppt_y</p:attrName>
+                                        </p:attrNameLst>
+                                      </p:cBhvr>
+                                      <p:tavLst>
+                                        <p:tav tm="0">
+                                          <p:val>
+                                            <p:strVal val="#ppt_y+.1"/>
+                                          </p:val>
+                                        </p:tav>
+                                        <p:tav tm="100000">
+                                          <p:val>
+                                            <p:strVal val="#ppt_y"/>
+                                          </p:val>
+                                        </p:tav>
+                                      </p:tavLst>
+                                    </p:anim>
+                                  </p:childTnLst>
+                                </p:cTn>
+                              </p:par>
+                            </p:childTnLst>
+                          </p:cTn>
+                        </p:par>
+                      </p:childTnLst>
+                    </p:cTn>
+                  </p:par>
+                </p:childTnLst>
+              </p:cTn>
+              <p:prevCondLst>
+                <p:cond evt="onPrev" delay="0">
+                  <p:tgtEl>
+                    <p:sldTgt/>
+                  </p:tgtEl>
+                </p:cond>
+              </p:prevCondLst>
+              <p:nextCondLst>
+                <p:cond evt="onNext" delay="0">
+                  <p:tgtEl>
+                    <p:sldTgt/>
+                  </p:tgtEl>
+                </p:cond>
+              </p:nextCondLst>
+            </p:seq>
+          </p:childTnLst>
+        </p:cTn>
+      </p:par>
+    </p:tnLst>
+  </p:timing>
 </p:sld>
 </file>
 
@@ -22338,7 +22494,7 @@
         </p:blipFill>
         <p:spPr>
           <a:xfrm>
-            <a:off x="688340" y="2430780"/>
+            <a:off x="704850" y="2414270"/>
             <a:ext cx="10781665" cy="4067175"/>
           </a:xfrm>
           <a:prstGeom prst="rect">
@@ -27851,7 +28007,7 @@
                                   <p:childTnLst>
                                     <p:set>
                                       <p:cBhvr>
-                                        <p:cTn id="6" dur="1" fill="hold">
+                                        <p:cTn id="6" dur="500" fill="hold">
                                           <p:stCondLst>
                                             <p:cond delay="0"/>
                                           </p:stCondLst>
@@ -27869,7 +28025,7 @@
                                     </p:set>
                                     <p:animEffect transition="in" filter="fade">
                                       <p:cBhvr>
-                                        <p:cTn id="7" dur="1000"/>
+                                        <p:cTn id="7" dur="500"/>
                                         <p:tgtEl>
                                           <p:spTgt spid="10"/>
                                         </p:tgtEl>
@@ -27877,7 +28033,7 @@
                                     </p:animEffect>
                                     <p:anim calcmode="lin" valueType="num">
                                       <p:cBhvr>
-                                        <p:cTn id="8" dur="1000" fill="hold"/>
+                                        <p:cTn id="8" dur="500" fill="hold"/>
                                         <p:tgtEl>
                                           <p:spTgt spid="10"/>
                                         </p:tgtEl>
@@ -27900,7 +28056,7 @@
                                     </p:anim>
                                     <p:anim calcmode="lin" valueType="num">
                                       <p:cBhvr>
-                                        <p:cTn id="9" dur="1000" fill="hold"/>
+                                        <p:cTn id="9" dur="500" fill="hold"/>
                                         <p:tgtEl>
                                           <p:spTgt spid="10"/>
                                         </p:tgtEl>
@@ -27950,7 +28106,7 @@
                                   <p:childTnLst>
                                     <p:set>
                                       <p:cBhvr>
-                                        <p:cTn id="13" dur="1" fill="hold">
+                                        <p:cTn id="13" dur="500" fill="hold">
                                           <p:stCondLst>
                                             <p:cond delay="0"/>
                                           </p:stCondLst>
@@ -27968,7 +28124,7 @@
                                     </p:set>
                                     <p:animEffect transition="in" filter="fade">
                                       <p:cBhvr>
-                                        <p:cTn id="14" dur="1000"/>
+                                        <p:cTn id="14" dur="500"/>
                                         <p:tgtEl>
                                           <p:spTgt spid="11"/>
                                         </p:tgtEl>
@@ -27976,7 +28132,7 @@
                                     </p:animEffect>
                                     <p:anim calcmode="lin" valueType="num">
                                       <p:cBhvr>
-                                        <p:cTn id="15" dur="1000" fill="hold"/>
+                                        <p:cTn id="15" dur="500" fill="hold"/>
                                         <p:tgtEl>
                                           <p:spTgt spid="11"/>
                                         </p:tgtEl>
@@ -27999,7 +28155,7 @@
                                     </p:anim>
                                     <p:anim calcmode="lin" valueType="num">
                                       <p:cBhvr>
-                                        <p:cTn id="16" dur="1000" fill="hold"/>
+                                        <p:cTn id="16" dur="500" fill="hold"/>
                                         <p:tgtEl>
                                           <p:spTgt spid="11"/>
                                         </p:tgtEl>

--- a/Documents/theme/diapo.pptx
+++ b/Documents/theme/diapo.pptx
@@ -7083,7 +7083,7 @@
 </file>
 
 <file path=ppt/slides/slide13.xml><?xml version="1.0" encoding="utf-8"?>
-<p:sld xmlns:a="http://schemas.openxmlformats.org/drawingml/2006/main" xmlns:r="http://schemas.openxmlformats.org/officeDocument/2006/relationships" xmlns:p="http://schemas.openxmlformats.org/presentationml/2006/main" show="0">
+<p:sld xmlns:a="http://schemas.openxmlformats.org/drawingml/2006/main" xmlns:r="http://schemas.openxmlformats.org/officeDocument/2006/relationships" xmlns:p="http://schemas.openxmlformats.org/presentationml/2006/main">
   <p:cSld>
     <p:spTree>
       <p:nvGrpSpPr>
@@ -8414,16 +8414,6 @@
                 </a:rPr>
                 <a:t> approche orientée objet</a:t>
               </a:r>
-              <a:r>
-                <a:rPr lang="en-US" altLang="en-US" sz="2400" b="1">
-                  <a:solidFill>
-                    <a:schemeClr val="tx1"/>
-                  </a:solidFill>
-                  <a:latin typeface="Times New Roman" panose="02020603050405020304" charset="0"/>
-                  <a:cs typeface="Times New Roman" panose="02020603050405020304" charset="0"/>
-                </a:rPr>
-                <a:t>t</a:t>
-              </a:r>
               <a:endParaRPr lang="en-US" altLang="en-US" sz="2400" b="1">
                 <a:solidFill>
                   <a:schemeClr val="tx1"/>
@@ -8630,9 +8620,6 @@
                     <p:cTn id="3" fill="hold">
                       <p:stCondLst>
                         <p:cond delay="indefinite"/>
-                        <p:cond evt="onBegin" delay="0">
-                          <p:tn val="2"/>
-                        </p:cond>
                       </p:stCondLst>
                       <p:childTnLst>
                         <p:par>
@@ -8642,7 +8629,7 @@
                             </p:stCondLst>
                             <p:childTnLst>
                               <p:par>
-                                <p:cTn id="5" presetID="42" presetClass="entr" presetSubtype="0" fill="hold" nodeType="afterEffect">
+                                <p:cTn id="5" presetID="42" presetClass="entr" presetSubtype="0" fill="hold" nodeType="clickEffect">
                                   <p:stCondLst>
                                     <p:cond delay="0"/>
                                   </p:stCondLst>
@@ -22502,6 +22489,39 @@
           </a:prstGeom>
         </p:spPr>
       </p:pic>
+      <p:cxnSp>
+        <p:nvCxnSpPr>
+          <p:cNvPr id="5" name="Straight Arrow Connector 4"/>
+          <p:cNvCxnSpPr/>
+          <p:nvPr/>
+        </p:nvCxnSpPr>
+        <p:spPr>
+          <a:xfrm flipH="1">
+            <a:off x="8028940" y="2639060"/>
+            <a:ext cx="2007235" cy="2632075"/>
+          </a:xfrm>
+          <a:prstGeom prst="straightConnector1">
+            <a:avLst/>
+          </a:prstGeom>
+          <a:ln>
+            <a:tailEnd type="arrow" w="med" len="med"/>
+          </a:ln>
+        </p:spPr>
+        <p:style>
+          <a:lnRef idx="3">
+            <a:schemeClr val="accent5"/>
+          </a:lnRef>
+          <a:fillRef idx="0">
+            <a:schemeClr val="accent5"/>
+          </a:fillRef>
+          <a:effectRef idx="2">
+            <a:schemeClr val="accent5"/>
+          </a:effectRef>
+          <a:fontRef idx="minor">
+            <a:schemeClr val="tx1"/>
+          </a:fontRef>
+        </p:style>
+      </p:cxnSp>
     </p:spTree>
   </p:cSld>
   <p:clrMapOvr>
@@ -22611,6 +22631,51 @@
                                         </p:tav>
                                       </p:tavLst>
                                     </p:anim>
+                                  </p:childTnLst>
+                                </p:cTn>
+                              </p:par>
+                            </p:childTnLst>
+                          </p:cTn>
+                        </p:par>
+                      </p:childTnLst>
+                    </p:cTn>
+                  </p:par>
+                  <p:par>
+                    <p:cTn id="10" fill="hold">
+                      <p:stCondLst>
+                        <p:cond delay="indefinite"/>
+                      </p:stCondLst>
+                      <p:childTnLst>
+                        <p:par>
+                          <p:cTn id="11" fill="hold">
+                            <p:stCondLst>
+                              <p:cond delay="0"/>
+                            </p:stCondLst>
+                            <p:childTnLst>
+                              <p:par>
+                                <p:cTn id="12" presetID="1" presetClass="entr" presetSubtype="0" fill="hold" nodeType="clickEffect">
+                                  <p:stCondLst>
+                                    <p:cond delay="0"/>
+                                  </p:stCondLst>
+                                  <p:childTnLst>
+                                    <p:set>
+                                      <p:cBhvr>
+                                        <p:cTn id="13" dur="1" fill="hold">
+                                          <p:stCondLst>
+                                            <p:cond delay="0"/>
+                                          </p:stCondLst>
+                                        </p:cTn>
+                                        <p:tgtEl>
+                                          <p:spTgt spid="5"/>
+                                        </p:tgtEl>
+                                        <p:attrNameLst>
+                                          <p:attrName>style.visibility</p:attrName>
+                                        </p:attrNameLst>
+                                      </p:cBhvr>
+                                      <p:to>
+                                        <p:strVal val="visible"/>
+                                      </p:to>
+                                    </p:set>
                                   </p:childTnLst>
                                 </p:cTn>
                               </p:par>

--- a/Documents/theme/diapo.pptx
+++ b/Documents/theme/diapo.pptx
@@ -32,12 +32,13 @@
     <p:sldId id="283" r:id="rId25"/>
     <p:sldId id="284" r:id="rId26"/>
     <p:sldId id="286" r:id="rId27"/>
-    <p:sldId id="285" r:id="rId28"/>
-    <p:sldId id="287" r:id="rId29"/>
-    <p:sldId id="288" r:id="rId30"/>
-    <p:sldId id="289" r:id="rId31"/>
-    <p:sldId id="292" r:id="rId32"/>
-    <p:sldId id="291" r:id="rId33"/>
+    <p:sldId id="338" r:id="rId28"/>
+    <p:sldId id="285" r:id="rId29"/>
+    <p:sldId id="287" r:id="rId30"/>
+    <p:sldId id="288" r:id="rId31"/>
+    <p:sldId id="289" r:id="rId32"/>
+    <p:sldId id="292" r:id="rId33"/>
+    <p:sldId id="291" r:id="rId34"/>
   </p:sldIdLst>
   <p:sldSz cx="12192000" cy="6858000"/>
   <p:notesSz cx="6858000" cy="9144000"/>
@@ -17153,9 +17154,472 @@
         <p:txBody>
           <a:bodyPr/>
           <a:p>
-            <a:pPr marL="571500" indent="-571500" algn="just">
+            <a:pPr marL="0" indent="0" algn="just">
               <a:buFont typeface="+mj-lt"/>
-              <a:buAutoNum type="romanUcPeriod"/>
+              <a:buNone/>
+            </a:pPr>
+            <a:r>
+              <a:rPr lang="en-US" altLang="en-US" b="1">
+                <a:latin typeface="Times New Roman" panose="02020603050405020304" charset="0"/>
+                <a:cs typeface="Times New Roman" panose="02020603050405020304" charset="0"/>
+              </a:rPr>
+              <a:t>Architecture client</a:t>
+            </a:r>
+            <a:r>
+              <a:rPr lang="" altLang="en-US" b="1">
+                <a:latin typeface="Times New Roman" panose="02020603050405020304" charset="0"/>
+                <a:cs typeface="Times New Roman" panose="02020603050405020304" charset="0"/>
+              </a:rPr>
+              <a:t>/</a:t>
+            </a:r>
+            <a:r>
+              <a:rPr lang="en-US" altLang="en-US" b="1">
+                <a:latin typeface="Times New Roman" panose="02020603050405020304" charset="0"/>
+                <a:cs typeface="Times New Roman" panose="02020603050405020304" charset="0"/>
+              </a:rPr>
+              <a:t>serveur </a:t>
+            </a:r>
+            <a:r>
+              <a:rPr lang="" altLang="en-US" b="1">
+                <a:latin typeface="Times New Roman" panose="02020603050405020304" charset="0"/>
+                <a:cs typeface="Times New Roman" panose="02020603050405020304" charset="0"/>
+              </a:rPr>
+              <a:t>en </a:t>
+            </a:r>
+            <a:r>
+              <a:rPr lang="en-US" altLang="en-US" b="1">
+                <a:latin typeface="Times New Roman" panose="02020603050405020304" charset="0"/>
+                <a:cs typeface="Times New Roman" panose="02020603050405020304" charset="0"/>
+              </a:rPr>
+              <a:t>3-tiers de notre solution</a:t>
+            </a:r>
+            <a:endParaRPr lang="en-US" altLang="en-US" b="1">
+              <a:latin typeface="Times New Roman" panose="02020603050405020304" charset="0"/>
+              <a:cs typeface="Times New Roman" panose="02020603050405020304" charset="0"/>
+            </a:endParaRPr>
+          </a:p>
+        </p:txBody>
+      </p:sp>
+      <p:sp>
+        <p:nvSpPr>
+          <p:cNvPr id="4" name="Rounded Rectangle 3"/>
+          <p:cNvSpPr/>
+          <p:nvPr/>
+        </p:nvSpPr>
+        <p:spPr>
+          <a:xfrm>
+            <a:off x="82550" y="98425"/>
+            <a:ext cx="2926715" cy="1043940"/>
+          </a:xfrm>
+          <a:prstGeom prst="roundRect">
+            <a:avLst/>
+          </a:prstGeom>
+        </p:spPr>
+        <p:style>
+          <a:lnRef idx="1">
+            <a:schemeClr val="accent3"/>
+          </a:lnRef>
+          <a:fillRef idx="2">
+            <a:schemeClr val="accent3"/>
+          </a:fillRef>
+          <a:effectRef idx="1">
+            <a:schemeClr val="accent3"/>
+          </a:effectRef>
+          <a:fontRef idx="minor">
+            <a:schemeClr val="dk1"/>
+          </a:fontRef>
+        </p:style>
+        <p:txBody>
+          <a:bodyPr rtlCol="0" anchor="ctr"/>
+          <a:p>
+            <a:pPr algn="ctr"/>
+            <a:r>
+              <a:rPr lang="en-US" altLang="en-US" b="1">
+                <a:latin typeface="Times New Roman" panose="02020603050405020304" charset="0"/>
+                <a:cs typeface="Times New Roman" panose="02020603050405020304" charset="0"/>
+                <a:sym typeface="+mn-ea"/>
+              </a:rPr>
+              <a:t>ENVIRONNEMENT DE TRAVAIL</a:t>
+            </a:r>
+            <a:endParaRPr lang="en-US" altLang="en-US" b="1">
+              <a:latin typeface="Times New Roman" panose="02020603050405020304" charset="0"/>
+              <a:cs typeface="Times New Roman" panose="02020603050405020304" charset="0"/>
+            </a:endParaRPr>
+          </a:p>
+        </p:txBody>
+      </p:sp>
+      <p:sp>
+        <p:nvSpPr>
+          <p:cNvPr id="6" name="Rounded Rectangle 5"/>
+          <p:cNvSpPr/>
+          <p:nvPr/>
+        </p:nvSpPr>
+        <p:spPr>
+          <a:xfrm>
+            <a:off x="3093720" y="114300"/>
+            <a:ext cx="2926715" cy="1043940"/>
+          </a:xfrm>
+          <a:prstGeom prst="roundRect">
+            <a:avLst/>
+          </a:prstGeom>
+        </p:spPr>
+        <p:style>
+          <a:lnRef idx="1">
+            <a:schemeClr val="accent3"/>
+          </a:lnRef>
+          <a:fillRef idx="2">
+            <a:schemeClr val="accent3"/>
+          </a:fillRef>
+          <a:effectRef idx="1">
+            <a:schemeClr val="accent3"/>
+          </a:effectRef>
+          <a:fontRef idx="minor">
+            <a:schemeClr val="dk1"/>
+          </a:fontRef>
+        </p:style>
+        <p:txBody>
+          <a:bodyPr rtlCol="0" anchor="ctr"/>
+          <a:p>
+            <a:pPr algn="ctr"/>
+            <a:r>
+              <a:rPr lang="en-US" altLang="en-US" b="1">
+                <a:latin typeface="Times New Roman" panose="02020603050405020304" charset="0"/>
+                <a:cs typeface="Times New Roman" panose="02020603050405020304" charset="0"/>
+                <a:sym typeface="+mn-ea"/>
+              </a:rPr>
+              <a:t>CONCEPTS GÉNÉRAUX DU DOMAINE</a:t>
+            </a:r>
+            <a:endParaRPr lang="en-US" altLang="en-US" b="1">
+              <a:latin typeface="Times New Roman" panose="02020603050405020304" charset="0"/>
+              <a:cs typeface="Times New Roman" panose="02020603050405020304" charset="0"/>
+            </a:endParaRPr>
+          </a:p>
+        </p:txBody>
+      </p:sp>
+      <p:sp>
+        <p:nvSpPr>
+          <p:cNvPr id="7" name="Rounded Rectangle 6"/>
+          <p:cNvSpPr/>
+          <p:nvPr/>
+        </p:nvSpPr>
+        <p:spPr>
+          <a:xfrm>
+            <a:off x="6135370" y="114300"/>
+            <a:ext cx="2926715" cy="1043940"/>
+          </a:xfrm>
+          <a:prstGeom prst="roundRect">
+            <a:avLst/>
+          </a:prstGeom>
+        </p:spPr>
+        <p:style>
+          <a:lnRef idx="1">
+            <a:schemeClr val="accent3"/>
+          </a:lnRef>
+          <a:fillRef idx="2">
+            <a:schemeClr val="accent3"/>
+          </a:fillRef>
+          <a:effectRef idx="1">
+            <a:schemeClr val="accent3"/>
+          </a:effectRef>
+          <a:fontRef idx="minor">
+            <a:schemeClr val="dk1"/>
+          </a:fontRef>
+        </p:style>
+        <p:txBody>
+          <a:bodyPr rtlCol="0" anchor="ctr"/>
+          <a:p>
+            <a:pPr algn="ctr"/>
+            <a:r>
+              <a:rPr lang="en-US" altLang="en-US" b="1">
+                <a:latin typeface="Times New Roman" panose="02020603050405020304" charset="0"/>
+                <a:cs typeface="Times New Roman" panose="02020603050405020304" charset="0"/>
+                <a:sym typeface="+mn-ea"/>
+              </a:rPr>
+              <a:t>CONCEPTION</a:t>
+            </a:r>
+            <a:endParaRPr lang="en-US" altLang="en-US" b="1">
+              <a:latin typeface="Times New Roman" panose="02020603050405020304" charset="0"/>
+              <a:cs typeface="Times New Roman" panose="02020603050405020304" charset="0"/>
+            </a:endParaRPr>
+          </a:p>
+        </p:txBody>
+      </p:sp>
+      <p:sp>
+        <p:nvSpPr>
+          <p:cNvPr id="8" name="Rounded Rectangle 7"/>
+          <p:cNvSpPr/>
+          <p:nvPr/>
+        </p:nvSpPr>
+        <p:spPr>
+          <a:xfrm>
+            <a:off x="9177020" y="114300"/>
+            <a:ext cx="2926715" cy="1043940"/>
+          </a:xfrm>
+          <a:prstGeom prst="roundRect">
+            <a:avLst/>
+          </a:prstGeom>
+        </p:spPr>
+        <p:style>
+          <a:lnRef idx="2">
+            <a:schemeClr val="accent5">
+              <a:shade val="50000"/>
+            </a:schemeClr>
+          </a:lnRef>
+          <a:fillRef idx="1">
+            <a:schemeClr val="accent5"/>
+          </a:fillRef>
+          <a:effectRef idx="0">
+            <a:schemeClr val="accent5"/>
+          </a:effectRef>
+          <a:fontRef idx="minor">
+            <a:schemeClr val="lt1"/>
+          </a:fontRef>
+        </p:style>
+        <p:txBody>
+          <a:bodyPr rtlCol="0" anchor="ctr"/>
+          <a:p>
+            <a:pPr algn="ctr"/>
+            <a:r>
+              <a:rPr lang="en-US" altLang="en-US" b="1">
+                <a:latin typeface="Times New Roman" panose="02020603050405020304" charset="0"/>
+                <a:cs typeface="Times New Roman" panose="02020603050405020304" charset="0"/>
+                <a:sym typeface="+mn-ea"/>
+              </a:rPr>
+              <a:t>MISE EN OEUVRE DE LA SOLUTION</a:t>
+            </a:r>
+            <a:endParaRPr lang="en-US" altLang="en-US" b="1">
+              <a:latin typeface="Times New Roman" panose="02020603050405020304" charset="0"/>
+              <a:cs typeface="Times New Roman" panose="02020603050405020304" charset="0"/>
+            </a:endParaRPr>
+          </a:p>
+        </p:txBody>
+      </p:sp>
+      <p:pic>
+        <p:nvPicPr>
+          <p:cNvPr id="9" name="Picture 8"/>
+          <p:cNvPicPr>
+            <a:picLocks noChangeAspect="1"/>
+          </p:cNvPicPr>
+          <p:nvPr/>
+        </p:nvPicPr>
+        <p:blipFill>
+          <a:blip r:embed="rId1"/>
+          <a:stretch>
+            <a:fillRect/>
+          </a:stretch>
+        </p:blipFill>
+        <p:spPr>
+          <a:xfrm>
+            <a:off x="1020445" y="1951355"/>
+            <a:ext cx="10366375" cy="4779010"/>
+          </a:xfrm>
+          <a:prstGeom prst="rect">
+            <a:avLst/>
+          </a:prstGeom>
+        </p:spPr>
+      </p:pic>
+    </p:spTree>
+  </p:cSld>
+  <p:clrMapOvr>
+    <a:masterClrMapping/>
+  </p:clrMapOvr>
+  <p:transition>
+    <p:push dir="u"/>
+  </p:transition>
+  <p:timing>
+    <p:tnLst>
+      <p:par>
+        <p:cTn id="1" dur="indefinite" restart="never" nodeType="tmRoot">
+          <p:childTnLst>
+            <p:seq concurrent="1" nextAc="seek">
+              <p:cTn id="2" dur="indefinite" nodeType="mainSeq">
+                <p:childTnLst>
+                  <p:par>
+                    <p:cTn id="3" fill="hold">
+                      <p:stCondLst>
+                        <p:cond delay="indefinite"/>
+                        <p:cond evt="onBegin" delay="0">
+                          <p:tn val="2"/>
+                        </p:cond>
+                      </p:stCondLst>
+                      <p:childTnLst>
+                        <p:par>
+                          <p:cTn id="4" fill="hold">
+                            <p:stCondLst>
+                              <p:cond delay="0"/>
+                            </p:stCondLst>
+                            <p:childTnLst>
+                              <p:par>
+                                <p:cTn id="5" presetID="42" presetClass="entr" presetSubtype="0" fill="hold" nodeType="afterEffect">
+                                  <p:stCondLst>
+                                    <p:cond delay="0"/>
+                                  </p:stCondLst>
+                                  <p:childTnLst>
+                                    <p:set>
+                                      <p:cBhvr>
+                                        <p:cTn id="6" dur="1" fill="hold">
+                                          <p:stCondLst>
+                                            <p:cond delay="0"/>
+                                          </p:stCondLst>
+                                        </p:cTn>
+                                        <p:tgtEl>
+                                          <p:spTgt spid="9"/>
+                                        </p:tgtEl>
+                                        <p:attrNameLst>
+                                          <p:attrName>style.visibility</p:attrName>
+                                        </p:attrNameLst>
+                                      </p:cBhvr>
+                                      <p:to>
+                                        <p:strVal val="visible"/>
+                                      </p:to>
+                                    </p:set>
+                                    <p:animEffect transition="in" filter="fade">
+                                      <p:cBhvr>
+                                        <p:cTn id="7" dur="1000"/>
+                                        <p:tgtEl>
+                                          <p:spTgt spid="9"/>
+                                        </p:tgtEl>
+                                      </p:cBhvr>
+                                    </p:animEffect>
+                                    <p:anim calcmode="lin" valueType="num">
+                                      <p:cBhvr>
+                                        <p:cTn id="8" dur="1000" fill="hold"/>
+                                        <p:tgtEl>
+                                          <p:spTgt spid="9"/>
+                                        </p:tgtEl>
+                                        <p:attrNameLst>
+                                          <p:attrName>ppt_x</p:attrName>
+                                        </p:attrNameLst>
+                                      </p:cBhvr>
+                                      <p:tavLst>
+                                        <p:tav tm="0">
+                                          <p:val>
+                                            <p:strVal val="#ppt_x"/>
+                                          </p:val>
+                                        </p:tav>
+                                        <p:tav tm="100000">
+                                          <p:val>
+                                            <p:strVal val="#ppt_x"/>
+                                          </p:val>
+                                        </p:tav>
+                                      </p:tavLst>
+                                    </p:anim>
+                                    <p:anim calcmode="lin" valueType="num">
+                                      <p:cBhvr>
+                                        <p:cTn id="9" dur="1000" fill="hold"/>
+                                        <p:tgtEl>
+                                          <p:spTgt spid="9"/>
+                                        </p:tgtEl>
+                                        <p:attrNameLst>
+                                          <p:attrName>ppt_y</p:attrName>
+                                        </p:attrNameLst>
+                                      </p:cBhvr>
+                                      <p:tavLst>
+                                        <p:tav tm="0">
+                                          <p:val>
+                                            <p:strVal val="#ppt_y+.1"/>
+                                          </p:val>
+                                        </p:tav>
+                                        <p:tav tm="100000">
+                                          <p:val>
+                                            <p:strVal val="#ppt_y"/>
+                                          </p:val>
+                                        </p:tav>
+                                      </p:tavLst>
+                                    </p:anim>
+                                  </p:childTnLst>
+                                </p:cTn>
+                              </p:par>
+                            </p:childTnLst>
+                          </p:cTn>
+                        </p:par>
+                      </p:childTnLst>
+                    </p:cTn>
+                  </p:par>
+                </p:childTnLst>
+              </p:cTn>
+              <p:prevCondLst>
+                <p:cond evt="onPrev" delay="0">
+                  <p:tgtEl>
+                    <p:sldTgt/>
+                  </p:tgtEl>
+                </p:cond>
+              </p:prevCondLst>
+              <p:nextCondLst>
+                <p:cond evt="onNext" delay="0">
+                  <p:tgtEl>
+                    <p:sldTgt/>
+                  </p:tgtEl>
+                </p:cond>
+              </p:nextCondLst>
+            </p:seq>
+          </p:childTnLst>
+        </p:cTn>
+      </p:par>
+    </p:tnLst>
+  </p:timing>
+</p:sld>
+</file>
+
+<file path=ppt/slides/slide25.xml><?xml version="1.0" encoding="utf-8"?>
+<p:sld xmlns:a="http://schemas.openxmlformats.org/drawingml/2006/main" xmlns:r="http://schemas.openxmlformats.org/officeDocument/2006/relationships" xmlns:p="http://schemas.openxmlformats.org/presentationml/2006/main">
+  <p:cSld>
+    <p:spTree>
+      <p:nvGrpSpPr>
+        <p:cNvPr id="1" name=""/>
+        <p:cNvGrpSpPr/>
+        <p:nvPr/>
+      </p:nvGrpSpPr>
+      <p:grpSpPr/>
+      <p:sp>
+        <p:nvSpPr>
+          <p:cNvPr id="2" name="Title 1"/>
+          <p:cNvSpPr>
+            <a:spLocks noGrp="1"/>
+          </p:cNvSpPr>
+          <p:nvPr>
+            <p:ph type="title"/>
+          </p:nvPr>
+        </p:nvSpPr>
+        <p:spPr>
+          <a:xfrm>
+            <a:off x="10160" y="56515"/>
+            <a:ext cx="12154535" cy="1212850"/>
+          </a:xfrm>
+        </p:spPr>
+        <p:txBody>
+          <a:bodyPr/>
+          <a:p>
+            <a:r>
+              <a:rPr lang="en-US" altLang="en-US"/>
+              <a:t>D</a:t>
+            </a:r>
+            <a:endParaRPr lang="en-US" altLang="en-US"/>
+          </a:p>
+        </p:txBody>
+      </p:sp>
+      <p:sp>
+        <p:nvSpPr>
+          <p:cNvPr id="3" name="Content Placeholder 2"/>
+          <p:cNvSpPr>
+            <a:spLocks noGrp="1"/>
+          </p:cNvSpPr>
+          <p:nvPr>
+            <p:ph idx="1"/>
+          </p:nvPr>
+        </p:nvSpPr>
+        <p:spPr>
+          <a:xfrm>
+            <a:off x="81915" y="1386205"/>
+            <a:ext cx="12021820" cy="5344160"/>
+          </a:xfrm>
+        </p:spPr>
+        <p:txBody>
+          <a:bodyPr/>
+          <a:p>
+            <a:pPr marL="0" indent="0" algn="just">
+              <a:buFont typeface="+mj-lt"/>
+              <a:buNone/>
             </a:pPr>
             <a:r>
               <a:rPr lang="en-US" altLang="en-US" b="1">
@@ -17542,7 +18006,7 @@
 </p:sld>
 </file>
 
-<file path=ppt/slides/slide25.xml><?xml version="1.0" encoding="utf-8"?>
+<file path=ppt/slides/slide26.xml><?xml version="1.0" encoding="utf-8"?>
 <p:sld xmlns:a="http://schemas.openxmlformats.org/drawingml/2006/main" xmlns:r="http://schemas.openxmlformats.org/officeDocument/2006/relationships" xmlns:p="http://schemas.openxmlformats.org/presentationml/2006/main">
   <p:cSld>
     <p:spTree>
@@ -18353,7 +18817,7 @@
 </p:sld>
 </file>
 
-<file path=ppt/slides/slide26.xml><?xml version="1.0" encoding="utf-8"?>
+<file path=ppt/slides/slide27.xml><?xml version="1.0" encoding="utf-8"?>
 <p:sld xmlns:a="http://schemas.openxmlformats.org/drawingml/2006/main" xmlns:r="http://schemas.openxmlformats.org/officeDocument/2006/relationships" xmlns:p="http://schemas.openxmlformats.org/presentationml/2006/main">
   <p:cSld>
     <p:spTree>
@@ -18727,7 +19191,7 @@
 </p:sld>
 </file>
 
-<file path=ppt/slides/slide27.xml><?xml version="1.0" encoding="utf-8"?>
+<file path=ppt/slides/slide28.xml><?xml version="1.0" encoding="utf-8"?>
 <p:sld xmlns:a="http://schemas.openxmlformats.org/drawingml/2006/main" xmlns:r="http://schemas.openxmlformats.org/officeDocument/2006/relationships" xmlns:p="http://schemas.openxmlformats.org/presentationml/2006/main">
   <p:cSld>
     <p:spTree>
@@ -19172,7 +19636,7 @@
 </p:sld>
 </file>
 
-<file path=ppt/slides/slide28.xml><?xml version="1.0" encoding="utf-8"?>
+<file path=ppt/slides/slide29.xml><?xml version="1.0" encoding="utf-8"?>
 <p:sld xmlns:a="http://schemas.openxmlformats.org/drawingml/2006/main" xmlns:r="http://schemas.openxmlformats.org/officeDocument/2006/relationships" xmlns:p="http://schemas.openxmlformats.org/presentationml/2006/main">
   <p:cSld>
     <p:spTree>
@@ -19617,7 +20081,1091 @@
 </p:sld>
 </file>
 
-<file path=ppt/slides/slide29.xml><?xml version="1.0" encoding="utf-8"?>
+<file path=ppt/slides/slide3.xml><?xml version="1.0" encoding="utf-8"?>
+<p:sld xmlns:a="http://schemas.openxmlformats.org/drawingml/2006/main" xmlns:r="http://schemas.openxmlformats.org/officeDocument/2006/relationships" xmlns:p="http://schemas.openxmlformats.org/presentationml/2006/main">
+  <p:cSld>
+    <p:spTree>
+      <p:nvGrpSpPr>
+        <p:cNvPr id="1" name=""/>
+        <p:cNvGrpSpPr/>
+        <p:nvPr/>
+      </p:nvGrpSpPr>
+      <p:grpSpPr/>
+      <p:sp>
+        <p:nvSpPr>
+          <p:cNvPr id="2" name="Title 1"/>
+          <p:cNvSpPr>
+            <a:spLocks noGrp="1"/>
+          </p:cNvSpPr>
+          <p:nvPr>
+            <p:ph type="title"/>
+          </p:nvPr>
+        </p:nvSpPr>
+        <p:spPr>
+          <a:xfrm>
+            <a:off x="10160" y="56515"/>
+            <a:ext cx="12154535" cy="1212850"/>
+          </a:xfrm>
+        </p:spPr>
+        <p:txBody>
+          <a:bodyPr/>
+          <a:p>
+            <a:endParaRPr lang="en-US"/>
+          </a:p>
+        </p:txBody>
+      </p:sp>
+      <p:sp>
+        <p:nvSpPr>
+          <p:cNvPr id="3" name="Content Placeholder 2"/>
+          <p:cNvSpPr>
+            <a:spLocks noGrp="1"/>
+          </p:cNvSpPr>
+          <p:nvPr>
+            <p:ph idx="1"/>
+          </p:nvPr>
+        </p:nvSpPr>
+        <p:spPr>
+          <a:xfrm>
+            <a:off x="81915" y="1386205"/>
+            <a:ext cx="12021820" cy="5344160"/>
+          </a:xfrm>
+        </p:spPr>
+        <p:txBody>
+          <a:bodyPr/>
+          <a:p>
+            <a:pPr marL="571500" indent="-571500" algn="just">
+              <a:buFont typeface="+mj-lt"/>
+              <a:buAutoNum type="romanUcPeriod"/>
+            </a:pPr>
+            <a:r>
+              <a:rPr lang="en-US" altLang="en-US" b="1" u="sng">
+                <a:latin typeface="Times New Roman" panose="02020603050405020304" charset="0"/>
+                <a:cs typeface="Times New Roman" panose="02020603050405020304" charset="0"/>
+              </a:rPr>
+              <a:t>Structure d'accueil</a:t>
+            </a:r>
+            <a:endParaRPr lang="en-US" altLang="en-US" b="1">
+              <a:latin typeface="Times New Roman" panose="02020603050405020304" charset="0"/>
+              <a:cs typeface="Times New Roman" panose="02020603050405020304" charset="0"/>
+            </a:endParaRPr>
+          </a:p>
+          <a:p>
+            <a:pPr marL="971550" lvl="1" indent="-514350" algn="just">
+              <a:buFont typeface="+mj-lt"/>
+              <a:buAutoNum type="arabicPeriod"/>
+            </a:pPr>
+            <a:r>
+              <a:rPr lang="en-US" altLang="en-US" b="1" u="sng">
+                <a:latin typeface="Times New Roman" panose="02020603050405020304" charset="0"/>
+                <a:cs typeface="Times New Roman" panose="02020603050405020304" charset="0"/>
+              </a:rPr>
+              <a:t>Missions et activités</a:t>
+            </a:r>
+            <a:endParaRPr lang="en-US" altLang="en-US" b="1">
+              <a:latin typeface="Times New Roman" panose="02020603050405020304" charset="0"/>
+              <a:cs typeface="Times New Roman" panose="02020603050405020304" charset="0"/>
+            </a:endParaRPr>
+          </a:p>
+          <a:p>
+            <a:pPr marL="0" indent="0" algn="just">
+              <a:buFont typeface="+mj-lt"/>
+              <a:buNone/>
+            </a:pPr>
+            <a:endParaRPr lang="en-US" altLang="en-US" b="1">
+              <a:latin typeface="Times New Roman" panose="02020603050405020304" charset="0"/>
+              <a:cs typeface="Times New Roman" panose="02020603050405020304" charset="0"/>
+            </a:endParaRPr>
+          </a:p>
+        </p:txBody>
+      </p:sp>
+      <p:sp>
+        <p:nvSpPr>
+          <p:cNvPr id="4" name="Rounded Rectangle 3"/>
+          <p:cNvSpPr/>
+          <p:nvPr/>
+        </p:nvSpPr>
+        <p:spPr>
+          <a:xfrm>
+            <a:off x="82550" y="98425"/>
+            <a:ext cx="2926715" cy="1043940"/>
+          </a:xfrm>
+          <a:prstGeom prst="roundRect">
+            <a:avLst/>
+          </a:prstGeom>
+        </p:spPr>
+        <p:style>
+          <a:lnRef idx="2">
+            <a:schemeClr val="accent5">
+              <a:shade val="50000"/>
+            </a:schemeClr>
+          </a:lnRef>
+          <a:fillRef idx="1">
+            <a:schemeClr val="accent5"/>
+          </a:fillRef>
+          <a:effectRef idx="0">
+            <a:schemeClr val="accent5"/>
+          </a:effectRef>
+          <a:fontRef idx="minor">
+            <a:schemeClr val="lt1"/>
+          </a:fontRef>
+        </p:style>
+        <p:txBody>
+          <a:bodyPr rtlCol="0" anchor="ctr"/>
+          <a:p>
+            <a:pPr algn="ctr"/>
+            <a:r>
+              <a:rPr lang="en-US" altLang="en-US" b="1">
+                <a:latin typeface="Times New Roman" panose="02020603050405020304" charset="0"/>
+                <a:cs typeface="Times New Roman" panose="02020603050405020304" charset="0"/>
+                <a:sym typeface="+mn-ea"/>
+              </a:rPr>
+              <a:t>ENVIRONNEMENT DE TRAVAIL</a:t>
+            </a:r>
+            <a:endParaRPr lang="en-US" altLang="en-US" b="1">
+              <a:latin typeface="Times New Roman" panose="02020603050405020304" charset="0"/>
+              <a:cs typeface="Times New Roman" panose="02020603050405020304" charset="0"/>
+            </a:endParaRPr>
+          </a:p>
+          <a:p>
+            <a:pPr algn="ctr"/>
+            <a:endParaRPr lang="en-US" altLang="en-US" b="1">
+              <a:latin typeface="Times New Roman" panose="02020603050405020304" charset="0"/>
+              <a:cs typeface="Times New Roman" panose="02020603050405020304" charset="0"/>
+            </a:endParaRPr>
+          </a:p>
+        </p:txBody>
+      </p:sp>
+      <p:sp>
+        <p:nvSpPr>
+          <p:cNvPr id="6" name="Rounded Rectangle 5"/>
+          <p:cNvSpPr/>
+          <p:nvPr/>
+        </p:nvSpPr>
+        <p:spPr>
+          <a:xfrm>
+            <a:off x="3093720" y="114300"/>
+            <a:ext cx="2926715" cy="1043940"/>
+          </a:xfrm>
+          <a:prstGeom prst="roundRect">
+            <a:avLst/>
+          </a:prstGeom>
+        </p:spPr>
+        <p:style>
+          <a:lnRef idx="1">
+            <a:schemeClr val="accent3"/>
+          </a:lnRef>
+          <a:fillRef idx="2">
+            <a:schemeClr val="accent3"/>
+          </a:fillRef>
+          <a:effectRef idx="1">
+            <a:schemeClr val="accent3"/>
+          </a:effectRef>
+          <a:fontRef idx="minor">
+            <a:schemeClr val="dk1"/>
+          </a:fontRef>
+        </p:style>
+        <p:txBody>
+          <a:bodyPr rtlCol="0" anchor="ctr"/>
+          <a:p>
+            <a:pPr algn="ctr"/>
+            <a:r>
+              <a:rPr lang="en-US" altLang="en-US" b="1">
+                <a:latin typeface="Times New Roman" panose="02020603050405020304" charset="0"/>
+                <a:cs typeface="Times New Roman" panose="02020603050405020304" charset="0"/>
+                <a:sym typeface="+mn-ea"/>
+              </a:rPr>
+              <a:t>CONCEPTS GÉNÉRAUX DU DOMAINE</a:t>
+            </a:r>
+            <a:endParaRPr lang="en-US" altLang="en-US" b="1">
+              <a:latin typeface="Times New Roman" panose="02020603050405020304" charset="0"/>
+              <a:cs typeface="Times New Roman" panose="02020603050405020304" charset="0"/>
+            </a:endParaRPr>
+          </a:p>
+        </p:txBody>
+      </p:sp>
+      <p:sp>
+        <p:nvSpPr>
+          <p:cNvPr id="7" name="Rounded Rectangle 6"/>
+          <p:cNvSpPr/>
+          <p:nvPr/>
+        </p:nvSpPr>
+        <p:spPr>
+          <a:xfrm>
+            <a:off x="6135370" y="114300"/>
+            <a:ext cx="2926715" cy="1043940"/>
+          </a:xfrm>
+          <a:prstGeom prst="roundRect">
+            <a:avLst/>
+          </a:prstGeom>
+        </p:spPr>
+        <p:style>
+          <a:lnRef idx="1">
+            <a:schemeClr val="accent3"/>
+          </a:lnRef>
+          <a:fillRef idx="2">
+            <a:schemeClr val="accent3"/>
+          </a:fillRef>
+          <a:effectRef idx="1">
+            <a:schemeClr val="accent3"/>
+          </a:effectRef>
+          <a:fontRef idx="minor">
+            <a:schemeClr val="dk1"/>
+          </a:fontRef>
+        </p:style>
+        <p:txBody>
+          <a:bodyPr rtlCol="0" anchor="ctr"/>
+          <a:p>
+            <a:pPr algn="ctr"/>
+            <a:r>
+              <a:rPr lang="en-US" altLang="en-US" b="1">
+                <a:latin typeface="Times New Roman" panose="02020603050405020304" charset="0"/>
+                <a:cs typeface="Times New Roman" panose="02020603050405020304" charset="0"/>
+                <a:sym typeface="+mn-ea"/>
+              </a:rPr>
+              <a:t>CONCEPTION</a:t>
+            </a:r>
+            <a:endParaRPr lang="en-US" altLang="en-US" b="1">
+              <a:latin typeface="Times New Roman" panose="02020603050405020304" charset="0"/>
+              <a:cs typeface="Times New Roman" panose="02020603050405020304" charset="0"/>
+            </a:endParaRPr>
+          </a:p>
+        </p:txBody>
+      </p:sp>
+      <p:sp>
+        <p:nvSpPr>
+          <p:cNvPr id="8" name="Rounded Rectangle 7"/>
+          <p:cNvSpPr/>
+          <p:nvPr/>
+        </p:nvSpPr>
+        <p:spPr>
+          <a:xfrm>
+            <a:off x="9177020" y="114300"/>
+            <a:ext cx="2926715" cy="1043940"/>
+          </a:xfrm>
+          <a:prstGeom prst="roundRect">
+            <a:avLst/>
+          </a:prstGeom>
+        </p:spPr>
+        <p:style>
+          <a:lnRef idx="1">
+            <a:schemeClr val="accent3"/>
+          </a:lnRef>
+          <a:fillRef idx="2">
+            <a:schemeClr val="accent3"/>
+          </a:fillRef>
+          <a:effectRef idx="1">
+            <a:schemeClr val="accent3"/>
+          </a:effectRef>
+          <a:fontRef idx="minor">
+            <a:schemeClr val="dk1"/>
+          </a:fontRef>
+        </p:style>
+        <p:txBody>
+          <a:bodyPr rtlCol="0" anchor="ctr"/>
+          <a:p>
+            <a:pPr algn="ctr"/>
+            <a:r>
+              <a:rPr lang="en-US" altLang="en-US" b="1">
+                <a:latin typeface="Times New Roman" panose="02020603050405020304" charset="0"/>
+                <a:cs typeface="Times New Roman" panose="02020603050405020304" charset="0"/>
+                <a:sym typeface="+mn-ea"/>
+              </a:rPr>
+              <a:t>MISE EN OEUVRE DE LA SOLUTION</a:t>
+            </a:r>
+            <a:endParaRPr lang="en-US" altLang="en-US" b="1">
+              <a:latin typeface="Times New Roman" panose="02020603050405020304" charset="0"/>
+              <a:cs typeface="Times New Roman" panose="02020603050405020304" charset="0"/>
+            </a:endParaRPr>
+          </a:p>
+        </p:txBody>
+      </p:sp>
+      <p:pic>
+        <p:nvPicPr>
+          <p:cNvPr id="13" name="Picture 12" descr="logo_metrika"/>
+          <p:cNvPicPr>
+            <a:picLocks noChangeAspect="1"/>
+          </p:cNvPicPr>
+          <p:nvPr/>
+        </p:nvPicPr>
+        <p:blipFill>
+          <a:blip r:embed="rId1"/>
+          <a:stretch>
+            <a:fillRect/>
+          </a:stretch>
+        </p:blipFill>
+        <p:spPr>
+          <a:xfrm>
+            <a:off x="762635" y="4604385"/>
+            <a:ext cx="2409190" cy="1004570"/>
+          </a:xfrm>
+          <a:prstGeom prst="rect">
+            <a:avLst/>
+          </a:prstGeom>
+        </p:spPr>
+      </p:pic>
+      <p:sp>
+        <p:nvSpPr>
+          <p:cNvPr id="14" name="Oval 13"/>
+          <p:cNvSpPr/>
+          <p:nvPr/>
+        </p:nvSpPr>
+        <p:spPr>
+          <a:xfrm>
+            <a:off x="321310" y="3061335"/>
+            <a:ext cx="3291840" cy="1168400"/>
+          </a:xfrm>
+          <a:prstGeom prst="ellipse">
+            <a:avLst/>
+          </a:prstGeom>
+        </p:spPr>
+        <p:style>
+          <a:lnRef idx="2">
+            <a:schemeClr val="accent5">
+              <a:shade val="50000"/>
+            </a:schemeClr>
+          </a:lnRef>
+          <a:fillRef idx="1">
+            <a:schemeClr val="accent5"/>
+          </a:fillRef>
+          <a:effectRef idx="0">
+            <a:schemeClr val="accent5"/>
+          </a:effectRef>
+          <a:fontRef idx="minor">
+            <a:schemeClr val="lt1"/>
+          </a:fontRef>
+        </p:style>
+        <p:txBody>
+          <a:bodyPr rtlCol="0" anchor="ctr"/>
+          <a:p>
+            <a:pPr algn="ctr"/>
+            <a:r>
+              <a:rPr lang="en-US" altLang="en-US" sz="2200" b="1">
+                <a:latin typeface="Times New Roman" panose="02020603050405020304" charset="0"/>
+                <a:cs typeface="Times New Roman" panose="02020603050405020304" charset="0"/>
+              </a:rPr>
+              <a:t>Qui est Métrika-IDB ?</a:t>
+            </a:r>
+            <a:endParaRPr lang="en-US" altLang="en-US" sz="2200" b="1">
+              <a:latin typeface="Times New Roman" panose="02020603050405020304" charset="0"/>
+              <a:cs typeface="Times New Roman" panose="02020603050405020304" charset="0"/>
+            </a:endParaRPr>
+          </a:p>
+        </p:txBody>
+      </p:sp>
+      <p:sp>
+        <p:nvSpPr>
+          <p:cNvPr id="17" name="Rounded Rectangular Callout 16"/>
+          <p:cNvSpPr/>
+          <p:nvPr/>
+        </p:nvSpPr>
+        <p:spPr>
+          <a:xfrm>
+            <a:off x="5171440" y="3061335"/>
+            <a:ext cx="6993255" cy="3669030"/>
+          </a:xfrm>
+          <a:prstGeom prst="wedgeRoundRectCallout">
+            <a:avLst>
+              <a:gd name="adj1" fmla="val -72219"/>
+              <a:gd name="adj2" fmla="val -35064"/>
+              <a:gd name="adj3" fmla="val 16667"/>
+            </a:avLst>
+          </a:prstGeom>
+        </p:spPr>
+        <p:style>
+          <a:lnRef idx="1">
+            <a:schemeClr val="accent6"/>
+          </a:lnRef>
+          <a:fillRef idx="3">
+            <a:schemeClr val="accent6"/>
+          </a:fillRef>
+          <a:effectRef idx="2">
+            <a:schemeClr val="accent6"/>
+          </a:effectRef>
+          <a:fontRef idx="minor">
+            <a:schemeClr val="lt1"/>
+          </a:fontRef>
+        </p:style>
+        <p:txBody>
+          <a:bodyPr rtlCol="0" anchor="ctr"/>
+          <a:p>
+            <a:pPr algn="just"/>
+            <a:r>
+              <a:rPr lang="en-US" altLang="en-US" sz="2400">
+                <a:solidFill>
+                  <a:schemeClr val="tx1"/>
+                </a:solidFill>
+                <a:latin typeface="Times New Roman" panose="02020603050405020304" charset="0"/>
+                <a:cs typeface="Times New Roman" panose="02020603050405020304" charset="0"/>
+              </a:rPr>
+              <a:t>	Entreprise informatique opérant dans :  </a:t>
+            </a:r>
+            <a:endParaRPr lang="en-US" altLang="en-US" sz="2400">
+              <a:solidFill>
+                <a:schemeClr val="tx1"/>
+              </a:solidFill>
+              <a:latin typeface="Times New Roman" panose="02020603050405020304" charset="0"/>
+              <a:cs typeface="Times New Roman" panose="02020603050405020304" charset="0"/>
+            </a:endParaRPr>
+          </a:p>
+          <a:p>
+            <a:pPr algn="just"/>
+            <a:endParaRPr lang="en-US" altLang="en-US" sz="2400">
+              <a:solidFill>
+                <a:schemeClr val="tx1"/>
+              </a:solidFill>
+              <a:latin typeface="Times New Roman" panose="02020603050405020304" charset="0"/>
+              <a:cs typeface="Times New Roman" panose="02020603050405020304" charset="0"/>
+            </a:endParaRPr>
+          </a:p>
+          <a:p>
+            <a:pPr marL="285750" indent="-285750" algn="just">
+              <a:buFont typeface="Arial" panose="020B0604020202020204" pitchFamily="34" charset="0"/>
+              <a:buChar char="•"/>
+            </a:pPr>
+            <a:r>
+              <a:rPr lang="en-US" altLang="en-US" sz="2400" b="1">
+                <a:solidFill>
+                  <a:schemeClr val="tx1"/>
+                </a:solidFill>
+                <a:latin typeface="Times New Roman" panose="02020603050405020304" charset="0"/>
+                <a:cs typeface="Times New Roman" panose="02020603050405020304" charset="0"/>
+                <a:sym typeface="+mn-ea"/>
+              </a:rPr>
+              <a:t>Intégration de solutions informatiques et édition de logiciels</a:t>
+            </a:r>
+            <a:r>
+              <a:rPr lang="en-US" altLang="en-US" sz="2400" b="1">
+                <a:solidFill>
+                  <a:schemeClr val="tx1"/>
+                </a:solidFill>
+                <a:latin typeface="Times New Roman" panose="02020603050405020304" charset="0"/>
+                <a:cs typeface="Times New Roman" panose="02020603050405020304" charset="0"/>
+              </a:rPr>
+              <a:t> </a:t>
+            </a:r>
+            <a:endParaRPr lang="en-US" altLang="en-US" sz="2400" b="1">
+              <a:solidFill>
+                <a:schemeClr val="tx1"/>
+              </a:solidFill>
+              <a:latin typeface="Times New Roman" panose="02020603050405020304" charset="0"/>
+              <a:cs typeface="Times New Roman" panose="02020603050405020304" charset="0"/>
+            </a:endParaRPr>
+          </a:p>
+          <a:p>
+            <a:pPr indent="0" algn="just">
+              <a:buFont typeface="Arial" panose="020B0604020202020204" pitchFamily="34" charset="0"/>
+              <a:buNone/>
+            </a:pPr>
+            <a:endParaRPr lang="en-US" altLang="en-US" sz="2400" b="1">
+              <a:solidFill>
+                <a:schemeClr val="tx1"/>
+              </a:solidFill>
+              <a:latin typeface="Times New Roman" panose="02020603050405020304" charset="0"/>
+              <a:cs typeface="Times New Roman" panose="02020603050405020304" charset="0"/>
+            </a:endParaRPr>
+          </a:p>
+          <a:p>
+            <a:pPr marL="285750" indent="-285750" algn="just">
+              <a:buFont typeface="Arial" panose="020B0604020202020204" pitchFamily="34" charset="0"/>
+              <a:buChar char="•"/>
+            </a:pPr>
+            <a:r>
+              <a:rPr lang="en-US" altLang="en-US" sz="2400" b="1">
+                <a:solidFill>
+                  <a:schemeClr val="tx1"/>
+                </a:solidFill>
+                <a:latin typeface="Times New Roman" panose="02020603050405020304" charset="0"/>
+                <a:cs typeface="Times New Roman" panose="02020603050405020304" charset="0"/>
+              </a:rPr>
+              <a:t>Encadrement de la recherche et des tâches de développement</a:t>
+            </a:r>
+            <a:endParaRPr lang="en-US" altLang="en-US" sz="2400" b="1">
+              <a:solidFill>
+                <a:schemeClr val="tx1"/>
+              </a:solidFill>
+              <a:latin typeface="Times New Roman" panose="02020603050405020304" charset="0"/>
+              <a:cs typeface="Times New Roman" panose="02020603050405020304" charset="0"/>
+            </a:endParaRPr>
+          </a:p>
+          <a:p>
+            <a:pPr indent="0" algn="just">
+              <a:buFont typeface="Arial" panose="020B0604020202020204" pitchFamily="34" charset="0"/>
+              <a:buNone/>
+            </a:pPr>
+            <a:endParaRPr lang="en-US" altLang="en-US" sz="2400" b="1">
+              <a:solidFill>
+                <a:schemeClr val="tx1"/>
+              </a:solidFill>
+              <a:latin typeface="Times New Roman" panose="02020603050405020304" charset="0"/>
+              <a:cs typeface="Times New Roman" panose="02020603050405020304" charset="0"/>
+            </a:endParaRPr>
+          </a:p>
+          <a:p>
+            <a:pPr marL="285750" indent="-285750" algn="just">
+              <a:buFont typeface="Arial" panose="020B0604020202020204" pitchFamily="34" charset="0"/>
+              <a:buChar char="•"/>
+            </a:pPr>
+            <a:r>
+              <a:rPr lang="en-US" altLang="en-US" sz="2400" b="1">
+                <a:solidFill>
+                  <a:schemeClr val="tx1"/>
+                </a:solidFill>
+                <a:latin typeface="Times New Roman" panose="02020603050405020304" charset="0"/>
+                <a:cs typeface="Times New Roman" panose="02020603050405020304" charset="0"/>
+              </a:rPr>
+              <a:t>Participation aux tests de nouveauté</a:t>
+            </a:r>
+            <a:endParaRPr lang="en-US" altLang="en-US" sz="2400" b="1">
+              <a:solidFill>
+                <a:schemeClr val="tx1"/>
+              </a:solidFill>
+              <a:latin typeface="Times New Roman" panose="02020603050405020304" charset="0"/>
+              <a:cs typeface="Times New Roman" panose="02020603050405020304" charset="0"/>
+            </a:endParaRPr>
+          </a:p>
+          <a:p>
+            <a:pPr algn="just"/>
+            <a:r>
+              <a:rPr lang="en-US" altLang="en-US" sz="2400">
+                <a:solidFill>
+                  <a:schemeClr val="tx1"/>
+                </a:solidFill>
+                <a:latin typeface="Times New Roman" panose="02020603050405020304" charset="0"/>
+                <a:cs typeface="Times New Roman" panose="02020603050405020304" charset="0"/>
+              </a:rPr>
+              <a:t> </a:t>
+            </a:r>
+            <a:endParaRPr lang="en-US" altLang="en-US" sz="2400">
+              <a:solidFill>
+                <a:schemeClr val="tx1"/>
+              </a:solidFill>
+              <a:latin typeface="Times New Roman" panose="02020603050405020304" charset="0"/>
+              <a:cs typeface="Times New Roman" panose="02020603050405020304" charset="0"/>
+            </a:endParaRPr>
+          </a:p>
+        </p:txBody>
+      </p:sp>
+      <p:sp>
+        <p:nvSpPr>
+          <p:cNvPr id="9" name="Rounded Rectangular Callout 8"/>
+          <p:cNvSpPr/>
+          <p:nvPr/>
+        </p:nvSpPr>
+        <p:spPr>
+          <a:xfrm>
+            <a:off x="4902200" y="1668780"/>
+            <a:ext cx="6909435" cy="882650"/>
+          </a:xfrm>
+          <a:prstGeom prst="wedgeRoundRectCallout">
+            <a:avLst>
+              <a:gd name="adj1" fmla="val -99308"/>
+              <a:gd name="adj2" fmla="val 96425"/>
+              <a:gd name="adj3" fmla="val 16667"/>
+            </a:avLst>
+          </a:prstGeom>
+        </p:spPr>
+        <p:style>
+          <a:lnRef idx="2">
+            <a:schemeClr val="accent6">
+              <a:shade val="50000"/>
+            </a:schemeClr>
+          </a:lnRef>
+          <a:fillRef idx="1">
+            <a:schemeClr val="accent6"/>
+          </a:fillRef>
+          <a:effectRef idx="0">
+            <a:schemeClr val="accent6"/>
+          </a:effectRef>
+          <a:fontRef idx="minor">
+            <a:schemeClr val="lt1"/>
+          </a:fontRef>
+        </p:style>
+        <p:txBody>
+          <a:bodyPr rtlCol="0" anchor="ctr"/>
+          <a:p>
+            <a:pPr algn="just"/>
+            <a:r>
+              <a:rPr lang="en-US" altLang="en-US" sz="2400" b="1">
+                <a:latin typeface="Times New Roman" panose="02020603050405020304" charset="0"/>
+                <a:cs typeface="Times New Roman" panose="02020603050405020304" charset="0"/>
+              </a:rPr>
+              <a:t>Naissance :</a:t>
+            </a:r>
+            <a:r>
+              <a:rPr lang="en-US" altLang="en-US" sz="2400" b="1">
+                <a:solidFill>
+                  <a:schemeClr val="tx1"/>
+                </a:solidFill>
+                <a:latin typeface="Times New Roman" panose="02020603050405020304" charset="0"/>
+                <a:cs typeface="Times New Roman" panose="02020603050405020304" charset="0"/>
+              </a:rPr>
+              <a:t> 1995</a:t>
+            </a:r>
+            <a:endParaRPr lang="en-US" altLang="en-US" sz="2400" b="1">
+              <a:solidFill>
+                <a:schemeClr val="tx1"/>
+              </a:solidFill>
+              <a:latin typeface="Times New Roman" panose="02020603050405020304" charset="0"/>
+              <a:cs typeface="Times New Roman" panose="02020603050405020304" charset="0"/>
+            </a:endParaRPr>
+          </a:p>
+          <a:p>
+            <a:pPr algn="just"/>
+            <a:r>
+              <a:rPr lang="en-US" altLang="en-US" sz="2400" b="1">
+                <a:latin typeface="Times New Roman" panose="02020603050405020304" charset="0"/>
+                <a:cs typeface="Times New Roman" panose="02020603050405020304" charset="0"/>
+              </a:rPr>
+              <a:t>Siège : </a:t>
+            </a:r>
+            <a:r>
+              <a:rPr lang="en-US" altLang="en-US" sz="2400" b="1">
+                <a:solidFill>
+                  <a:schemeClr val="tx1"/>
+                </a:solidFill>
+                <a:latin typeface="Times New Roman" panose="02020603050405020304" charset="0"/>
+                <a:cs typeface="Times New Roman" panose="02020603050405020304" charset="0"/>
+              </a:rPr>
+              <a:t>Immeuble Atlantis II ACAE, LIBREVILLE</a:t>
+            </a:r>
+            <a:endParaRPr lang="en-US" altLang="en-US" sz="2400" b="1">
+              <a:solidFill>
+                <a:schemeClr val="tx1"/>
+              </a:solidFill>
+              <a:latin typeface="Times New Roman" panose="02020603050405020304" charset="0"/>
+              <a:cs typeface="Times New Roman" panose="02020603050405020304" charset="0"/>
+            </a:endParaRPr>
+          </a:p>
+        </p:txBody>
+      </p:sp>
+    </p:spTree>
+  </p:cSld>
+  <p:clrMapOvr>
+    <a:masterClrMapping/>
+  </p:clrMapOvr>
+  <p:transition>
+    <p:push dir="u"/>
+  </p:transition>
+  <p:timing>
+    <p:tnLst>
+      <p:par>
+        <p:cTn id="1" dur="indefinite" restart="never" nodeType="tmRoot">
+          <p:childTnLst>
+            <p:seq concurrent="1" nextAc="seek">
+              <p:cTn id="2" dur="indefinite" nodeType="mainSeq">
+                <p:childTnLst>
+                  <p:par>
+                    <p:cTn id="3" fill="hold">
+                      <p:stCondLst>
+                        <p:cond delay="indefinite"/>
+                        <p:cond evt="onBegin" delay="0">
+                          <p:tn val="2"/>
+                        </p:cond>
+                      </p:stCondLst>
+                      <p:childTnLst>
+                        <p:par>
+                          <p:cTn id="4" fill="hold">
+                            <p:stCondLst>
+                              <p:cond delay="0"/>
+                            </p:stCondLst>
+                            <p:childTnLst>
+                              <p:par>
+                                <p:cTn id="5" presetID="42" presetClass="entr" presetSubtype="0" fill="hold" grpId="0" nodeType="afterEffect">
+                                  <p:stCondLst>
+                                    <p:cond delay="0"/>
+                                  </p:stCondLst>
+                                  <p:childTnLst>
+                                    <p:set>
+                                      <p:cBhvr>
+                                        <p:cTn id="6" dur="500" fill="hold">
+                                          <p:stCondLst>
+                                            <p:cond delay="0"/>
+                                          </p:stCondLst>
+                                        </p:cTn>
+                                        <p:tgtEl>
+                                          <p:spTgt spid="9"/>
+                                        </p:tgtEl>
+                                        <p:attrNameLst>
+                                          <p:attrName>style.visibility</p:attrName>
+                                        </p:attrNameLst>
+                                      </p:cBhvr>
+                                      <p:to>
+                                        <p:strVal val="visible"/>
+                                      </p:to>
+                                    </p:set>
+                                    <p:animEffect transition="in" filter="fade">
+                                      <p:cBhvr>
+                                        <p:cTn id="7" dur="500"/>
+                                        <p:tgtEl>
+                                          <p:spTgt spid="9"/>
+                                        </p:tgtEl>
+                                      </p:cBhvr>
+                                    </p:animEffect>
+                                    <p:anim calcmode="lin" valueType="num">
+                                      <p:cBhvr>
+                                        <p:cTn id="8" dur="500" fill="hold"/>
+                                        <p:tgtEl>
+                                          <p:spTgt spid="9"/>
+                                        </p:tgtEl>
+                                        <p:attrNameLst>
+                                          <p:attrName>ppt_x</p:attrName>
+                                        </p:attrNameLst>
+                                      </p:cBhvr>
+                                      <p:tavLst>
+                                        <p:tav tm="0">
+                                          <p:val>
+                                            <p:strVal val="#ppt_x"/>
+                                          </p:val>
+                                        </p:tav>
+                                        <p:tav tm="100000">
+                                          <p:val>
+                                            <p:strVal val="#ppt_x"/>
+                                          </p:val>
+                                        </p:tav>
+                                      </p:tavLst>
+                                    </p:anim>
+                                    <p:anim calcmode="lin" valueType="num">
+                                      <p:cBhvr>
+                                        <p:cTn id="9" dur="500" fill="hold"/>
+                                        <p:tgtEl>
+                                          <p:spTgt spid="9"/>
+                                        </p:tgtEl>
+                                        <p:attrNameLst>
+                                          <p:attrName>ppt_y</p:attrName>
+                                        </p:attrNameLst>
+                                      </p:cBhvr>
+                                      <p:tavLst>
+                                        <p:tav tm="0">
+                                          <p:val>
+                                            <p:strVal val="#ppt_y+.1"/>
+                                          </p:val>
+                                        </p:tav>
+                                        <p:tav tm="100000">
+                                          <p:val>
+                                            <p:strVal val="#ppt_y"/>
+                                          </p:val>
+                                        </p:tav>
+                                      </p:tavLst>
+                                    </p:anim>
+                                  </p:childTnLst>
+                                </p:cTn>
+                              </p:par>
+                            </p:childTnLst>
+                          </p:cTn>
+                        </p:par>
+                        <p:par>
+                          <p:cTn id="10" fill="hold">
+                            <p:stCondLst>
+                              <p:cond delay="500"/>
+                            </p:stCondLst>
+                            <p:childTnLst>
+                              <p:par>
+                                <p:cTn id="11" presetID="42" presetClass="entr" presetSubtype="0" fill="hold" grpId="0" nodeType="afterEffect">
+                                  <p:stCondLst>
+                                    <p:cond delay="0"/>
+                                  </p:stCondLst>
+                                  <p:childTnLst>
+                                    <p:set>
+                                      <p:cBhvr>
+                                        <p:cTn id="12" dur="1" fill="hold">
+                                          <p:stCondLst>
+                                            <p:cond delay="0"/>
+                                          </p:stCondLst>
+                                        </p:cTn>
+                                        <p:tgtEl>
+                                          <p:spTgt spid="14"/>
+                                        </p:tgtEl>
+                                        <p:attrNameLst>
+                                          <p:attrName>style.visibility</p:attrName>
+                                        </p:attrNameLst>
+                                      </p:cBhvr>
+                                      <p:to>
+                                        <p:strVal val="visible"/>
+                                      </p:to>
+                                    </p:set>
+                                    <p:animEffect transition="in" filter="fade">
+                                      <p:cBhvr>
+                                        <p:cTn id="13" dur="1000"/>
+                                        <p:tgtEl>
+                                          <p:spTgt spid="14"/>
+                                        </p:tgtEl>
+                                      </p:cBhvr>
+                                    </p:animEffect>
+                                    <p:anim calcmode="lin" valueType="num">
+                                      <p:cBhvr>
+                                        <p:cTn id="14" dur="1000" fill="hold"/>
+                                        <p:tgtEl>
+                                          <p:spTgt spid="14"/>
+                                        </p:tgtEl>
+                                        <p:attrNameLst>
+                                          <p:attrName>ppt_x</p:attrName>
+                                        </p:attrNameLst>
+                                      </p:cBhvr>
+                                      <p:tavLst>
+                                        <p:tav tm="0">
+                                          <p:val>
+                                            <p:strVal val="#ppt_x"/>
+                                          </p:val>
+                                        </p:tav>
+                                        <p:tav tm="100000">
+                                          <p:val>
+                                            <p:strVal val="#ppt_x"/>
+                                          </p:val>
+                                        </p:tav>
+                                      </p:tavLst>
+                                    </p:anim>
+                                    <p:anim calcmode="lin" valueType="num">
+                                      <p:cBhvr>
+                                        <p:cTn id="15" dur="1000" fill="hold"/>
+                                        <p:tgtEl>
+                                          <p:spTgt spid="14"/>
+                                        </p:tgtEl>
+                                        <p:attrNameLst>
+                                          <p:attrName>ppt_y</p:attrName>
+                                        </p:attrNameLst>
+                                      </p:cBhvr>
+                                      <p:tavLst>
+                                        <p:tav tm="0">
+                                          <p:val>
+                                            <p:strVal val="#ppt_y+.1"/>
+                                          </p:val>
+                                        </p:tav>
+                                        <p:tav tm="100000">
+                                          <p:val>
+                                            <p:strVal val="#ppt_y"/>
+                                          </p:val>
+                                        </p:tav>
+                                      </p:tavLst>
+                                    </p:anim>
+                                  </p:childTnLst>
+                                </p:cTn>
+                              </p:par>
+                            </p:childTnLst>
+                          </p:cTn>
+                        </p:par>
+                        <p:par>
+                          <p:cTn id="16" fill="hold">
+                            <p:stCondLst>
+                              <p:cond delay="1500"/>
+                            </p:stCondLst>
+                            <p:childTnLst>
+                              <p:par>
+                                <p:cTn id="17" presetID="42" presetClass="entr" presetSubtype="0" fill="hold" nodeType="afterEffect">
+                                  <p:stCondLst>
+                                    <p:cond delay="0"/>
+                                  </p:stCondLst>
+                                  <p:childTnLst>
+                                    <p:set>
+                                      <p:cBhvr>
+                                        <p:cTn id="18" dur="1" fill="hold">
+                                          <p:stCondLst>
+                                            <p:cond delay="0"/>
+                                          </p:stCondLst>
+                                        </p:cTn>
+                                        <p:tgtEl>
+                                          <p:spTgt spid="13"/>
+                                        </p:tgtEl>
+                                        <p:attrNameLst>
+                                          <p:attrName>style.visibility</p:attrName>
+                                        </p:attrNameLst>
+                                      </p:cBhvr>
+                                      <p:to>
+                                        <p:strVal val="visible"/>
+                                      </p:to>
+                                    </p:set>
+                                    <p:animEffect transition="in" filter="fade">
+                                      <p:cBhvr>
+                                        <p:cTn id="19" dur="1000"/>
+                                        <p:tgtEl>
+                                          <p:spTgt spid="13"/>
+                                        </p:tgtEl>
+                                      </p:cBhvr>
+                                    </p:animEffect>
+                                    <p:anim calcmode="lin" valueType="num">
+                                      <p:cBhvr>
+                                        <p:cTn id="20" dur="1000" fill="hold"/>
+                                        <p:tgtEl>
+                                          <p:spTgt spid="13"/>
+                                        </p:tgtEl>
+                                        <p:attrNameLst>
+                                          <p:attrName>ppt_x</p:attrName>
+                                        </p:attrNameLst>
+                                      </p:cBhvr>
+                                      <p:tavLst>
+                                        <p:tav tm="0">
+                                          <p:val>
+                                            <p:strVal val="#ppt_x"/>
+                                          </p:val>
+                                        </p:tav>
+                                        <p:tav tm="100000">
+                                          <p:val>
+                                            <p:strVal val="#ppt_x"/>
+                                          </p:val>
+                                        </p:tav>
+                                      </p:tavLst>
+                                    </p:anim>
+                                    <p:anim calcmode="lin" valueType="num">
+                                      <p:cBhvr>
+                                        <p:cTn id="21" dur="1000" fill="hold"/>
+                                        <p:tgtEl>
+                                          <p:spTgt spid="13"/>
+                                        </p:tgtEl>
+                                        <p:attrNameLst>
+                                          <p:attrName>ppt_y</p:attrName>
+                                        </p:attrNameLst>
+                                      </p:cBhvr>
+                                      <p:tavLst>
+                                        <p:tav tm="0">
+                                          <p:val>
+                                            <p:strVal val="#ppt_y+.1"/>
+                                          </p:val>
+                                        </p:tav>
+                                        <p:tav tm="100000">
+                                          <p:val>
+                                            <p:strVal val="#ppt_y"/>
+                                          </p:val>
+                                        </p:tav>
+                                      </p:tavLst>
+                                    </p:anim>
+                                  </p:childTnLst>
+                                </p:cTn>
+                              </p:par>
+                            </p:childTnLst>
+                          </p:cTn>
+                        </p:par>
+                      </p:childTnLst>
+                    </p:cTn>
+                  </p:par>
+                  <p:par>
+                    <p:cTn id="22" fill="hold">
+                      <p:stCondLst>
+                        <p:cond delay="indefinite"/>
+                      </p:stCondLst>
+                      <p:childTnLst>
+                        <p:par>
+                          <p:cTn id="23" fill="hold">
+                            <p:stCondLst>
+                              <p:cond delay="0"/>
+                            </p:stCondLst>
+                            <p:childTnLst>
+                              <p:par>
+                                <p:cTn id="24" presetID="42" presetClass="entr" presetSubtype="0" fill="hold" grpId="0" nodeType="clickEffect">
+                                  <p:stCondLst>
+                                    <p:cond delay="0"/>
+                                  </p:stCondLst>
+                                  <p:childTnLst>
+                                    <p:set>
+                                      <p:cBhvr>
+                                        <p:cTn id="25" dur="500" fill="hold">
+                                          <p:stCondLst>
+                                            <p:cond delay="0"/>
+                                          </p:stCondLst>
+                                        </p:cTn>
+                                        <p:tgtEl>
+                                          <p:spTgt spid="17"/>
+                                        </p:tgtEl>
+                                        <p:attrNameLst>
+                                          <p:attrName>style.visibility</p:attrName>
+                                        </p:attrNameLst>
+                                      </p:cBhvr>
+                                      <p:to>
+                                        <p:strVal val="visible"/>
+                                      </p:to>
+                                    </p:set>
+                                    <p:animEffect transition="in" filter="fade">
+                                      <p:cBhvr>
+                                        <p:cTn id="26" dur="500"/>
+                                        <p:tgtEl>
+                                          <p:spTgt spid="17"/>
+                                        </p:tgtEl>
+                                      </p:cBhvr>
+                                    </p:animEffect>
+                                    <p:anim calcmode="lin" valueType="num">
+                                      <p:cBhvr>
+                                        <p:cTn id="27" dur="500" fill="hold"/>
+                                        <p:tgtEl>
+                                          <p:spTgt spid="17"/>
+                                        </p:tgtEl>
+                                        <p:attrNameLst>
+                                          <p:attrName>ppt_x</p:attrName>
+                                        </p:attrNameLst>
+                                      </p:cBhvr>
+                                      <p:tavLst>
+                                        <p:tav tm="0">
+                                          <p:val>
+                                            <p:strVal val="#ppt_x"/>
+                                          </p:val>
+                                        </p:tav>
+                                        <p:tav tm="100000">
+                                          <p:val>
+                                            <p:strVal val="#ppt_x"/>
+                                          </p:val>
+                                        </p:tav>
+                                      </p:tavLst>
+                                    </p:anim>
+                                    <p:anim calcmode="lin" valueType="num">
+                                      <p:cBhvr>
+                                        <p:cTn id="28" dur="500" fill="hold"/>
+                                        <p:tgtEl>
+                                          <p:spTgt spid="17"/>
+                                        </p:tgtEl>
+                                        <p:attrNameLst>
+                                          <p:attrName>ppt_y</p:attrName>
+                                        </p:attrNameLst>
+                                      </p:cBhvr>
+                                      <p:tavLst>
+                                        <p:tav tm="0">
+                                          <p:val>
+                                            <p:strVal val="#ppt_y+.1"/>
+                                          </p:val>
+                                        </p:tav>
+                                        <p:tav tm="100000">
+                                          <p:val>
+                                            <p:strVal val="#ppt_y"/>
+                                          </p:val>
+                                        </p:tav>
+                                      </p:tavLst>
+                                    </p:anim>
+                                  </p:childTnLst>
+                                </p:cTn>
+                              </p:par>
+                            </p:childTnLst>
+                          </p:cTn>
+                        </p:par>
+                      </p:childTnLst>
+                    </p:cTn>
+                  </p:par>
+                </p:childTnLst>
+              </p:cTn>
+              <p:prevCondLst>
+                <p:cond evt="onPrev" delay="0">
+                  <p:tgtEl>
+                    <p:sldTgt/>
+                  </p:tgtEl>
+                </p:cond>
+              </p:prevCondLst>
+              <p:nextCondLst>
+                <p:cond evt="onNext" delay="0">
+                  <p:tgtEl>
+                    <p:sldTgt/>
+                  </p:tgtEl>
+                </p:cond>
+              </p:nextCondLst>
+            </p:seq>
+          </p:childTnLst>
+        </p:cTn>
+      </p:par>
+    </p:tnLst>
+    <p:bldLst>
+      <p:bldP spid="9" grpId="0" animBg="1"/>
+      <p:bldP spid="14" grpId="0" animBg="1"/>
+      <p:bldP spid="17" grpId="0" animBg="1"/>
+    </p:bldLst>
+  </p:timing>
+</p:sld>
+</file>
+
+<file path=ppt/slides/slide30.xml><?xml version="1.0" encoding="utf-8"?>
 <p:sld xmlns:a="http://schemas.openxmlformats.org/drawingml/2006/main" xmlns:r="http://schemas.openxmlformats.org/officeDocument/2006/relationships" xmlns:p="http://schemas.openxmlformats.org/presentationml/2006/main">
   <p:cSld>
     <p:spTree>
@@ -20792,1091 +22340,7 @@
 </p:sld>
 </file>
 
-<file path=ppt/slides/slide3.xml><?xml version="1.0" encoding="utf-8"?>
-<p:sld xmlns:a="http://schemas.openxmlformats.org/drawingml/2006/main" xmlns:r="http://schemas.openxmlformats.org/officeDocument/2006/relationships" xmlns:p="http://schemas.openxmlformats.org/presentationml/2006/main">
-  <p:cSld>
-    <p:spTree>
-      <p:nvGrpSpPr>
-        <p:cNvPr id="1" name=""/>
-        <p:cNvGrpSpPr/>
-        <p:nvPr/>
-      </p:nvGrpSpPr>
-      <p:grpSpPr/>
-      <p:sp>
-        <p:nvSpPr>
-          <p:cNvPr id="2" name="Title 1"/>
-          <p:cNvSpPr>
-            <a:spLocks noGrp="1"/>
-          </p:cNvSpPr>
-          <p:nvPr>
-            <p:ph type="title"/>
-          </p:nvPr>
-        </p:nvSpPr>
-        <p:spPr>
-          <a:xfrm>
-            <a:off x="10160" y="56515"/>
-            <a:ext cx="12154535" cy="1212850"/>
-          </a:xfrm>
-        </p:spPr>
-        <p:txBody>
-          <a:bodyPr/>
-          <a:p>
-            <a:endParaRPr lang="en-US"/>
-          </a:p>
-        </p:txBody>
-      </p:sp>
-      <p:sp>
-        <p:nvSpPr>
-          <p:cNvPr id="3" name="Content Placeholder 2"/>
-          <p:cNvSpPr>
-            <a:spLocks noGrp="1"/>
-          </p:cNvSpPr>
-          <p:nvPr>
-            <p:ph idx="1"/>
-          </p:nvPr>
-        </p:nvSpPr>
-        <p:spPr>
-          <a:xfrm>
-            <a:off x="81915" y="1386205"/>
-            <a:ext cx="12021820" cy="5344160"/>
-          </a:xfrm>
-        </p:spPr>
-        <p:txBody>
-          <a:bodyPr/>
-          <a:p>
-            <a:pPr marL="571500" indent="-571500" algn="just">
-              <a:buFont typeface="+mj-lt"/>
-              <a:buAutoNum type="romanUcPeriod"/>
-            </a:pPr>
-            <a:r>
-              <a:rPr lang="en-US" altLang="en-US" b="1" u="sng">
-                <a:latin typeface="Times New Roman" panose="02020603050405020304" charset="0"/>
-                <a:cs typeface="Times New Roman" panose="02020603050405020304" charset="0"/>
-              </a:rPr>
-              <a:t>Structure d'accueil</a:t>
-            </a:r>
-            <a:endParaRPr lang="en-US" altLang="en-US" b="1">
-              <a:latin typeface="Times New Roman" panose="02020603050405020304" charset="0"/>
-              <a:cs typeface="Times New Roman" panose="02020603050405020304" charset="0"/>
-            </a:endParaRPr>
-          </a:p>
-          <a:p>
-            <a:pPr marL="971550" lvl="1" indent="-514350" algn="just">
-              <a:buFont typeface="+mj-lt"/>
-              <a:buAutoNum type="arabicPeriod"/>
-            </a:pPr>
-            <a:r>
-              <a:rPr lang="en-US" altLang="en-US" b="1" u="sng">
-                <a:latin typeface="Times New Roman" panose="02020603050405020304" charset="0"/>
-                <a:cs typeface="Times New Roman" panose="02020603050405020304" charset="0"/>
-              </a:rPr>
-              <a:t>Missions et activités</a:t>
-            </a:r>
-            <a:endParaRPr lang="en-US" altLang="en-US" b="1">
-              <a:latin typeface="Times New Roman" panose="02020603050405020304" charset="0"/>
-              <a:cs typeface="Times New Roman" panose="02020603050405020304" charset="0"/>
-            </a:endParaRPr>
-          </a:p>
-          <a:p>
-            <a:pPr marL="0" indent="0" algn="just">
-              <a:buFont typeface="+mj-lt"/>
-              <a:buNone/>
-            </a:pPr>
-            <a:endParaRPr lang="en-US" altLang="en-US" b="1">
-              <a:latin typeface="Times New Roman" panose="02020603050405020304" charset="0"/>
-              <a:cs typeface="Times New Roman" panose="02020603050405020304" charset="0"/>
-            </a:endParaRPr>
-          </a:p>
-        </p:txBody>
-      </p:sp>
-      <p:sp>
-        <p:nvSpPr>
-          <p:cNvPr id="4" name="Rounded Rectangle 3"/>
-          <p:cNvSpPr/>
-          <p:nvPr/>
-        </p:nvSpPr>
-        <p:spPr>
-          <a:xfrm>
-            <a:off x="82550" y="98425"/>
-            <a:ext cx="2926715" cy="1043940"/>
-          </a:xfrm>
-          <a:prstGeom prst="roundRect">
-            <a:avLst/>
-          </a:prstGeom>
-        </p:spPr>
-        <p:style>
-          <a:lnRef idx="2">
-            <a:schemeClr val="accent5">
-              <a:shade val="50000"/>
-            </a:schemeClr>
-          </a:lnRef>
-          <a:fillRef idx="1">
-            <a:schemeClr val="accent5"/>
-          </a:fillRef>
-          <a:effectRef idx="0">
-            <a:schemeClr val="accent5"/>
-          </a:effectRef>
-          <a:fontRef idx="minor">
-            <a:schemeClr val="lt1"/>
-          </a:fontRef>
-        </p:style>
-        <p:txBody>
-          <a:bodyPr rtlCol="0" anchor="ctr"/>
-          <a:p>
-            <a:pPr algn="ctr"/>
-            <a:r>
-              <a:rPr lang="en-US" altLang="en-US" b="1">
-                <a:latin typeface="Times New Roman" panose="02020603050405020304" charset="0"/>
-                <a:cs typeface="Times New Roman" panose="02020603050405020304" charset="0"/>
-                <a:sym typeface="+mn-ea"/>
-              </a:rPr>
-              <a:t>ENVIRONNEMENT DE TRAVAIL</a:t>
-            </a:r>
-            <a:endParaRPr lang="en-US" altLang="en-US" b="1">
-              <a:latin typeface="Times New Roman" panose="02020603050405020304" charset="0"/>
-              <a:cs typeface="Times New Roman" panose="02020603050405020304" charset="0"/>
-            </a:endParaRPr>
-          </a:p>
-          <a:p>
-            <a:pPr algn="ctr"/>
-            <a:endParaRPr lang="en-US" altLang="en-US" b="1">
-              <a:latin typeface="Times New Roman" panose="02020603050405020304" charset="0"/>
-              <a:cs typeface="Times New Roman" panose="02020603050405020304" charset="0"/>
-            </a:endParaRPr>
-          </a:p>
-        </p:txBody>
-      </p:sp>
-      <p:sp>
-        <p:nvSpPr>
-          <p:cNvPr id="6" name="Rounded Rectangle 5"/>
-          <p:cNvSpPr/>
-          <p:nvPr/>
-        </p:nvSpPr>
-        <p:spPr>
-          <a:xfrm>
-            <a:off x="3093720" y="114300"/>
-            <a:ext cx="2926715" cy="1043940"/>
-          </a:xfrm>
-          <a:prstGeom prst="roundRect">
-            <a:avLst/>
-          </a:prstGeom>
-        </p:spPr>
-        <p:style>
-          <a:lnRef idx="1">
-            <a:schemeClr val="accent3"/>
-          </a:lnRef>
-          <a:fillRef idx="2">
-            <a:schemeClr val="accent3"/>
-          </a:fillRef>
-          <a:effectRef idx="1">
-            <a:schemeClr val="accent3"/>
-          </a:effectRef>
-          <a:fontRef idx="minor">
-            <a:schemeClr val="dk1"/>
-          </a:fontRef>
-        </p:style>
-        <p:txBody>
-          <a:bodyPr rtlCol="0" anchor="ctr"/>
-          <a:p>
-            <a:pPr algn="ctr"/>
-            <a:r>
-              <a:rPr lang="en-US" altLang="en-US" b="1">
-                <a:latin typeface="Times New Roman" panose="02020603050405020304" charset="0"/>
-                <a:cs typeface="Times New Roman" panose="02020603050405020304" charset="0"/>
-                <a:sym typeface="+mn-ea"/>
-              </a:rPr>
-              <a:t>CONCEPTS GÉNÉRAUX DU DOMAINE</a:t>
-            </a:r>
-            <a:endParaRPr lang="en-US" altLang="en-US" b="1">
-              <a:latin typeface="Times New Roman" panose="02020603050405020304" charset="0"/>
-              <a:cs typeface="Times New Roman" panose="02020603050405020304" charset="0"/>
-            </a:endParaRPr>
-          </a:p>
-        </p:txBody>
-      </p:sp>
-      <p:sp>
-        <p:nvSpPr>
-          <p:cNvPr id="7" name="Rounded Rectangle 6"/>
-          <p:cNvSpPr/>
-          <p:nvPr/>
-        </p:nvSpPr>
-        <p:spPr>
-          <a:xfrm>
-            <a:off x="6135370" y="114300"/>
-            <a:ext cx="2926715" cy="1043940"/>
-          </a:xfrm>
-          <a:prstGeom prst="roundRect">
-            <a:avLst/>
-          </a:prstGeom>
-        </p:spPr>
-        <p:style>
-          <a:lnRef idx="1">
-            <a:schemeClr val="accent3"/>
-          </a:lnRef>
-          <a:fillRef idx="2">
-            <a:schemeClr val="accent3"/>
-          </a:fillRef>
-          <a:effectRef idx="1">
-            <a:schemeClr val="accent3"/>
-          </a:effectRef>
-          <a:fontRef idx="minor">
-            <a:schemeClr val="dk1"/>
-          </a:fontRef>
-        </p:style>
-        <p:txBody>
-          <a:bodyPr rtlCol="0" anchor="ctr"/>
-          <a:p>
-            <a:pPr algn="ctr"/>
-            <a:r>
-              <a:rPr lang="en-US" altLang="en-US" b="1">
-                <a:latin typeface="Times New Roman" panose="02020603050405020304" charset="0"/>
-                <a:cs typeface="Times New Roman" panose="02020603050405020304" charset="0"/>
-                <a:sym typeface="+mn-ea"/>
-              </a:rPr>
-              <a:t>CONCEPTION</a:t>
-            </a:r>
-            <a:endParaRPr lang="en-US" altLang="en-US" b="1">
-              <a:latin typeface="Times New Roman" panose="02020603050405020304" charset="0"/>
-              <a:cs typeface="Times New Roman" panose="02020603050405020304" charset="0"/>
-            </a:endParaRPr>
-          </a:p>
-        </p:txBody>
-      </p:sp>
-      <p:sp>
-        <p:nvSpPr>
-          <p:cNvPr id="8" name="Rounded Rectangle 7"/>
-          <p:cNvSpPr/>
-          <p:nvPr/>
-        </p:nvSpPr>
-        <p:spPr>
-          <a:xfrm>
-            <a:off x="9177020" y="114300"/>
-            <a:ext cx="2926715" cy="1043940"/>
-          </a:xfrm>
-          <a:prstGeom prst="roundRect">
-            <a:avLst/>
-          </a:prstGeom>
-        </p:spPr>
-        <p:style>
-          <a:lnRef idx="1">
-            <a:schemeClr val="accent3"/>
-          </a:lnRef>
-          <a:fillRef idx="2">
-            <a:schemeClr val="accent3"/>
-          </a:fillRef>
-          <a:effectRef idx="1">
-            <a:schemeClr val="accent3"/>
-          </a:effectRef>
-          <a:fontRef idx="minor">
-            <a:schemeClr val="dk1"/>
-          </a:fontRef>
-        </p:style>
-        <p:txBody>
-          <a:bodyPr rtlCol="0" anchor="ctr"/>
-          <a:p>
-            <a:pPr algn="ctr"/>
-            <a:r>
-              <a:rPr lang="en-US" altLang="en-US" b="1">
-                <a:latin typeface="Times New Roman" panose="02020603050405020304" charset="0"/>
-                <a:cs typeface="Times New Roman" panose="02020603050405020304" charset="0"/>
-                <a:sym typeface="+mn-ea"/>
-              </a:rPr>
-              <a:t>MISE EN OEUVRE DE LA SOLUTION</a:t>
-            </a:r>
-            <a:endParaRPr lang="en-US" altLang="en-US" b="1">
-              <a:latin typeface="Times New Roman" panose="02020603050405020304" charset="0"/>
-              <a:cs typeface="Times New Roman" panose="02020603050405020304" charset="0"/>
-            </a:endParaRPr>
-          </a:p>
-        </p:txBody>
-      </p:sp>
-      <p:pic>
-        <p:nvPicPr>
-          <p:cNvPr id="13" name="Picture 12" descr="logo_metrika"/>
-          <p:cNvPicPr>
-            <a:picLocks noChangeAspect="1"/>
-          </p:cNvPicPr>
-          <p:nvPr/>
-        </p:nvPicPr>
-        <p:blipFill>
-          <a:blip r:embed="rId1"/>
-          <a:stretch>
-            <a:fillRect/>
-          </a:stretch>
-        </p:blipFill>
-        <p:spPr>
-          <a:xfrm>
-            <a:off x="762635" y="4604385"/>
-            <a:ext cx="2409190" cy="1004570"/>
-          </a:xfrm>
-          <a:prstGeom prst="rect">
-            <a:avLst/>
-          </a:prstGeom>
-        </p:spPr>
-      </p:pic>
-      <p:sp>
-        <p:nvSpPr>
-          <p:cNvPr id="14" name="Oval 13"/>
-          <p:cNvSpPr/>
-          <p:nvPr/>
-        </p:nvSpPr>
-        <p:spPr>
-          <a:xfrm>
-            <a:off x="321310" y="3061335"/>
-            <a:ext cx="3291840" cy="1168400"/>
-          </a:xfrm>
-          <a:prstGeom prst="ellipse">
-            <a:avLst/>
-          </a:prstGeom>
-        </p:spPr>
-        <p:style>
-          <a:lnRef idx="2">
-            <a:schemeClr val="accent5">
-              <a:shade val="50000"/>
-            </a:schemeClr>
-          </a:lnRef>
-          <a:fillRef idx="1">
-            <a:schemeClr val="accent5"/>
-          </a:fillRef>
-          <a:effectRef idx="0">
-            <a:schemeClr val="accent5"/>
-          </a:effectRef>
-          <a:fontRef idx="minor">
-            <a:schemeClr val="lt1"/>
-          </a:fontRef>
-        </p:style>
-        <p:txBody>
-          <a:bodyPr rtlCol="0" anchor="ctr"/>
-          <a:p>
-            <a:pPr algn="ctr"/>
-            <a:r>
-              <a:rPr lang="en-US" altLang="en-US" sz="2200" b="1">
-                <a:latin typeface="Times New Roman" panose="02020603050405020304" charset="0"/>
-                <a:cs typeface="Times New Roman" panose="02020603050405020304" charset="0"/>
-              </a:rPr>
-              <a:t>Qui est Métrika-IDB ?</a:t>
-            </a:r>
-            <a:endParaRPr lang="en-US" altLang="en-US" sz="2200" b="1">
-              <a:latin typeface="Times New Roman" panose="02020603050405020304" charset="0"/>
-              <a:cs typeface="Times New Roman" panose="02020603050405020304" charset="0"/>
-            </a:endParaRPr>
-          </a:p>
-        </p:txBody>
-      </p:sp>
-      <p:sp>
-        <p:nvSpPr>
-          <p:cNvPr id="17" name="Rounded Rectangular Callout 16"/>
-          <p:cNvSpPr/>
-          <p:nvPr/>
-        </p:nvSpPr>
-        <p:spPr>
-          <a:xfrm>
-            <a:off x="5171440" y="3061335"/>
-            <a:ext cx="6993255" cy="3669030"/>
-          </a:xfrm>
-          <a:prstGeom prst="wedgeRoundRectCallout">
-            <a:avLst>
-              <a:gd name="adj1" fmla="val -72219"/>
-              <a:gd name="adj2" fmla="val -35064"/>
-              <a:gd name="adj3" fmla="val 16667"/>
-            </a:avLst>
-          </a:prstGeom>
-        </p:spPr>
-        <p:style>
-          <a:lnRef idx="1">
-            <a:schemeClr val="accent6"/>
-          </a:lnRef>
-          <a:fillRef idx="3">
-            <a:schemeClr val="accent6"/>
-          </a:fillRef>
-          <a:effectRef idx="2">
-            <a:schemeClr val="accent6"/>
-          </a:effectRef>
-          <a:fontRef idx="minor">
-            <a:schemeClr val="lt1"/>
-          </a:fontRef>
-        </p:style>
-        <p:txBody>
-          <a:bodyPr rtlCol="0" anchor="ctr"/>
-          <a:p>
-            <a:pPr algn="just"/>
-            <a:r>
-              <a:rPr lang="en-US" altLang="en-US" sz="2400">
-                <a:solidFill>
-                  <a:schemeClr val="tx1"/>
-                </a:solidFill>
-                <a:latin typeface="Times New Roman" panose="02020603050405020304" charset="0"/>
-                <a:cs typeface="Times New Roman" panose="02020603050405020304" charset="0"/>
-              </a:rPr>
-              <a:t>	Entreprise informatique opérant dans :  </a:t>
-            </a:r>
-            <a:endParaRPr lang="en-US" altLang="en-US" sz="2400">
-              <a:solidFill>
-                <a:schemeClr val="tx1"/>
-              </a:solidFill>
-              <a:latin typeface="Times New Roman" panose="02020603050405020304" charset="0"/>
-              <a:cs typeface="Times New Roman" panose="02020603050405020304" charset="0"/>
-            </a:endParaRPr>
-          </a:p>
-          <a:p>
-            <a:pPr algn="just"/>
-            <a:endParaRPr lang="en-US" altLang="en-US" sz="2400">
-              <a:solidFill>
-                <a:schemeClr val="tx1"/>
-              </a:solidFill>
-              <a:latin typeface="Times New Roman" panose="02020603050405020304" charset="0"/>
-              <a:cs typeface="Times New Roman" panose="02020603050405020304" charset="0"/>
-            </a:endParaRPr>
-          </a:p>
-          <a:p>
-            <a:pPr marL="285750" indent="-285750" algn="just">
-              <a:buFont typeface="Arial" panose="020B0604020202020204" pitchFamily="34" charset="0"/>
-              <a:buChar char="•"/>
-            </a:pPr>
-            <a:r>
-              <a:rPr lang="en-US" altLang="en-US" sz="2400" b="1">
-                <a:solidFill>
-                  <a:schemeClr val="tx1"/>
-                </a:solidFill>
-                <a:latin typeface="Times New Roman" panose="02020603050405020304" charset="0"/>
-                <a:cs typeface="Times New Roman" panose="02020603050405020304" charset="0"/>
-                <a:sym typeface="+mn-ea"/>
-              </a:rPr>
-              <a:t>Intégration de solutions informatiques et édition de logiciels</a:t>
-            </a:r>
-            <a:r>
-              <a:rPr lang="en-US" altLang="en-US" sz="2400" b="1">
-                <a:solidFill>
-                  <a:schemeClr val="tx1"/>
-                </a:solidFill>
-                <a:latin typeface="Times New Roman" panose="02020603050405020304" charset="0"/>
-                <a:cs typeface="Times New Roman" panose="02020603050405020304" charset="0"/>
-              </a:rPr>
-              <a:t> </a:t>
-            </a:r>
-            <a:endParaRPr lang="en-US" altLang="en-US" sz="2400" b="1">
-              <a:solidFill>
-                <a:schemeClr val="tx1"/>
-              </a:solidFill>
-              <a:latin typeface="Times New Roman" panose="02020603050405020304" charset="0"/>
-              <a:cs typeface="Times New Roman" panose="02020603050405020304" charset="0"/>
-            </a:endParaRPr>
-          </a:p>
-          <a:p>
-            <a:pPr indent="0" algn="just">
-              <a:buFont typeface="Arial" panose="020B0604020202020204" pitchFamily="34" charset="0"/>
-              <a:buNone/>
-            </a:pPr>
-            <a:endParaRPr lang="en-US" altLang="en-US" sz="2400" b="1">
-              <a:solidFill>
-                <a:schemeClr val="tx1"/>
-              </a:solidFill>
-              <a:latin typeface="Times New Roman" panose="02020603050405020304" charset="0"/>
-              <a:cs typeface="Times New Roman" panose="02020603050405020304" charset="0"/>
-            </a:endParaRPr>
-          </a:p>
-          <a:p>
-            <a:pPr marL="285750" indent="-285750" algn="just">
-              <a:buFont typeface="Arial" panose="020B0604020202020204" pitchFamily="34" charset="0"/>
-              <a:buChar char="•"/>
-            </a:pPr>
-            <a:r>
-              <a:rPr lang="en-US" altLang="en-US" sz="2400" b="1">
-                <a:solidFill>
-                  <a:schemeClr val="tx1"/>
-                </a:solidFill>
-                <a:latin typeface="Times New Roman" panose="02020603050405020304" charset="0"/>
-                <a:cs typeface="Times New Roman" panose="02020603050405020304" charset="0"/>
-              </a:rPr>
-              <a:t>Encadrement de la recherche et des tâches de développement</a:t>
-            </a:r>
-            <a:endParaRPr lang="en-US" altLang="en-US" sz="2400" b="1">
-              <a:solidFill>
-                <a:schemeClr val="tx1"/>
-              </a:solidFill>
-              <a:latin typeface="Times New Roman" panose="02020603050405020304" charset="0"/>
-              <a:cs typeface="Times New Roman" panose="02020603050405020304" charset="0"/>
-            </a:endParaRPr>
-          </a:p>
-          <a:p>
-            <a:pPr indent="0" algn="just">
-              <a:buFont typeface="Arial" panose="020B0604020202020204" pitchFamily="34" charset="0"/>
-              <a:buNone/>
-            </a:pPr>
-            <a:endParaRPr lang="en-US" altLang="en-US" sz="2400" b="1">
-              <a:solidFill>
-                <a:schemeClr val="tx1"/>
-              </a:solidFill>
-              <a:latin typeface="Times New Roman" panose="02020603050405020304" charset="0"/>
-              <a:cs typeface="Times New Roman" panose="02020603050405020304" charset="0"/>
-            </a:endParaRPr>
-          </a:p>
-          <a:p>
-            <a:pPr marL="285750" indent="-285750" algn="just">
-              <a:buFont typeface="Arial" panose="020B0604020202020204" pitchFamily="34" charset="0"/>
-              <a:buChar char="•"/>
-            </a:pPr>
-            <a:r>
-              <a:rPr lang="en-US" altLang="en-US" sz="2400" b="1">
-                <a:solidFill>
-                  <a:schemeClr val="tx1"/>
-                </a:solidFill>
-                <a:latin typeface="Times New Roman" panose="02020603050405020304" charset="0"/>
-                <a:cs typeface="Times New Roman" panose="02020603050405020304" charset="0"/>
-              </a:rPr>
-              <a:t>Participation aux tests de nouveauté</a:t>
-            </a:r>
-            <a:endParaRPr lang="en-US" altLang="en-US" sz="2400" b="1">
-              <a:solidFill>
-                <a:schemeClr val="tx1"/>
-              </a:solidFill>
-              <a:latin typeface="Times New Roman" panose="02020603050405020304" charset="0"/>
-              <a:cs typeface="Times New Roman" panose="02020603050405020304" charset="0"/>
-            </a:endParaRPr>
-          </a:p>
-          <a:p>
-            <a:pPr algn="just"/>
-            <a:r>
-              <a:rPr lang="en-US" altLang="en-US" sz="2400">
-                <a:solidFill>
-                  <a:schemeClr val="tx1"/>
-                </a:solidFill>
-                <a:latin typeface="Times New Roman" panose="02020603050405020304" charset="0"/>
-                <a:cs typeface="Times New Roman" panose="02020603050405020304" charset="0"/>
-              </a:rPr>
-              <a:t> </a:t>
-            </a:r>
-            <a:endParaRPr lang="en-US" altLang="en-US" sz="2400">
-              <a:solidFill>
-                <a:schemeClr val="tx1"/>
-              </a:solidFill>
-              <a:latin typeface="Times New Roman" panose="02020603050405020304" charset="0"/>
-              <a:cs typeface="Times New Roman" panose="02020603050405020304" charset="0"/>
-            </a:endParaRPr>
-          </a:p>
-        </p:txBody>
-      </p:sp>
-      <p:sp>
-        <p:nvSpPr>
-          <p:cNvPr id="9" name="Rounded Rectangular Callout 8"/>
-          <p:cNvSpPr/>
-          <p:nvPr/>
-        </p:nvSpPr>
-        <p:spPr>
-          <a:xfrm>
-            <a:off x="4902200" y="1668780"/>
-            <a:ext cx="6909435" cy="882650"/>
-          </a:xfrm>
-          <a:prstGeom prst="wedgeRoundRectCallout">
-            <a:avLst>
-              <a:gd name="adj1" fmla="val -99308"/>
-              <a:gd name="adj2" fmla="val 96425"/>
-              <a:gd name="adj3" fmla="val 16667"/>
-            </a:avLst>
-          </a:prstGeom>
-        </p:spPr>
-        <p:style>
-          <a:lnRef idx="2">
-            <a:schemeClr val="accent6">
-              <a:shade val="50000"/>
-            </a:schemeClr>
-          </a:lnRef>
-          <a:fillRef idx="1">
-            <a:schemeClr val="accent6"/>
-          </a:fillRef>
-          <a:effectRef idx="0">
-            <a:schemeClr val="accent6"/>
-          </a:effectRef>
-          <a:fontRef idx="minor">
-            <a:schemeClr val="lt1"/>
-          </a:fontRef>
-        </p:style>
-        <p:txBody>
-          <a:bodyPr rtlCol="0" anchor="ctr"/>
-          <a:p>
-            <a:pPr algn="just"/>
-            <a:r>
-              <a:rPr lang="en-US" altLang="en-US" sz="2400" b="1">
-                <a:latin typeface="Times New Roman" panose="02020603050405020304" charset="0"/>
-                <a:cs typeface="Times New Roman" panose="02020603050405020304" charset="0"/>
-              </a:rPr>
-              <a:t>Naissance :</a:t>
-            </a:r>
-            <a:r>
-              <a:rPr lang="en-US" altLang="en-US" sz="2400" b="1">
-                <a:solidFill>
-                  <a:schemeClr val="tx1"/>
-                </a:solidFill>
-                <a:latin typeface="Times New Roman" panose="02020603050405020304" charset="0"/>
-                <a:cs typeface="Times New Roman" panose="02020603050405020304" charset="0"/>
-              </a:rPr>
-              <a:t> 1995</a:t>
-            </a:r>
-            <a:endParaRPr lang="en-US" altLang="en-US" sz="2400" b="1">
-              <a:solidFill>
-                <a:schemeClr val="tx1"/>
-              </a:solidFill>
-              <a:latin typeface="Times New Roman" panose="02020603050405020304" charset="0"/>
-              <a:cs typeface="Times New Roman" panose="02020603050405020304" charset="0"/>
-            </a:endParaRPr>
-          </a:p>
-          <a:p>
-            <a:pPr algn="just"/>
-            <a:r>
-              <a:rPr lang="en-US" altLang="en-US" sz="2400" b="1">
-                <a:latin typeface="Times New Roman" panose="02020603050405020304" charset="0"/>
-                <a:cs typeface="Times New Roman" panose="02020603050405020304" charset="0"/>
-              </a:rPr>
-              <a:t>Siège : </a:t>
-            </a:r>
-            <a:r>
-              <a:rPr lang="en-US" altLang="en-US" sz="2400" b="1">
-                <a:solidFill>
-                  <a:schemeClr val="tx1"/>
-                </a:solidFill>
-                <a:latin typeface="Times New Roman" panose="02020603050405020304" charset="0"/>
-                <a:cs typeface="Times New Roman" panose="02020603050405020304" charset="0"/>
-              </a:rPr>
-              <a:t>Immeuble Atlantis II ACAE, LIBREVILLE</a:t>
-            </a:r>
-            <a:endParaRPr lang="en-US" altLang="en-US" sz="2400" b="1">
-              <a:solidFill>
-                <a:schemeClr val="tx1"/>
-              </a:solidFill>
-              <a:latin typeface="Times New Roman" panose="02020603050405020304" charset="0"/>
-              <a:cs typeface="Times New Roman" panose="02020603050405020304" charset="0"/>
-            </a:endParaRPr>
-          </a:p>
-        </p:txBody>
-      </p:sp>
-    </p:spTree>
-  </p:cSld>
-  <p:clrMapOvr>
-    <a:masterClrMapping/>
-  </p:clrMapOvr>
-  <p:transition>
-    <p:push dir="u"/>
-  </p:transition>
-  <p:timing>
-    <p:tnLst>
-      <p:par>
-        <p:cTn id="1" dur="indefinite" restart="never" nodeType="tmRoot">
-          <p:childTnLst>
-            <p:seq concurrent="1" nextAc="seek">
-              <p:cTn id="2" dur="indefinite" nodeType="mainSeq">
-                <p:childTnLst>
-                  <p:par>
-                    <p:cTn id="3" fill="hold">
-                      <p:stCondLst>
-                        <p:cond delay="indefinite"/>
-                        <p:cond evt="onBegin" delay="0">
-                          <p:tn val="2"/>
-                        </p:cond>
-                      </p:stCondLst>
-                      <p:childTnLst>
-                        <p:par>
-                          <p:cTn id="4" fill="hold">
-                            <p:stCondLst>
-                              <p:cond delay="0"/>
-                            </p:stCondLst>
-                            <p:childTnLst>
-                              <p:par>
-                                <p:cTn id="5" presetID="42" presetClass="entr" presetSubtype="0" fill="hold" grpId="0" nodeType="afterEffect">
-                                  <p:stCondLst>
-                                    <p:cond delay="0"/>
-                                  </p:stCondLst>
-                                  <p:childTnLst>
-                                    <p:set>
-                                      <p:cBhvr>
-                                        <p:cTn id="6" dur="500" fill="hold">
-                                          <p:stCondLst>
-                                            <p:cond delay="0"/>
-                                          </p:stCondLst>
-                                        </p:cTn>
-                                        <p:tgtEl>
-                                          <p:spTgt spid="9"/>
-                                        </p:tgtEl>
-                                        <p:attrNameLst>
-                                          <p:attrName>style.visibility</p:attrName>
-                                        </p:attrNameLst>
-                                      </p:cBhvr>
-                                      <p:to>
-                                        <p:strVal val="visible"/>
-                                      </p:to>
-                                    </p:set>
-                                    <p:animEffect transition="in" filter="fade">
-                                      <p:cBhvr>
-                                        <p:cTn id="7" dur="500"/>
-                                        <p:tgtEl>
-                                          <p:spTgt spid="9"/>
-                                        </p:tgtEl>
-                                      </p:cBhvr>
-                                    </p:animEffect>
-                                    <p:anim calcmode="lin" valueType="num">
-                                      <p:cBhvr>
-                                        <p:cTn id="8" dur="500" fill="hold"/>
-                                        <p:tgtEl>
-                                          <p:spTgt spid="9"/>
-                                        </p:tgtEl>
-                                        <p:attrNameLst>
-                                          <p:attrName>ppt_x</p:attrName>
-                                        </p:attrNameLst>
-                                      </p:cBhvr>
-                                      <p:tavLst>
-                                        <p:tav tm="0">
-                                          <p:val>
-                                            <p:strVal val="#ppt_x"/>
-                                          </p:val>
-                                        </p:tav>
-                                        <p:tav tm="100000">
-                                          <p:val>
-                                            <p:strVal val="#ppt_x"/>
-                                          </p:val>
-                                        </p:tav>
-                                      </p:tavLst>
-                                    </p:anim>
-                                    <p:anim calcmode="lin" valueType="num">
-                                      <p:cBhvr>
-                                        <p:cTn id="9" dur="500" fill="hold"/>
-                                        <p:tgtEl>
-                                          <p:spTgt spid="9"/>
-                                        </p:tgtEl>
-                                        <p:attrNameLst>
-                                          <p:attrName>ppt_y</p:attrName>
-                                        </p:attrNameLst>
-                                      </p:cBhvr>
-                                      <p:tavLst>
-                                        <p:tav tm="0">
-                                          <p:val>
-                                            <p:strVal val="#ppt_y+.1"/>
-                                          </p:val>
-                                        </p:tav>
-                                        <p:tav tm="100000">
-                                          <p:val>
-                                            <p:strVal val="#ppt_y"/>
-                                          </p:val>
-                                        </p:tav>
-                                      </p:tavLst>
-                                    </p:anim>
-                                  </p:childTnLst>
-                                </p:cTn>
-                              </p:par>
-                            </p:childTnLst>
-                          </p:cTn>
-                        </p:par>
-                        <p:par>
-                          <p:cTn id="10" fill="hold">
-                            <p:stCondLst>
-                              <p:cond delay="500"/>
-                            </p:stCondLst>
-                            <p:childTnLst>
-                              <p:par>
-                                <p:cTn id="11" presetID="42" presetClass="entr" presetSubtype="0" fill="hold" grpId="0" nodeType="afterEffect">
-                                  <p:stCondLst>
-                                    <p:cond delay="0"/>
-                                  </p:stCondLst>
-                                  <p:childTnLst>
-                                    <p:set>
-                                      <p:cBhvr>
-                                        <p:cTn id="12" dur="1" fill="hold">
-                                          <p:stCondLst>
-                                            <p:cond delay="0"/>
-                                          </p:stCondLst>
-                                        </p:cTn>
-                                        <p:tgtEl>
-                                          <p:spTgt spid="14"/>
-                                        </p:tgtEl>
-                                        <p:attrNameLst>
-                                          <p:attrName>style.visibility</p:attrName>
-                                        </p:attrNameLst>
-                                      </p:cBhvr>
-                                      <p:to>
-                                        <p:strVal val="visible"/>
-                                      </p:to>
-                                    </p:set>
-                                    <p:animEffect transition="in" filter="fade">
-                                      <p:cBhvr>
-                                        <p:cTn id="13" dur="1000"/>
-                                        <p:tgtEl>
-                                          <p:spTgt spid="14"/>
-                                        </p:tgtEl>
-                                      </p:cBhvr>
-                                    </p:animEffect>
-                                    <p:anim calcmode="lin" valueType="num">
-                                      <p:cBhvr>
-                                        <p:cTn id="14" dur="1000" fill="hold"/>
-                                        <p:tgtEl>
-                                          <p:spTgt spid="14"/>
-                                        </p:tgtEl>
-                                        <p:attrNameLst>
-                                          <p:attrName>ppt_x</p:attrName>
-                                        </p:attrNameLst>
-                                      </p:cBhvr>
-                                      <p:tavLst>
-                                        <p:tav tm="0">
-                                          <p:val>
-                                            <p:strVal val="#ppt_x"/>
-                                          </p:val>
-                                        </p:tav>
-                                        <p:tav tm="100000">
-                                          <p:val>
-                                            <p:strVal val="#ppt_x"/>
-                                          </p:val>
-                                        </p:tav>
-                                      </p:tavLst>
-                                    </p:anim>
-                                    <p:anim calcmode="lin" valueType="num">
-                                      <p:cBhvr>
-                                        <p:cTn id="15" dur="1000" fill="hold"/>
-                                        <p:tgtEl>
-                                          <p:spTgt spid="14"/>
-                                        </p:tgtEl>
-                                        <p:attrNameLst>
-                                          <p:attrName>ppt_y</p:attrName>
-                                        </p:attrNameLst>
-                                      </p:cBhvr>
-                                      <p:tavLst>
-                                        <p:tav tm="0">
-                                          <p:val>
-                                            <p:strVal val="#ppt_y+.1"/>
-                                          </p:val>
-                                        </p:tav>
-                                        <p:tav tm="100000">
-                                          <p:val>
-                                            <p:strVal val="#ppt_y"/>
-                                          </p:val>
-                                        </p:tav>
-                                      </p:tavLst>
-                                    </p:anim>
-                                  </p:childTnLst>
-                                </p:cTn>
-                              </p:par>
-                            </p:childTnLst>
-                          </p:cTn>
-                        </p:par>
-                        <p:par>
-                          <p:cTn id="16" fill="hold">
-                            <p:stCondLst>
-                              <p:cond delay="1500"/>
-                            </p:stCondLst>
-                            <p:childTnLst>
-                              <p:par>
-                                <p:cTn id="17" presetID="42" presetClass="entr" presetSubtype="0" fill="hold" nodeType="afterEffect">
-                                  <p:stCondLst>
-                                    <p:cond delay="0"/>
-                                  </p:stCondLst>
-                                  <p:childTnLst>
-                                    <p:set>
-                                      <p:cBhvr>
-                                        <p:cTn id="18" dur="1" fill="hold">
-                                          <p:stCondLst>
-                                            <p:cond delay="0"/>
-                                          </p:stCondLst>
-                                        </p:cTn>
-                                        <p:tgtEl>
-                                          <p:spTgt spid="13"/>
-                                        </p:tgtEl>
-                                        <p:attrNameLst>
-                                          <p:attrName>style.visibility</p:attrName>
-                                        </p:attrNameLst>
-                                      </p:cBhvr>
-                                      <p:to>
-                                        <p:strVal val="visible"/>
-                                      </p:to>
-                                    </p:set>
-                                    <p:animEffect transition="in" filter="fade">
-                                      <p:cBhvr>
-                                        <p:cTn id="19" dur="1000"/>
-                                        <p:tgtEl>
-                                          <p:spTgt spid="13"/>
-                                        </p:tgtEl>
-                                      </p:cBhvr>
-                                    </p:animEffect>
-                                    <p:anim calcmode="lin" valueType="num">
-                                      <p:cBhvr>
-                                        <p:cTn id="20" dur="1000" fill="hold"/>
-                                        <p:tgtEl>
-                                          <p:spTgt spid="13"/>
-                                        </p:tgtEl>
-                                        <p:attrNameLst>
-                                          <p:attrName>ppt_x</p:attrName>
-                                        </p:attrNameLst>
-                                      </p:cBhvr>
-                                      <p:tavLst>
-                                        <p:tav tm="0">
-                                          <p:val>
-                                            <p:strVal val="#ppt_x"/>
-                                          </p:val>
-                                        </p:tav>
-                                        <p:tav tm="100000">
-                                          <p:val>
-                                            <p:strVal val="#ppt_x"/>
-                                          </p:val>
-                                        </p:tav>
-                                      </p:tavLst>
-                                    </p:anim>
-                                    <p:anim calcmode="lin" valueType="num">
-                                      <p:cBhvr>
-                                        <p:cTn id="21" dur="1000" fill="hold"/>
-                                        <p:tgtEl>
-                                          <p:spTgt spid="13"/>
-                                        </p:tgtEl>
-                                        <p:attrNameLst>
-                                          <p:attrName>ppt_y</p:attrName>
-                                        </p:attrNameLst>
-                                      </p:cBhvr>
-                                      <p:tavLst>
-                                        <p:tav tm="0">
-                                          <p:val>
-                                            <p:strVal val="#ppt_y+.1"/>
-                                          </p:val>
-                                        </p:tav>
-                                        <p:tav tm="100000">
-                                          <p:val>
-                                            <p:strVal val="#ppt_y"/>
-                                          </p:val>
-                                        </p:tav>
-                                      </p:tavLst>
-                                    </p:anim>
-                                  </p:childTnLst>
-                                </p:cTn>
-                              </p:par>
-                            </p:childTnLst>
-                          </p:cTn>
-                        </p:par>
-                      </p:childTnLst>
-                    </p:cTn>
-                  </p:par>
-                  <p:par>
-                    <p:cTn id="22" fill="hold">
-                      <p:stCondLst>
-                        <p:cond delay="indefinite"/>
-                      </p:stCondLst>
-                      <p:childTnLst>
-                        <p:par>
-                          <p:cTn id="23" fill="hold">
-                            <p:stCondLst>
-                              <p:cond delay="0"/>
-                            </p:stCondLst>
-                            <p:childTnLst>
-                              <p:par>
-                                <p:cTn id="24" presetID="42" presetClass="entr" presetSubtype="0" fill="hold" grpId="0" nodeType="clickEffect">
-                                  <p:stCondLst>
-                                    <p:cond delay="0"/>
-                                  </p:stCondLst>
-                                  <p:childTnLst>
-                                    <p:set>
-                                      <p:cBhvr>
-                                        <p:cTn id="25" dur="500" fill="hold">
-                                          <p:stCondLst>
-                                            <p:cond delay="0"/>
-                                          </p:stCondLst>
-                                        </p:cTn>
-                                        <p:tgtEl>
-                                          <p:spTgt spid="17"/>
-                                        </p:tgtEl>
-                                        <p:attrNameLst>
-                                          <p:attrName>style.visibility</p:attrName>
-                                        </p:attrNameLst>
-                                      </p:cBhvr>
-                                      <p:to>
-                                        <p:strVal val="visible"/>
-                                      </p:to>
-                                    </p:set>
-                                    <p:animEffect transition="in" filter="fade">
-                                      <p:cBhvr>
-                                        <p:cTn id="26" dur="500"/>
-                                        <p:tgtEl>
-                                          <p:spTgt spid="17"/>
-                                        </p:tgtEl>
-                                      </p:cBhvr>
-                                    </p:animEffect>
-                                    <p:anim calcmode="lin" valueType="num">
-                                      <p:cBhvr>
-                                        <p:cTn id="27" dur="500" fill="hold"/>
-                                        <p:tgtEl>
-                                          <p:spTgt spid="17"/>
-                                        </p:tgtEl>
-                                        <p:attrNameLst>
-                                          <p:attrName>ppt_x</p:attrName>
-                                        </p:attrNameLst>
-                                      </p:cBhvr>
-                                      <p:tavLst>
-                                        <p:tav tm="0">
-                                          <p:val>
-                                            <p:strVal val="#ppt_x"/>
-                                          </p:val>
-                                        </p:tav>
-                                        <p:tav tm="100000">
-                                          <p:val>
-                                            <p:strVal val="#ppt_x"/>
-                                          </p:val>
-                                        </p:tav>
-                                      </p:tavLst>
-                                    </p:anim>
-                                    <p:anim calcmode="lin" valueType="num">
-                                      <p:cBhvr>
-                                        <p:cTn id="28" dur="500" fill="hold"/>
-                                        <p:tgtEl>
-                                          <p:spTgt spid="17"/>
-                                        </p:tgtEl>
-                                        <p:attrNameLst>
-                                          <p:attrName>ppt_y</p:attrName>
-                                        </p:attrNameLst>
-                                      </p:cBhvr>
-                                      <p:tavLst>
-                                        <p:tav tm="0">
-                                          <p:val>
-                                            <p:strVal val="#ppt_y+.1"/>
-                                          </p:val>
-                                        </p:tav>
-                                        <p:tav tm="100000">
-                                          <p:val>
-                                            <p:strVal val="#ppt_y"/>
-                                          </p:val>
-                                        </p:tav>
-                                      </p:tavLst>
-                                    </p:anim>
-                                  </p:childTnLst>
-                                </p:cTn>
-                              </p:par>
-                            </p:childTnLst>
-                          </p:cTn>
-                        </p:par>
-                      </p:childTnLst>
-                    </p:cTn>
-                  </p:par>
-                </p:childTnLst>
-              </p:cTn>
-              <p:prevCondLst>
-                <p:cond evt="onPrev" delay="0">
-                  <p:tgtEl>
-                    <p:sldTgt/>
-                  </p:tgtEl>
-                </p:cond>
-              </p:prevCondLst>
-              <p:nextCondLst>
-                <p:cond evt="onNext" delay="0">
-                  <p:tgtEl>
-                    <p:sldTgt/>
-                  </p:tgtEl>
-                </p:cond>
-              </p:nextCondLst>
-            </p:seq>
-          </p:childTnLst>
-        </p:cTn>
-      </p:par>
-    </p:tnLst>
-    <p:bldLst>
-      <p:bldP spid="9" grpId="0" animBg="1"/>
-      <p:bldP spid="14" grpId="0" animBg="1"/>
-      <p:bldP spid="17" grpId="0" animBg="1"/>
-    </p:bldLst>
-  </p:timing>
-</p:sld>
-</file>
-
-<file path=ppt/slides/slide30.xml><?xml version="1.0" encoding="utf-8"?>
+<file path=ppt/slides/slide31.xml><?xml version="1.0" encoding="utf-8"?>
 <p:sld xmlns:a="http://schemas.openxmlformats.org/drawingml/2006/main" xmlns:r="http://schemas.openxmlformats.org/officeDocument/2006/relationships" xmlns:p="http://schemas.openxmlformats.org/presentationml/2006/main">
   <p:cSld>
     <p:spTree>

--- a/Documents/theme/diapo.pptx
+++ b/Documents/theme/diapo.pptx
@@ -530,6 +530,50 @@
 </file>
 
 <file path=ppt/notesSlides/notesSlide2.xml><?xml version="1.0" encoding="utf-8"?>
+<p:notes xmlns:a="http://schemas.openxmlformats.org/drawingml/2006/main" xmlns:r="http://schemas.openxmlformats.org/officeDocument/2006/relationships" xmlns:p="http://schemas.openxmlformats.org/presentationml/2006/main">
+  <p:cSld>
+    <p:spTree>
+      <p:nvGrpSpPr>
+        <p:cNvPr id="1" name=""/>
+        <p:cNvGrpSpPr/>
+        <p:nvPr/>
+      </p:nvGrpSpPr>
+      <p:grpSpPr/>
+      <p:sp>
+        <p:nvSpPr>
+          <p:cNvPr id="2" name="Slide Image Placeholder 1"/>
+          <p:cNvSpPr/>
+          <p:nvPr>
+            <p:ph type="sldImg" idx="2"/>
+          </p:nvPr>
+        </p:nvSpPr>
+        <p:spPr/>
+      </p:sp>
+      <p:sp>
+        <p:nvSpPr>
+          <p:cNvPr id="3" name="Text Placeholder 2"/>
+          <p:cNvSpPr/>
+          <p:nvPr>
+            <p:ph type="body" idx="3"/>
+          </p:nvPr>
+        </p:nvSpPr>
+        <p:spPr/>
+        <p:txBody>
+          <a:bodyPr/>
+          <a:p>
+            <a:endParaRPr lang="en-US"/>
+          </a:p>
+        </p:txBody>
+      </p:sp>
+    </p:spTree>
+  </p:cSld>
+  <p:clrMapOvr>
+    <a:masterClrMapping/>
+  </p:clrMapOvr>
+</p:notes>
+</file>
+
+<file path=ppt/notesSlides/notesSlide3.xml><?xml version="1.0" encoding="utf-8"?>
 <p:notes xmlns:a="http://schemas.openxmlformats.org/drawingml/2006/main" xmlns:r="http://schemas.openxmlformats.org/officeDocument/2006/relationships" xmlns:p="http://schemas.openxmlformats.org/presentationml/2006/main">
   <p:cSld>
     <p:spTree>
@@ -4311,7 +4355,7 @@
                 <a:cs typeface="Times New Roman" panose="02020603050405020304" charset="0"/>
                 <a:sym typeface="+mn-ea"/>
               </a:rPr>
-              <a:t>CONCEPTION</a:t>
+              <a:t>RÉALISATION DU SYSTÈME</a:t>
             </a:r>
             <a:endParaRPr lang="en-US" altLang="en-US" b="1">
               <a:latin typeface="Times New Roman" panose="02020603050405020304" charset="0"/>
@@ -4359,7 +4403,7 @@
                 <a:cs typeface="Times New Roman" panose="02020603050405020304" charset="0"/>
                 <a:sym typeface="+mn-ea"/>
               </a:rPr>
-              <a:t>MISE EN OEUVRE DE LA SOLUTION</a:t>
+              <a:t>FINALISATION DE LA SOLUTION</a:t>
             </a:r>
             <a:endParaRPr lang="en-US" altLang="en-US" b="1">
               <a:latin typeface="Times New Roman" panose="02020603050405020304" charset="0"/>
@@ -5429,7 +5473,7 @@
                 <a:cs typeface="Times New Roman" panose="02020603050405020304" charset="0"/>
                 <a:sym typeface="+mn-ea"/>
               </a:rPr>
-              <a:t>CONCEPTION</a:t>
+              <a:t>RÉALISATION DU SYSTÈME</a:t>
             </a:r>
             <a:endParaRPr lang="en-US" altLang="en-US" b="1">
               <a:latin typeface="Times New Roman" panose="02020603050405020304" charset="0"/>
@@ -5477,7 +5521,7 @@
                 <a:cs typeface="Times New Roman" panose="02020603050405020304" charset="0"/>
                 <a:sym typeface="+mn-ea"/>
               </a:rPr>
-              <a:t>MISE EN OEUVRE DE LA SOLUTION</a:t>
+              <a:t>FINALISATION DE LA SOLUTION</a:t>
             </a:r>
             <a:endParaRPr lang="en-US" altLang="en-US" b="1">
               <a:latin typeface="Times New Roman" panose="02020603050405020304" charset="0"/>
@@ -5486,317 +5530,6 @@
           </a:p>
         </p:txBody>
       </p:sp>
-      <p:grpSp>
-        <p:nvGrpSpPr>
-          <p:cNvPr id="9" name="Group 8"/>
-          <p:cNvGrpSpPr/>
-          <p:nvPr/>
-        </p:nvGrpSpPr>
-        <p:grpSpPr>
-          <a:xfrm>
-            <a:off x="83185" y="4017010"/>
-            <a:ext cx="11784965" cy="2713355"/>
-            <a:chOff x="131" y="6326"/>
-            <a:chExt cx="18559" cy="4273"/>
-          </a:xfrm>
-        </p:grpSpPr>
-        <p:sp>
-          <p:nvSpPr>
-            <p:cNvPr id="11" name="Oval 10"/>
-            <p:cNvSpPr/>
-            <p:nvPr/>
-          </p:nvSpPr>
-          <p:spPr>
-            <a:xfrm>
-              <a:off x="131" y="8582"/>
-              <a:ext cx="3647" cy="1631"/>
-            </a:xfrm>
-            <a:prstGeom prst="ellipse">
-              <a:avLst/>
-            </a:prstGeom>
-          </p:spPr>
-          <p:style>
-            <a:lnRef idx="2">
-              <a:schemeClr val="accent5">
-                <a:shade val="50000"/>
-              </a:schemeClr>
-            </a:lnRef>
-            <a:fillRef idx="1">
-              <a:schemeClr val="accent5"/>
-            </a:fillRef>
-            <a:effectRef idx="0">
-              <a:schemeClr val="accent5"/>
-            </a:effectRef>
-            <a:fontRef idx="minor">
-              <a:schemeClr val="lt1"/>
-            </a:fontRef>
-          </p:style>
-          <p:txBody>
-            <a:bodyPr rtlCol="0" anchor="ctr"/>
-            <a:p>
-              <a:pPr algn="ctr"/>
-              <a:r>
-                <a:rPr lang="en-US" altLang="en-US" sz="2200" b="1">
-                  <a:latin typeface="Times New Roman" panose="02020603050405020304" charset="0"/>
-                  <a:cs typeface="Times New Roman" panose="02020603050405020304" charset="0"/>
-                </a:rPr>
-                <a:t>Paiement mobile</a:t>
-              </a:r>
-              <a:endParaRPr lang="en-US" altLang="en-US" sz="2200" b="1">
-                <a:latin typeface="Times New Roman" panose="02020603050405020304" charset="0"/>
-                <a:cs typeface="Times New Roman" panose="02020603050405020304" charset="0"/>
-              </a:endParaRPr>
-            </a:p>
-          </p:txBody>
-        </p:sp>
-        <p:sp>
-          <p:nvSpPr>
-            <p:cNvPr id="18" name="Rounded Rectangular Callout 17"/>
-            <p:cNvSpPr/>
-            <p:nvPr/>
-          </p:nvSpPr>
-          <p:spPr>
-            <a:xfrm>
-              <a:off x="5157" y="6326"/>
-              <a:ext cx="9580" cy="1138"/>
-            </a:xfrm>
-            <a:prstGeom prst="wedgeRoundRectCallout">
-              <a:avLst>
-                <a:gd name="adj1" fmla="val -73413"/>
-                <a:gd name="adj2" fmla="val 138049"/>
-                <a:gd name="adj3" fmla="val 16667"/>
-              </a:avLst>
-            </a:prstGeom>
-          </p:spPr>
-          <p:style>
-            <a:lnRef idx="2">
-              <a:schemeClr val="accent6">
-                <a:shade val="50000"/>
-              </a:schemeClr>
-            </a:lnRef>
-            <a:fillRef idx="1">
-              <a:schemeClr val="accent6"/>
-            </a:fillRef>
-            <a:effectRef idx="0">
-              <a:schemeClr val="accent6"/>
-            </a:effectRef>
-            <a:fontRef idx="minor">
-              <a:schemeClr val="lt1"/>
-            </a:fontRef>
-          </p:style>
-          <p:txBody>
-            <a:bodyPr rtlCol="0" anchor="ctr"/>
-            <a:p>
-              <a:pPr algn="just"/>
-              <a:r>
-                <a:rPr lang="en-US" sz="2200" b="1">
-                  <a:solidFill>
-                    <a:schemeClr val="tx1"/>
-                  </a:solidFill>
-                  <a:latin typeface="Times New Roman" panose="02020603050405020304" charset="0"/>
-                  <a:cs typeface="Times New Roman" panose="02020603050405020304" charset="0"/>
-                </a:rPr>
-                <a:t>paiement effectué à l’aide d’un appareil mobile</a:t>
-              </a:r>
-              <a:endParaRPr lang="en-US" sz="2200" b="1">
-                <a:solidFill>
-                  <a:schemeClr val="tx1"/>
-                </a:solidFill>
-                <a:latin typeface="Times New Roman" panose="02020603050405020304" charset="0"/>
-                <a:cs typeface="Times New Roman" panose="02020603050405020304" charset="0"/>
-              </a:endParaRPr>
-            </a:p>
-          </p:txBody>
-        </p:sp>
-        <p:sp>
-          <p:nvSpPr>
-            <p:cNvPr id="20" name="Rounded Rectangular Callout 19"/>
-            <p:cNvSpPr/>
-            <p:nvPr/>
-          </p:nvSpPr>
-          <p:spPr>
-            <a:xfrm>
-              <a:off x="8232" y="7793"/>
-              <a:ext cx="10458" cy="2806"/>
-            </a:xfrm>
-            <a:prstGeom prst="wedgeRoundRectCallout">
-              <a:avLst>
-                <a:gd name="adj1" fmla="val -93306"/>
-                <a:gd name="adj2" fmla="val 15160"/>
-                <a:gd name="adj3" fmla="val 16667"/>
-              </a:avLst>
-            </a:prstGeom>
-          </p:spPr>
-          <p:style>
-            <a:lnRef idx="2">
-              <a:schemeClr val="accent6">
-                <a:shade val="50000"/>
-              </a:schemeClr>
-            </a:lnRef>
-            <a:fillRef idx="1">
-              <a:schemeClr val="accent6"/>
-            </a:fillRef>
-            <a:effectRef idx="0">
-              <a:schemeClr val="accent6"/>
-            </a:effectRef>
-            <a:fontRef idx="minor">
-              <a:schemeClr val="lt1"/>
-            </a:fontRef>
-          </p:style>
-          <p:txBody>
-            <a:bodyPr rtlCol="0" anchor="ctr"/>
-            <a:p>
-              <a:pPr algn="just"/>
-              <a:r>
-                <a:rPr lang="en-US" altLang="en-US" sz="2400" b="1">
-                  <a:solidFill>
-                    <a:schemeClr val="bg1"/>
-                  </a:solidFill>
-                  <a:latin typeface="Times New Roman" panose="02020603050405020304" charset="0"/>
-                  <a:cs typeface="Times New Roman" panose="02020603050405020304" charset="0"/>
-                </a:rPr>
-                <a:t>Mode de paiement</a:t>
-              </a:r>
-              <a:endParaRPr lang="en-US" altLang="en-US" sz="2400" b="1">
-                <a:solidFill>
-                  <a:schemeClr val="bg1"/>
-                </a:solidFill>
-                <a:latin typeface="Times New Roman" panose="02020603050405020304" charset="0"/>
-                <a:cs typeface="Times New Roman" panose="02020603050405020304" charset="0"/>
-              </a:endParaRPr>
-            </a:p>
-            <a:p>
-              <a:pPr marL="342900" indent="-342900" algn="just">
-                <a:buFont typeface="Arial" panose="020B0604020202020204" pitchFamily="34" charset="0"/>
-                <a:buChar char="•"/>
-              </a:pPr>
-              <a:r>
-                <a:rPr lang="en-US" altLang="en-US" sz="2400" b="1">
-                  <a:solidFill>
-                    <a:schemeClr val="bg1"/>
-                  </a:solidFill>
-                  <a:latin typeface="Times New Roman" panose="02020603050405020304" charset="0"/>
-                  <a:cs typeface="Times New Roman" panose="02020603050405020304" charset="0"/>
-                </a:rPr>
-                <a:t>paiement à distance</a:t>
-              </a:r>
-              <a:r>
-                <a:rPr lang="en-US" altLang="en-US" sz="2400" b="1">
-                  <a:solidFill>
-                    <a:schemeClr val="tx1"/>
-                  </a:solidFill>
-                  <a:latin typeface="Times New Roman" panose="02020603050405020304" charset="0"/>
-                  <a:cs typeface="Times New Roman" panose="02020603050405020304" charset="0"/>
-                </a:rPr>
-                <a:t>(Internet, SMS, QR code) </a:t>
-              </a:r>
-              <a:endParaRPr lang="en-US" altLang="en-US" sz="2400" b="1">
-                <a:solidFill>
-                  <a:schemeClr val="tx1"/>
-                </a:solidFill>
-                <a:latin typeface="Times New Roman" panose="02020603050405020304" charset="0"/>
-                <a:cs typeface="Times New Roman" panose="02020603050405020304" charset="0"/>
-              </a:endParaRPr>
-            </a:p>
-            <a:p>
-              <a:pPr marL="342900" indent="-342900" algn="just">
-                <a:buFont typeface="Arial" panose="020B0604020202020204" pitchFamily="34" charset="0"/>
-                <a:buChar char="•"/>
-              </a:pPr>
-              <a:r>
-                <a:rPr lang="en-US" altLang="en-US" sz="2400" b="1">
-                  <a:solidFill>
-                    <a:schemeClr val="bg1"/>
-                  </a:solidFill>
-                  <a:latin typeface="Times New Roman" panose="02020603050405020304" charset="0"/>
-                  <a:cs typeface="Times New Roman" panose="02020603050405020304" charset="0"/>
-                </a:rPr>
-                <a:t>paiement </a:t>
-              </a:r>
-              <a:r>
-                <a:rPr lang="en-US" sz="2400" b="1">
-                  <a:solidFill>
-                    <a:schemeClr val="bg1"/>
-                  </a:solidFill>
-                  <a:latin typeface="Times New Roman" panose="02020603050405020304" charset="0"/>
-                  <a:cs typeface="Times New Roman" panose="02020603050405020304" charset="0"/>
-                </a:rPr>
-                <a:t>de </a:t>
-              </a:r>
-              <a:r>
-                <a:rPr lang="en-US" altLang="en-US" sz="2400" b="1">
-                  <a:solidFill>
-                    <a:schemeClr val="bg1"/>
-                  </a:solidFill>
-                  <a:latin typeface="Times New Roman" panose="02020603050405020304" charset="0"/>
-                  <a:cs typeface="Times New Roman" panose="02020603050405020304" charset="0"/>
-                </a:rPr>
-                <a:t>proximité</a:t>
-              </a:r>
-              <a:r>
-                <a:rPr lang="en-US" altLang="en-US" sz="2400" b="1">
-                  <a:solidFill>
-                    <a:schemeClr val="tx1"/>
-                  </a:solidFill>
-                  <a:latin typeface="Times New Roman" panose="02020603050405020304" charset="0"/>
-                  <a:cs typeface="Times New Roman" panose="02020603050405020304" charset="0"/>
-                </a:rPr>
-                <a:t>(NFC, ondes sonores,</a:t>
-              </a:r>
-              <a:r>
-                <a:rPr lang="en-US" altLang="en-US" sz="2400" b="1">
-                  <a:solidFill>
-                    <a:schemeClr val="bg1"/>
-                  </a:solidFill>
-                  <a:latin typeface="Times New Roman" panose="02020603050405020304" charset="0"/>
-                  <a:cs typeface="Times New Roman" panose="02020603050405020304" charset="0"/>
-                </a:rPr>
-                <a:t> </a:t>
-              </a:r>
-              <a:r>
-                <a:rPr lang="en-US" altLang="en-US" sz="2400" b="1">
-                  <a:solidFill>
-                    <a:schemeClr val="tx1"/>
-                  </a:solidFill>
-                  <a:latin typeface="Times New Roman" panose="02020603050405020304" charset="0"/>
-                  <a:cs typeface="Times New Roman" panose="02020603050405020304" charset="0"/>
-                </a:rPr>
-                <a:t>MST) </a:t>
-              </a:r>
-              <a:endParaRPr lang="en-US" altLang="en-US" sz="2400" b="1">
-                <a:solidFill>
-                  <a:schemeClr val="tx1"/>
-                </a:solidFill>
-                <a:latin typeface="Times New Roman" panose="02020603050405020304" charset="0"/>
-                <a:cs typeface="Times New Roman" panose="02020603050405020304" charset="0"/>
-              </a:endParaRPr>
-            </a:p>
-            <a:p>
-              <a:pPr marL="342900" indent="-342900" algn="just">
-                <a:buFont typeface="Arial" panose="020B0604020202020204" pitchFamily="34" charset="0"/>
-                <a:buChar char="•"/>
-              </a:pPr>
-              <a:r>
-                <a:rPr lang="en-US" altLang="en-US" sz="2400" b="1">
-                  <a:solidFill>
-                    <a:schemeClr val="bg1"/>
-                  </a:solidFill>
-                  <a:latin typeface="Times New Roman" panose="02020603050405020304" charset="0"/>
-                  <a:cs typeface="Times New Roman" panose="02020603050405020304" charset="0"/>
-                </a:rPr>
-                <a:t>paiement de mobile à mobile</a:t>
-              </a:r>
-              <a:endParaRPr lang="en-US" altLang="en-US" sz="2400" b="1">
-                <a:solidFill>
-                  <a:schemeClr val="bg1"/>
-                </a:solidFill>
-                <a:latin typeface="Times New Roman" panose="02020603050405020304" charset="0"/>
-                <a:cs typeface="Times New Roman" panose="02020603050405020304" charset="0"/>
-              </a:endParaRPr>
-            </a:p>
-          </p:txBody>
-        </p:sp>
-      </p:grpSp>
       <p:grpSp>
         <p:nvGrpSpPr>
           <p:cNvPr id="5" name="Group 4"/>
@@ -6012,6 +5745,435 @@
           </p:txBody>
         </p:sp>
       </p:grpSp>
+      <p:grpSp>
+        <p:nvGrpSpPr>
+          <p:cNvPr id="14" name="Group 13"/>
+          <p:cNvGrpSpPr/>
+          <p:nvPr/>
+        </p:nvGrpSpPr>
+        <p:grpSpPr>
+          <a:xfrm>
+            <a:off x="83185" y="3918585"/>
+            <a:ext cx="11783060" cy="2811780"/>
+            <a:chOff x="131" y="6171"/>
+            <a:chExt cx="18556" cy="4428"/>
+          </a:xfrm>
+        </p:grpSpPr>
+        <p:grpSp>
+          <p:nvGrpSpPr>
+            <p:cNvPr id="9" name="Group 8"/>
+            <p:cNvGrpSpPr/>
+            <p:nvPr/>
+          </p:nvGrpSpPr>
+          <p:grpSpPr>
+            <a:xfrm>
+              <a:off x="131" y="6171"/>
+              <a:ext cx="18557" cy="4428"/>
+              <a:chOff x="131" y="6171"/>
+              <a:chExt cx="18557" cy="4428"/>
+            </a:xfrm>
+          </p:grpSpPr>
+          <p:sp>
+            <p:nvSpPr>
+              <p:cNvPr id="11" name="Oval 10"/>
+              <p:cNvSpPr/>
+              <p:nvPr/>
+            </p:nvSpPr>
+            <p:spPr>
+              <a:xfrm>
+                <a:off x="131" y="8582"/>
+                <a:ext cx="3957" cy="1631"/>
+              </a:xfrm>
+              <a:prstGeom prst="ellipse">
+                <a:avLst/>
+              </a:prstGeom>
+            </p:spPr>
+            <p:style>
+              <a:lnRef idx="2">
+                <a:schemeClr val="accent5">
+                  <a:shade val="50000"/>
+                </a:schemeClr>
+              </a:lnRef>
+              <a:fillRef idx="1">
+                <a:schemeClr val="accent5"/>
+              </a:fillRef>
+              <a:effectRef idx="0">
+                <a:schemeClr val="accent5"/>
+              </a:effectRef>
+              <a:fontRef idx="minor">
+                <a:schemeClr val="lt1"/>
+              </a:fontRef>
+            </p:style>
+            <p:txBody>
+              <a:bodyPr rtlCol="0" anchor="ctr"/>
+              <a:p>
+                <a:pPr algn="ctr"/>
+                <a:r>
+                  <a:rPr lang="en-US" altLang="en-US" sz="2200" b="1">
+                    <a:latin typeface="Times New Roman" panose="02020603050405020304" charset="0"/>
+                    <a:cs typeface="Times New Roman" panose="02020603050405020304" charset="0"/>
+                  </a:rPr>
+                  <a:t>Paiement </a:t>
+                </a:r>
+                <a:r>
+                  <a:rPr lang="" altLang="en-US" sz="2200" b="1">
+                    <a:latin typeface="Times New Roman" panose="02020603050405020304" charset="0"/>
+                    <a:cs typeface="Times New Roman" panose="02020603050405020304" charset="0"/>
+                  </a:rPr>
+                  <a:t>électronique</a:t>
+                </a:r>
+                <a:endParaRPr lang="" altLang="en-US" sz="2200" b="1">
+                  <a:latin typeface="Times New Roman" panose="02020603050405020304" charset="0"/>
+                  <a:cs typeface="Times New Roman" panose="02020603050405020304" charset="0"/>
+                </a:endParaRPr>
+              </a:p>
+            </p:txBody>
+          </p:sp>
+          <p:sp>
+            <p:nvSpPr>
+              <p:cNvPr id="18" name="Rounded Rectangular Callout 17"/>
+              <p:cNvSpPr/>
+              <p:nvPr/>
+            </p:nvSpPr>
+            <p:spPr>
+              <a:xfrm>
+                <a:off x="5157" y="6171"/>
+                <a:ext cx="12222" cy="1293"/>
+              </a:xfrm>
+              <a:prstGeom prst="wedgeRoundRectCallout">
+                <a:avLst>
+                  <a:gd name="adj1" fmla="val -77655"/>
+                  <a:gd name="adj2" fmla="val 131747"/>
+                  <a:gd name="adj3" fmla="val 16667"/>
+                </a:avLst>
+              </a:prstGeom>
+            </p:spPr>
+            <p:style>
+              <a:lnRef idx="2">
+                <a:schemeClr val="accent6">
+                  <a:shade val="50000"/>
+                </a:schemeClr>
+              </a:lnRef>
+              <a:fillRef idx="1">
+                <a:schemeClr val="accent6"/>
+              </a:fillRef>
+              <a:effectRef idx="0">
+                <a:schemeClr val="accent6"/>
+              </a:effectRef>
+              <a:fontRef idx="minor">
+                <a:schemeClr val="lt1"/>
+              </a:fontRef>
+            </p:style>
+            <p:txBody>
+              <a:bodyPr rtlCol="0" anchor="ctr"/>
+              <a:p>
+                <a:pPr algn="just"/>
+                <a:r>
+                  <a:rPr lang="" altLang="en-US" sz="2200" b="1">
+                    <a:solidFill>
+                      <a:schemeClr val="tx1"/>
+                    </a:solidFill>
+                    <a:latin typeface="Times New Roman" panose="02020603050405020304" charset="0"/>
+                    <a:cs typeface="Times New Roman" panose="02020603050405020304" charset="0"/>
+                  </a:rPr>
+                  <a:t>mode de </a:t>
+                </a:r>
+                <a:r>
+                  <a:rPr lang="en-US" sz="2200" b="1">
+                    <a:solidFill>
+                      <a:schemeClr val="tx1"/>
+                    </a:solidFill>
+                    <a:latin typeface="Times New Roman" panose="02020603050405020304" charset="0"/>
+                    <a:cs typeface="Times New Roman" panose="02020603050405020304" charset="0"/>
+                  </a:rPr>
+                  <a:t>paiement qui ne nécessite pas l’usage d’argent liquide</a:t>
+                </a:r>
+                <a:endParaRPr lang="en-US" sz="2200" b="1">
+                  <a:solidFill>
+                    <a:schemeClr val="tx1"/>
+                  </a:solidFill>
+                  <a:latin typeface="Times New Roman" panose="02020603050405020304" charset="0"/>
+                  <a:cs typeface="Times New Roman" panose="02020603050405020304" charset="0"/>
+                </a:endParaRPr>
+              </a:p>
+            </p:txBody>
+          </p:sp>
+          <p:sp>
+            <p:nvSpPr>
+              <p:cNvPr id="20" name="Rounded Rectangular Callout 19"/>
+              <p:cNvSpPr/>
+              <p:nvPr/>
+            </p:nvSpPr>
+            <p:spPr>
+              <a:xfrm>
+                <a:off x="8232" y="7793"/>
+                <a:ext cx="10456" cy="2806"/>
+              </a:xfrm>
+              <a:prstGeom prst="wedgeRoundRectCallout">
+                <a:avLst>
+                  <a:gd name="adj1" fmla="val -101336"/>
+                  <a:gd name="adj2" fmla="val 26193"/>
+                  <a:gd name="adj3" fmla="val 16667"/>
+                </a:avLst>
+              </a:prstGeom>
+            </p:spPr>
+            <p:style>
+              <a:lnRef idx="2">
+                <a:schemeClr val="accent6">
+                  <a:shade val="50000"/>
+                </a:schemeClr>
+              </a:lnRef>
+              <a:fillRef idx="1">
+                <a:schemeClr val="accent6"/>
+              </a:fillRef>
+              <a:effectRef idx="0">
+                <a:schemeClr val="accent6"/>
+              </a:effectRef>
+              <a:fontRef idx="minor">
+                <a:schemeClr val="lt1"/>
+              </a:fontRef>
+            </p:style>
+            <p:txBody>
+              <a:bodyPr rtlCol="0" anchor="ctr"/>
+              <a:p>
+                <a:pPr algn="just"/>
+                <a:r>
+                  <a:rPr lang="en-US" altLang="en-US" sz="2400" b="1">
+                    <a:solidFill>
+                      <a:schemeClr val="bg1"/>
+                    </a:solidFill>
+                    <a:latin typeface="Times New Roman" panose="02020603050405020304" charset="0"/>
+                    <a:cs typeface="Times New Roman" panose="02020603050405020304" charset="0"/>
+                  </a:rPr>
+                  <a:t>Mode de paiement</a:t>
+                </a:r>
+                <a:endParaRPr lang="en-US" altLang="en-US" sz="2400" b="1">
+                  <a:solidFill>
+                    <a:schemeClr val="bg1"/>
+                  </a:solidFill>
+                  <a:latin typeface="Times New Roman" panose="02020603050405020304" charset="0"/>
+                  <a:cs typeface="Times New Roman" panose="02020603050405020304" charset="0"/>
+                </a:endParaRPr>
+              </a:p>
+              <a:p>
+                <a:pPr marL="342900" indent="-342900" algn="just">
+                  <a:lnSpc>
+                    <a:spcPct val="110000"/>
+                  </a:lnSpc>
+                  <a:buFont typeface="Arial" panose="020B0604020202020204" pitchFamily="34" charset="0"/>
+                  <a:buChar char="•"/>
+                </a:pPr>
+                <a:r>
+                  <a:rPr lang="" sz="2400" b="1">
+                    <a:solidFill>
+                      <a:schemeClr val="tx1"/>
+                    </a:solidFill>
+                    <a:latin typeface="Times New Roman" panose="02020603050405020304" charset="0"/>
+                    <a:cs typeface="Times New Roman" panose="02020603050405020304" charset="0"/>
+                  </a:rPr>
+                  <a:t>P</a:t>
+                </a:r>
+                <a:r>
+                  <a:rPr lang="" altLang="en-US" sz="2400" b="1">
+                    <a:solidFill>
+                      <a:schemeClr val="tx1"/>
+                    </a:solidFill>
+                    <a:latin typeface="Times New Roman" panose="02020603050405020304" charset="0"/>
+                    <a:cs typeface="Times New Roman" panose="02020603050405020304" charset="0"/>
+                  </a:rPr>
+                  <a:t>ar carte bancaire</a:t>
+                </a:r>
+                <a:r>
+                  <a:rPr lang="en-US" altLang="en-US" sz="2400" b="1">
+                    <a:solidFill>
+                      <a:schemeClr val="tx1"/>
+                    </a:solidFill>
+                    <a:latin typeface="Times New Roman" panose="02020603050405020304" charset="0"/>
+                    <a:cs typeface="Times New Roman" panose="02020603050405020304" charset="0"/>
+                  </a:rPr>
+                  <a:t> </a:t>
+                </a:r>
+                <a:endParaRPr lang="en-US" altLang="en-US" sz="2400" b="1">
+                  <a:solidFill>
+                    <a:schemeClr val="tx1"/>
+                  </a:solidFill>
+                  <a:latin typeface="Times New Roman" panose="02020603050405020304" charset="0"/>
+                  <a:cs typeface="Times New Roman" panose="02020603050405020304" charset="0"/>
+                </a:endParaRPr>
+              </a:p>
+              <a:p>
+                <a:pPr marL="342900" indent="-342900" algn="just">
+                  <a:lnSpc>
+                    <a:spcPct val="110000"/>
+                  </a:lnSpc>
+                  <a:buFont typeface="Arial" panose="020B0604020202020204" pitchFamily="34" charset="0"/>
+                  <a:buChar char="•"/>
+                </a:pPr>
+                <a:r>
+                  <a:rPr lang="" sz="2400" b="1">
+                    <a:solidFill>
+                      <a:schemeClr val="tx1"/>
+                    </a:solidFill>
+                    <a:latin typeface="Times New Roman" panose="02020603050405020304" charset="0"/>
+                    <a:cs typeface="Times New Roman" panose="02020603050405020304" charset="0"/>
+                  </a:rPr>
+                  <a:t>Via</a:t>
+                </a:r>
+                <a:r>
+                  <a:rPr lang="" altLang="en-US" sz="2400" b="1">
+                    <a:solidFill>
+                      <a:schemeClr val="tx1"/>
+                    </a:solidFill>
+                    <a:latin typeface="Times New Roman" panose="02020603050405020304" charset="0"/>
+                    <a:cs typeface="Times New Roman" panose="02020603050405020304" charset="0"/>
+                  </a:rPr>
+                  <a:t> les cryptomonnaies</a:t>
+                </a:r>
+                <a:endParaRPr lang="" altLang="en-US" sz="2400" b="1">
+                  <a:solidFill>
+                    <a:schemeClr val="tx1"/>
+                  </a:solidFill>
+                  <a:latin typeface="Times New Roman" panose="02020603050405020304" charset="0"/>
+                  <a:cs typeface="Times New Roman" panose="02020603050405020304" charset="0"/>
+                </a:endParaRPr>
+              </a:p>
+              <a:p>
+                <a:pPr marL="342900" indent="-342900" algn="just">
+                  <a:lnSpc>
+                    <a:spcPct val="110000"/>
+                  </a:lnSpc>
+                  <a:buFont typeface="Arial" panose="020B0604020202020204" pitchFamily="34" charset="0"/>
+                  <a:buChar char="•"/>
+                </a:pPr>
+                <a:r>
+                  <a:rPr lang="" altLang="en-US" sz="2400" b="1">
+                    <a:solidFill>
+                      <a:schemeClr val="tx1"/>
+                    </a:solidFill>
+                    <a:latin typeface="Times New Roman" panose="02020603050405020304" charset="0"/>
+                    <a:cs typeface="Times New Roman" panose="02020603050405020304" charset="0"/>
+                  </a:rPr>
+                  <a:t>Par mobile via USSD</a:t>
+                </a:r>
+                <a:endParaRPr lang="" altLang="en-US" sz="2400" b="1">
+                  <a:solidFill>
+                    <a:schemeClr val="tx1"/>
+                  </a:solidFill>
+                  <a:latin typeface="Times New Roman" panose="02020603050405020304" charset="0"/>
+                  <a:cs typeface="Times New Roman" panose="02020603050405020304" charset="0"/>
+                </a:endParaRPr>
+              </a:p>
+            </p:txBody>
+          </p:sp>
+        </p:grpSp>
+        <p:sp>
+          <p:nvSpPr>
+            <p:cNvPr id="13" name="Rectangle 12"/>
+            <p:cNvSpPr/>
+            <p:nvPr/>
+          </p:nvSpPr>
+          <p:spPr>
+            <a:xfrm>
+              <a:off x="14452" y="8276"/>
+              <a:ext cx="3825" cy="2119"/>
+            </a:xfrm>
+            <a:prstGeom prst="rect">
+              <a:avLst/>
+            </a:prstGeom>
+            <a:ln>
+              <a:solidFill>
+                <a:schemeClr val="accent6"/>
+              </a:solidFill>
+            </a:ln>
+          </p:spPr>
+          <p:style>
+            <a:lnRef idx="3">
+              <a:schemeClr val="lt1"/>
+            </a:lnRef>
+            <a:fillRef idx="1">
+              <a:schemeClr val="accent6"/>
+            </a:fillRef>
+            <a:effectRef idx="1">
+              <a:schemeClr val="accent6"/>
+            </a:effectRef>
+            <a:fontRef idx="minor">
+              <a:schemeClr val="lt1"/>
+            </a:fontRef>
+          </p:style>
+          <p:txBody>
+            <a:bodyPr rtlCol="0" anchor="ctr"/>
+            <a:p>
+              <a:pPr marL="285750" indent="-285750" algn="just">
+                <a:buFont typeface="Arial" panose="020B0604020202020204" pitchFamily="34" charset="0"/>
+                <a:buChar char="•"/>
+              </a:pPr>
+              <a:r>
+                <a:rPr lang="" altLang="en-US" sz="2400" b="1">
+                  <a:solidFill>
+                    <a:schemeClr val="tx1"/>
+                  </a:solidFill>
+                  <a:latin typeface="Times New Roman" panose="02020603050405020304" charset="0"/>
+                  <a:cs typeface="Times New Roman" panose="02020603050405020304" charset="0"/>
+                </a:rPr>
+                <a:t>Par SMS</a:t>
+              </a:r>
+              <a:endParaRPr lang="" altLang="en-US" sz="2400" b="1">
+                <a:solidFill>
+                  <a:schemeClr val="tx1"/>
+                </a:solidFill>
+                <a:latin typeface="Times New Roman" panose="02020603050405020304" charset="0"/>
+                <a:cs typeface="Times New Roman" panose="02020603050405020304" charset="0"/>
+              </a:endParaRPr>
+            </a:p>
+            <a:p>
+              <a:pPr marL="285750" indent="-285750" algn="just">
+                <a:buFont typeface="Arial" panose="020B0604020202020204" pitchFamily="34" charset="0"/>
+                <a:buChar char="•"/>
+              </a:pPr>
+              <a:r>
+                <a:rPr lang="" altLang="en-US" sz="2400" b="1">
+                  <a:solidFill>
+                    <a:schemeClr val="tx1"/>
+                  </a:solidFill>
+                  <a:latin typeface="Times New Roman" panose="02020603050405020304" charset="0"/>
+                  <a:cs typeface="Times New Roman" panose="02020603050405020304" charset="0"/>
+                </a:rPr>
+                <a:t>Par QR code</a:t>
+              </a:r>
+              <a:endParaRPr lang="" altLang="en-US" sz="2400" b="1">
+                <a:solidFill>
+                  <a:schemeClr val="tx1"/>
+                </a:solidFill>
+                <a:latin typeface="Times New Roman" panose="02020603050405020304" charset="0"/>
+                <a:cs typeface="Times New Roman" panose="02020603050405020304" charset="0"/>
+              </a:endParaRPr>
+            </a:p>
+            <a:p>
+              <a:pPr marL="285750" indent="-285750" algn="just">
+                <a:buFont typeface="Arial" panose="020B0604020202020204" pitchFamily="34" charset="0"/>
+                <a:buChar char="•"/>
+              </a:pPr>
+              <a:r>
+                <a:rPr lang="" altLang="en-US" sz="2400" b="1">
+                  <a:solidFill>
+                    <a:schemeClr val="tx1"/>
+                  </a:solidFill>
+                  <a:latin typeface="Times New Roman" panose="02020603050405020304" charset="0"/>
+                  <a:cs typeface="Times New Roman" panose="02020603050405020304" charset="0"/>
+                </a:rPr>
+                <a:t>Par NFC</a:t>
+              </a:r>
+              <a:endParaRPr lang="" altLang="en-US" sz="2400" b="1">
+                <a:solidFill>
+                  <a:schemeClr val="tx1"/>
+                </a:solidFill>
+                <a:latin typeface="Times New Roman" panose="02020603050405020304" charset="0"/>
+                <a:cs typeface="Times New Roman" panose="02020603050405020304" charset="0"/>
+              </a:endParaRPr>
+            </a:p>
+          </p:txBody>
+        </p:sp>
+      </p:grpSp>
     </p:spTree>
   </p:cSld>
   <p:clrMapOvr>
@@ -6150,13 +6312,13 @@
                                   <p:childTnLst>
                                     <p:set>
                                       <p:cBhvr>
-                                        <p:cTn id="13" dur="500" fill="hold">
+                                        <p:cTn id="13" dur="1" fill="hold">
                                           <p:stCondLst>
                                             <p:cond delay="0"/>
                                           </p:stCondLst>
                                         </p:cTn>
                                         <p:tgtEl>
-                                          <p:spTgt spid="9"/>
+                                          <p:spTgt spid="14"/>
                                         </p:tgtEl>
                                         <p:attrNameLst>
                                           <p:attrName>style.visibility</p:attrName>
@@ -6168,17 +6330,17 @@
                                     </p:set>
                                     <p:animEffect transition="in" filter="fade">
                                       <p:cBhvr>
-                                        <p:cTn id="14" dur="500"/>
-                                        <p:tgtEl>
-                                          <p:spTgt spid="9"/>
+                                        <p:cTn id="14" dur="1000"/>
+                                        <p:tgtEl>
+                                          <p:spTgt spid="14"/>
                                         </p:tgtEl>
                                       </p:cBhvr>
                                     </p:animEffect>
                                     <p:anim calcmode="lin" valueType="num">
                                       <p:cBhvr>
-                                        <p:cTn id="15" dur="500" fill="hold"/>
-                                        <p:tgtEl>
-                                          <p:spTgt spid="9"/>
+                                        <p:cTn id="15" dur="1000" fill="hold"/>
+                                        <p:tgtEl>
+                                          <p:spTgt spid="14"/>
                                         </p:tgtEl>
                                         <p:attrNameLst>
                                           <p:attrName>ppt_x</p:attrName>
@@ -6199,9 +6361,9 @@
                                     </p:anim>
                                     <p:anim calcmode="lin" valueType="num">
                                       <p:cBhvr>
-                                        <p:cTn id="16" dur="500" fill="hold"/>
-                                        <p:tgtEl>
-                                          <p:spTgt spid="9"/>
+                                        <p:cTn id="16" dur="1000" fill="hold"/>
+                                        <p:tgtEl>
+                                          <p:spTgt spid="14"/>
                                         </p:tgtEl>
                                         <p:attrNameLst>
                                           <p:attrName>ppt_y</p:attrName>
@@ -6461,7 +6623,7 @@
                 <a:cs typeface="Times New Roman" panose="02020603050405020304" charset="0"/>
                 <a:sym typeface="+mn-ea"/>
               </a:rPr>
-              <a:t>CONCEPTION</a:t>
+              <a:t>RÉALISATION DU SYSTÈME</a:t>
             </a:r>
             <a:endParaRPr lang="en-US" altLang="en-US" b="1">
               <a:latin typeface="Times New Roman" panose="02020603050405020304" charset="0"/>
@@ -6509,7 +6671,7 @@
                 <a:cs typeface="Times New Roman" panose="02020603050405020304" charset="0"/>
                 <a:sym typeface="+mn-ea"/>
               </a:rPr>
-              <a:t>MISE EN OEUVRE DE LA SOLUTION</a:t>
+              <a:t>FINALISATION DE LA SOLUTION</a:t>
             </a:r>
             <a:endParaRPr lang="en-US" altLang="en-US" b="1">
               <a:latin typeface="Times New Roman" panose="02020603050405020304" charset="0"/>
@@ -6526,8 +6688,8 @@
         </p:nvSpPr>
         <p:spPr>
           <a:xfrm>
-            <a:off x="82550" y="3822065"/>
-            <a:ext cx="12021185" cy="2924175"/>
+            <a:off x="82550" y="3559175"/>
+            <a:ext cx="12021185" cy="3187065"/>
           </a:xfrm>
           <a:prstGeom prst="roundRect">
             <a:avLst/>
@@ -6578,7 +6740,28 @@
                 <a:latin typeface="Times New Roman" panose="02020603050405020304" charset="0"/>
                 <a:cs typeface="Times New Roman" panose="02020603050405020304" charset="0"/>
               </a:rPr>
-              <a:t>RebBox, Amazon, Spotify,  Netflix</a:t>
+              <a:t>Sites de vente des magazines et de journaux </a:t>
+            </a:r>
+            <a:r>
+              <a:rPr lang="" altLang="en-US" sz="2800" b="1">
+                <a:latin typeface="Times New Roman" panose="02020603050405020304" charset="0"/>
+                <a:cs typeface="Times New Roman" panose="02020603050405020304" charset="0"/>
+              </a:rPr>
+              <a:t>:</a:t>
+            </a:r>
+            <a:r>
+              <a:rPr lang="en-US" altLang="en-US" sz="2800" b="1">
+                <a:latin typeface="Times New Roman" panose="02020603050405020304" charset="0"/>
+                <a:cs typeface="Times New Roman" panose="02020603050405020304" charset="0"/>
+              </a:rPr>
+              <a:t> Calameo</a:t>
+            </a:r>
+            <a:r>
+              <a:rPr lang="" altLang="en-US" sz="2800" b="1">
+                <a:latin typeface="Times New Roman" panose="02020603050405020304" charset="0"/>
+                <a:cs typeface="Times New Roman" panose="02020603050405020304" charset="0"/>
+              </a:rPr>
+              <a:t>, publitas, joomag</a:t>
             </a:r>
             <a:endParaRPr lang="en-US" altLang="en-US" sz="2800" b="1">
               <a:latin typeface="Times New Roman" panose="02020603050405020304" charset="0"/>
@@ -6606,6 +6789,27 @@
                 <a:cs typeface="Times New Roman" panose="02020603050405020304" charset="0"/>
               </a:rPr>
               <a:t>Jeune Afrique, Le Monde</a:t>
+            </a:r>
+            <a:endParaRPr lang="en-US" altLang="en-US" sz="2800" b="1">
+              <a:solidFill>
+                <a:schemeClr val="tx1"/>
+              </a:solidFill>
+              <a:latin typeface="Times New Roman" panose="02020603050405020304" charset="0"/>
+              <a:cs typeface="Times New Roman" panose="02020603050405020304" charset="0"/>
+            </a:endParaRPr>
+          </a:p>
+          <a:p>
+            <a:pPr marL="457200" indent="-457200" algn="just">
+              <a:buFont typeface="Arial" panose="020B0604020202020204" pitchFamily="34" charset="0"/>
+              <a:buChar char="•"/>
+            </a:pPr>
+            <a:r>
+              <a:rPr lang="en-US" altLang="en-US" sz="2800" b="1">
+                <a:latin typeface="Times New Roman" panose="02020603050405020304" charset="0"/>
+                <a:cs typeface="Times New Roman" panose="02020603050405020304" charset="0"/>
+                <a:sym typeface="+mn-ea"/>
+              </a:rPr>
+              <a:t>RebBox, Amazon, Spotify,  Netflix</a:t>
             </a:r>
             <a:endParaRPr lang="en-US" altLang="en-US" sz="2800" b="1">
               <a:solidFill>
@@ -6713,8 +6917,8 @@
         </p:nvSpPr>
         <p:spPr>
           <a:xfrm>
-            <a:off x="83185" y="2670810"/>
-            <a:ext cx="12019915" cy="921385"/>
+            <a:off x="214630" y="2575560"/>
+            <a:ext cx="11889740" cy="790575"/>
           </a:xfrm>
           <a:prstGeom prst="roundRect">
             <a:avLst/>
@@ -6757,26 +6961,7 @@
                 <a:cs typeface="Times New Roman" panose="02020603050405020304" charset="0"/>
                 <a:sym typeface="+mn-ea"/>
               </a:rPr>
-              <a:t>(www.ekiosque.cm), </a:t>
-            </a:r>
-            <a:r>
-              <a:rPr lang="en-US" altLang="en-US" sz="2800" b="1">
-                <a:latin typeface="Times New Roman" panose="02020603050405020304" charset="0"/>
-                <a:cs typeface="Times New Roman" panose="02020603050405020304" charset="0"/>
-                <a:sym typeface="+mn-ea"/>
-              </a:rPr>
-              <a:t> 	237kiosk</a:t>
-            </a:r>
-            <a:r>
-              <a:rPr lang="en-US" altLang="en-US" sz="2800" b="1">
-                <a:solidFill>
-                  <a:schemeClr val="tx1"/>
-                </a:solidFill>
-                <a:latin typeface="Times New Roman" panose="02020603050405020304" charset="0"/>
-                <a:cs typeface="Times New Roman" panose="02020603050405020304" charset="0"/>
-                <a:sym typeface="+mn-ea"/>
-              </a:rPr>
-              <a:t>(www.237kiosk.com)</a:t>
+              <a:t>(www.ekiosque.cm)</a:t>
             </a:r>
             <a:endParaRPr lang="en-US" sz="2800"/>
           </a:p>
@@ -7118,8 +7303,8 @@
     </p:tnLst>
     <p:bldLst>
       <p:bldP spid="9" grpId="0" animBg="1"/>
-      <p:bldP spid="10" grpId="0" animBg="1"/>
-      <p:bldP spid="5" grpId="0" animBg="1"/>
+      <p:bldP spid="10" grpId="0" bldLvl="0" animBg="1"/>
+      <p:bldP spid="5" grpId="0" bldLvl="0" animBg="1"/>
     </p:bldLst>
   </p:timing>
 </p:sld>
@@ -7332,7 +7517,7 @@
                 <a:cs typeface="Times New Roman" panose="02020603050405020304" charset="0"/>
                 <a:sym typeface="+mn-ea"/>
               </a:rPr>
-              <a:t>CONCEPTION</a:t>
+              <a:t>RÉALISATION DU SYSTÈME</a:t>
             </a:r>
             <a:endParaRPr lang="en-US" altLang="en-US" b="1">
               <a:latin typeface="Times New Roman" panose="02020603050405020304" charset="0"/>
@@ -7380,7 +7565,7 @@
                 <a:cs typeface="Times New Roman" panose="02020603050405020304" charset="0"/>
                 <a:sym typeface="+mn-ea"/>
               </a:rPr>
-              <a:t>MISE EN OEUVRE DE LA SOLUTION</a:t>
+              <a:t>FINALISATION DE LA SOLUTION</a:t>
             </a:r>
             <a:endParaRPr lang="en-US" altLang="en-US" b="1">
               <a:latin typeface="Times New Roman" panose="02020603050405020304" charset="0"/>
@@ -8876,7 +9061,7 @@
                 <a:cs typeface="Times New Roman" panose="02020603050405020304" charset="0"/>
                 <a:sym typeface="+mn-ea"/>
               </a:rPr>
-              <a:t>CONCEPTION</a:t>
+              <a:t>RÉALISATION DU SYSTÈME</a:t>
             </a:r>
             <a:endParaRPr lang="en-US" altLang="en-US" b="1">
               <a:latin typeface="Times New Roman" panose="02020603050405020304" charset="0"/>
@@ -8924,7 +9109,7 @@
                 <a:cs typeface="Times New Roman" panose="02020603050405020304" charset="0"/>
                 <a:sym typeface="+mn-ea"/>
               </a:rPr>
-              <a:t>MISE EN OEUVRE DE LA SOLUTION</a:t>
+              <a:t>FINALISATION DE LA SOLUTION</a:t>
             </a:r>
             <a:endParaRPr lang="en-US" altLang="en-US" b="1">
               <a:latin typeface="Times New Roman" panose="02020603050405020304" charset="0"/>
@@ -9825,7 +10010,7 @@
                 <a:cs typeface="Times New Roman" panose="02020603050405020304" charset="0"/>
                 <a:sym typeface="+mn-ea"/>
               </a:rPr>
-              <a:t>CONCEPTION</a:t>
+              <a:t>RÉALISATION DU SYSTÈME</a:t>
             </a:r>
             <a:endParaRPr lang="en-US" altLang="en-US" b="1">
               <a:latin typeface="Times New Roman" panose="02020603050405020304" charset="0"/>
@@ -9873,7 +10058,7 @@
                 <a:cs typeface="Times New Roman" panose="02020603050405020304" charset="0"/>
                 <a:sym typeface="+mn-ea"/>
               </a:rPr>
-              <a:t>MISE EN OEUVRE DE LA SOLUTION</a:t>
+              <a:t>FINALISATION DE LA SOLUTION</a:t>
             </a:r>
             <a:endParaRPr lang="en-US" altLang="en-US" b="1">
               <a:latin typeface="Times New Roman" panose="02020603050405020304" charset="0"/>
@@ -10693,7 +10878,7 @@
                 <a:cs typeface="Times New Roman" panose="02020603050405020304" charset="0"/>
                 <a:sym typeface="+mn-ea"/>
               </a:rPr>
-              <a:t>CONCEPTION</a:t>
+              <a:t>RÉALISATION DU SYSTÈME</a:t>
             </a:r>
             <a:endParaRPr lang="en-US" altLang="en-US" b="1">
               <a:latin typeface="Times New Roman" panose="02020603050405020304" charset="0"/>
@@ -10741,7 +10926,7 @@
                 <a:cs typeface="Times New Roman" panose="02020603050405020304" charset="0"/>
                 <a:sym typeface="+mn-ea"/>
               </a:rPr>
-              <a:t>MISE EN OEUVRE DE LA SOLUTION</a:t>
+              <a:t>FINALISATION DE LA SOLUTION</a:t>
             </a:r>
             <a:endParaRPr lang="en-US" altLang="en-US" b="1">
               <a:latin typeface="Times New Roman" panose="02020603050405020304" charset="0"/>
@@ -11553,7 +11738,7 @@
                 <a:cs typeface="Times New Roman" panose="02020603050405020304" charset="0"/>
                 <a:sym typeface="+mn-ea"/>
               </a:rPr>
-              <a:t>CONCEPTION</a:t>
+              <a:t>RÉALISATION DU SYSTÈME</a:t>
             </a:r>
             <a:endParaRPr lang="en-US" altLang="en-US" b="1">
               <a:latin typeface="Times New Roman" panose="02020603050405020304" charset="0"/>
@@ -11601,7 +11786,7 @@
                 <a:cs typeface="Times New Roman" panose="02020603050405020304" charset="0"/>
                 <a:sym typeface="+mn-ea"/>
               </a:rPr>
-              <a:t>MISE EN OEUVRE DE LA SOLUTION</a:t>
+              <a:t>FINALISATION DE LA SOLUTION</a:t>
             </a:r>
             <a:endParaRPr lang="en-US" altLang="en-US" b="1">
               <a:latin typeface="Times New Roman" panose="02020603050405020304" charset="0"/>
@@ -11765,7 +11950,7 @@
                 <a:latin typeface="Times New Roman" panose="02020603050405020304" charset="0"/>
                 <a:cs typeface="Times New Roman" panose="02020603050405020304" charset="0"/>
               </a:rPr>
-              <a:t>Plannification en incréments et en itérations</a:t>
+              <a:t>Plannification en incréments </a:t>
             </a:r>
             <a:endParaRPr lang="en-US" altLang="en-US" sz="2200" b="1">
               <a:solidFill>
@@ -11779,7 +11964,7 @@
       </p:sp>
       <p:pic>
         <p:nvPicPr>
-          <p:cNvPr id="9" name="Picture 8" descr="plannification_inc_it"/>
+          <p:cNvPr id="5" name="Picture 4" descr="plannification_inc_it"/>
           <p:cNvPicPr>
             <a:picLocks noChangeAspect="1"/>
           </p:cNvPicPr>
@@ -11793,8 +11978,8 @@
         </p:blipFill>
         <p:spPr>
           <a:xfrm>
-            <a:off x="4963795" y="1142365"/>
-            <a:ext cx="7200900" cy="5653405"/>
+            <a:off x="5003800" y="1127125"/>
+            <a:ext cx="7105650" cy="5668010"/>
           </a:xfrm>
           <a:prstGeom prst="rect">
             <a:avLst/>
@@ -11846,7 +12031,7 @@
                                           </p:stCondLst>
                                         </p:cTn>
                                         <p:tgtEl>
-                                          <p:spTgt spid="12"/>
+                                          <p:spTgt spid="14"/>
                                         </p:tgtEl>
                                         <p:attrNameLst>
                                           <p:attrName>style.visibility</p:attrName>
@@ -11860,7 +12045,7 @@
                                       <p:cBhvr>
                                         <p:cTn id="7" dur="1000"/>
                                         <p:tgtEl>
-                                          <p:spTgt spid="12"/>
+                                          <p:spTgt spid="14"/>
                                         </p:tgtEl>
                                       </p:cBhvr>
                                     </p:animEffect>
@@ -11868,7 +12053,7 @@
                                       <p:cBhvr>
                                         <p:cTn id="8" dur="1000" fill="hold"/>
                                         <p:tgtEl>
-                                          <p:spTgt spid="12"/>
+                                          <p:spTgt spid="14"/>
                                         </p:tgtEl>
                                         <p:attrNameLst>
                                           <p:attrName>ppt_x</p:attrName>
@@ -11891,7 +12076,7 @@
                                       <p:cBhvr>
                                         <p:cTn id="9" dur="1000" fill="hold"/>
                                         <p:tgtEl>
-                                          <p:spTgt spid="12"/>
+                                          <p:spTgt spid="14"/>
                                         </p:tgtEl>
                                         <p:attrNameLst>
                                           <p:attrName>ppt_y</p:attrName>
@@ -11914,7 +12099,7 @@
                                 </p:cTn>
                               </p:par>
                               <p:par>
-                                <p:cTn id="10" presetID="42" presetClass="entr" presetSubtype="0" fill="hold" grpId="0" nodeType="withEffect">
+                                <p:cTn id="10" presetID="42" presetClass="entr" presetSubtype="0" fill="hold" nodeType="withEffect">
                                   <p:stCondLst>
                                     <p:cond delay="0"/>
                                   </p:stCondLst>
@@ -11927,7 +12112,7 @@
                                           </p:stCondLst>
                                         </p:cTn>
                                         <p:tgtEl>
-                                          <p:spTgt spid="15"/>
+                                          <p:spTgt spid="5"/>
                                         </p:tgtEl>
                                         <p:attrNameLst>
                                           <p:attrName>style.visibility</p:attrName>
@@ -11941,7 +12126,7 @@
                                       <p:cBhvr>
                                         <p:cTn id="12" dur="1000"/>
                                         <p:tgtEl>
-                                          <p:spTgt spid="15"/>
+                                          <p:spTgt spid="5"/>
                                         </p:tgtEl>
                                       </p:cBhvr>
                                     </p:animEffect>
@@ -11949,7 +12134,7 @@
                                       <p:cBhvr>
                                         <p:cTn id="13" dur="1000" fill="hold"/>
                                         <p:tgtEl>
-                                          <p:spTgt spid="15"/>
+                                          <p:spTgt spid="5"/>
                                         </p:tgtEl>
                                         <p:attrNameLst>
                                           <p:attrName>ppt_x</p:attrName>
@@ -11972,169 +12157,7 @@
                                       <p:cBhvr>
                                         <p:cTn id="14" dur="1000" fill="hold"/>
                                         <p:tgtEl>
-                                          <p:spTgt spid="15"/>
-                                        </p:tgtEl>
-                                        <p:attrNameLst>
-                                          <p:attrName>ppt_y</p:attrName>
-                                        </p:attrNameLst>
-                                      </p:cBhvr>
-                                      <p:tavLst>
-                                        <p:tav tm="0">
-                                          <p:val>
-                                            <p:strVal val="#ppt_y+.1"/>
-                                          </p:val>
-                                        </p:tav>
-                                        <p:tav tm="100000">
-                                          <p:val>
-                                            <p:strVal val="#ppt_y"/>
-                                          </p:val>
-                                        </p:tav>
-                                      </p:tavLst>
-                                    </p:anim>
-                                  </p:childTnLst>
-                                </p:cTn>
-                              </p:par>
-                              <p:par>
-                                <p:cTn id="15" presetID="42" presetClass="entr" presetSubtype="0" fill="hold" grpId="0" nodeType="withEffect">
-                                  <p:stCondLst>
-                                    <p:cond delay="0"/>
-                                  </p:stCondLst>
-                                  <p:childTnLst>
-                                    <p:set>
-                                      <p:cBhvr>
-                                        <p:cTn id="16" dur="1" fill="hold">
-                                          <p:stCondLst>
-                                            <p:cond delay="0"/>
-                                          </p:stCondLst>
-                                        </p:cTn>
-                                        <p:tgtEl>
-                                          <p:spTgt spid="14"/>
-                                        </p:tgtEl>
-                                        <p:attrNameLst>
-                                          <p:attrName>style.visibility</p:attrName>
-                                        </p:attrNameLst>
-                                      </p:cBhvr>
-                                      <p:to>
-                                        <p:strVal val="visible"/>
-                                      </p:to>
-                                    </p:set>
-                                    <p:animEffect transition="in" filter="fade">
-                                      <p:cBhvr>
-                                        <p:cTn id="17" dur="1000"/>
-                                        <p:tgtEl>
-                                          <p:spTgt spid="14"/>
-                                        </p:tgtEl>
-                                      </p:cBhvr>
-                                    </p:animEffect>
-                                    <p:anim calcmode="lin" valueType="num">
-                                      <p:cBhvr>
-                                        <p:cTn id="18" dur="1000" fill="hold"/>
-                                        <p:tgtEl>
-                                          <p:spTgt spid="14"/>
-                                        </p:tgtEl>
-                                        <p:attrNameLst>
-                                          <p:attrName>ppt_x</p:attrName>
-                                        </p:attrNameLst>
-                                      </p:cBhvr>
-                                      <p:tavLst>
-                                        <p:tav tm="0">
-                                          <p:val>
-                                            <p:strVal val="#ppt_x"/>
-                                          </p:val>
-                                        </p:tav>
-                                        <p:tav tm="100000">
-                                          <p:val>
-                                            <p:strVal val="#ppt_x"/>
-                                          </p:val>
-                                        </p:tav>
-                                      </p:tavLst>
-                                    </p:anim>
-                                    <p:anim calcmode="lin" valueType="num">
-                                      <p:cBhvr>
-                                        <p:cTn id="19" dur="1000" fill="hold"/>
-                                        <p:tgtEl>
-                                          <p:spTgt spid="14"/>
-                                        </p:tgtEl>
-                                        <p:attrNameLst>
-                                          <p:attrName>ppt_y</p:attrName>
-                                        </p:attrNameLst>
-                                      </p:cBhvr>
-                                      <p:tavLst>
-                                        <p:tav tm="0">
-                                          <p:val>
-                                            <p:strVal val="#ppt_y+.1"/>
-                                          </p:val>
-                                        </p:tav>
-                                        <p:tav tm="100000">
-                                          <p:val>
-                                            <p:strVal val="#ppt_y"/>
-                                          </p:val>
-                                        </p:tav>
-                                      </p:tavLst>
-                                    </p:anim>
-                                  </p:childTnLst>
-                                </p:cTn>
-                              </p:par>
-                              <p:par>
-                                <p:cTn id="20" presetID="42" presetClass="entr" presetSubtype="0" fill="hold" nodeType="withEffect">
-                                  <p:stCondLst>
-                                    <p:cond delay="0"/>
-                                  </p:stCondLst>
-                                  <p:childTnLst>
-                                    <p:set>
-                                      <p:cBhvr>
-                                        <p:cTn id="21" dur="1" fill="hold">
-                                          <p:stCondLst>
-                                            <p:cond delay="0"/>
-                                          </p:stCondLst>
-                                        </p:cTn>
-                                        <p:tgtEl>
-                                          <p:spTgt spid="9"/>
-                                        </p:tgtEl>
-                                        <p:attrNameLst>
-                                          <p:attrName>style.visibility</p:attrName>
-                                        </p:attrNameLst>
-                                      </p:cBhvr>
-                                      <p:to>
-                                        <p:strVal val="visible"/>
-                                      </p:to>
-                                    </p:set>
-                                    <p:animEffect transition="in" filter="fade">
-                                      <p:cBhvr>
-                                        <p:cTn id="22" dur="1000"/>
-                                        <p:tgtEl>
-                                          <p:spTgt spid="9"/>
-                                        </p:tgtEl>
-                                      </p:cBhvr>
-                                    </p:animEffect>
-                                    <p:anim calcmode="lin" valueType="num">
-                                      <p:cBhvr>
-                                        <p:cTn id="23" dur="1000" fill="hold"/>
-                                        <p:tgtEl>
-                                          <p:spTgt spid="9"/>
-                                        </p:tgtEl>
-                                        <p:attrNameLst>
-                                          <p:attrName>ppt_x</p:attrName>
-                                        </p:attrNameLst>
-                                      </p:cBhvr>
-                                      <p:tavLst>
-                                        <p:tav tm="0">
-                                          <p:val>
-                                            <p:strVal val="#ppt_x"/>
-                                          </p:val>
-                                        </p:tav>
-                                        <p:tav tm="100000">
-                                          <p:val>
-                                            <p:strVal val="#ppt_x"/>
-                                          </p:val>
-                                        </p:tav>
-                                      </p:tavLst>
-                                    </p:anim>
-                                    <p:anim calcmode="lin" valueType="num">
-                                      <p:cBhvr>
-                                        <p:cTn id="24" dur="1000" fill="hold"/>
-                                        <p:tgtEl>
-                                          <p:spTgt spid="9"/>
+                                          <p:spTgt spid="5"/>
                                         </p:tgtEl>
                                         <p:attrNameLst>
                                           <p:attrName>ppt_y</p:attrName>
@@ -12184,8 +12207,6 @@
       </p:par>
     </p:tnLst>
     <p:bldLst>
-      <p:bldP spid="12" grpId="0" bldLvl="0" animBg="1"/>
-      <p:bldP spid="15" grpId="0" bldLvl="0" animBg="1"/>
       <p:bldP spid="14" grpId="0" bldLvl="0" animBg="1"/>
     </p:bldLst>
   </p:timing>
@@ -12402,7 +12423,7 @@
                 <a:cs typeface="Times New Roman" panose="02020603050405020304" charset="0"/>
                 <a:sym typeface="+mn-ea"/>
               </a:rPr>
-              <a:t>CONCEPTION</a:t>
+              <a:t>RÉALISATION DU SYSTÈME</a:t>
             </a:r>
             <a:endParaRPr lang="en-US" altLang="en-US" b="1">
               <a:latin typeface="Times New Roman" panose="02020603050405020304" charset="0"/>
@@ -12452,7 +12473,7 @@
                 <a:cs typeface="Times New Roman" panose="02020603050405020304" charset="0"/>
                 <a:sym typeface="+mn-ea"/>
               </a:rPr>
-              <a:t>MISE EN OEUVRE DE LA SOLUTION</a:t>
+              <a:t>FINALISATION DE LA SOLUTION</a:t>
             </a:r>
             <a:endParaRPr lang="en-US" altLang="en-US" b="1">
               <a:latin typeface="Times New Roman" panose="02020603050405020304" charset="0"/>
@@ -12469,10 +12490,10 @@
         </p:nvGrpSpPr>
         <p:grpSpPr>
           <a:xfrm>
-            <a:off x="2971165" y="1596390"/>
-            <a:ext cx="8954135" cy="5133975"/>
-            <a:chOff x="5579" y="2981"/>
-            <a:chExt cx="12618" cy="7670"/>
+            <a:off x="2971165" y="1585011"/>
+            <a:ext cx="8954135" cy="5145354"/>
+            <a:chOff x="5579" y="2964"/>
+            <a:chExt cx="12618" cy="7687"/>
           </a:xfrm>
         </p:grpSpPr>
         <p:pic>
@@ -12491,7 +12512,7 @@
           </p:blipFill>
           <p:spPr>
             <a:xfrm>
-              <a:off x="6168" y="5880"/>
+              <a:off x="9708" y="4578"/>
               <a:ext cx="1523" cy="1523"/>
             </a:xfrm>
             <a:prstGeom prst="rect">
@@ -12515,7 +12536,7 @@
           </p:blipFill>
           <p:spPr>
             <a:xfrm>
-              <a:off x="10132" y="3156"/>
+              <a:off x="10132" y="2964"/>
               <a:ext cx="1946" cy="1579"/>
             </a:xfrm>
             <a:prstGeom prst="rect">
@@ -12635,7 +12656,7 @@
           </p:blipFill>
           <p:spPr>
             <a:xfrm>
-              <a:off x="9479" y="5039"/>
+              <a:off x="12078" y="5104"/>
               <a:ext cx="2254" cy="997"/>
             </a:xfrm>
             <a:prstGeom prst="rect">
@@ -12921,7 +12942,7 @@
         </p:nvSpPr>
         <p:spPr>
           <a:xfrm>
-            <a:off x="222250" y="3510915"/>
+            <a:off x="1127125" y="3685540"/>
             <a:ext cx="2868930" cy="1134745"/>
           </a:xfrm>
           <a:prstGeom prst="ellipse">
@@ -13000,7 +13021,7 @@
                             </p:stCondLst>
                             <p:childTnLst>
                               <p:par>
-                                <p:cTn id="5" presetID="42" presetClass="entr" presetSubtype="0" fill="hold" nodeType="afterEffect">
+                                <p:cTn id="5" presetID="42" presetClass="entr" presetSubtype="0" fill="hold" grpId="0" nodeType="withEffect">
                                   <p:stCondLst>
                                     <p:cond delay="0"/>
                                   </p:stCondLst>
@@ -13013,7 +13034,7 @@
                                           </p:stCondLst>
                                         </p:cTn>
                                         <p:tgtEl>
-                                          <p:spTgt spid="5"/>
+                                          <p:spTgt spid="10"/>
                                         </p:tgtEl>
                                         <p:attrNameLst>
                                           <p:attrName>style.visibility</p:attrName>
@@ -13027,7 +13048,7 @@
                                       <p:cBhvr>
                                         <p:cTn id="7" dur="1000"/>
                                         <p:tgtEl>
-                                          <p:spTgt spid="5"/>
+                                          <p:spTgt spid="10"/>
                                         </p:tgtEl>
                                       </p:cBhvr>
                                     </p:animEffect>
@@ -13035,7 +13056,7 @@
                                       <p:cBhvr>
                                         <p:cTn id="8" dur="1000" fill="hold"/>
                                         <p:tgtEl>
-                                          <p:spTgt spid="5"/>
+                                          <p:spTgt spid="10"/>
                                         </p:tgtEl>
                                         <p:attrNameLst>
                                           <p:attrName>ppt_x</p:attrName>
@@ -13058,7 +13079,7 @@
                                       <p:cBhvr>
                                         <p:cTn id="9" dur="1000" fill="hold"/>
                                         <p:tgtEl>
-                                          <p:spTgt spid="5"/>
+                                          <p:spTgt spid="10"/>
                                         </p:tgtEl>
                                         <p:attrNameLst>
                                           <p:attrName>ppt_y</p:attrName>
@@ -13094,7 +13115,7 @@
                                           </p:stCondLst>
                                         </p:cTn>
                                         <p:tgtEl>
-                                          <p:spTgt spid="10"/>
+                                          <p:spTgt spid="26"/>
                                         </p:tgtEl>
                                         <p:attrNameLst>
                                           <p:attrName>style.visibility</p:attrName>
@@ -13108,7 +13129,7 @@
                                       <p:cBhvr>
                                         <p:cTn id="12" dur="1000"/>
                                         <p:tgtEl>
-                                          <p:spTgt spid="10"/>
+                                          <p:spTgt spid="26"/>
                                         </p:tgtEl>
                                       </p:cBhvr>
                                     </p:animEffect>
@@ -13116,7 +13137,7 @@
                                       <p:cBhvr>
                                         <p:cTn id="13" dur="1000" fill="hold"/>
                                         <p:tgtEl>
-                                          <p:spTgt spid="10"/>
+                                          <p:spTgt spid="26"/>
                                         </p:tgtEl>
                                         <p:attrNameLst>
                                           <p:attrName>ppt_x</p:attrName>
@@ -13139,7 +13160,7 @@
                                       <p:cBhvr>
                                         <p:cTn id="14" dur="1000" fill="hold"/>
                                         <p:tgtEl>
-                                          <p:spTgt spid="10"/>
+                                          <p:spTgt spid="26"/>
                                         </p:tgtEl>
                                         <p:attrNameLst>
                                           <p:attrName>ppt_y</p:attrName>
@@ -13161,21 +13182,39 @@
                                   </p:childTnLst>
                                 </p:cTn>
                               </p:par>
+                            </p:childTnLst>
+                          </p:cTn>
+                        </p:par>
+                      </p:childTnLst>
+                    </p:cTn>
+                  </p:par>
+                  <p:par>
+                    <p:cTn id="15" fill="hold">
+                      <p:stCondLst>
+                        <p:cond delay="indefinite"/>
+                      </p:stCondLst>
+                      <p:childTnLst>
+                        <p:par>
+                          <p:cTn id="16" fill="hold">
+                            <p:stCondLst>
+                              <p:cond delay="0"/>
+                            </p:stCondLst>
+                            <p:childTnLst>
                               <p:par>
-                                <p:cTn id="15" presetID="42" presetClass="entr" presetSubtype="0" fill="hold" grpId="0" nodeType="withEffect">
+                                <p:cTn id="17" presetID="42" presetClass="entr" presetSubtype="0" fill="hold" nodeType="clickEffect">
                                   <p:stCondLst>
                                     <p:cond delay="0"/>
                                   </p:stCondLst>
                                   <p:childTnLst>
                                     <p:set>
                                       <p:cBhvr>
-                                        <p:cTn id="16" dur="1" fill="hold">
+                                        <p:cTn id="18" dur="1" fill="hold">
                                           <p:stCondLst>
                                             <p:cond delay="0"/>
                                           </p:stCondLst>
                                         </p:cTn>
                                         <p:tgtEl>
-                                          <p:spTgt spid="26"/>
+                                          <p:spTgt spid="5"/>
                                         </p:tgtEl>
                                         <p:attrNameLst>
                                           <p:attrName>style.visibility</p:attrName>
@@ -13187,17 +13226,17 @@
                                     </p:set>
                                     <p:animEffect transition="in" filter="fade">
                                       <p:cBhvr>
-                                        <p:cTn id="17" dur="1000"/>
-                                        <p:tgtEl>
-                                          <p:spTgt spid="26"/>
+                                        <p:cTn id="19" dur="1000"/>
+                                        <p:tgtEl>
+                                          <p:spTgt spid="5"/>
                                         </p:tgtEl>
                                       </p:cBhvr>
                                     </p:animEffect>
                                     <p:anim calcmode="lin" valueType="num">
                                       <p:cBhvr>
-                                        <p:cTn id="18" dur="1000" fill="hold"/>
-                                        <p:tgtEl>
-                                          <p:spTgt spid="26"/>
+                                        <p:cTn id="20" dur="1000" fill="hold"/>
+                                        <p:tgtEl>
+                                          <p:spTgt spid="5"/>
                                         </p:tgtEl>
                                         <p:attrNameLst>
                                           <p:attrName>ppt_x</p:attrName>
@@ -13218,9 +13257,9 @@
                                     </p:anim>
                                     <p:anim calcmode="lin" valueType="num">
                                       <p:cBhvr>
-                                        <p:cTn id="19" dur="1000" fill="hold"/>
-                                        <p:tgtEl>
-                                          <p:spTgt spid="26"/>
+                                        <p:cTn id="21" dur="1000" fill="hold"/>
+                                        <p:tgtEl>
+                                          <p:spTgt spid="5"/>
                                         </p:tgtEl>
                                         <p:attrNameLst>
                                           <p:attrName>ppt_y</p:attrName>
@@ -13270,7 +13309,7 @@
       </p:par>
     </p:tnLst>
     <p:bldLst>
-      <p:bldP spid="10" grpId="0" bldLvl="0" animBg="1"/>
+      <p:bldP spid="10" grpId="0" animBg="1"/>
       <p:bldP spid="26" grpId="0" bldLvl="0" animBg="1"/>
     </p:bldLst>
   </p:timing>
@@ -13498,7 +13537,7 @@
                 <a:cs typeface="Times New Roman" panose="02020603050405020304" charset="0"/>
                 <a:sym typeface="+mn-ea"/>
               </a:rPr>
-              <a:t>CONCEPTION</a:t>
+              <a:t>RÉALISATION DU SYSTÈME</a:t>
             </a:r>
             <a:endParaRPr lang="en-US" altLang="en-US" b="1">
               <a:latin typeface="Times New Roman" panose="02020603050405020304" charset="0"/>
@@ -13546,7 +13585,7 @@
                 <a:cs typeface="Times New Roman" panose="02020603050405020304" charset="0"/>
                 <a:sym typeface="+mn-ea"/>
               </a:rPr>
-              <a:t>MISE EN OEUVRE DE LA SOLUTION</a:t>
+              <a:t>FINALISATION DE LA SOLUTION</a:t>
             </a:r>
             <a:endParaRPr lang="en-US" altLang="en-US" b="1">
               <a:latin typeface="Times New Roman" panose="02020603050405020304" charset="0"/>
@@ -13644,7 +13683,7 @@
           <a:p>
             <a:pPr algn="ctr"/>
             <a:r>
-              <a:rPr lang="" sz="2200" b="1">
+              <a:rPr lang="en-US" sz="2200" b="1">
                 <a:solidFill>
                   <a:schemeClr val="tx1"/>
                 </a:solidFill>
@@ -13653,7 +13692,7 @@
               </a:rPr>
               <a:t>Conception générique</a:t>
             </a:r>
-            <a:endParaRPr lang="" sz="2200" b="1">
+            <a:endParaRPr lang="en-US" sz="2200" b="1">
               <a:solidFill>
                 <a:schemeClr val="tx1"/>
               </a:solidFill>
@@ -13671,7 +13710,7 @@
         </p:nvSpPr>
         <p:spPr>
           <a:xfrm>
-            <a:off x="1527175" y="5918835"/>
+            <a:off x="1495425" y="5918835"/>
             <a:ext cx="3570605" cy="805815"/>
           </a:xfrm>
           <a:prstGeom prst="rect">
@@ -13703,16 +13742,36 @@
           <a:p>
             <a:pPr algn="ctr"/>
             <a:r>
-              <a:rPr lang="" sz="2200" b="1">
+              <a:rPr lang="en-US" sz="2200" b="1">
                 <a:solidFill>
                   <a:schemeClr val="tx1"/>
                 </a:solidFill>
                 <a:latin typeface="Times New Roman" panose="02020603050405020304" charset="0"/>
                 <a:cs typeface="Times New Roman" panose="02020603050405020304" charset="0"/>
               </a:rPr>
-              <a:t>Architecture logique de la solution</a:t>
-            </a:r>
-            <a:endParaRPr lang="" sz="2200" b="1">
+              <a:t>Architecture logique de </a:t>
+            </a:r>
+            <a:r>
+              <a:rPr lang="" altLang="en-US" sz="2200" b="1">
+                <a:solidFill>
+                  <a:schemeClr val="tx1"/>
+                </a:solidFill>
+                <a:latin typeface="Times New Roman" panose="02020603050405020304" charset="0"/>
+                <a:cs typeface="Times New Roman" panose="02020603050405020304" charset="0"/>
+              </a:rPr>
+              <a:t>lq</a:t>
+            </a:r>
+            <a:r>
+              <a:rPr lang="en-US" sz="2200" b="1">
+                <a:solidFill>
+                  <a:schemeClr val="tx1"/>
+                </a:solidFill>
+                <a:latin typeface="Times New Roman" panose="02020603050405020304" charset="0"/>
+                <a:cs typeface="Times New Roman" panose="02020603050405020304" charset="0"/>
+              </a:rPr>
+              <a:t> la solution</a:t>
+            </a:r>
+            <a:endParaRPr lang="en-US" sz="2200" b="1">
               <a:solidFill>
                 <a:schemeClr val="tx1"/>
               </a:solidFill>
@@ -14599,13 +14658,13 @@
             <a:p>
               <a:pPr algn="ctr"/>
               <a:r>
-                <a:rPr lang="" altLang="en-US" b="1">
+                <a:rPr lang="en-US" altLang="en-US" b="1">
                   <a:latin typeface="Times New Roman" panose="02020603050405020304" charset="0"/>
                   <a:cs typeface="Times New Roman" panose="02020603050405020304" charset="0"/>
                 </a:rPr>
                 <a:t>RÉALISATION DU SYSTÈME</a:t>
               </a:r>
-              <a:endParaRPr lang="" altLang="en-US" b="1">
+              <a:endParaRPr lang="en-US" altLang="en-US" b="1">
                 <a:latin typeface="Times New Roman" panose="02020603050405020304" charset="0"/>
                 <a:cs typeface="Times New Roman" panose="02020603050405020304" charset="0"/>
               </a:endParaRPr>
@@ -14657,21 +14716,7 @@
                   <a:latin typeface="Times New Roman" panose="02020603050405020304" charset="0"/>
                   <a:cs typeface="Times New Roman" panose="02020603050405020304" charset="0"/>
                 </a:rPr>
-                <a:t>Étude et choix de la méthodologie de développement </a:t>
-              </a:r>
-              <a:r>
-                <a:rPr lang="" altLang="en-US" b="1">
-                  <a:latin typeface="Times New Roman" panose="02020603050405020304" charset="0"/>
-                  <a:cs typeface="Times New Roman" panose="02020603050405020304" charset="0"/>
-                </a:rPr>
-                <a:t>(</a:t>
-              </a:r>
-              <a:r>
-                <a:rPr lang="en-US" altLang="en-US" b="1">
-                  <a:latin typeface="Times New Roman" panose="02020603050405020304" charset="0"/>
-                  <a:cs typeface="Times New Roman" panose="02020603050405020304" charset="0"/>
-                </a:rPr>
-                <a:t> 2TUP, UML)</a:t>
+                <a:t>Étude et choix de la méthodologie de développement ( 2TUP, UML)</a:t>
               </a:r>
               <a:endParaRPr lang="en-US" altLang="en-US" b="1">
                 <a:latin typeface="Times New Roman" panose="02020603050405020304" charset="0"/>
@@ -14684,28 +14729,11 @@
                 <a:buAutoNum type="romanUcPeriod"/>
               </a:pPr>
               <a:r>
-                <a:rPr lang="" altLang="en-US" b="1">
+                <a:rPr lang="en-US" altLang="en-US" b="1">
                   <a:latin typeface="Times New Roman" panose="02020603050405020304" charset="0"/>
                   <a:cs typeface="Times New Roman" panose="02020603050405020304" charset="0"/>
                 </a:rPr>
                 <a:t>Mise en oeuvre de la solution</a:t>
-              </a:r>
-              <a:endParaRPr lang="en-US" altLang="en-US" b="1">
-                <a:latin typeface="Times New Roman" panose="02020603050405020304" charset="0"/>
-                <a:cs typeface="Times New Roman" panose="02020603050405020304" charset="0"/>
-              </a:endParaRPr>
-            </a:p>
-            <a:p>
-              <a:pPr marL="800100" lvl="1" indent="-342900" algn="l">
-                <a:buFont typeface="+mj-lt"/>
-                <a:buAutoNum type="arabicPeriod"/>
-              </a:pPr>
-              <a:r>
-                <a:rPr lang="" altLang="en-US" b="1">
-                  <a:latin typeface="Times New Roman" panose="02020603050405020304" charset="0"/>
-                  <a:cs typeface="Times New Roman" panose="02020603050405020304" charset="0"/>
-                </a:rPr>
-                <a:t>Étude globale du système</a:t>
               </a:r>
               <a:endParaRPr lang="en-US" altLang="en-US" b="1">
                 <a:latin typeface="Times New Roman" panose="02020603050405020304" charset="0"/>
@@ -14722,16 +14750,26 @@
                   <a:latin typeface="Times New Roman" panose="02020603050405020304" charset="0"/>
                   <a:cs typeface="Times New Roman" panose="02020603050405020304" charset="0"/>
                 </a:rPr>
-                <a:t>Activités d</a:t>
+                <a:t>Étude globale du système</a:t>
               </a:r>
+              <a:endParaRPr lang="en-US" altLang="en-US" b="1">
+                <a:latin typeface="Times New Roman" panose="02020603050405020304" charset="0"/>
+                <a:cs typeface="Times New Roman" panose="02020603050405020304" charset="0"/>
+              </a:endParaRPr>
+            </a:p>
+            <a:p>
+              <a:pPr marL="800100" lvl="1" indent="-342900" algn="l">
+                <a:buFont typeface="+mj-lt"/>
+                <a:buAutoNum type="arabicPeriod"/>
+              </a:pPr>
               <a:r>
-                <a:rPr lang="" altLang="en-US" b="1">
+                <a:rPr lang="en-US" altLang="en-US" b="1">
                   <a:latin typeface="Times New Roman" panose="02020603050405020304" charset="0"/>
                   <a:cs typeface="Times New Roman" panose="02020603050405020304" charset="0"/>
                 </a:rPr>
-                <a:t>e l'incrément 1</a:t>
+                <a:t>Activités de l'incrément 1</a:t>
               </a:r>
-              <a:endParaRPr lang="" altLang="en-US" b="1">
+              <a:endParaRPr lang="en-US" altLang="en-US" b="1">
                 <a:latin typeface="Times New Roman" panose="02020603050405020304" charset="0"/>
                 <a:cs typeface="Times New Roman" panose="02020603050405020304" charset="0"/>
               </a:endParaRPr>
@@ -14789,13 +14827,13 @@
             <a:p>
               <a:pPr algn="ctr"/>
               <a:r>
-                <a:rPr lang="" altLang="en-US" b="1">
+                <a:rPr lang="en-US" altLang="en-US" b="1">
                   <a:latin typeface="Times New Roman" panose="02020603050405020304" charset="0"/>
                   <a:cs typeface="Times New Roman" panose="02020603050405020304" charset="0"/>
                 </a:rPr>
                 <a:t>FINALISATION DE LA SOLUTION</a:t>
               </a:r>
-              <a:endParaRPr lang="" altLang="en-US" b="1">
+              <a:endParaRPr lang="en-US" altLang="en-US" b="1">
                 <a:latin typeface="Times New Roman" panose="02020603050405020304" charset="0"/>
                 <a:cs typeface="Times New Roman" panose="02020603050405020304" charset="0"/>
               </a:endParaRPr>
@@ -15552,7 +15590,7 @@
                 <a:cs typeface="Times New Roman" panose="02020603050405020304" charset="0"/>
                 <a:sym typeface="+mn-ea"/>
               </a:rPr>
-              <a:t>CONCEPTION</a:t>
+              <a:t>RÉALISATION DU SYSTÈME</a:t>
             </a:r>
             <a:endParaRPr lang="en-US" altLang="en-US" b="1">
               <a:latin typeface="Times New Roman" panose="02020603050405020304" charset="0"/>
@@ -15600,7 +15638,7 @@
                 <a:cs typeface="Times New Roman" panose="02020603050405020304" charset="0"/>
                 <a:sym typeface="+mn-ea"/>
               </a:rPr>
-              <a:t>MISE EN OEUVRE DE LA SOLUTION</a:t>
+              <a:t>FINALISATION DE LA SOLUTION</a:t>
             </a:r>
             <a:endParaRPr lang="en-US" altLang="en-US" b="1">
               <a:latin typeface="Times New Roman" panose="02020603050405020304" charset="0"/>
@@ -15617,8 +15655,8 @@
         </p:nvSpPr>
         <p:spPr>
           <a:xfrm>
-            <a:off x="66675" y="2243455"/>
-            <a:ext cx="3298190" cy="971550"/>
+            <a:off x="66675" y="1862455"/>
+            <a:ext cx="3298190" cy="1055370"/>
           </a:xfrm>
           <a:prstGeom prst="roundRect">
             <a:avLst/>
@@ -15712,19 +15750,9 @@
                 <a:latin typeface="Times New Roman" panose="02020603050405020304" charset="0"/>
                 <a:cs typeface="Times New Roman" panose="02020603050405020304" charset="0"/>
               </a:rPr>
-              <a:t>Diagramme d</a:t>
-            </a:r>
-            <a:r>
-              <a:rPr lang="" altLang="en-US" sz="2200" b="1">
-                <a:solidFill>
-                  <a:schemeClr val="tx1"/>
-                </a:solidFill>
-                <a:latin typeface="Times New Roman" panose="02020603050405020304" charset="0"/>
-                <a:cs typeface="Times New Roman" panose="02020603050405020304" charset="0"/>
-              </a:rPr>
-              <a:t>e classes préliminaire</a:t>
-            </a:r>
-            <a:endParaRPr lang="" altLang="en-US" sz="2200" b="1">
+              <a:t>Diagramme de classes préliminaire</a:t>
+            </a:r>
+            <a:endParaRPr lang="en-US" altLang="en-US" sz="2200" b="1">
               <a:solidFill>
                 <a:schemeClr val="tx1"/>
               </a:solidFill>
@@ -15770,7 +15798,7 @@
           <a:p>
             <a:pPr algn="ctr"/>
             <a:r>
-              <a:rPr lang="" sz="2400" b="1">
+              <a:rPr lang="en-US" sz="2400" b="1">
                 <a:solidFill>
                   <a:schemeClr val="tx1"/>
                 </a:solidFill>
@@ -15779,7 +15807,7 @@
               </a:rPr>
               <a:t>Analyse</a:t>
             </a:r>
-            <a:endParaRPr lang="" sz="2400" b="1">
+            <a:endParaRPr lang="en-US" sz="2400" b="1">
               <a:solidFill>
                 <a:schemeClr val="tx1"/>
               </a:solidFill>
@@ -16196,7 +16224,7 @@
       </p:par>
     </p:tnLst>
     <p:bldLst>
-      <p:bldP spid="5" grpId="0" animBg="1"/>
+      <p:bldP spid="5" grpId="0" bldLvl="0" animBg="1"/>
       <p:bldP spid="10" grpId="0" bldLvl="0" animBg="1"/>
       <p:bldP spid="15" grpId="0" bldLvl="0" animBg="1"/>
     </p:bldLst>
@@ -16425,7 +16453,7 @@
                 <a:cs typeface="Times New Roman" panose="02020603050405020304" charset="0"/>
                 <a:sym typeface="+mn-ea"/>
               </a:rPr>
-              <a:t>CONCEPTION</a:t>
+              <a:t>RÉALISATION DU SYSTÈME</a:t>
             </a:r>
             <a:endParaRPr lang="en-US" altLang="en-US" b="1">
               <a:latin typeface="Times New Roman" panose="02020603050405020304" charset="0"/>
@@ -16473,7 +16501,7 @@
                 <a:cs typeface="Times New Roman" panose="02020603050405020304" charset="0"/>
                 <a:sym typeface="+mn-ea"/>
               </a:rPr>
-              <a:t>MISE EN OEUVRE DE LA SOLUTION</a:t>
+              <a:t>FINALISATION DE LA SOLUTION</a:t>
             </a:r>
             <a:endParaRPr lang="en-US" altLang="en-US" b="1">
               <a:latin typeface="Times New Roman" panose="02020603050405020304" charset="0"/>
@@ -17288,7 +17316,7 @@
                 <a:cs typeface="Times New Roman" panose="02020603050405020304" charset="0"/>
                 <a:sym typeface="+mn-ea"/>
               </a:rPr>
-              <a:t>CONCEPTION</a:t>
+              <a:t>RÉALISATION DU SYSTÈME</a:t>
             </a:r>
             <a:endParaRPr lang="en-US" altLang="en-US" b="1">
               <a:latin typeface="Times New Roman" panose="02020603050405020304" charset="0"/>
@@ -17336,7 +17364,7 @@
                 <a:cs typeface="Times New Roman" panose="02020603050405020304" charset="0"/>
                 <a:sym typeface="+mn-ea"/>
               </a:rPr>
-              <a:t>MISE EN OEUVRE DE LA SOLUTION</a:t>
+              <a:t>FINALISATION DE LA SOLUTION</a:t>
             </a:r>
             <a:endParaRPr lang="en-US" altLang="en-US" b="1">
               <a:latin typeface="Times New Roman" panose="02020603050405020304" charset="0"/>
@@ -17381,7 +17409,7 @@
           <a:p>
             <a:pPr algn="ctr"/>
             <a:r>
-              <a:rPr lang="" altLang="en-US" sz="2400" b="1">
+              <a:rPr lang="en-US" altLang="en-US" sz="2400" b="1">
                 <a:solidFill>
                   <a:schemeClr val="tx1"/>
                 </a:solidFill>
@@ -17391,7 +17419,7 @@
               </a:rPr>
               <a:t>Incrément 1 : Gestion des comptes client </a:t>
             </a:r>
-            <a:endParaRPr lang="" altLang="en-US" sz="2400" b="1">
+            <a:endParaRPr lang="en-US" altLang="en-US" sz="2400" b="1">
               <a:solidFill>
                 <a:schemeClr val="tx1"/>
               </a:solidFill>
@@ -17496,19 +17524,9 @@
                 <a:latin typeface="Times New Roman" panose="02020603050405020304" charset="0"/>
                 <a:cs typeface="Times New Roman" panose="02020603050405020304" charset="0"/>
               </a:rPr>
-              <a:t>Diagramme d</a:t>
-            </a:r>
-            <a:r>
-              <a:rPr lang="" altLang="en-US" sz="2200" b="1">
-                <a:solidFill>
-                  <a:schemeClr val="tx1"/>
-                </a:solidFill>
-                <a:latin typeface="Times New Roman" panose="02020603050405020304" charset="0"/>
-                <a:cs typeface="Times New Roman" panose="02020603050405020304" charset="0"/>
-              </a:rPr>
-              <a:t>es cas d'utilisation</a:t>
-            </a:r>
-            <a:endParaRPr lang="" altLang="en-US" sz="2200" b="1">
+              <a:t>Diagramme des cas d'utilisation</a:t>
+            </a:r>
+            <a:endParaRPr lang="en-US" altLang="en-US" sz="2200" b="1">
               <a:solidFill>
                 <a:schemeClr val="tx1"/>
               </a:solidFill>
@@ -17565,19 +17583,9 @@
                 <a:latin typeface="Times New Roman" panose="02020603050405020304" charset="0"/>
                 <a:cs typeface="Times New Roman" panose="02020603050405020304" charset="0"/>
               </a:rPr>
-              <a:t>Diagramme d</a:t>
-            </a:r>
-            <a:r>
-              <a:rPr lang="" altLang="en-US" sz="2200" b="1">
-                <a:solidFill>
-                  <a:schemeClr val="tx1"/>
-                </a:solidFill>
-                <a:latin typeface="Times New Roman" panose="02020603050405020304" charset="0"/>
-                <a:cs typeface="Times New Roman" panose="02020603050405020304" charset="0"/>
-              </a:rPr>
-              <a:t>e classes détaillées</a:t>
-            </a:r>
-            <a:endParaRPr lang="" altLang="en-US" sz="2200" b="1">
+              <a:t>Diagramme de classes détaillées</a:t>
+            </a:r>
+            <a:endParaRPr lang="en-US" altLang="en-US" sz="2200" b="1">
               <a:solidFill>
                 <a:schemeClr val="tx1"/>
               </a:solidFill>
@@ -17699,15 +17707,33 @@
                                   </p:childTnLst>
                                 </p:cTn>
                               </p:par>
+                            </p:childTnLst>
+                          </p:cTn>
+                        </p:par>
+                      </p:childTnLst>
+                    </p:cTn>
+                  </p:par>
+                  <p:par>
+                    <p:cTn id="10" fill="hold">
+                      <p:stCondLst>
+                        <p:cond delay="indefinite"/>
+                      </p:stCondLst>
+                      <p:childTnLst>
+                        <p:par>
+                          <p:cTn id="11" fill="hold">
+                            <p:stCondLst>
+                              <p:cond delay="0"/>
+                            </p:stCondLst>
+                            <p:childTnLst>
                               <p:par>
-                                <p:cTn id="10" presetID="42" presetClass="entr" presetSubtype="0" fill="hold" grpId="0" nodeType="withEffect">
+                                <p:cTn id="12" presetID="42" presetClass="entr" presetSubtype="0" fill="hold" grpId="0" nodeType="clickEffect">
                                   <p:stCondLst>
                                     <p:cond delay="0"/>
                                   </p:stCondLst>
                                   <p:childTnLst>
                                     <p:set>
                                       <p:cBhvr>
-                                        <p:cTn id="11" dur="1" fill="hold">
+                                        <p:cTn id="13" dur="1" fill="hold">
                                           <p:stCondLst>
                                             <p:cond delay="0"/>
                                           </p:stCondLst>
@@ -17725,7 +17751,7 @@
                                     </p:set>
                                     <p:animEffect transition="in" filter="fade">
                                       <p:cBhvr>
-                                        <p:cTn id="12" dur="1000"/>
+                                        <p:cTn id="14" dur="1000"/>
                                         <p:tgtEl>
                                           <p:spTgt spid="13"/>
                                         </p:tgtEl>
@@ -17733,7 +17759,7 @@
                                     </p:animEffect>
                                     <p:anim calcmode="lin" valueType="num">
                                       <p:cBhvr>
-                                        <p:cTn id="13" dur="1000" fill="hold"/>
+                                        <p:cTn id="15" dur="1000" fill="hold"/>
                                         <p:tgtEl>
                                           <p:spTgt spid="13"/>
                                         </p:tgtEl>
@@ -17756,7 +17782,7 @@
                                     </p:anim>
                                     <p:anim calcmode="lin" valueType="num">
                                       <p:cBhvr>
-                                        <p:cTn id="14" dur="1000" fill="hold"/>
+                                        <p:cTn id="16" dur="1000" fill="hold"/>
                                         <p:tgtEl>
                                           <p:spTgt spid="13"/>
                                         </p:tgtEl>
@@ -17781,14 +17807,14 @@
                                 </p:cTn>
                               </p:par>
                               <p:par>
-                                <p:cTn id="15" presetID="42" presetClass="entr" presetSubtype="0" fill="hold" nodeType="withEffect">
+                                <p:cTn id="17" presetID="42" presetClass="entr" presetSubtype="0" fill="hold" nodeType="withEffect">
                                   <p:stCondLst>
                                     <p:cond delay="0"/>
                                   </p:stCondLst>
                                   <p:childTnLst>
                                     <p:set>
                                       <p:cBhvr>
-                                        <p:cTn id="16" dur="1" fill="hold">
+                                        <p:cTn id="18" dur="1" fill="hold">
                                           <p:stCondLst>
                                             <p:cond delay="0"/>
                                           </p:stCondLst>
@@ -17806,7 +17832,7 @@
                                     </p:set>
                                     <p:animEffect transition="in" filter="fade">
                                       <p:cBhvr>
-                                        <p:cTn id="17" dur="1000"/>
+                                        <p:cTn id="19" dur="1000"/>
                                         <p:tgtEl>
                                           <p:spTgt spid="12"/>
                                         </p:tgtEl>
@@ -17814,7 +17840,7 @@
                                     </p:animEffect>
                                     <p:anim calcmode="lin" valueType="num">
                                       <p:cBhvr>
-                                        <p:cTn id="18" dur="1000" fill="hold"/>
+                                        <p:cTn id="20" dur="1000" fill="hold"/>
                                         <p:tgtEl>
                                           <p:spTgt spid="12"/>
                                         </p:tgtEl>
@@ -17837,7 +17863,7 @@
                                     </p:anim>
                                     <p:anim calcmode="lin" valueType="num">
                                       <p:cBhvr>
-                                        <p:cTn id="19" dur="1000" fill="hold"/>
+                                        <p:cTn id="21" dur="1000" fill="hold"/>
                                         <p:tgtEl>
                                           <p:spTgt spid="12"/>
                                         </p:tgtEl>
@@ -17868,26 +17894,26 @@
                     </p:cTn>
                   </p:par>
                   <p:par>
-                    <p:cTn id="20" fill="hold">
+                    <p:cTn id="22" fill="hold">
                       <p:stCondLst>
                         <p:cond delay="indefinite"/>
                       </p:stCondLst>
                       <p:childTnLst>
                         <p:par>
-                          <p:cTn id="21" fill="hold">
+                          <p:cTn id="23" fill="hold">
                             <p:stCondLst>
                               <p:cond delay="0"/>
                             </p:stCondLst>
                             <p:childTnLst>
                               <p:par>
-                                <p:cTn id="22" presetID="42" presetClass="entr" presetSubtype="0" fill="hold" grpId="0" nodeType="clickEffect">
+                                <p:cTn id="24" presetID="42" presetClass="entr" presetSubtype="0" fill="hold" grpId="0" nodeType="clickEffect">
                                   <p:stCondLst>
                                     <p:cond delay="0"/>
                                   </p:stCondLst>
                                   <p:childTnLst>
                                     <p:set>
                                       <p:cBhvr>
-                                        <p:cTn id="23" dur="1" fill="hold">
+                                        <p:cTn id="25" dur="1" fill="hold">
                                           <p:stCondLst>
                                             <p:cond delay="0"/>
                                           </p:stCondLst>
@@ -17905,7 +17931,7 @@
                                     </p:set>
                                     <p:animEffect transition="in" filter="fade">
                                       <p:cBhvr>
-                                        <p:cTn id="24" dur="1000"/>
+                                        <p:cTn id="26" dur="1000"/>
                                         <p:tgtEl>
                                           <p:spTgt spid="14"/>
                                         </p:tgtEl>
@@ -17913,7 +17939,7 @@
                                     </p:animEffect>
                                     <p:anim calcmode="lin" valueType="num">
                                       <p:cBhvr>
-                                        <p:cTn id="25" dur="1000" fill="hold"/>
+                                        <p:cTn id="27" dur="1000" fill="hold"/>
                                         <p:tgtEl>
                                           <p:spTgt spid="14"/>
                                         </p:tgtEl>
@@ -17936,7 +17962,7 @@
                                     </p:anim>
                                     <p:anim calcmode="lin" valueType="num">
                                       <p:cBhvr>
-                                        <p:cTn id="26" dur="1000" fill="hold"/>
+                                        <p:cTn id="28" dur="1000" fill="hold"/>
                                         <p:tgtEl>
                                           <p:spTgt spid="14"/>
                                         </p:tgtEl>
@@ -17961,14 +17987,14 @@
                                 </p:cTn>
                               </p:par>
                               <p:par>
-                                <p:cTn id="27" presetID="42" presetClass="entr" presetSubtype="0" fill="hold" nodeType="withEffect">
+                                <p:cTn id="29" presetID="42" presetClass="entr" presetSubtype="0" fill="hold" nodeType="withEffect">
                                   <p:stCondLst>
                                     <p:cond delay="0"/>
                                   </p:stCondLst>
                                   <p:childTnLst>
                                     <p:set>
                                       <p:cBhvr>
-                                        <p:cTn id="28" dur="1" fill="hold">
+                                        <p:cTn id="30" dur="1" fill="hold">
                                           <p:stCondLst>
                                             <p:cond delay="0"/>
                                           </p:stCondLst>
@@ -17986,7 +18012,7 @@
                                     </p:set>
                                     <p:animEffect transition="in" filter="fade">
                                       <p:cBhvr>
-                                        <p:cTn id="29" dur="1000"/>
+                                        <p:cTn id="31" dur="1000"/>
                                         <p:tgtEl>
                                           <p:spTgt spid="11"/>
                                         </p:tgtEl>
@@ -17994,7 +18020,7 @@
                                     </p:animEffect>
                                     <p:anim calcmode="lin" valueType="num">
                                       <p:cBhvr>
-                                        <p:cTn id="30" dur="1000" fill="hold"/>
+                                        <p:cTn id="32" dur="1000" fill="hold"/>
                                         <p:tgtEl>
                                           <p:spTgt spid="11"/>
                                         </p:tgtEl>
@@ -18017,7 +18043,7 @@
                                     </p:anim>
                                     <p:anim calcmode="lin" valueType="num">
                                       <p:cBhvr>
-                                        <p:cTn id="31" dur="1000" fill="hold"/>
+                                        <p:cTn id="33" dur="1000" fill="hold"/>
                                         <p:tgtEl>
                                           <p:spTgt spid="11"/>
                                         </p:tgtEl>
@@ -18298,7 +18324,7 @@
                 <a:cs typeface="Times New Roman" panose="02020603050405020304" charset="0"/>
                 <a:sym typeface="+mn-ea"/>
               </a:rPr>
-              <a:t>CONCEPTION</a:t>
+              <a:t>RÉALISATION DU SYSTÈME</a:t>
             </a:r>
             <a:endParaRPr lang="en-US" altLang="en-US" b="1">
               <a:latin typeface="Times New Roman" panose="02020603050405020304" charset="0"/>
@@ -18346,7 +18372,7 @@
                 <a:cs typeface="Times New Roman" panose="02020603050405020304" charset="0"/>
                 <a:sym typeface="+mn-ea"/>
               </a:rPr>
-              <a:t>MISE EN OEUVRE DE LA SOLUTION</a:t>
+              <a:t>FINALISATION DE LA SOLUTION</a:t>
             </a:r>
             <a:endParaRPr lang="en-US" altLang="en-US" b="1">
               <a:latin typeface="Times New Roman" panose="02020603050405020304" charset="0"/>
@@ -18419,8 +18445,8 @@
         </p:nvSpPr>
         <p:spPr>
           <a:xfrm>
-            <a:off x="2653665" y="6263005"/>
-            <a:ext cx="6021705" cy="626110"/>
+            <a:off x="848995" y="6263005"/>
+            <a:ext cx="10297795" cy="626110"/>
           </a:xfrm>
           <a:prstGeom prst="rect">
             <a:avLst/>
@@ -18458,7 +18484,7 @@
                 <a:latin typeface="Times New Roman" panose="02020603050405020304" charset="0"/>
                 <a:cs typeface="Times New Roman" panose="02020603050405020304" charset="0"/>
               </a:rPr>
-              <a:t>Diagramme de </a:t>
+              <a:t>Diagramme de séquences-objets détaillés </a:t>
             </a:r>
             <a:r>
               <a:rPr lang="" altLang="en-US" sz="2200" b="1">
@@ -18468,7 +18494,7 @@
                 <a:latin typeface="Times New Roman" panose="02020603050405020304" charset="0"/>
                 <a:cs typeface="Times New Roman" panose="02020603050405020304" charset="0"/>
               </a:rPr>
-              <a:t>séquences-objets détaillés</a:t>
+              <a:t>du cas d'utilisation “Créer compte client” </a:t>
             </a:r>
             <a:endParaRPr lang="" altLang="en-US" sz="2200" b="1">
               <a:solidFill>
@@ -18862,8 +18888,8 @@
         </p:nvSpPr>
         <p:spPr>
           <a:xfrm>
-            <a:off x="81915" y="1270000"/>
-            <a:ext cx="12021820" cy="5460365"/>
+            <a:off x="81915" y="1158240"/>
+            <a:ext cx="12021820" cy="5572125"/>
           </a:xfrm>
         </p:spPr>
         <p:txBody>
@@ -19032,7 +19058,7 @@
                 <a:cs typeface="Times New Roman" panose="02020603050405020304" charset="0"/>
                 <a:sym typeface="+mn-ea"/>
               </a:rPr>
-              <a:t>CONCEPTION</a:t>
+              <a:t>RÉALISATION DU SYSTÈME</a:t>
             </a:r>
             <a:endParaRPr lang="en-US" altLang="en-US" b="1">
               <a:latin typeface="Times New Roman" panose="02020603050405020304" charset="0"/>
@@ -19082,7 +19108,7 @@
                 <a:cs typeface="Times New Roman" panose="02020603050405020304" charset="0"/>
                 <a:sym typeface="+mn-ea"/>
               </a:rPr>
-              <a:t>MISE EN OEUVRE DE LA SOLUTION</a:t>
+              <a:t>FINALISATION DE LA SOLUTION</a:t>
             </a:r>
             <a:endParaRPr lang="en-US" altLang="en-US" b="1">
               <a:latin typeface="Times New Roman" panose="02020603050405020304" charset="0"/>
@@ -19107,7 +19133,7 @@
         </p:blipFill>
         <p:spPr>
           <a:xfrm>
-            <a:off x="2045335" y="1656080"/>
+            <a:off x="2045335" y="1735455"/>
             <a:ext cx="10058400" cy="5074285"/>
           </a:xfrm>
           <a:prstGeom prst="rect">
@@ -19469,7 +19495,7 @@
                 <a:cs typeface="Times New Roman" panose="02020603050405020304" charset="0"/>
                 <a:sym typeface="+mn-ea"/>
               </a:rPr>
-              <a:t>CONCEPTION</a:t>
+              <a:t>RÉALISATION DU SYSTÈME</a:t>
             </a:r>
             <a:endParaRPr lang="en-US" altLang="en-US" b="1">
               <a:latin typeface="Times New Roman" panose="02020603050405020304" charset="0"/>
@@ -19519,7 +19545,7 @@
                 <a:cs typeface="Times New Roman" panose="02020603050405020304" charset="0"/>
                 <a:sym typeface="+mn-ea"/>
               </a:rPr>
-              <a:t>MISE EN OEUVRE DE LA SOLUTION</a:t>
+              <a:t>FINALISATION DE LA SOLUTION</a:t>
             </a:r>
             <a:endParaRPr lang="en-US" altLang="en-US" b="1">
               <a:latin typeface="Times New Roman" panose="02020603050405020304" charset="0"/>
@@ -19851,7 +19877,7 @@
                 <a:cs typeface="Times New Roman" panose="02020603050405020304" charset="0"/>
                 <a:sym typeface="+mn-ea"/>
               </a:rPr>
-              <a:t>CONCEPTION</a:t>
+              <a:t>RÉALISATION DU SYSTÈME</a:t>
             </a:r>
             <a:endParaRPr lang="en-US" altLang="en-US" b="1">
               <a:latin typeface="Times New Roman" panose="02020603050405020304" charset="0"/>
@@ -19901,7 +19927,7 @@
                 <a:cs typeface="Times New Roman" panose="02020603050405020304" charset="0"/>
                 <a:sym typeface="+mn-ea"/>
               </a:rPr>
-              <a:t>MISE EN OEUVRE DE LA SOLUTION</a:t>
+              <a:t>FINALISATION DE LA SOLUTION</a:t>
             </a:r>
             <a:endParaRPr lang="en-US" altLang="en-US" b="1">
               <a:latin typeface="Times New Roman" panose="02020603050405020304" charset="0"/>
@@ -20296,7 +20322,7 @@
                 <a:cs typeface="Times New Roman" panose="02020603050405020304" charset="0"/>
                 <a:sym typeface="+mn-ea"/>
               </a:rPr>
-              <a:t>CONCEPTION</a:t>
+              <a:t>RÉALISATION DU SYSTÈME</a:t>
             </a:r>
             <a:endParaRPr lang="en-US" altLang="en-US" b="1">
               <a:latin typeface="Times New Roman" panose="02020603050405020304" charset="0"/>
@@ -20346,7 +20372,7 @@
                 <a:cs typeface="Times New Roman" panose="02020603050405020304" charset="0"/>
                 <a:sym typeface="+mn-ea"/>
               </a:rPr>
-              <a:t>MISE EN OEUVRE DE LA SOLUTION</a:t>
+              <a:t>FINALISATION DE LA SOLUTION</a:t>
             </a:r>
             <a:endParaRPr lang="en-US" altLang="en-US" b="1">
               <a:latin typeface="Times New Roman" panose="02020603050405020304" charset="0"/>
@@ -21177,27 +21203,7 @@
                   <a:latin typeface="Times New Roman" panose="02020603050405020304" charset="0"/>
                   <a:cs typeface="Times New Roman" panose="02020603050405020304" charset="0"/>
                 </a:rPr>
-                <a:t>Intégr</a:t>
-              </a:r>
-              <a:r>
-                <a:rPr lang="" altLang="en-US" sz="2200" b="1">
-                  <a:solidFill>
-                    <a:schemeClr val="tx1"/>
-                  </a:solidFill>
-                  <a:latin typeface="Times New Roman" panose="02020603050405020304" charset="0"/>
-                  <a:cs typeface="Times New Roman" panose="02020603050405020304" charset="0"/>
-                </a:rPr>
-                <a:t>ation</a:t>
-              </a:r>
-              <a:r>
-                <a:rPr lang="en-US" altLang="en-US" sz="2200" b="1">
-                  <a:solidFill>
-                    <a:schemeClr val="tx1"/>
-                  </a:solidFill>
-                  <a:latin typeface="Times New Roman" panose="02020603050405020304" charset="0"/>
-                  <a:cs typeface="Times New Roman" panose="02020603050405020304" charset="0"/>
-                </a:rPr>
-                <a:t> d'autres moyens de paiement</a:t>
+                <a:t>Intégration d'autres moyens de paiement</a:t>
               </a:r>
               <a:endParaRPr lang="en-US" altLang="en-US" sz="2200" b="1">
                 <a:solidFill>
@@ -22305,7 +22311,7 @@
                 <a:cs typeface="Times New Roman" panose="02020603050405020304" charset="0"/>
                 <a:sym typeface="+mn-ea"/>
               </a:rPr>
-              <a:t>MISE EN OEUVRE DE LA SOLUTION</a:t>
+              <a:t>FINALISATION DE LA SOLUTION</a:t>
             </a:r>
             <a:endParaRPr lang="en-US" altLang="en-US" b="1">
               <a:latin typeface="Times New Roman" panose="02020603050405020304" charset="0"/>
@@ -23269,14 +23275,13 @@
           <a:p>
             <a:pPr algn="ctr"/>
             <a:r>
-              <a:rPr lang="en-US" altLang="en-US" b="1">
-                <a:latin typeface="Times New Roman" panose="02020603050405020304" charset="0"/>
-                <a:cs typeface="Times New Roman" panose="02020603050405020304" charset="0"/>
-                <a:sym typeface="+mn-ea"/>
+              <a:rPr lang="" altLang="en-US" b="1">
+                <a:latin typeface="Times New Roman" panose="02020603050405020304" charset="0"/>
+                <a:cs typeface="Times New Roman" panose="02020603050405020304" charset="0"/>
               </a:rPr>
-              <a:t>CONCEPTION</a:t>
-            </a:r>
-            <a:endParaRPr lang="en-US" altLang="en-US" b="1">
+              <a:t>RÉALISATION DU SYSTÈME</a:t>
+            </a:r>
+            <a:endParaRPr lang="" altLang="en-US" b="1">
               <a:latin typeface="Times New Roman" panose="02020603050405020304" charset="0"/>
               <a:cs typeface="Times New Roman" panose="02020603050405020304" charset="0"/>
             </a:endParaRPr>
@@ -23322,7 +23327,7 @@
                 <a:cs typeface="Times New Roman" panose="02020603050405020304" charset="0"/>
                 <a:sym typeface="+mn-ea"/>
               </a:rPr>
-              <a:t>MISE EN OEUVRE DE LA SOLUTION</a:t>
+              <a:t>FINALISATION DE LA SOLUTION</a:t>
             </a:r>
             <a:endParaRPr lang="en-US" altLang="en-US" b="1">
               <a:latin typeface="Times New Roman" panose="02020603050405020304" charset="0"/>
@@ -23843,7 +23848,7 @@
                 <a:cs typeface="Times New Roman" panose="02020603050405020304" charset="0"/>
                 <a:sym typeface="+mn-ea"/>
               </a:rPr>
-              <a:t>CONCEPTION</a:t>
+              <a:t>RÉALISATION DU SYSTÈME</a:t>
             </a:r>
             <a:endParaRPr lang="en-US" altLang="en-US" b="1">
               <a:latin typeface="Times New Roman" panose="02020603050405020304" charset="0"/>
@@ -23891,7 +23896,7 @@
                 <a:cs typeface="Times New Roman" panose="02020603050405020304" charset="0"/>
                 <a:sym typeface="+mn-ea"/>
               </a:rPr>
-              <a:t>MISE EN OEUVRE DE LA SOLUTION</a:t>
+              <a:t>FINALISATION DE LA SOLUTION</a:t>
             </a:r>
             <a:endParaRPr lang="en-US" altLang="en-US" b="1">
               <a:latin typeface="Times New Roman" panose="02020603050405020304" charset="0"/>
@@ -25257,7 +25262,7 @@
                 <a:cs typeface="Times New Roman" panose="02020603050405020304" charset="0"/>
                 <a:sym typeface="+mn-ea"/>
               </a:rPr>
-              <a:t>CONCEPTION</a:t>
+              <a:t>RÉALISATION DU SYSTÈME</a:t>
             </a:r>
             <a:endParaRPr lang="en-US" altLang="en-US" b="1">
               <a:latin typeface="Times New Roman" panose="02020603050405020304" charset="0"/>
@@ -25305,7 +25310,7 @@
                 <a:cs typeface="Times New Roman" panose="02020603050405020304" charset="0"/>
                 <a:sym typeface="+mn-ea"/>
               </a:rPr>
-              <a:t>MISE EN OEUVRE DE LA SOLUTION</a:t>
+              <a:t>FINALISATION DE LA SOLUTION</a:t>
             </a:r>
             <a:endParaRPr lang="en-US" altLang="en-US" b="1">
               <a:latin typeface="Times New Roman" panose="02020603050405020304" charset="0"/>
@@ -26244,7 +26249,7 @@
                 <a:cs typeface="Times New Roman" panose="02020603050405020304" charset="0"/>
                 <a:sym typeface="+mn-ea"/>
               </a:rPr>
-              <a:t>CONCEPTION</a:t>
+              <a:t>RÉALISATION DU SYSTÈME</a:t>
             </a:r>
             <a:endParaRPr lang="en-US" altLang="en-US" b="1">
               <a:latin typeface="Times New Roman" panose="02020603050405020304" charset="0"/>
@@ -26292,7 +26297,7 @@
                 <a:cs typeface="Times New Roman" panose="02020603050405020304" charset="0"/>
                 <a:sym typeface="+mn-ea"/>
               </a:rPr>
-              <a:t>MISE EN OEUVRE DE LA SOLUTION</a:t>
+              <a:t>FINALISATION DE LA SOLUTION</a:t>
             </a:r>
             <a:endParaRPr lang="en-US" altLang="en-US" b="1">
               <a:latin typeface="Times New Roman" panose="02020603050405020304" charset="0"/>
@@ -27317,7 +27322,7 @@
                 <a:cs typeface="Times New Roman" panose="02020603050405020304" charset="0"/>
                 <a:sym typeface="+mn-ea"/>
               </a:rPr>
-              <a:t>CONCEPTION</a:t>
+              <a:t>RÉALISATION DU SYSTÈME</a:t>
             </a:r>
             <a:endParaRPr lang="en-US" altLang="en-US" b="1">
               <a:latin typeface="Times New Roman" panose="02020603050405020304" charset="0"/>
@@ -27365,7 +27370,7 @@
                 <a:cs typeface="Times New Roman" panose="02020603050405020304" charset="0"/>
                 <a:sym typeface="+mn-ea"/>
               </a:rPr>
-              <a:t>MISE EN OEUVRE DE LA SOLUTION</a:t>
+              <a:t>FINALISATION DE LA SOLUTION</a:t>
             </a:r>
             <a:endParaRPr lang="en-US" altLang="en-US" b="1">
               <a:latin typeface="Times New Roman" panose="02020603050405020304" charset="0"/>
@@ -28328,7 +28333,7 @@
                 <a:cs typeface="Times New Roman" panose="02020603050405020304" charset="0"/>
                 <a:sym typeface="+mn-ea"/>
               </a:rPr>
-              <a:t>CONCEPTION</a:t>
+              <a:t>RÉALISATION DU SYSTÈME</a:t>
             </a:r>
             <a:endParaRPr lang="en-US" altLang="en-US" b="1">
               <a:latin typeface="Times New Roman" panose="02020603050405020304" charset="0"/>
@@ -28376,7 +28381,7 @@
                 <a:cs typeface="Times New Roman" panose="02020603050405020304" charset="0"/>
                 <a:sym typeface="+mn-ea"/>
               </a:rPr>
-              <a:t>MISE EN OEUVRE DE LA SOLUTION</a:t>
+              <a:t>FINALISATION DE LA SOLUTION</a:t>
             </a:r>
             <a:endParaRPr lang="en-US" altLang="en-US" b="1">
               <a:latin typeface="Times New Roman" panose="02020603050405020304" charset="0"/>

--- a/Documents/theme/diapo.pptx
+++ b/Documents/theme/diapo.pptx
@@ -574,6 +574,94 @@
 </file>
 
 <file path=ppt/notesSlides/notesSlide3.xml><?xml version="1.0" encoding="utf-8"?>
+<p:notes xmlns:a="http://schemas.openxmlformats.org/drawingml/2006/main" xmlns:r="http://schemas.openxmlformats.org/officeDocument/2006/relationships" xmlns:p="http://schemas.openxmlformats.org/presentationml/2006/main">
+  <p:cSld>
+    <p:spTree>
+      <p:nvGrpSpPr>
+        <p:cNvPr id="1" name=""/>
+        <p:cNvGrpSpPr/>
+        <p:nvPr/>
+      </p:nvGrpSpPr>
+      <p:grpSpPr/>
+      <p:sp>
+        <p:nvSpPr>
+          <p:cNvPr id="2" name="Slide Image Placeholder 1"/>
+          <p:cNvSpPr/>
+          <p:nvPr>
+            <p:ph type="sldImg" idx="2"/>
+          </p:nvPr>
+        </p:nvSpPr>
+        <p:spPr/>
+      </p:sp>
+      <p:sp>
+        <p:nvSpPr>
+          <p:cNvPr id="3" name="Text Placeholder 2"/>
+          <p:cNvSpPr/>
+          <p:nvPr>
+            <p:ph type="body" idx="3"/>
+          </p:nvPr>
+        </p:nvSpPr>
+        <p:spPr/>
+        <p:txBody>
+          <a:bodyPr/>
+          <a:p>
+            <a:endParaRPr lang="en-US"/>
+          </a:p>
+        </p:txBody>
+      </p:sp>
+    </p:spTree>
+  </p:cSld>
+  <p:clrMapOvr>
+    <a:masterClrMapping/>
+  </p:clrMapOvr>
+</p:notes>
+</file>
+
+<file path=ppt/notesSlides/notesSlide4.xml><?xml version="1.0" encoding="utf-8"?>
+<p:notes xmlns:a="http://schemas.openxmlformats.org/drawingml/2006/main" xmlns:r="http://schemas.openxmlformats.org/officeDocument/2006/relationships" xmlns:p="http://schemas.openxmlformats.org/presentationml/2006/main">
+  <p:cSld>
+    <p:spTree>
+      <p:nvGrpSpPr>
+        <p:cNvPr id="1" name=""/>
+        <p:cNvGrpSpPr/>
+        <p:nvPr/>
+      </p:nvGrpSpPr>
+      <p:grpSpPr/>
+      <p:sp>
+        <p:nvSpPr>
+          <p:cNvPr id="2" name="Slide Image Placeholder 1"/>
+          <p:cNvSpPr/>
+          <p:nvPr>
+            <p:ph type="sldImg" idx="2"/>
+          </p:nvPr>
+        </p:nvSpPr>
+        <p:spPr/>
+      </p:sp>
+      <p:sp>
+        <p:nvSpPr>
+          <p:cNvPr id="3" name="Text Placeholder 2"/>
+          <p:cNvSpPr/>
+          <p:nvPr>
+            <p:ph type="body" idx="3"/>
+          </p:nvPr>
+        </p:nvSpPr>
+        <p:spPr/>
+        <p:txBody>
+          <a:bodyPr/>
+          <a:p>
+            <a:endParaRPr lang="en-US"/>
+          </a:p>
+        </p:txBody>
+      </p:sp>
+    </p:spTree>
+  </p:cSld>
+  <p:clrMapOvr>
+    <a:masterClrMapping/>
+  </p:clrMapOvr>
+</p:notes>
+</file>
+
+<file path=ppt/notesSlides/notesSlide5.xml><?xml version="1.0" encoding="utf-8"?>
 <p:notes xmlns:a="http://schemas.openxmlformats.org/drawingml/2006/main" xmlns:r="http://schemas.openxmlformats.org/officeDocument/2006/relationships" xmlns:p="http://schemas.openxmlformats.org/presentationml/2006/main">
   <p:cSld>
     <p:spTree>
@@ -3993,7 +4081,7 @@
         <p:spPr>
           <a:xfrm>
             <a:off x="356870" y="5876925"/>
-            <a:ext cx="2710815" cy="876300"/>
+            <a:ext cx="2858770" cy="876300"/>
           </a:xfrm>
           <a:prstGeom prst="rect">
             <a:avLst/>
@@ -5813,16 +5901,9 @@
                     <a:latin typeface="Times New Roman" panose="02020603050405020304" charset="0"/>
                     <a:cs typeface="Times New Roman" panose="02020603050405020304" charset="0"/>
                   </a:rPr>
-                  <a:t>Paiement </a:t>
+                  <a:t>Paiement électronique</a:t>
                 </a:r>
-                <a:r>
-                  <a:rPr lang="" altLang="en-US" sz="2200" b="1">
-                    <a:latin typeface="Times New Roman" panose="02020603050405020304" charset="0"/>
-                    <a:cs typeface="Times New Roman" panose="02020603050405020304" charset="0"/>
-                  </a:rPr>
-                  <a:t>électronique</a:t>
-                </a:r>
-                <a:endParaRPr lang="" altLang="en-US" sz="2200" b="1">
+                <a:endParaRPr lang="en-US" altLang="en-US" sz="2200" b="1">
                   <a:latin typeface="Times New Roman" panose="02020603050405020304" charset="0"/>
                   <a:cs typeface="Times New Roman" panose="02020603050405020304" charset="0"/>
                 </a:endParaRPr>
@@ -5869,7 +5950,7 @@
               <a:p>
                 <a:pPr algn="just"/>
                 <a:r>
-                  <a:rPr lang="" altLang="en-US" sz="2200" b="1">
+                  <a:rPr lang="en-US" altLang="en-US" sz="2200" b="1">
                     <a:solidFill>
                       <a:schemeClr val="tx1"/>
                     </a:solidFill>
@@ -5964,7 +6045,7 @@
                   <a:buChar char="•"/>
                 </a:pPr>
                 <a:r>
-                  <a:rPr lang="" sz="2400" b="1">
+                  <a:rPr lang="en-US" sz="2400" b="1">
                     <a:solidFill>
                       <a:schemeClr val="tx1"/>
                     </a:solidFill>
@@ -5974,16 +6055,6 @@
                   <a:t>P</a:t>
                 </a:r>
                 <a:r>
-                  <a:rPr lang="" altLang="en-US" sz="2400" b="1">
-                    <a:solidFill>
-                      <a:schemeClr val="tx1"/>
-                    </a:solidFill>
-                    <a:latin typeface="Times New Roman" panose="02020603050405020304" charset="0"/>
-                    <a:cs typeface="Times New Roman" panose="02020603050405020304" charset="0"/>
-                  </a:rPr>
-                  <a:t>ar carte bancaire</a:t>
-                </a:r>
-                <a:r>
                   <a:rPr lang="en-US" altLang="en-US" sz="2400" b="1">
                     <a:solidFill>
                       <a:schemeClr val="tx1"/>
@@ -5991,7 +6062,7 @@
                     <a:latin typeface="Times New Roman" panose="02020603050405020304" charset="0"/>
                     <a:cs typeface="Times New Roman" panose="02020603050405020304" charset="0"/>
                   </a:rPr>
-                  <a:t> </a:t>
+                  <a:t>ar carte bancaire </a:t>
                 </a:r>
                 <a:endParaRPr lang="en-US" altLang="en-US" sz="2400" b="1">
                   <a:solidFill>
@@ -6010,7 +6081,7 @@
                   <a:buChar char="•"/>
                 </a:pPr>
                 <a:r>
-                  <a:rPr lang="" sz="2400" b="1">
+                  <a:rPr lang="en-US" sz="2400" b="1">
                     <a:solidFill>
                       <a:schemeClr val="tx1"/>
                     </a:solidFill>
@@ -6020,7 +6091,7 @@
                   <a:t>Via</a:t>
                 </a:r>
                 <a:r>
-                  <a:rPr lang="" altLang="en-US" sz="2400" b="1">
+                  <a:rPr lang="en-US" altLang="en-US" sz="2400" b="1">
                     <a:solidFill>
                       <a:schemeClr val="tx1"/>
                     </a:solidFill>
@@ -6029,7 +6100,7 @@
                   </a:rPr>
                   <a:t> les cryptomonnaies</a:t>
                 </a:r>
-                <a:endParaRPr lang="" altLang="en-US" sz="2400" b="1">
+                <a:endParaRPr lang="en-US" altLang="en-US" sz="2400" b="1">
                   <a:solidFill>
                     <a:schemeClr val="tx1"/>
                   </a:solidFill>
@@ -6046,7 +6117,7 @@
                   <a:buChar char="•"/>
                 </a:pPr>
                 <a:r>
-                  <a:rPr lang="" altLang="en-US" sz="2400" b="1">
+                  <a:rPr lang="en-US" altLang="en-US" sz="2400" b="1">
                     <a:solidFill>
                       <a:schemeClr val="tx1"/>
                     </a:solidFill>
@@ -6055,7 +6126,7 @@
                   </a:rPr>
                   <a:t>Par mobile via USSD</a:t>
                 </a:r>
-                <a:endParaRPr lang="" altLang="en-US" sz="2400" b="1">
+                <a:endParaRPr lang="en-US" altLang="en-US" sz="2400" b="1">
                   <a:solidFill>
                     <a:schemeClr val="tx1"/>
                   </a:solidFill>
@@ -6108,7 +6179,7 @@
                 <a:buChar char="•"/>
               </a:pPr>
               <a:r>
-                <a:rPr lang="" altLang="en-US" sz="2400" b="1">
+                <a:rPr lang="en-US" altLang="en-US" sz="2400" b="1">
                   <a:solidFill>
                     <a:schemeClr val="tx1"/>
                   </a:solidFill>
@@ -6117,7 +6188,7 @@
                 </a:rPr>
                 <a:t>Par SMS</a:t>
               </a:r>
-              <a:endParaRPr lang="" altLang="en-US" sz="2400" b="1">
+              <a:endParaRPr lang="en-US" altLang="en-US" sz="2400" b="1">
                 <a:solidFill>
                   <a:schemeClr val="tx1"/>
                 </a:solidFill>
@@ -6131,7 +6202,7 @@
                 <a:buChar char="•"/>
               </a:pPr>
               <a:r>
-                <a:rPr lang="" altLang="en-US" sz="2400" b="1">
+                <a:rPr lang="en-US" altLang="en-US" sz="2400" b="1">
                   <a:solidFill>
                     <a:schemeClr val="tx1"/>
                   </a:solidFill>
@@ -6140,7 +6211,7 @@
                 </a:rPr>
                 <a:t>Par QR code</a:t>
               </a:r>
-              <a:endParaRPr lang="" altLang="en-US" sz="2400" b="1">
+              <a:endParaRPr lang="en-US" altLang="en-US" sz="2400" b="1">
                 <a:solidFill>
                   <a:schemeClr val="tx1"/>
                 </a:solidFill>
@@ -6154,7 +6225,7 @@
                 <a:buChar char="•"/>
               </a:pPr>
               <a:r>
-                <a:rPr lang="" altLang="en-US" sz="2400" b="1">
+                <a:rPr lang="en-US" altLang="en-US" sz="2400" b="1">
                   <a:solidFill>
                     <a:schemeClr val="tx1"/>
                   </a:solidFill>
@@ -6163,7 +6234,7 @@
                 </a:rPr>
                 <a:t>Par NFC</a:t>
               </a:r>
-              <a:endParaRPr lang="" altLang="en-US" sz="2400" b="1">
+              <a:endParaRPr lang="en-US" altLang="en-US" sz="2400" b="1">
                 <a:solidFill>
                   <a:schemeClr val="tx1"/>
                 </a:solidFill>
@@ -6740,28 +6811,7 @@
                 <a:latin typeface="Times New Roman" panose="02020603050405020304" charset="0"/>
                 <a:cs typeface="Times New Roman" panose="02020603050405020304" charset="0"/>
               </a:rPr>
-              <a:t>Sites de vente des magazines et de journaux </a:t>
-            </a:r>
-            <a:r>
-              <a:rPr lang="" altLang="en-US" sz="2800" b="1">
-                <a:latin typeface="Times New Roman" panose="02020603050405020304" charset="0"/>
-                <a:cs typeface="Times New Roman" panose="02020603050405020304" charset="0"/>
-              </a:rPr>
-              <a:t>:</a:t>
-            </a:r>
-            <a:r>
-              <a:rPr lang="en-US" altLang="en-US" sz="2800" b="1">
-                <a:latin typeface="Times New Roman" panose="02020603050405020304" charset="0"/>
-                <a:cs typeface="Times New Roman" panose="02020603050405020304" charset="0"/>
-              </a:rPr>
-              <a:t> Calameo</a:t>
-            </a:r>
-            <a:r>
-              <a:rPr lang="" altLang="en-US" sz="2800" b="1">
-                <a:latin typeface="Times New Roman" panose="02020603050405020304" charset="0"/>
-                <a:cs typeface="Times New Roman" panose="02020603050405020304" charset="0"/>
-              </a:rPr>
-              <a:t>, publitas, joomag</a:t>
+              <a:t>Sites de vente des magazines et de journaux : Calameo, publitas, joomag</a:t>
             </a:r>
             <a:endParaRPr lang="en-US" altLang="en-US" sz="2800" b="1">
               <a:latin typeface="Times New Roman" panose="02020603050405020304" charset="0"/>
@@ -7355,8 +7405,8 @@
         </p:nvSpPr>
         <p:spPr>
           <a:xfrm>
-            <a:off x="81915" y="1386205"/>
-            <a:ext cx="12021820" cy="6101080"/>
+            <a:off x="81915" y="1269365"/>
+            <a:ext cx="12021820" cy="6217920"/>
           </a:xfrm>
         </p:spPr>
         <p:txBody>
@@ -7801,7 +7851,7 @@
                   </a:txBody>
                   <a:tcPr>
                     <a:solidFill>
-                      <a:srgbClr val="00B050"/>
+                      <a:schemeClr val="accent6"/>
                     </a:solidFill>
                   </a:tcPr>
                 </a:tc>
@@ -13752,7 +13802,7 @@
               <a:t>Architecture logique de </a:t>
             </a:r>
             <a:r>
-              <a:rPr lang="" altLang="en-US" sz="2200" b="1">
+              <a:rPr lang="en-US" altLang="en-US" sz="2200" b="1">
                 <a:solidFill>
                   <a:schemeClr val="tx1"/>
                 </a:solidFill>
@@ -18484,19 +18534,9 @@
                 <a:latin typeface="Times New Roman" panose="02020603050405020304" charset="0"/>
                 <a:cs typeface="Times New Roman" panose="02020603050405020304" charset="0"/>
               </a:rPr>
-              <a:t>Diagramme de séquences-objets détaillés </a:t>
-            </a:r>
-            <a:r>
-              <a:rPr lang="" altLang="en-US" sz="2200" b="1">
-                <a:solidFill>
-                  <a:schemeClr val="tx1"/>
-                </a:solidFill>
-                <a:latin typeface="Times New Roman" panose="02020603050405020304" charset="0"/>
-                <a:cs typeface="Times New Roman" panose="02020603050405020304" charset="0"/>
-              </a:rPr>
-              <a:t>du cas d'utilisation “Créer compte client” </a:t>
-            </a:r>
-            <a:endParaRPr lang="" altLang="en-US" sz="2200" b="1">
+              <a:t>Diagramme de séquences-objets détaillés du cas d'utilisation “Créer compte client” </a:t>
+            </a:r>
+            <a:endParaRPr lang="en-US" altLang="en-US" sz="2200" b="1">
               <a:solidFill>
                 <a:schemeClr val="tx1"/>
               </a:solidFill>
@@ -23275,13 +23315,13 @@
           <a:p>
             <a:pPr algn="ctr"/>
             <a:r>
-              <a:rPr lang="" altLang="en-US" b="1">
+              <a:rPr lang="en-US" altLang="en-US" b="1">
                 <a:latin typeface="Times New Roman" panose="02020603050405020304" charset="0"/>
                 <a:cs typeface="Times New Roman" panose="02020603050405020304" charset="0"/>
               </a:rPr>
               <a:t>RÉALISATION DU SYSTÈME</a:t>
             </a:r>
-            <a:endParaRPr lang="" altLang="en-US" b="1">
+            <a:endParaRPr lang="en-US" altLang="en-US" b="1">
               <a:latin typeface="Times New Roman" panose="02020603050405020304" charset="0"/>
               <a:cs typeface="Times New Roman" panose="02020603050405020304" charset="0"/>
             </a:endParaRPr>
@@ -24221,8 +24261,8 @@
               </a:xfrm>
               <a:prstGeom prst="wedgeRoundRectCallout">
                 <a:avLst>
-                  <a:gd name="adj1" fmla="val -36230"/>
-                  <a:gd name="adj2" fmla="val 110904"/>
+                  <a:gd name="adj1" fmla="val -44424"/>
+                  <a:gd name="adj2" fmla="val 121276"/>
                   <a:gd name="adj3" fmla="val 16667"/>
                 </a:avLst>
               </a:prstGeom>

--- a/Documents/theme/diapo.pptx
+++ b/Documents/theme/diapo.pptx
@@ -5842,9 +5842,9 @@
         <p:grpSpPr>
           <a:xfrm>
             <a:off x="83185" y="3918585"/>
-            <a:ext cx="11783060" cy="2811780"/>
+            <a:ext cx="11783695" cy="2811780"/>
             <a:chOff x="131" y="6171"/>
-            <a:chExt cx="18556" cy="4428"/>
+            <a:chExt cx="18557" cy="4428"/>
           </a:xfrm>
         </p:grpSpPr>
         <p:grpSp>
@@ -5919,12 +5919,12 @@
             <p:spPr>
               <a:xfrm>
                 <a:off x="5157" y="6171"/>
-                <a:ext cx="12222" cy="1293"/>
+                <a:ext cx="12809" cy="1293"/>
               </a:xfrm>
               <a:prstGeom prst="wedgeRoundRectCallout">
                 <a:avLst>
-                  <a:gd name="adj1" fmla="val -77655"/>
-                  <a:gd name="adj2" fmla="val 131747"/>
+                  <a:gd name="adj1" fmla="val -68752"/>
+                  <a:gd name="adj2" fmla="val 129737"/>
                   <a:gd name="adj3" fmla="val 16667"/>
                 </a:avLst>
               </a:prstGeom>
@@ -5957,7 +5957,27 @@
                     <a:latin typeface="Times New Roman" panose="02020603050405020304" charset="0"/>
                     <a:cs typeface="Times New Roman" panose="02020603050405020304" charset="0"/>
                   </a:rPr>
-                  <a:t>mode de </a:t>
+                  <a:t>m</a:t>
+                </a:r>
+                <a:r>
+                  <a:rPr lang="" altLang="en-US" sz="2200" b="1">
+                    <a:solidFill>
+                      <a:schemeClr val="tx1"/>
+                    </a:solidFill>
+                    <a:latin typeface="Times New Roman" panose="02020603050405020304" charset="0"/>
+                    <a:cs typeface="Times New Roman" panose="02020603050405020304" charset="0"/>
+                  </a:rPr>
+                  <a:t>éthode</a:t>
+                </a:r>
+                <a:r>
+                  <a:rPr lang="en-US" altLang="en-US" sz="2200" b="1">
+                    <a:solidFill>
+                      <a:schemeClr val="tx1"/>
+                    </a:solidFill>
+                    <a:latin typeface="Times New Roman" panose="02020603050405020304" charset="0"/>
+                    <a:cs typeface="Times New Roman" panose="02020603050405020304" charset="0"/>
+                  </a:rPr>
+                  <a:t> de </a:t>
                 </a:r>
                 <a:r>
                   <a:rPr lang="en-US" sz="2200" b="1">
@@ -5992,8 +6012,8 @@
               </a:xfrm>
               <a:prstGeom prst="wedgeRoundRectCallout">
                 <a:avLst>
-                  <a:gd name="adj1" fmla="val -101336"/>
-                  <a:gd name="adj2" fmla="val 26193"/>
+                  <a:gd name="adj1" fmla="val -93649"/>
+                  <a:gd name="adj2" fmla="val 28973"/>
                   <a:gd name="adj3" fmla="val 16667"/>
                 </a:avLst>
               </a:prstGeom>
@@ -6967,8 +6987,8 @@
         </p:nvSpPr>
         <p:spPr>
           <a:xfrm>
-            <a:off x="214630" y="2575560"/>
-            <a:ext cx="11889740" cy="790575"/>
+            <a:off x="83185" y="2575560"/>
+            <a:ext cx="12021185" cy="790575"/>
           </a:xfrm>
           <a:prstGeom prst="roundRect">
             <a:avLst/>
@@ -10206,6 +10226,16 @@
           <a:p>
             <a:pPr algn="ctr"/>
             <a:r>
+              <a:rPr lang="" altLang="en-US" sz="2200" b="1">
+                <a:solidFill>
+                  <a:schemeClr val="tx1"/>
+                </a:solidFill>
+                <a:latin typeface="Times New Roman" panose="02020603050405020304" charset="0"/>
+                <a:cs typeface="Times New Roman" panose="02020603050405020304" charset="0"/>
+              </a:rPr>
+              <a:t>1- </a:t>
+            </a:r>
+            <a:r>
               <a:rPr lang="en-US" altLang="en-US" sz="2200" b="1">
                 <a:solidFill>
                   <a:schemeClr val="tx1"/>
@@ -11129,8 +11159,8 @@
         </p:nvSpPr>
         <p:spPr>
           <a:xfrm>
-            <a:off x="635000" y="3510915"/>
-            <a:ext cx="3115310" cy="1134745"/>
+            <a:off x="437515" y="3510915"/>
+            <a:ext cx="3312795" cy="1134745"/>
           </a:xfrm>
           <a:prstGeom prst="ellipse">
             <a:avLst/>
@@ -11156,6 +11186,16 @@
           <a:bodyPr rtlCol="0" anchor="ctr"/>
           <a:p>
             <a:pPr algn="ctr"/>
+            <a:r>
+              <a:rPr lang="" altLang="en-US" sz="2200" b="1">
+                <a:solidFill>
+                  <a:schemeClr val="tx1"/>
+                </a:solidFill>
+                <a:latin typeface="Times New Roman" panose="02020603050405020304" charset="0"/>
+                <a:cs typeface="Times New Roman" panose="02020603050405020304" charset="0"/>
+              </a:rPr>
+              <a:t>2- </a:t>
+            </a:r>
             <a:r>
               <a:rPr lang="en-US" altLang="en-US" sz="2200" b="1">
                 <a:solidFill>
@@ -11933,6 +11973,16 @@
           <a:bodyPr rtlCol="0" anchor="ctr"/>
           <a:p>
             <a:pPr algn="ctr"/>
+            <a:r>
+              <a:rPr lang="" altLang="en-US" sz="2200" b="1">
+                <a:solidFill>
+                  <a:schemeClr val="tx1"/>
+                </a:solidFill>
+                <a:latin typeface="Times New Roman" panose="02020603050405020304" charset="0"/>
+                <a:cs typeface="Times New Roman" panose="02020603050405020304" charset="0"/>
+              </a:rPr>
+              <a:t>2- </a:t>
+            </a:r>
             <a:r>
               <a:rPr lang="en-US" altLang="en-US" sz="2200" b="1">
                 <a:solidFill>
@@ -12992,8 +13042,8 @@
         </p:nvSpPr>
         <p:spPr>
           <a:xfrm>
-            <a:off x="1127125" y="3685540"/>
-            <a:ext cx="2868930" cy="1134745"/>
+            <a:off x="601345" y="3685540"/>
+            <a:ext cx="3394710" cy="1134745"/>
           </a:xfrm>
           <a:prstGeom prst="ellipse">
             <a:avLst/>
@@ -13019,6 +13069,16 @@
           <a:bodyPr rtlCol="0" anchor="ctr"/>
           <a:p>
             <a:pPr algn="ctr"/>
+            <a:r>
+              <a:rPr lang="" altLang="en-US" sz="2200" b="1">
+                <a:solidFill>
+                  <a:schemeClr val="tx1"/>
+                </a:solidFill>
+                <a:latin typeface="Times New Roman" panose="02020603050405020304" charset="0"/>
+                <a:cs typeface="Times New Roman" panose="02020603050405020304" charset="0"/>
+              </a:rPr>
+              <a:t>3- </a:t>
+            </a:r>
             <a:r>
               <a:rPr lang="en-US" altLang="en-US" sz="2200" b="1">
                 <a:solidFill>
@@ -13705,8 +13765,8 @@
         </p:nvSpPr>
         <p:spPr>
           <a:xfrm>
-            <a:off x="984250" y="3510915"/>
-            <a:ext cx="2868930" cy="1134745"/>
+            <a:off x="885190" y="3510915"/>
+            <a:ext cx="2983865" cy="1134745"/>
           </a:xfrm>
           <a:prstGeom prst="ellipse">
             <a:avLst/>
@@ -13732,6 +13792,16 @@
           <a:bodyPr rtlCol="0" anchor="ctr"/>
           <a:p>
             <a:pPr algn="ctr"/>
+            <a:r>
+              <a:rPr lang="" altLang="en-US" sz="2200" b="1">
+                <a:solidFill>
+                  <a:schemeClr val="tx1"/>
+                </a:solidFill>
+                <a:latin typeface="Times New Roman" panose="02020603050405020304" charset="0"/>
+                <a:cs typeface="Times New Roman" panose="02020603050405020304" charset="0"/>
+              </a:rPr>
+              <a:t>4- </a:t>
+            </a:r>
             <a:r>
               <a:rPr lang="en-US" sz="2200" b="1">
                 <a:solidFill>
@@ -15802,7 +15872,17 @@
               </a:rPr>
               <a:t>Diagramme de classes préliminaire</a:t>
             </a:r>
-            <a:endParaRPr lang="en-US" altLang="en-US" sz="2200" b="1">
+            <a:r>
+              <a:rPr lang="" altLang="en-US" sz="2200" b="1">
+                <a:solidFill>
+                  <a:schemeClr val="tx1"/>
+                </a:solidFill>
+                <a:latin typeface="Times New Roman" panose="02020603050405020304" charset="0"/>
+                <a:cs typeface="Times New Roman" panose="02020603050405020304" charset="0"/>
+              </a:rPr>
+              <a:t>s</a:t>
+            </a:r>
+            <a:endParaRPr lang="" altLang="en-US" sz="2200" b="1">
               <a:solidFill>
                 <a:schemeClr val="tx1"/>
               </a:solidFill>
@@ -15847,6 +15927,16 @@
           <a:bodyPr rtlCol="0" anchor="ctr"/>
           <a:p>
             <a:pPr algn="ctr"/>
+            <a:r>
+              <a:rPr lang="" altLang="en-US" sz="2400" b="1">
+                <a:solidFill>
+                  <a:schemeClr val="tx1"/>
+                </a:solidFill>
+                <a:latin typeface="Times New Roman" panose="02020603050405020304" charset="0"/>
+                <a:cs typeface="Times New Roman" panose="02020603050405020304" charset="0"/>
+              </a:rPr>
+              <a:t>5- </a:t>
+            </a:r>
             <a:r>
               <a:rPr lang="en-US" sz="2400" b="1">
                 <a:solidFill>
@@ -16710,6 +16800,16 @@
           <a:bodyPr rtlCol="0" anchor="ctr"/>
           <a:p>
             <a:pPr algn="ctr"/>
+            <a:r>
+              <a:rPr lang="" altLang="en-US" sz="2400" b="1">
+                <a:solidFill>
+                  <a:schemeClr val="tx1"/>
+                </a:solidFill>
+                <a:latin typeface="Times New Roman" panose="02020603050405020304" charset="0"/>
+                <a:cs typeface="Times New Roman" panose="02020603050405020304" charset="0"/>
+              </a:rPr>
+              <a:t>5- </a:t>
+            </a:r>
             <a:r>
               <a:rPr lang="en-US" sz="2400" b="1">
                 <a:solidFill>
@@ -19747,8 +19847,8 @@
         </p:nvSpPr>
         <p:spPr>
           <a:xfrm>
-            <a:off x="81915" y="1386205"/>
-            <a:ext cx="12021820" cy="5344160"/>
+            <a:off x="81915" y="1158875"/>
+            <a:ext cx="12021820" cy="5571490"/>
           </a:xfrm>
         </p:spPr>
         <p:txBody>
@@ -19978,7 +20078,7 @@
       </p:sp>
       <p:pic>
         <p:nvPicPr>
-          <p:cNvPr id="5" name="Picture 4" descr="eval_eco"/>
+          <p:cNvPr id="9" name="Picture 8" descr="eval_eco"/>
           <p:cNvPicPr>
             <a:picLocks noChangeAspect="1"/>
           </p:cNvPicPr>
@@ -19992,8 +20092,8 @@
         </p:blipFill>
         <p:spPr>
           <a:xfrm>
-            <a:off x="942975" y="1852930"/>
-            <a:ext cx="10619105" cy="4876800"/>
+            <a:off x="83185" y="1597660"/>
+            <a:ext cx="12020550" cy="5132705"/>
           </a:xfrm>
           <a:prstGeom prst="rect">
             <a:avLst/>
@@ -20032,7 +20132,7 @@
                             </p:stCondLst>
                             <p:childTnLst>
                               <p:par>
-                                <p:cTn id="5" presetID="42" presetClass="entr" presetSubtype="0" fill="hold" nodeType="afterEffect">
+                                <p:cTn id="5" presetID="42" presetClass="entr" presetSubtype="0" fill="hold" nodeType="withEffect">
                                   <p:stCondLst>
                                     <p:cond delay="0"/>
                                   </p:stCondLst>
@@ -20045,7 +20145,7 @@
                                           </p:stCondLst>
                                         </p:cTn>
                                         <p:tgtEl>
-                                          <p:spTgt spid="5"/>
+                                          <p:spTgt spid="9"/>
                                         </p:tgtEl>
                                         <p:attrNameLst>
                                           <p:attrName>style.visibility</p:attrName>
@@ -20059,7 +20159,7 @@
                                       <p:cBhvr>
                                         <p:cTn id="7" dur="1000"/>
                                         <p:tgtEl>
-                                          <p:spTgt spid="5"/>
+                                          <p:spTgt spid="9"/>
                                         </p:tgtEl>
                                       </p:cBhvr>
                                     </p:animEffect>
@@ -20067,7 +20167,7 @@
                                       <p:cBhvr>
                                         <p:cTn id="8" dur="1000" fill="hold"/>
                                         <p:tgtEl>
-                                          <p:spTgt spid="5"/>
+                                          <p:spTgt spid="9"/>
                                         </p:tgtEl>
                                         <p:attrNameLst>
                                           <p:attrName>ppt_x</p:attrName>
@@ -20090,7 +20190,7 @@
                                       <p:cBhvr>
                                         <p:cTn id="9" dur="1000" fill="hold"/>
                                         <p:tgtEl>
-                                          <p:spTgt spid="5"/>
+                                          <p:spTgt spid="9"/>
                                         </p:tgtEl>
                                         <p:attrNameLst>
                                           <p:attrName>ppt_y</p:attrName>
@@ -20598,42 +20698,6 @@
         <p:nvPr/>
       </p:nvGrpSpPr>
       <p:grpSpPr/>
-      <p:sp>
-        <p:nvSpPr>
-          <p:cNvPr id="2" name="Title 1"/>
-          <p:cNvSpPr>
-            <a:spLocks noGrp="1"/>
-          </p:cNvSpPr>
-          <p:nvPr>
-            <p:ph type="title"/>
-          </p:nvPr>
-        </p:nvSpPr>
-        <p:spPr>
-          <a:xfrm>
-            <a:off x="838200" y="233680"/>
-            <a:ext cx="10515600" cy="733425"/>
-          </a:xfrm>
-        </p:spPr>
-        <p:txBody>
-          <a:bodyPr/>
-          <a:p>
-            <a:pPr algn="ctr"/>
-            <a:r>
-              <a:rPr lang="en-US" altLang="en-US" b="1" u="sng">
-                <a:effectLst/>
-                <a:latin typeface="Times New Roman" panose="02020603050405020304" charset="0"/>
-                <a:cs typeface="Times New Roman" panose="02020603050405020304" charset="0"/>
-              </a:rPr>
-              <a:t>CONCLUSION</a:t>
-            </a:r>
-            <a:endParaRPr lang="en-US" altLang="en-US" b="1" u="sng">
-              <a:effectLst/>
-              <a:latin typeface="Times New Roman" panose="02020603050405020304" charset="0"/>
-              <a:cs typeface="Times New Roman" panose="02020603050405020304" charset="0"/>
-            </a:endParaRPr>
-          </a:p>
-        </p:txBody>
-      </p:sp>
       <p:sp>
         <p:nvSpPr>
           <p:cNvPr id="4" name="Rounded Rectangle 3"/>
@@ -20802,10 +20866,10 @@
         </p:nvGrpSpPr>
         <p:grpSpPr>
           <a:xfrm>
-            <a:off x="443865" y="1216025"/>
-            <a:ext cx="11713845" cy="1983105"/>
-            <a:chOff x="699" y="1967"/>
-            <a:chExt cx="18447" cy="3123"/>
+            <a:off x="198120" y="295910"/>
+            <a:ext cx="11960225" cy="2903220"/>
+            <a:chOff x="699" y="518"/>
+            <a:chExt cx="18448" cy="4572"/>
           </a:xfrm>
         </p:grpSpPr>
         <p:sp>
@@ -20889,13 +20953,13 @@
           </p:nvSpPr>
           <p:spPr>
             <a:xfrm>
-              <a:off x="9294" y="1967"/>
-              <a:ext cx="9853" cy="3079"/>
+              <a:off x="9065" y="518"/>
+              <a:ext cx="10082" cy="4528"/>
             </a:xfrm>
             <a:prstGeom prst="wedgeRoundRectCallout">
               <a:avLst>
-                <a:gd name="adj1" fmla="val -72064"/>
-                <a:gd name="adj2" fmla="val -11186"/>
+                <a:gd name="adj1" fmla="val -69046"/>
+                <a:gd name="adj2" fmla="val -6029"/>
                 <a:gd name="adj3" fmla="val 16667"/>
               </a:avLst>
             </a:prstGeom>
@@ -21020,6 +21084,29 @@
                 <a:t>Participation à la gestion des projets d’envergure</a:t>
               </a:r>
               <a:endParaRPr lang="en-US" altLang="en-US" sz="2200" b="1">
+                <a:solidFill>
+                  <a:schemeClr val="tx1"/>
+                </a:solidFill>
+                <a:latin typeface="Times New Roman" panose="02020603050405020304" charset="0"/>
+                <a:cs typeface="Times New Roman" panose="02020603050405020304" charset="0"/>
+              </a:endParaRPr>
+            </a:p>
+            <a:p>
+              <a:pPr marL="285750" indent="-285750" algn="just">
+                <a:buFont typeface="Arial" panose="020B0604020202020204" pitchFamily="34" charset="0"/>
+                <a:buChar char="•"/>
+              </a:pPr>
+              <a:r>
+                <a:rPr lang="" altLang="en-US" sz="2200" b="1">
+                  <a:solidFill>
+                    <a:schemeClr val="tx1"/>
+                  </a:solidFill>
+                  <a:latin typeface="Times New Roman" panose="02020603050405020304" charset="0"/>
+                  <a:cs typeface="Times New Roman" panose="02020603050405020304" charset="0"/>
+                </a:rPr>
+                <a:t>Complétion des connaissances sur la conception, Java, outils et techniques de codage</a:t>
+              </a:r>
+              <a:endParaRPr lang="" altLang="en-US" sz="2200" b="1">
                 <a:solidFill>
                   <a:schemeClr val="tx1"/>
                 </a:solidFill>
@@ -21866,7 +21953,7 @@
         </p:nvSpPr>
         <p:spPr>
           <a:xfrm>
-            <a:off x="871220" y="2766695"/>
+            <a:off x="1036320" y="4889500"/>
             <a:ext cx="3472180" cy="855345"/>
           </a:xfrm>
           <a:prstGeom prst="rect">
@@ -21927,7 +22014,7 @@
         </p:nvSpPr>
         <p:spPr>
           <a:xfrm>
-            <a:off x="702310" y="4345305"/>
+            <a:off x="871220" y="2856865"/>
             <a:ext cx="3472180" cy="855345"/>
           </a:xfrm>
           <a:prstGeom prst="rect">
@@ -26618,9 +26705,6 @@
                     <p:cTn id="3" fill="hold">
                       <p:stCondLst>
                         <p:cond delay="indefinite"/>
-                        <p:cond evt="onBegin" delay="0">
-                          <p:tn val="2"/>
-                        </p:cond>
                       </p:stCondLst>
                       <p:childTnLst>
                         <p:par>
@@ -26630,7 +26714,7 @@
                             </p:stCondLst>
                             <p:childTnLst>
                               <p:par>
-                                <p:cTn id="5" presetID="42" presetClass="entr" presetSubtype="0" fill="hold" grpId="0" nodeType="afterEffect">
+                                <p:cTn id="5" presetID="42" presetClass="entr" presetSubtype="0" fill="hold" grpId="0" nodeType="clickEffect">
                                   <p:stCondLst>
                                     <p:cond delay="0"/>
                                   </p:stCondLst>
@@ -28571,6 +28655,16 @@
                   <a:cs typeface="Times New Roman" panose="02020603050405020304" charset="0"/>
                 </a:rPr>
                 <a:t>contenus multimédia</a:t>
+              </a:r>
+              <a:r>
+                <a:rPr lang="" altLang="en-US" sz="2200" b="1">
+                  <a:solidFill>
+                    <a:schemeClr val="tx1"/>
+                  </a:solidFill>
+                  <a:latin typeface="Times New Roman" panose="02020603050405020304" charset="0"/>
+                  <a:cs typeface="Times New Roman" panose="02020603050405020304" charset="0"/>
+                </a:rPr>
+                <a:t>(image,son, video, etc)</a:t>
               </a:r>
               <a:r>
                 <a:rPr lang="en-US" sz="2200" b="1">
